--- a/CSharpProgramming/Presentations/OOProgPartIII/ChainOfResponsibility.pptx
+++ b/CSharpProgramming/Presentations/OOProgPartIII/ChainOfResponsibility.pptx
@@ -16,17 +16,18 @@
     <p:sldId id="482" r:id="rId10"/>
     <p:sldId id="484" r:id="rId11"/>
     <p:sldId id="485" r:id="rId12"/>
-    <p:sldId id="489" r:id="rId13"/>
-    <p:sldId id="487" r:id="rId14"/>
-    <p:sldId id="488" r:id="rId15"/>
-    <p:sldId id="486" r:id="rId16"/>
-    <p:sldId id="490" r:id="rId17"/>
-    <p:sldId id="491" r:id="rId18"/>
-    <p:sldId id="492" r:id="rId19"/>
-    <p:sldId id="456" r:id="rId20"/>
-    <p:sldId id="457" r:id="rId21"/>
-    <p:sldId id="493" r:id="rId22"/>
-    <p:sldId id="494" r:id="rId23"/>
+    <p:sldId id="495" r:id="rId13"/>
+    <p:sldId id="489" r:id="rId14"/>
+    <p:sldId id="487" r:id="rId15"/>
+    <p:sldId id="488" r:id="rId16"/>
+    <p:sldId id="486" r:id="rId17"/>
+    <p:sldId id="490" r:id="rId18"/>
+    <p:sldId id="491" r:id="rId19"/>
+    <p:sldId id="492" r:id="rId20"/>
+    <p:sldId id="456" r:id="rId21"/>
+    <p:sldId id="457" r:id="rId22"/>
+    <p:sldId id="493" r:id="rId23"/>
+    <p:sldId id="494" r:id="rId24"/>
   </p:sldIdLst>
   <p:sldSz cx="12192000" cy="6858000"/>
   <p:notesSz cx="6858000" cy="9144000"/>
@@ -264,7 +265,7 @@
           <a:p>
             <a:fld id="{E15B7D8E-2A20-4C0E-991C-872DBB7459A8}" type="datetimeFigureOut">
               <a:rPr lang="da-DK" smtClean="0"/>
-              <a:t>10-04-2018</a:t>
+              <a:t>13-04-2018</a:t>
             </a:fld>
             <a:endParaRPr lang="da-DK"/>
           </a:p>
@@ -434,7 +435,7 @@
           <a:p>
             <a:fld id="{E15B7D8E-2A20-4C0E-991C-872DBB7459A8}" type="datetimeFigureOut">
               <a:rPr lang="da-DK" smtClean="0"/>
-              <a:t>10-04-2018</a:t>
+              <a:t>13-04-2018</a:t>
             </a:fld>
             <a:endParaRPr lang="da-DK"/>
           </a:p>
@@ -614,7 +615,7 @@
           <a:p>
             <a:fld id="{E15B7D8E-2A20-4C0E-991C-872DBB7459A8}" type="datetimeFigureOut">
               <a:rPr lang="da-DK" smtClean="0"/>
-              <a:t>10-04-2018</a:t>
+              <a:t>13-04-2018</a:t>
             </a:fld>
             <a:endParaRPr lang="da-DK"/>
           </a:p>
@@ -784,7 +785,7 @@
           <a:p>
             <a:fld id="{E15B7D8E-2A20-4C0E-991C-872DBB7459A8}" type="datetimeFigureOut">
               <a:rPr lang="da-DK" smtClean="0"/>
-              <a:t>10-04-2018</a:t>
+              <a:t>13-04-2018</a:t>
             </a:fld>
             <a:endParaRPr lang="da-DK"/>
           </a:p>
@@ -1030,7 +1031,7 @@
           <a:p>
             <a:fld id="{E15B7D8E-2A20-4C0E-991C-872DBB7459A8}" type="datetimeFigureOut">
               <a:rPr lang="da-DK" smtClean="0"/>
-              <a:t>10-04-2018</a:t>
+              <a:t>13-04-2018</a:t>
             </a:fld>
             <a:endParaRPr lang="da-DK"/>
           </a:p>
@@ -1262,7 +1263,7 @@
           <a:p>
             <a:fld id="{E15B7D8E-2A20-4C0E-991C-872DBB7459A8}" type="datetimeFigureOut">
               <a:rPr lang="da-DK" smtClean="0"/>
-              <a:t>10-04-2018</a:t>
+              <a:t>13-04-2018</a:t>
             </a:fld>
             <a:endParaRPr lang="da-DK"/>
           </a:p>
@@ -1629,7 +1630,7 @@
           <a:p>
             <a:fld id="{E15B7D8E-2A20-4C0E-991C-872DBB7459A8}" type="datetimeFigureOut">
               <a:rPr lang="da-DK" smtClean="0"/>
-              <a:t>10-04-2018</a:t>
+              <a:t>13-04-2018</a:t>
             </a:fld>
             <a:endParaRPr lang="da-DK"/>
           </a:p>
@@ -1747,7 +1748,7 @@
           <a:p>
             <a:fld id="{E15B7D8E-2A20-4C0E-991C-872DBB7459A8}" type="datetimeFigureOut">
               <a:rPr lang="da-DK" smtClean="0"/>
-              <a:t>10-04-2018</a:t>
+              <a:t>13-04-2018</a:t>
             </a:fld>
             <a:endParaRPr lang="da-DK"/>
           </a:p>
@@ -1842,7 +1843,7 @@
           <a:p>
             <a:fld id="{E15B7D8E-2A20-4C0E-991C-872DBB7459A8}" type="datetimeFigureOut">
               <a:rPr lang="da-DK" smtClean="0"/>
-              <a:t>10-04-2018</a:t>
+              <a:t>13-04-2018</a:t>
             </a:fld>
             <a:endParaRPr lang="da-DK"/>
           </a:p>
@@ -2119,7 +2120,7 @@
           <a:p>
             <a:fld id="{E15B7D8E-2A20-4C0E-991C-872DBB7459A8}" type="datetimeFigureOut">
               <a:rPr lang="da-DK" smtClean="0"/>
-              <a:t>10-04-2018</a:t>
+              <a:t>13-04-2018</a:t>
             </a:fld>
             <a:endParaRPr lang="da-DK"/>
           </a:p>
@@ -2372,7 +2373,7 @@
           <a:p>
             <a:fld id="{E15B7D8E-2A20-4C0E-991C-872DBB7459A8}" type="datetimeFigureOut">
               <a:rPr lang="da-DK" smtClean="0"/>
-              <a:t>10-04-2018</a:t>
+              <a:t>13-04-2018</a:t>
             </a:fld>
             <a:endParaRPr lang="da-DK"/>
           </a:p>
@@ -2585,7 +2586,7 @@
           <a:p>
             <a:fld id="{E15B7D8E-2A20-4C0E-991C-872DBB7459A8}" type="datetimeFigureOut">
               <a:rPr lang="da-DK" smtClean="0"/>
-              <a:t>10-04-2018</a:t>
+              <a:t>13-04-2018</a:t>
             </a:fld>
             <a:endParaRPr lang="da-DK"/>
           </a:p>
@@ -3307,18 +3308,7 @@
                 </a:solidFill>
                 <a:latin typeface="Consolas" panose="020B0609020204030204" pitchFamily="49" charset="0"/>
               </a:rPr>
-              <a:t>//</a:t>
-            </a:r>
-            <a:r>
-              <a:rPr lang="da-DK" sz="2000" b="1">
-                <a:solidFill>
-                  <a:schemeClr val="accent6">
-                    <a:lumMod val="75000"/>
-                  </a:schemeClr>
-                </a:solidFill>
-                <a:latin typeface="Consolas" panose="020B0609020204030204" pitchFamily="49" charset="0"/>
-              </a:rPr>
-              <a:t> Error handling  </a:t>
+              <a:t>// Error handling  </a:t>
             </a:r>
             <a:r>
               <a:rPr lang="da-DK" sz="2000" b="1" smtClean="0">
@@ -3397,92 +3387,6 @@
       </p:grpSpPr>
       <p:sp>
         <p:nvSpPr>
-          <p:cNvPr id="24" name="Afrundet rektangel 23"/>
-          <p:cNvSpPr/>
-          <p:nvPr/>
-        </p:nvSpPr>
-        <p:spPr>
-          <a:xfrm>
-            <a:off x="4643912" y="5799055"/>
-            <a:ext cx="3332399" cy="918098"/>
-          </a:xfrm>
-          <a:prstGeom prst="roundRect">
-            <a:avLst/>
-          </a:prstGeom>
-          <a:solidFill>
-            <a:srgbClr val="C00000"/>
-          </a:solidFill>
-        </p:spPr>
-        <p:style>
-          <a:lnRef idx="2">
-            <a:schemeClr val="accent1">
-              <a:shade val="50000"/>
-            </a:schemeClr>
-          </a:lnRef>
-          <a:fillRef idx="1">
-            <a:schemeClr val="accent1"/>
-          </a:fillRef>
-          <a:effectRef idx="0">
-            <a:schemeClr val="accent1"/>
-          </a:effectRef>
-          <a:fontRef idx="minor">
-            <a:schemeClr val="lt1"/>
-          </a:fontRef>
-        </p:style>
-        <p:txBody>
-          <a:bodyPr rtlCol="0" anchor="t"/>
-          <a:lstStyle/>
-          <a:p>
-            <a:pPr algn="ctr"/>
-            <a:endParaRPr lang="da-DK" sz="3200" smtClean="0"/>
-          </a:p>
-        </p:txBody>
-      </p:sp>
-      <p:sp>
-        <p:nvSpPr>
-          <p:cNvPr id="23" name="Afrundet rektangel 22"/>
-          <p:cNvSpPr/>
-          <p:nvPr/>
-        </p:nvSpPr>
-        <p:spPr>
-          <a:xfrm>
-            <a:off x="4491512" y="5646655"/>
-            <a:ext cx="3332399" cy="918098"/>
-          </a:xfrm>
-          <a:prstGeom prst="roundRect">
-            <a:avLst/>
-          </a:prstGeom>
-          <a:solidFill>
-            <a:srgbClr val="C00000"/>
-          </a:solidFill>
-        </p:spPr>
-        <p:style>
-          <a:lnRef idx="2">
-            <a:schemeClr val="accent1">
-              <a:shade val="50000"/>
-            </a:schemeClr>
-          </a:lnRef>
-          <a:fillRef idx="1">
-            <a:schemeClr val="accent1"/>
-          </a:fillRef>
-          <a:effectRef idx="0">
-            <a:schemeClr val="accent1"/>
-          </a:effectRef>
-          <a:fontRef idx="minor">
-            <a:schemeClr val="lt1"/>
-          </a:fontRef>
-        </p:style>
-        <p:txBody>
-          <a:bodyPr rtlCol="0" anchor="t"/>
-          <a:lstStyle/>
-          <a:p>
-            <a:pPr algn="ctr"/>
-            <a:endParaRPr lang="da-DK" sz="3200" smtClean="0"/>
-          </a:p>
-        </p:txBody>
-      </p:sp>
-      <p:sp>
-        <p:nvSpPr>
           <p:cNvPr id="4" name="Afrundet rektangel 3"/>
           <p:cNvSpPr/>
           <p:nvPr/>
@@ -3615,11 +3519,6 @@
               </a:rPr>
               <a:t>IHandler</a:t>
             </a:r>
-            <a:endParaRPr lang="da-DK" sz="4800" smtClean="0">
-              <a:solidFill>
-                <a:srgbClr val="FFFF00"/>
-              </a:solidFill>
-            </a:endParaRPr>
           </a:p>
         </p:txBody>
       </p:sp>
@@ -3671,7 +3570,362 @@
               <a:rPr lang="da-DK" sz="3600" smtClean="0"/>
               <a:t>HandlerBase</a:t>
             </a:r>
-            <a:endParaRPr lang="da-DK" sz="3600" smtClean="0"/>
+          </a:p>
+        </p:txBody>
+      </p:sp>
+      <p:cxnSp>
+        <p:nvCxnSpPr>
+          <p:cNvPr id="15" name="Vinklet forbindelse 2"/>
+          <p:cNvCxnSpPr/>
+          <p:nvPr/>
+        </p:nvCxnSpPr>
+        <p:spPr>
+          <a:xfrm flipH="1" flipV="1">
+            <a:off x="5997975" y="1593228"/>
+            <a:ext cx="7337" cy="688277"/>
+          </a:xfrm>
+          <a:prstGeom prst="straightConnector1">
+            <a:avLst/>
+          </a:prstGeom>
+          <a:ln w="76200">
+            <a:solidFill>
+              <a:schemeClr val="tx1"/>
+            </a:solidFill>
+            <a:headEnd w="lg" len="lg"/>
+            <a:tailEnd type="triangle" w="lg" len="lg"/>
+          </a:ln>
+        </p:spPr>
+        <p:style>
+          <a:lnRef idx="1">
+            <a:schemeClr val="accent1"/>
+          </a:lnRef>
+          <a:fillRef idx="0">
+            <a:schemeClr val="accent1"/>
+          </a:fillRef>
+          <a:effectRef idx="0">
+            <a:schemeClr val="accent1"/>
+          </a:effectRef>
+          <a:fontRef idx="minor">
+            <a:schemeClr val="tx1"/>
+          </a:fontRef>
+        </p:style>
+      </p:cxnSp>
+    </p:spTree>
+    <p:extLst>
+      <p:ext uri="{BB962C8B-B14F-4D97-AF65-F5344CB8AC3E}">
+        <p14:creationId xmlns:p14="http://schemas.microsoft.com/office/powerpoint/2010/main" val="1624942812"/>
+      </p:ext>
+    </p:extLst>
+  </p:cSld>
+  <p:clrMapOvr>
+    <a:masterClrMapping/>
+  </p:clrMapOvr>
+  <mc:AlternateContent xmlns:mc="http://schemas.openxmlformats.org/markup-compatibility/2006">
+    <mc:Choice xmlns:p14="http://schemas.microsoft.com/office/powerpoint/2010/main" Requires="p14">
+      <p:transition p14:dur="10"/>
+    </mc:Choice>
+    <mc:Fallback>
+      <p:transition/>
+    </mc:Fallback>
+  </mc:AlternateContent>
+  <p:timing>
+    <p:tnLst>
+      <p:par>
+        <p:cTn id="1" dur="indefinite" restart="never" nodeType="tmRoot"/>
+      </p:par>
+    </p:tnLst>
+  </p:timing>
+</p:sld>
+</file>
+
+<file path=ppt/slides/slide12.xml><?xml version="1.0" encoding="utf-8"?>
+<p:sld xmlns:a="http://schemas.openxmlformats.org/drawingml/2006/main" xmlns:r="http://schemas.openxmlformats.org/officeDocument/2006/relationships" xmlns:p="http://schemas.openxmlformats.org/presentationml/2006/main">
+  <p:cSld>
+    <p:spTree>
+      <p:nvGrpSpPr>
+        <p:cNvPr id="1" name=""/>
+        <p:cNvGrpSpPr/>
+        <p:nvPr/>
+      </p:nvGrpSpPr>
+      <p:grpSpPr>
+        <a:xfrm>
+          <a:off x="0" y="0"/>
+          <a:ext cx="0" cy="0"/>
+          <a:chOff x="0" y="0"/>
+          <a:chExt cx="0" cy="0"/>
+        </a:xfrm>
+      </p:grpSpPr>
+      <p:sp>
+        <p:nvSpPr>
+          <p:cNvPr id="24" name="Afrundet rektangel 23"/>
+          <p:cNvSpPr/>
+          <p:nvPr/>
+        </p:nvSpPr>
+        <p:spPr>
+          <a:xfrm>
+            <a:off x="4643912" y="5799055"/>
+            <a:ext cx="3332399" cy="918098"/>
+          </a:xfrm>
+          <a:prstGeom prst="roundRect">
+            <a:avLst/>
+          </a:prstGeom>
+          <a:solidFill>
+            <a:srgbClr val="C00000"/>
+          </a:solidFill>
+        </p:spPr>
+        <p:style>
+          <a:lnRef idx="2">
+            <a:schemeClr val="accent1">
+              <a:shade val="50000"/>
+            </a:schemeClr>
+          </a:lnRef>
+          <a:fillRef idx="1">
+            <a:schemeClr val="accent1"/>
+          </a:fillRef>
+          <a:effectRef idx="0">
+            <a:schemeClr val="accent1"/>
+          </a:effectRef>
+          <a:fontRef idx="minor">
+            <a:schemeClr val="lt1"/>
+          </a:fontRef>
+        </p:style>
+        <p:txBody>
+          <a:bodyPr rtlCol="0" anchor="t"/>
+          <a:lstStyle/>
+          <a:p>
+            <a:pPr algn="ctr"/>
+            <a:endParaRPr lang="da-DK" sz="3200" smtClean="0"/>
+          </a:p>
+        </p:txBody>
+      </p:sp>
+      <p:sp>
+        <p:nvSpPr>
+          <p:cNvPr id="23" name="Afrundet rektangel 22"/>
+          <p:cNvSpPr/>
+          <p:nvPr/>
+        </p:nvSpPr>
+        <p:spPr>
+          <a:xfrm>
+            <a:off x="4491512" y="5646655"/>
+            <a:ext cx="3332399" cy="918098"/>
+          </a:xfrm>
+          <a:prstGeom prst="roundRect">
+            <a:avLst/>
+          </a:prstGeom>
+          <a:solidFill>
+            <a:srgbClr val="C00000"/>
+          </a:solidFill>
+        </p:spPr>
+        <p:style>
+          <a:lnRef idx="2">
+            <a:schemeClr val="accent1">
+              <a:shade val="50000"/>
+            </a:schemeClr>
+          </a:lnRef>
+          <a:fillRef idx="1">
+            <a:schemeClr val="accent1"/>
+          </a:fillRef>
+          <a:effectRef idx="0">
+            <a:schemeClr val="accent1"/>
+          </a:effectRef>
+          <a:fontRef idx="minor">
+            <a:schemeClr val="lt1"/>
+          </a:fontRef>
+        </p:style>
+        <p:txBody>
+          <a:bodyPr rtlCol="0" anchor="t"/>
+          <a:lstStyle/>
+          <a:p>
+            <a:pPr algn="ctr"/>
+            <a:endParaRPr lang="da-DK" sz="3200" smtClean="0"/>
+          </a:p>
+        </p:txBody>
+      </p:sp>
+      <p:sp>
+        <p:nvSpPr>
+          <p:cNvPr id="4" name="Afrundet rektangel 3"/>
+          <p:cNvSpPr/>
+          <p:nvPr/>
+        </p:nvSpPr>
+        <p:spPr>
+          <a:xfrm>
+            <a:off x="666839" y="322673"/>
+            <a:ext cx="2400614" cy="1623012"/>
+          </a:xfrm>
+          <a:prstGeom prst="roundRect">
+            <a:avLst/>
+          </a:prstGeom>
+          <a:solidFill>
+            <a:schemeClr val="accent6">
+              <a:lumMod val="75000"/>
+            </a:schemeClr>
+          </a:solidFill>
+        </p:spPr>
+        <p:style>
+          <a:lnRef idx="2">
+            <a:schemeClr val="accent1">
+              <a:shade val="50000"/>
+            </a:schemeClr>
+          </a:lnRef>
+          <a:fillRef idx="1">
+            <a:schemeClr val="accent1"/>
+          </a:fillRef>
+          <a:effectRef idx="0">
+            <a:schemeClr val="accent1"/>
+          </a:effectRef>
+          <a:fontRef idx="minor">
+            <a:schemeClr val="lt1"/>
+          </a:fontRef>
+        </p:style>
+        <p:txBody>
+          <a:bodyPr rtlCol="0" anchor="t"/>
+          <a:lstStyle/>
+          <a:p>
+            <a:pPr algn="ctr"/>
+            <a:r>
+              <a:rPr lang="da-DK" sz="3600" smtClean="0"/>
+              <a:t>Client</a:t>
+            </a:r>
+          </a:p>
+        </p:txBody>
+      </p:sp>
+      <p:cxnSp>
+        <p:nvCxnSpPr>
+          <p:cNvPr id="16" name="Vinklet forbindelse 2"/>
+          <p:cNvCxnSpPr/>
+          <p:nvPr/>
+        </p:nvCxnSpPr>
+        <p:spPr>
+          <a:xfrm>
+            <a:off x="3067453" y="1134179"/>
+            <a:ext cx="1256985" cy="0"/>
+          </a:xfrm>
+          <a:prstGeom prst="straightConnector1">
+            <a:avLst/>
+          </a:prstGeom>
+          <a:ln w="76200">
+            <a:solidFill>
+              <a:schemeClr val="tx1"/>
+            </a:solidFill>
+            <a:headEnd w="lg" len="lg"/>
+            <a:tailEnd type="arrow" w="lg" len="lg"/>
+          </a:ln>
+        </p:spPr>
+        <p:style>
+          <a:lnRef idx="1">
+            <a:schemeClr val="accent1"/>
+          </a:lnRef>
+          <a:fillRef idx="0">
+            <a:schemeClr val="accent1"/>
+          </a:fillRef>
+          <a:effectRef idx="0">
+            <a:schemeClr val="accent1"/>
+          </a:effectRef>
+          <a:fontRef idx="minor">
+            <a:schemeClr val="tx1"/>
+          </a:fontRef>
+        </p:style>
+      </p:cxnSp>
+      <p:sp>
+        <p:nvSpPr>
+          <p:cNvPr id="5" name="Afrundet rektangel 4"/>
+          <p:cNvSpPr/>
+          <p:nvPr/>
+        </p:nvSpPr>
+        <p:spPr>
+          <a:xfrm>
+            <a:off x="4324438" y="675130"/>
+            <a:ext cx="3347074" cy="918098"/>
+          </a:xfrm>
+          <a:prstGeom prst="roundRect">
+            <a:avLst/>
+          </a:prstGeom>
+          <a:solidFill>
+            <a:srgbClr val="0070C0">
+              <a:alpha val="40000"/>
+            </a:srgbClr>
+          </a:solidFill>
+        </p:spPr>
+        <p:style>
+          <a:lnRef idx="2">
+            <a:schemeClr val="accent1">
+              <a:shade val="50000"/>
+            </a:schemeClr>
+          </a:lnRef>
+          <a:fillRef idx="1">
+            <a:schemeClr val="accent1"/>
+          </a:fillRef>
+          <a:effectRef idx="0">
+            <a:schemeClr val="accent1"/>
+          </a:effectRef>
+          <a:fontRef idx="minor">
+            <a:schemeClr val="lt1"/>
+          </a:fontRef>
+        </p:style>
+        <p:txBody>
+          <a:bodyPr rtlCol="0" anchor="t"/>
+          <a:lstStyle/>
+          <a:p>
+            <a:pPr algn="ctr"/>
+            <a:r>
+              <a:rPr lang="da-DK" sz="4800" smtClean="0">
+                <a:solidFill>
+                  <a:srgbClr val="FFFF00"/>
+                </a:solidFill>
+              </a:rPr>
+              <a:t>IHandler</a:t>
+            </a:r>
+          </a:p>
+        </p:txBody>
+      </p:sp>
+      <p:sp>
+        <p:nvSpPr>
+          <p:cNvPr id="6" name="Afrundet rektangel 5"/>
+          <p:cNvSpPr/>
+          <p:nvPr/>
+        </p:nvSpPr>
+        <p:spPr>
+          <a:xfrm>
+            <a:off x="4339112" y="2281505"/>
+            <a:ext cx="3332399" cy="918098"/>
+          </a:xfrm>
+          <a:prstGeom prst="roundRect">
+            <a:avLst/>
+          </a:prstGeom>
+          <a:solidFill>
+            <a:srgbClr val="0070C0"/>
+          </a:solidFill>
+          <a:ln>
+            <a:solidFill>
+              <a:srgbClr val="0070C0"/>
+            </a:solidFill>
+          </a:ln>
+        </p:spPr>
+        <p:style>
+          <a:lnRef idx="2">
+            <a:schemeClr val="accent1">
+              <a:shade val="50000"/>
+            </a:schemeClr>
+          </a:lnRef>
+          <a:fillRef idx="1">
+            <a:schemeClr val="accent1"/>
+          </a:fillRef>
+          <a:effectRef idx="0">
+            <a:schemeClr val="accent1"/>
+          </a:effectRef>
+          <a:fontRef idx="minor">
+            <a:schemeClr val="lt1"/>
+          </a:fontRef>
+        </p:style>
+        <p:txBody>
+          <a:bodyPr rtlCol="0" anchor="t"/>
+          <a:lstStyle/>
+          <a:p>
+            <a:pPr algn="ctr"/>
+            <a:r>
+              <a:rPr lang="da-DK" sz="3600" smtClean="0"/>
+              <a:t>HandlerBase</a:t>
+            </a:r>
           </a:p>
         </p:txBody>
       </p:sp>
@@ -3718,7 +3972,6 @@
               <a:rPr lang="da-DK" sz="3600" smtClean="0"/>
               <a:t>Bureaucrat</a:t>
             </a:r>
-            <a:endParaRPr lang="da-DK" sz="3600" smtClean="0"/>
           </a:p>
         </p:txBody>
       </p:sp>
@@ -3765,7 +4018,6 @@
               <a:rPr lang="da-DK" sz="3200" smtClean="0"/>
               <a:t>JuniorBureaucrat</a:t>
             </a:r>
-            <a:endParaRPr lang="da-DK" sz="3200" smtClean="0"/>
           </a:p>
         </p:txBody>
       </p:sp>
@@ -3889,400 +4141,23 @@
     </p:spTree>
     <p:extLst>
       <p:ext uri="{BB962C8B-B14F-4D97-AF65-F5344CB8AC3E}">
-        <p14:creationId xmlns:p14="http://schemas.microsoft.com/office/powerpoint/2010/main" val="1624942812"/>
+        <p14:creationId xmlns:p14="http://schemas.microsoft.com/office/powerpoint/2010/main" val="203543278"/>
       </p:ext>
     </p:extLst>
   </p:cSld>
   <p:clrMapOvr>
     <a:masterClrMapping/>
   </p:clrMapOvr>
-  <mc:AlternateContent xmlns:mc="http://schemas.openxmlformats.org/markup-compatibility/2006" xmlns:p14="http://schemas.microsoft.com/office/powerpoint/2010/main">
-    <mc:Choice Requires="p14">
-      <p:transition p14:dur="0"/>
+  <mc:AlternateContent xmlns:mc="http://schemas.openxmlformats.org/markup-compatibility/2006">
+    <mc:Choice xmlns:p14="http://schemas.microsoft.com/office/powerpoint/2010/main" Requires="p14">
+      <p:transition spd="med" p14:dur="700">
+        <p:fade/>
+      </p:transition>
     </mc:Choice>
-    <mc:Fallback xmlns="">
-      <p:transition/>
-    </mc:Fallback>
-  </mc:AlternateContent>
-  <p:timing>
-    <p:tnLst>
-      <p:par>
-        <p:cTn id="1" dur="indefinite" restart="never" nodeType="tmRoot">
-          <p:childTnLst>
-            <p:seq concurrent="1" nextAc="seek">
-              <p:cTn id="2" dur="indefinite" nodeType="mainSeq">
-                <p:childTnLst>
-                  <p:par>
-                    <p:cTn id="3" fill="hold">
-                      <p:stCondLst>
-                        <p:cond delay="indefinite"/>
-                      </p:stCondLst>
-                      <p:childTnLst>
-                        <p:par>
-                          <p:cTn id="4" fill="hold">
-                            <p:stCondLst>
-                              <p:cond delay="0"/>
-                            </p:stCondLst>
-                            <p:childTnLst>
-                              <p:par>
-                                <p:cTn id="5" presetID="10" presetClass="entr" presetSubtype="0" fill="hold" grpId="0" nodeType="clickEffect">
-                                  <p:stCondLst>
-                                    <p:cond delay="0"/>
-                                  </p:stCondLst>
-                                  <p:childTnLst>
-                                    <p:set>
-                                      <p:cBhvr>
-                                        <p:cTn id="6" dur="1" fill="hold">
-                                          <p:stCondLst>
-                                            <p:cond delay="0"/>
-                                          </p:stCondLst>
-                                        </p:cTn>
-                                        <p:tgtEl>
-                                          <p:spTgt spid="5"/>
-                                        </p:tgtEl>
-                                        <p:attrNameLst>
-                                          <p:attrName>style.visibility</p:attrName>
-                                        </p:attrNameLst>
-                                      </p:cBhvr>
-                                      <p:to>
-                                        <p:strVal val="visible"/>
-                                      </p:to>
-                                    </p:set>
-                                    <p:animEffect transition="in" filter="fade">
-                                      <p:cBhvr>
-                                        <p:cTn id="7" dur="500"/>
-                                        <p:tgtEl>
-                                          <p:spTgt spid="5"/>
-                                        </p:tgtEl>
-                                      </p:cBhvr>
-                                    </p:animEffect>
-                                  </p:childTnLst>
-                                </p:cTn>
-                              </p:par>
-                            </p:childTnLst>
-                          </p:cTn>
-                        </p:par>
-                      </p:childTnLst>
-                    </p:cTn>
-                  </p:par>
-                </p:childTnLst>
-              </p:cTn>
-              <p:prevCondLst>
-                <p:cond evt="onPrev" delay="0">
-                  <p:tgtEl>
-                    <p:sldTgt/>
-                  </p:tgtEl>
-                </p:cond>
-              </p:prevCondLst>
-              <p:nextCondLst>
-                <p:cond evt="onNext" delay="0">
-                  <p:tgtEl>
-                    <p:sldTgt/>
-                  </p:tgtEl>
-                </p:cond>
-              </p:nextCondLst>
-            </p:seq>
-          </p:childTnLst>
-        </p:cTn>
-      </p:par>
-    </p:tnLst>
-    <p:bldLst>
-      <p:bldP spid="5" grpId="0" animBg="1"/>
-    </p:bldLst>
-  </p:timing>
-</p:sld>
-</file>
-
-<file path=ppt/slides/slide12.xml><?xml version="1.0" encoding="utf-8"?>
-<p:sld xmlns:a="http://schemas.openxmlformats.org/drawingml/2006/main" xmlns:r="http://schemas.openxmlformats.org/officeDocument/2006/relationships" xmlns:p="http://schemas.openxmlformats.org/presentationml/2006/main">
-  <p:cSld>
-    <p:spTree>
-      <p:nvGrpSpPr>
-        <p:cNvPr id="1" name=""/>
-        <p:cNvGrpSpPr/>
-        <p:nvPr/>
-      </p:nvGrpSpPr>
-      <p:grpSpPr>
-        <a:xfrm>
-          <a:off x="0" y="0"/>
-          <a:ext cx="0" cy="0"/>
-          <a:chOff x="0" y="0"/>
-          <a:chExt cx="0" cy="0"/>
-        </a:xfrm>
-      </p:grpSpPr>
-      <p:sp>
-        <p:nvSpPr>
-          <p:cNvPr id="3" name="Tekstfelt 2"/>
-          <p:cNvSpPr txBox="1"/>
-          <p:nvPr/>
-        </p:nvSpPr>
-        <p:spPr>
-          <a:xfrm>
-            <a:off x="962526" y="1000568"/>
-            <a:ext cx="10094495" cy="5016758"/>
-          </a:xfrm>
-          <a:prstGeom prst="rect">
-            <a:avLst/>
-          </a:prstGeom>
-          <a:noFill/>
-        </p:spPr>
-        <p:txBody>
-          <a:bodyPr wrap="square" rtlCol="0">
-            <a:spAutoFit/>
-          </a:bodyPr>
-          <a:lstStyle/>
-          <a:p>
-            <a:r>
-              <a:rPr lang="da-DK" sz="2000" b="1" smtClean="0">
-                <a:solidFill>
-                  <a:srgbClr val="0070C0"/>
-                </a:solidFill>
-                <a:latin typeface="Consolas" panose="020B0609020204030204" pitchFamily="49" charset="0"/>
-              </a:rPr>
-              <a:t>public </a:t>
-            </a:r>
-            <a:r>
-              <a:rPr lang="da-DK" sz="2000" b="1" smtClean="0">
-                <a:solidFill>
-                  <a:srgbClr val="0070C0"/>
-                </a:solidFill>
-                <a:latin typeface="Consolas" panose="020B0609020204030204" pitchFamily="49" charset="0"/>
-              </a:rPr>
-              <a:t>enum </a:t>
-            </a:r>
-            <a:r>
-              <a:rPr lang="da-DK" sz="2000" b="1" smtClean="0">
-                <a:solidFill>
-                  <a:schemeClr val="accent6">
-                    <a:lumMod val="75000"/>
-                  </a:schemeClr>
-                </a:solidFill>
-                <a:latin typeface="Consolas" panose="020B0609020204030204" pitchFamily="49" charset="0"/>
-              </a:rPr>
-              <a:t>FormType</a:t>
-            </a:r>
-            <a:endParaRPr lang="da-DK" sz="2000" b="1">
-              <a:solidFill>
-                <a:schemeClr val="accent6">
-                  <a:lumMod val="75000"/>
-                </a:schemeClr>
-              </a:solidFill>
-              <a:latin typeface="Consolas" panose="020B0609020204030204" pitchFamily="49" charset="0"/>
-            </a:endParaRPr>
-          </a:p>
-          <a:p>
-            <a:r>
-              <a:rPr lang="da-DK" sz="2000" b="1">
-                <a:latin typeface="Consolas" panose="020B0609020204030204" pitchFamily="49" charset="0"/>
-              </a:rPr>
-              <a:t>{</a:t>
-            </a:r>
-          </a:p>
-          <a:p>
-            <a:r>
-              <a:rPr lang="da-DK" sz="2000" b="1" smtClean="0">
-                <a:latin typeface="Consolas" panose="020B0609020204030204" pitchFamily="49" charset="0"/>
-              </a:rPr>
-              <a:t>   A012</a:t>
-            </a:r>
-            <a:r>
-              <a:rPr lang="da-DK" sz="2000" b="1">
-                <a:latin typeface="Consolas" panose="020B0609020204030204" pitchFamily="49" charset="0"/>
-              </a:rPr>
-              <a:t>,</a:t>
-            </a:r>
-          </a:p>
-          <a:p>
-            <a:r>
-              <a:rPr lang="da-DK" sz="2000" b="1" smtClean="0">
-                <a:latin typeface="Consolas" panose="020B0609020204030204" pitchFamily="49" charset="0"/>
-              </a:rPr>
-              <a:t>   A041</a:t>
-            </a:r>
-            <a:r>
-              <a:rPr lang="da-DK" sz="2000" b="1">
-                <a:latin typeface="Consolas" panose="020B0609020204030204" pitchFamily="49" charset="0"/>
-              </a:rPr>
-              <a:t>,</a:t>
-            </a:r>
-          </a:p>
-          <a:p>
-            <a:r>
-              <a:rPr lang="da-DK" sz="2000" b="1" smtClean="0">
-                <a:latin typeface="Consolas" panose="020B0609020204030204" pitchFamily="49" charset="0"/>
-              </a:rPr>
-              <a:t>   A767</a:t>
-            </a:r>
-            <a:r>
-              <a:rPr lang="da-DK" sz="2000" b="1">
-                <a:latin typeface="Consolas" panose="020B0609020204030204" pitchFamily="49" charset="0"/>
-              </a:rPr>
-              <a:t>,</a:t>
-            </a:r>
-          </a:p>
-          <a:p>
-            <a:r>
-              <a:rPr lang="da-DK" sz="2000" b="1" smtClean="0">
-                <a:latin typeface="Consolas" panose="020B0609020204030204" pitchFamily="49" charset="0"/>
-              </a:rPr>
-              <a:t>   B096</a:t>
-            </a:r>
-            <a:r>
-              <a:rPr lang="da-DK" sz="2000" b="1">
-                <a:latin typeface="Consolas" panose="020B0609020204030204" pitchFamily="49" charset="0"/>
-              </a:rPr>
-              <a:t>,</a:t>
-            </a:r>
-          </a:p>
-          <a:p>
-            <a:r>
-              <a:rPr lang="da-DK" sz="2000" b="1" smtClean="0">
-                <a:latin typeface="Consolas" panose="020B0609020204030204" pitchFamily="49" charset="0"/>
-              </a:rPr>
-              <a:t>   B113</a:t>
-            </a:r>
-            <a:r>
-              <a:rPr lang="da-DK" sz="2000" b="1">
-                <a:latin typeface="Consolas" panose="020B0609020204030204" pitchFamily="49" charset="0"/>
-              </a:rPr>
-              <a:t>,</a:t>
-            </a:r>
-          </a:p>
-          <a:p>
-            <a:r>
-              <a:rPr lang="da-DK" sz="2000" b="1" smtClean="0">
-                <a:latin typeface="Consolas" panose="020B0609020204030204" pitchFamily="49" charset="0"/>
-              </a:rPr>
-              <a:t>   J072</a:t>
-            </a:r>
-            <a:r>
-              <a:rPr lang="da-DK" sz="2000" b="1">
-                <a:latin typeface="Consolas" panose="020B0609020204030204" pitchFamily="49" charset="0"/>
-              </a:rPr>
-              <a:t>,</a:t>
-            </a:r>
-          </a:p>
-          <a:p>
-            <a:r>
-              <a:rPr lang="da-DK" sz="2000" b="1" smtClean="0">
-                <a:latin typeface="Consolas" panose="020B0609020204030204" pitchFamily="49" charset="0"/>
-              </a:rPr>
-              <a:t>   J880</a:t>
-            </a:r>
-            <a:r>
-              <a:rPr lang="da-DK" sz="2000" b="1">
-                <a:latin typeface="Consolas" panose="020B0609020204030204" pitchFamily="49" charset="0"/>
-              </a:rPr>
-              <a:t>,</a:t>
-            </a:r>
-          </a:p>
-          <a:p>
-            <a:r>
-              <a:rPr lang="da-DK" sz="2000" b="1" smtClean="0">
-                <a:latin typeface="Consolas" panose="020B0609020204030204" pitchFamily="49" charset="0"/>
-              </a:rPr>
-              <a:t>   S022</a:t>
-            </a:r>
-            <a:r>
-              <a:rPr lang="da-DK" sz="2000" b="1">
-                <a:latin typeface="Consolas" panose="020B0609020204030204" pitchFamily="49" charset="0"/>
-              </a:rPr>
-              <a:t>,</a:t>
-            </a:r>
-          </a:p>
-          <a:p>
-            <a:r>
-              <a:rPr lang="da-DK" sz="2000" b="1" smtClean="0">
-                <a:latin typeface="Consolas" panose="020B0609020204030204" pitchFamily="49" charset="0"/>
-              </a:rPr>
-              <a:t>   T505</a:t>
-            </a:r>
-            <a:r>
-              <a:rPr lang="da-DK" sz="2000" b="1">
-                <a:latin typeface="Consolas" panose="020B0609020204030204" pitchFamily="49" charset="0"/>
-              </a:rPr>
-              <a:t>,</a:t>
-            </a:r>
-          </a:p>
-          <a:p>
-            <a:r>
-              <a:rPr lang="da-DK" sz="2000" b="1" smtClean="0">
-                <a:latin typeface="Consolas" panose="020B0609020204030204" pitchFamily="49" charset="0"/>
-              </a:rPr>
-              <a:t>   T678</a:t>
-            </a:r>
-            <a:r>
-              <a:rPr lang="da-DK" sz="2000" b="1">
-                <a:latin typeface="Consolas" panose="020B0609020204030204" pitchFamily="49" charset="0"/>
-              </a:rPr>
-              <a:t>,</a:t>
-            </a:r>
-          </a:p>
-          <a:p>
-            <a:r>
-              <a:rPr lang="da-DK" sz="2000" b="1" smtClean="0">
-                <a:latin typeface="Consolas" panose="020B0609020204030204" pitchFamily="49" charset="0"/>
-              </a:rPr>
-              <a:t>   T902</a:t>
-            </a:r>
-            <a:r>
-              <a:rPr lang="da-DK" sz="2000" b="1">
-                <a:latin typeface="Consolas" panose="020B0609020204030204" pitchFamily="49" charset="0"/>
-              </a:rPr>
-              <a:t>,</a:t>
-            </a:r>
-          </a:p>
-          <a:p>
-            <a:r>
-              <a:rPr lang="da-DK" sz="2000" b="1" smtClean="0">
-                <a:latin typeface="Consolas" panose="020B0609020204030204" pitchFamily="49" charset="0"/>
-              </a:rPr>
-              <a:t>   Z044</a:t>
-            </a:r>
-            <a:r>
-              <a:rPr lang="da-DK" sz="2000" b="1">
-                <a:latin typeface="Consolas" panose="020B0609020204030204" pitchFamily="49" charset="0"/>
-              </a:rPr>
-              <a:t>,</a:t>
-            </a:r>
-          </a:p>
-          <a:p>
-            <a:r>
-              <a:rPr lang="da-DK" sz="2000" b="1" smtClean="0">
-                <a:latin typeface="Consolas" panose="020B0609020204030204" pitchFamily="49" charset="0"/>
-              </a:rPr>
-              <a:t>   Z096</a:t>
-            </a:r>
-            <a:endParaRPr lang="da-DK" sz="2000" b="1">
-              <a:latin typeface="Consolas" panose="020B0609020204030204" pitchFamily="49" charset="0"/>
-            </a:endParaRPr>
-          </a:p>
-          <a:p>
-            <a:r>
-              <a:rPr lang="da-DK" sz="2000" b="1">
-                <a:latin typeface="Consolas" panose="020B0609020204030204" pitchFamily="49" charset="0"/>
-              </a:rPr>
-              <a:t>}</a:t>
-            </a:r>
-          </a:p>
-        </p:txBody>
-      </p:sp>
-    </p:spTree>
-    <p:extLst>
-      <p:ext uri="{BB962C8B-B14F-4D97-AF65-F5344CB8AC3E}">
-        <p14:creationId xmlns:p14="http://schemas.microsoft.com/office/powerpoint/2010/main" val="2394077857"/>
-      </p:ext>
-    </p:extLst>
-  </p:cSld>
-  <p:clrMapOvr>
-    <a:masterClrMapping/>
-  </p:clrMapOvr>
-  <mc:AlternateContent xmlns:mc="http://schemas.openxmlformats.org/markup-compatibility/2006" xmlns:p14="http://schemas.microsoft.com/office/powerpoint/2010/main">
-    <mc:Choice Requires="p14">
-      <p:transition p14:dur="0"/>
-    </mc:Choice>
-    <mc:Fallback xmlns="">
-      <p:transition/>
+    <mc:Fallback>
+      <p:transition spd="med">
+        <p:fade/>
+      </p:transition>
     </mc:Fallback>
   </mc:AlternateContent>
   <p:timing>
@@ -4321,7 +4196,7 @@
         <p:spPr>
           <a:xfrm>
             <a:off x="962526" y="1000568"/>
-            <a:ext cx="10094495" cy="4893647"/>
+            <a:ext cx="10094495" cy="5016758"/>
           </a:xfrm>
           <a:prstGeom prst="rect">
             <a:avLst/>
@@ -4335,25 +4210,16 @@
           <a:lstStyle/>
           <a:p>
             <a:r>
-              <a:rPr lang="da-DK" sz="2400" b="1" smtClean="0">
+              <a:rPr lang="da-DK" sz="2000" b="1" smtClean="0">
                 <a:solidFill>
                   <a:srgbClr val="0070C0"/>
                 </a:solidFill>
                 <a:latin typeface="Consolas" panose="020B0609020204030204" pitchFamily="49" charset="0"/>
               </a:rPr>
-              <a:t>public </a:t>
-            </a:r>
-            <a:r>
-              <a:rPr lang="da-DK" sz="2400" b="1" smtClean="0">
-                <a:solidFill>
-                  <a:srgbClr val="0070C0"/>
-                </a:solidFill>
-                <a:latin typeface="Consolas" panose="020B0609020204030204" pitchFamily="49" charset="0"/>
-              </a:rPr>
-              <a:t>class </a:t>
-            </a:r>
-            <a:r>
-              <a:rPr lang="da-DK" sz="2400" b="1" smtClean="0">
+              <a:t>public enum </a:t>
+            </a:r>
+            <a:r>
+              <a:rPr lang="da-DK" sz="2000" b="1" smtClean="0">
                 <a:solidFill>
                   <a:schemeClr val="accent6">
                     <a:lumMod val="75000"/>
@@ -4361,9 +4227,9 @@
                 </a:solidFill>
                 <a:latin typeface="Consolas" panose="020B0609020204030204" pitchFamily="49" charset="0"/>
               </a:rPr>
-              <a:t>Form</a:t>
-            </a:r>
-            <a:endParaRPr lang="da-DK" sz="2400" b="1">
+              <a:t>FormType</a:t>
+            </a:r>
+            <a:endParaRPr lang="da-DK" sz="2000" b="1">
               <a:solidFill>
                 <a:schemeClr val="accent6">
                   <a:lumMod val="75000"/>
@@ -4374,7 +4240,7 @@
           </a:p>
           <a:p>
             <a:r>
-              <a:rPr lang="da-DK" sz="2400" b="1" smtClean="0">
+              <a:rPr lang="da-DK" sz="2000" b="1">
                 <a:latin typeface="Consolas" panose="020B0609020204030204" pitchFamily="49" charset="0"/>
               </a:rPr>
               <a:t>{</a:t>
@@ -4382,322 +4248,197 @@
           </a:p>
           <a:p>
             <a:r>
-              <a:rPr lang="da-DK" sz="2400" b="1">
-                <a:latin typeface="Consolas" panose="020B0609020204030204" pitchFamily="49" charset="0"/>
-              </a:rPr>
-              <a:t> </a:t>
-            </a:r>
-            <a:r>
-              <a:rPr lang="da-DK" sz="2400" b="1" smtClean="0">
-                <a:latin typeface="Consolas" panose="020B0609020204030204" pitchFamily="49" charset="0"/>
-              </a:rPr>
-              <a:t>  </a:t>
-            </a:r>
-            <a:r>
-              <a:rPr lang="da-DK" sz="2400" b="1" smtClean="0">
-                <a:solidFill>
-                  <a:srgbClr val="0070C0"/>
-                </a:solidFill>
-                <a:latin typeface="Consolas" panose="020B0609020204030204" pitchFamily="49" charset="0"/>
-              </a:rPr>
-              <a:t>private</a:t>
-            </a:r>
-            <a:r>
-              <a:rPr lang="da-DK" sz="2400" b="1" smtClean="0">
-                <a:latin typeface="Consolas" panose="020B0609020204030204" pitchFamily="49" charset="0"/>
-              </a:rPr>
-              <a:t> </a:t>
-            </a:r>
-            <a:r>
-              <a:rPr lang="da-DK" sz="2400" b="1" smtClean="0">
-                <a:solidFill>
-                  <a:schemeClr val="accent6">
-                    <a:lumMod val="75000"/>
-                  </a:schemeClr>
-                </a:solidFill>
-                <a:latin typeface="Consolas" panose="020B0609020204030204" pitchFamily="49" charset="0"/>
-              </a:rPr>
-              <a:t>FormType </a:t>
-            </a:r>
-            <a:r>
-              <a:rPr lang="da-DK" sz="2400" b="1" smtClean="0">
-                <a:latin typeface="Consolas" panose="020B0609020204030204" pitchFamily="49" charset="0"/>
-              </a:rPr>
-              <a:t>_formType;</a:t>
-            </a:r>
-          </a:p>
-          <a:p>
-            <a:r>
-              <a:rPr lang="da-DK" sz="2400" b="1" smtClean="0">
-                <a:solidFill>
-                  <a:srgbClr val="0070C0"/>
-                </a:solidFill>
-                <a:latin typeface="Consolas" panose="020B0609020204030204" pitchFamily="49" charset="0"/>
-              </a:rPr>
-              <a:t>   private</a:t>
-            </a:r>
-            <a:r>
-              <a:rPr lang="da-DK" sz="2400" b="1" smtClean="0">
-                <a:latin typeface="Consolas" panose="020B0609020204030204" pitchFamily="49" charset="0"/>
-              </a:rPr>
-              <a:t> </a:t>
-            </a:r>
-            <a:r>
-              <a:rPr lang="da-DK" sz="2400" b="1" smtClean="0">
-                <a:solidFill>
-                  <a:srgbClr val="0070C0"/>
-                </a:solidFill>
-                <a:latin typeface="Consolas" panose="020B0609020204030204" pitchFamily="49" charset="0"/>
-              </a:rPr>
-              <a:t>bool</a:t>
-            </a:r>
-            <a:r>
-              <a:rPr lang="da-DK" sz="2400" b="1" smtClean="0">
-                <a:solidFill>
-                  <a:schemeClr val="accent6">
-                    <a:lumMod val="75000"/>
-                  </a:schemeClr>
-                </a:solidFill>
-                <a:latin typeface="Consolas" panose="020B0609020204030204" pitchFamily="49" charset="0"/>
-              </a:rPr>
-              <a:t> </a:t>
-            </a:r>
-            <a:r>
-              <a:rPr lang="da-DK" sz="2400" b="1" smtClean="0">
-                <a:latin typeface="Consolas" panose="020B0609020204030204" pitchFamily="49" charset="0"/>
-              </a:rPr>
-              <a:t>_approved;</a:t>
-            </a:r>
-            <a:endParaRPr lang="da-DK" sz="2400" b="1">
+              <a:rPr lang="da-DK" sz="2000" b="1" smtClean="0">
+                <a:latin typeface="Consolas" panose="020B0609020204030204" pitchFamily="49" charset="0"/>
+              </a:rPr>
+              <a:t>   A012</a:t>
+            </a:r>
+            <a:r>
+              <a:rPr lang="da-DK" sz="2000" b="1">
+                <a:latin typeface="Consolas" panose="020B0609020204030204" pitchFamily="49" charset="0"/>
+              </a:rPr>
+              <a:t>,</a:t>
+            </a:r>
+          </a:p>
+          <a:p>
+            <a:r>
+              <a:rPr lang="da-DK" sz="2000" b="1" smtClean="0">
+                <a:latin typeface="Consolas" panose="020B0609020204030204" pitchFamily="49" charset="0"/>
+              </a:rPr>
+              <a:t>   A041</a:t>
+            </a:r>
+            <a:r>
+              <a:rPr lang="da-DK" sz="2000" b="1">
+                <a:latin typeface="Consolas" panose="020B0609020204030204" pitchFamily="49" charset="0"/>
+              </a:rPr>
+              <a:t>,</a:t>
+            </a:r>
+          </a:p>
+          <a:p>
+            <a:r>
+              <a:rPr lang="da-DK" sz="2000" b="1" smtClean="0">
+                <a:latin typeface="Consolas" panose="020B0609020204030204" pitchFamily="49" charset="0"/>
+              </a:rPr>
+              <a:t>   A767</a:t>
+            </a:r>
+            <a:r>
+              <a:rPr lang="da-DK" sz="2000" b="1">
+                <a:latin typeface="Consolas" panose="020B0609020204030204" pitchFamily="49" charset="0"/>
+              </a:rPr>
+              <a:t>,</a:t>
+            </a:r>
+          </a:p>
+          <a:p>
+            <a:r>
+              <a:rPr lang="da-DK" sz="2000" b="1" smtClean="0">
+                <a:latin typeface="Consolas" panose="020B0609020204030204" pitchFamily="49" charset="0"/>
+              </a:rPr>
+              <a:t>   B096</a:t>
+            </a:r>
+            <a:r>
+              <a:rPr lang="da-DK" sz="2000" b="1">
+                <a:latin typeface="Consolas" panose="020B0609020204030204" pitchFamily="49" charset="0"/>
+              </a:rPr>
+              <a:t>,</a:t>
+            </a:r>
+          </a:p>
+          <a:p>
+            <a:r>
+              <a:rPr lang="da-DK" sz="2000" b="1" smtClean="0">
+                <a:latin typeface="Consolas" panose="020B0609020204030204" pitchFamily="49" charset="0"/>
+              </a:rPr>
+              <a:t>   B113</a:t>
+            </a:r>
+            <a:r>
+              <a:rPr lang="da-DK" sz="2000" b="1">
+                <a:latin typeface="Consolas" panose="020B0609020204030204" pitchFamily="49" charset="0"/>
+              </a:rPr>
+              <a:t>,</a:t>
+            </a:r>
+          </a:p>
+          <a:p>
+            <a:r>
+              <a:rPr lang="da-DK" sz="2000" b="1" smtClean="0">
+                <a:latin typeface="Consolas" panose="020B0609020204030204" pitchFamily="49" charset="0"/>
+              </a:rPr>
+              <a:t>   J072</a:t>
+            </a:r>
+            <a:r>
+              <a:rPr lang="da-DK" sz="2000" b="1">
+                <a:latin typeface="Consolas" panose="020B0609020204030204" pitchFamily="49" charset="0"/>
+              </a:rPr>
+              <a:t>,</a:t>
+            </a:r>
+          </a:p>
+          <a:p>
+            <a:r>
+              <a:rPr lang="da-DK" sz="2000" b="1" smtClean="0">
+                <a:latin typeface="Consolas" panose="020B0609020204030204" pitchFamily="49" charset="0"/>
+              </a:rPr>
+              <a:t>   J880</a:t>
+            </a:r>
+            <a:r>
+              <a:rPr lang="da-DK" sz="2000" b="1">
+                <a:latin typeface="Consolas" panose="020B0609020204030204" pitchFamily="49" charset="0"/>
+              </a:rPr>
+              <a:t>,</a:t>
+            </a:r>
+          </a:p>
+          <a:p>
+            <a:r>
+              <a:rPr lang="da-DK" sz="2000" b="1" smtClean="0">
+                <a:latin typeface="Consolas" panose="020B0609020204030204" pitchFamily="49" charset="0"/>
+              </a:rPr>
+              <a:t>   S022</a:t>
+            </a:r>
+            <a:r>
+              <a:rPr lang="da-DK" sz="2000" b="1">
+                <a:latin typeface="Consolas" panose="020B0609020204030204" pitchFamily="49" charset="0"/>
+              </a:rPr>
+              <a:t>,</a:t>
+            </a:r>
+          </a:p>
+          <a:p>
+            <a:r>
+              <a:rPr lang="da-DK" sz="2000" b="1" smtClean="0">
+                <a:latin typeface="Consolas" panose="020B0609020204030204" pitchFamily="49" charset="0"/>
+              </a:rPr>
+              <a:t>   T505</a:t>
+            </a:r>
+            <a:r>
+              <a:rPr lang="da-DK" sz="2000" b="1">
+                <a:latin typeface="Consolas" panose="020B0609020204030204" pitchFamily="49" charset="0"/>
+              </a:rPr>
+              <a:t>,</a:t>
+            </a:r>
+          </a:p>
+          <a:p>
+            <a:r>
+              <a:rPr lang="da-DK" sz="2000" b="1" smtClean="0">
+                <a:latin typeface="Consolas" panose="020B0609020204030204" pitchFamily="49" charset="0"/>
+              </a:rPr>
+              <a:t>   T678</a:t>
+            </a:r>
+            <a:r>
+              <a:rPr lang="da-DK" sz="2000" b="1">
+                <a:latin typeface="Consolas" panose="020B0609020204030204" pitchFamily="49" charset="0"/>
+              </a:rPr>
+              <a:t>,</a:t>
+            </a:r>
+          </a:p>
+          <a:p>
+            <a:r>
+              <a:rPr lang="da-DK" sz="2000" b="1" smtClean="0">
+                <a:latin typeface="Consolas" panose="020B0609020204030204" pitchFamily="49" charset="0"/>
+              </a:rPr>
+              <a:t>   T902</a:t>
+            </a:r>
+            <a:r>
+              <a:rPr lang="da-DK" sz="2000" b="1">
+                <a:latin typeface="Consolas" panose="020B0609020204030204" pitchFamily="49" charset="0"/>
+              </a:rPr>
+              <a:t>,</a:t>
+            </a:r>
+          </a:p>
+          <a:p>
+            <a:r>
+              <a:rPr lang="da-DK" sz="2000" b="1" smtClean="0">
+                <a:latin typeface="Consolas" panose="020B0609020204030204" pitchFamily="49" charset="0"/>
+              </a:rPr>
+              <a:t>   Z044</a:t>
+            </a:r>
+            <a:r>
+              <a:rPr lang="da-DK" sz="2000" b="1">
+                <a:latin typeface="Consolas" panose="020B0609020204030204" pitchFamily="49" charset="0"/>
+              </a:rPr>
+              <a:t>,</a:t>
+            </a:r>
+          </a:p>
+          <a:p>
+            <a:r>
+              <a:rPr lang="da-DK" sz="2000" b="1" smtClean="0">
+                <a:latin typeface="Consolas" panose="020B0609020204030204" pitchFamily="49" charset="0"/>
+              </a:rPr>
+              <a:t>   Z096</a:t>
+            </a:r>
+            <a:endParaRPr lang="da-DK" sz="2000" b="1">
               <a:latin typeface="Consolas" panose="020B0609020204030204" pitchFamily="49" charset="0"/>
             </a:endParaRPr>
           </a:p>
           <a:p>
             <a:r>
-              <a:rPr lang="da-DK" sz="2400" b="1">
-                <a:latin typeface="Consolas" panose="020B0609020204030204" pitchFamily="49" charset="0"/>
-              </a:rPr>
-              <a:t> </a:t>
-            </a:r>
-            <a:r>
-              <a:rPr lang="da-DK" sz="2400" b="1" smtClean="0">
-                <a:latin typeface="Consolas" panose="020B0609020204030204" pitchFamily="49" charset="0"/>
-              </a:rPr>
-              <a:t>  </a:t>
-            </a:r>
-            <a:r>
-              <a:rPr lang="da-DK" sz="2400" b="1" smtClean="0">
-                <a:solidFill>
-                  <a:srgbClr val="0070C0"/>
-                </a:solidFill>
-                <a:latin typeface="Consolas" panose="020B0609020204030204" pitchFamily="49" charset="0"/>
-              </a:rPr>
-              <a:t>private</a:t>
-            </a:r>
-            <a:r>
-              <a:rPr lang="da-DK" sz="2400" b="1" smtClean="0">
-                <a:latin typeface="Consolas" panose="020B0609020204030204" pitchFamily="49" charset="0"/>
-              </a:rPr>
-              <a:t> </a:t>
-            </a:r>
-            <a:r>
-              <a:rPr lang="da-DK" sz="2400" b="1">
-                <a:solidFill>
-                  <a:srgbClr val="0070C0"/>
-                </a:solidFill>
-                <a:latin typeface="Consolas" panose="020B0609020204030204" pitchFamily="49" charset="0"/>
-              </a:rPr>
-              <a:t>string</a:t>
-            </a:r>
-            <a:r>
-              <a:rPr lang="da-DK" sz="2400" b="1">
-                <a:solidFill>
-                  <a:schemeClr val="accent6">
-                    <a:lumMod val="75000"/>
-                  </a:schemeClr>
-                </a:solidFill>
-                <a:latin typeface="Consolas" panose="020B0609020204030204" pitchFamily="49" charset="0"/>
-              </a:rPr>
-              <a:t> </a:t>
-            </a:r>
-            <a:r>
-              <a:rPr lang="da-DK" sz="2400" b="1" smtClean="0">
-                <a:latin typeface="Consolas" panose="020B0609020204030204" pitchFamily="49" charset="0"/>
-              </a:rPr>
-              <a:t>_signedBy;</a:t>
-            </a:r>
-          </a:p>
-          <a:p>
-            <a:endParaRPr lang="da-DK" sz="2400" b="1">
-              <a:latin typeface="Consolas" panose="020B0609020204030204" pitchFamily="49" charset="0"/>
-            </a:endParaRPr>
-          </a:p>
-          <a:p>
-            <a:r>
-              <a:rPr lang="da-DK" sz="2400" b="1">
-                <a:solidFill>
-                  <a:srgbClr val="0070C0"/>
-                </a:solidFill>
-                <a:latin typeface="Consolas" panose="020B0609020204030204" pitchFamily="49" charset="0"/>
-              </a:rPr>
-              <a:t> </a:t>
-            </a:r>
-            <a:r>
-              <a:rPr lang="da-DK" sz="2400" b="1" smtClean="0">
-                <a:solidFill>
-                  <a:srgbClr val="0070C0"/>
-                </a:solidFill>
-                <a:latin typeface="Consolas" panose="020B0609020204030204" pitchFamily="49" charset="0"/>
-              </a:rPr>
-              <a:t>  public </a:t>
-            </a:r>
-            <a:r>
-              <a:rPr lang="da-DK" sz="2400" b="1" smtClean="0">
-                <a:latin typeface="Consolas" panose="020B0609020204030204" pitchFamily="49" charset="0"/>
-              </a:rPr>
-              <a:t>Form(</a:t>
-            </a:r>
-            <a:r>
-              <a:rPr lang="da-DK" sz="2400" b="1" smtClean="0">
-                <a:solidFill>
-                  <a:schemeClr val="accent6">
-                    <a:lumMod val="75000"/>
-                  </a:schemeClr>
-                </a:solidFill>
-                <a:latin typeface="Consolas" panose="020B0609020204030204" pitchFamily="49" charset="0"/>
-              </a:rPr>
-              <a:t>FormType </a:t>
-            </a:r>
-            <a:r>
-              <a:rPr lang="da-DK" sz="2400" b="1" smtClean="0">
-                <a:latin typeface="Consolas" panose="020B0609020204030204" pitchFamily="49" charset="0"/>
-              </a:rPr>
-              <a:t>formType) </a:t>
-            </a:r>
-          </a:p>
-          <a:p>
-            <a:r>
-              <a:rPr lang="da-DK" sz="2400" b="1">
-                <a:latin typeface="Consolas" panose="020B0609020204030204" pitchFamily="49" charset="0"/>
-              </a:rPr>
-              <a:t> </a:t>
-            </a:r>
-            <a:r>
-              <a:rPr lang="da-DK" sz="2400" b="1" smtClean="0">
-                <a:latin typeface="Consolas" panose="020B0609020204030204" pitchFamily="49" charset="0"/>
-              </a:rPr>
-              <a:t>  {</a:t>
-            </a:r>
-          </a:p>
-          <a:p>
-            <a:r>
-              <a:rPr lang="da-DK" sz="2400" b="1" smtClean="0">
-                <a:latin typeface="Consolas" panose="020B0609020204030204" pitchFamily="49" charset="0"/>
-              </a:rPr>
-              <a:t>      _</a:t>
-            </a:r>
-            <a:r>
-              <a:rPr lang="da-DK" sz="2400" b="1">
-                <a:latin typeface="Consolas" panose="020B0609020204030204" pitchFamily="49" charset="0"/>
-              </a:rPr>
-              <a:t>formType = formType;</a:t>
-            </a:r>
-          </a:p>
-          <a:p>
-            <a:r>
-              <a:rPr lang="da-DK" sz="2400" b="1" smtClean="0">
-                <a:latin typeface="Consolas" panose="020B0609020204030204" pitchFamily="49" charset="0"/>
-              </a:rPr>
-              <a:t>      _</a:t>
-            </a:r>
-            <a:r>
-              <a:rPr lang="da-DK" sz="2400" b="1">
-                <a:latin typeface="Consolas" panose="020B0609020204030204" pitchFamily="49" charset="0"/>
-              </a:rPr>
-              <a:t>approved = </a:t>
-            </a:r>
-            <a:r>
-              <a:rPr lang="da-DK" sz="2400" b="1">
-                <a:solidFill>
-                  <a:srgbClr val="0070C0"/>
-                </a:solidFill>
-                <a:latin typeface="Consolas" panose="020B0609020204030204" pitchFamily="49" charset="0"/>
-              </a:rPr>
-              <a:t>false</a:t>
-            </a:r>
-            <a:r>
-              <a:rPr lang="da-DK" sz="2400" b="1">
-                <a:latin typeface="Consolas" panose="020B0609020204030204" pitchFamily="49" charset="0"/>
-              </a:rPr>
-              <a:t>;</a:t>
-            </a:r>
-          </a:p>
-          <a:p>
-            <a:r>
-              <a:rPr lang="da-DK" sz="2400" b="1" smtClean="0">
-                <a:latin typeface="Consolas" panose="020B0609020204030204" pitchFamily="49" charset="0"/>
-              </a:rPr>
-              <a:t>      _</a:t>
-            </a:r>
-            <a:r>
-              <a:rPr lang="da-DK" sz="2400" b="1">
-                <a:latin typeface="Consolas" panose="020B0609020204030204" pitchFamily="49" charset="0"/>
-              </a:rPr>
-              <a:t>signedBy = </a:t>
-            </a:r>
-            <a:r>
-              <a:rPr lang="da-DK" sz="2400" b="1">
-                <a:solidFill>
-                  <a:srgbClr val="C00000"/>
-                </a:solidFill>
-                <a:latin typeface="Consolas" panose="020B0609020204030204" pitchFamily="49" charset="0"/>
-              </a:rPr>
-              <a:t>"(not signed)"</a:t>
-            </a:r>
-            <a:r>
-              <a:rPr lang="da-DK" sz="2400" b="1">
-                <a:latin typeface="Consolas" panose="020B0609020204030204" pitchFamily="49" charset="0"/>
-              </a:rPr>
-              <a:t>;</a:t>
-            </a:r>
-            <a:endParaRPr lang="da-DK" sz="2400" b="1">
-              <a:latin typeface="Consolas" panose="020B0609020204030204" pitchFamily="49" charset="0"/>
-            </a:endParaRPr>
-          </a:p>
-          <a:p>
-            <a:r>
-              <a:rPr lang="da-DK" sz="2400" b="1">
-                <a:latin typeface="Consolas" panose="020B0609020204030204" pitchFamily="49" charset="0"/>
-              </a:rPr>
-              <a:t> </a:t>
-            </a:r>
-            <a:r>
-              <a:rPr lang="da-DK" sz="2400" b="1" smtClean="0">
-                <a:latin typeface="Consolas" panose="020B0609020204030204" pitchFamily="49" charset="0"/>
-              </a:rPr>
-              <a:t>  }</a:t>
-            </a:r>
-            <a:endParaRPr lang="da-DK" sz="2400" b="1">
-              <a:latin typeface="Consolas" panose="020B0609020204030204" pitchFamily="49" charset="0"/>
-            </a:endParaRPr>
-          </a:p>
-          <a:p>
-            <a:r>
-              <a:rPr lang="da-DK" sz="2400" b="1" smtClean="0">
+              <a:rPr lang="da-DK" sz="2000" b="1">
                 <a:latin typeface="Consolas" panose="020B0609020204030204" pitchFamily="49" charset="0"/>
               </a:rPr>
               <a:t>}</a:t>
             </a:r>
-            <a:endParaRPr lang="da-DK" sz="2400" b="1" smtClean="0">
-              <a:latin typeface="Consolas" panose="020B0609020204030204" pitchFamily="49" charset="0"/>
-            </a:endParaRPr>
           </a:p>
         </p:txBody>
       </p:sp>
     </p:spTree>
     <p:extLst>
       <p:ext uri="{BB962C8B-B14F-4D97-AF65-F5344CB8AC3E}">
-        <p14:creationId xmlns:p14="http://schemas.microsoft.com/office/powerpoint/2010/main" val="70975482"/>
+        <p14:creationId xmlns:p14="http://schemas.microsoft.com/office/powerpoint/2010/main" val="2394077857"/>
       </p:ext>
     </p:extLst>
   </p:cSld>
@@ -4747,8 +4488,8 @@
         </p:nvSpPr>
         <p:spPr>
           <a:xfrm>
-            <a:off x="962526" y="1012925"/>
-            <a:ext cx="10094495" cy="2677656"/>
+            <a:off x="962526" y="1000568"/>
+            <a:ext cx="10094495" cy="4893647"/>
           </a:xfrm>
           <a:prstGeom prst="rect">
             <a:avLst/>
@@ -4768,16 +4509,7 @@
                 </a:solidFill>
                 <a:latin typeface="Consolas" panose="020B0609020204030204" pitchFamily="49" charset="0"/>
               </a:rPr>
-              <a:t>public </a:t>
-            </a:r>
-            <a:r>
-              <a:rPr lang="da-DK" sz="2400" b="1" smtClean="0">
-                <a:solidFill>
-                  <a:srgbClr val="0070C0"/>
-                </a:solidFill>
-                <a:latin typeface="Consolas" panose="020B0609020204030204" pitchFamily="49" charset="0"/>
-              </a:rPr>
-              <a:t>class </a:t>
+              <a:t>public class </a:t>
             </a:r>
             <a:r>
               <a:rPr lang="da-DK" sz="2400" b="1" smtClean="0">
@@ -4788,7 +4520,7 @@
                 </a:solidFill>
                 <a:latin typeface="Consolas" panose="020B0609020204030204" pitchFamily="49" charset="0"/>
               </a:rPr>
-              <a:t>Request</a:t>
+              <a:t>Form</a:t>
             </a:r>
             <a:endParaRPr lang="da-DK" sz="2400" b="1">
               <a:solidFill>
@@ -4844,13 +4576,56 @@
                 </a:solidFill>
                 <a:latin typeface="Consolas" panose="020B0609020204030204" pitchFamily="49" charset="0"/>
               </a:rPr>
-              <a:t>Form </a:t>
-            </a:r>
-            <a:r>
-              <a:rPr lang="da-DK" sz="2400" b="1" smtClean="0">
-                <a:latin typeface="Consolas" panose="020B0609020204030204" pitchFamily="49" charset="0"/>
-              </a:rPr>
-              <a:t>_form;</a:t>
+              <a:t>FormType </a:t>
+            </a:r>
+            <a:r>
+              <a:rPr lang="da-DK" sz="2400" b="1" smtClean="0">
+                <a:latin typeface="Consolas" panose="020B0609020204030204" pitchFamily="49" charset="0"/>
+              </a:rPr>
+              <a:t>_formType;</a:t>
+            </a:r>
+          </a:p>
+          <a:p>
+            <a:r>
+              <a:rPr lang="da-DK" sz="2400" b="1" smtClean="0">
+                <a:solidFill>
+                  <a:srgbClr val="0070C0"/>
+                </a:solidFill>
+                <a:latin typeface="Consolas" panose="020B0609020204030204" pitchFamily="49" charset="0"/>
+              </a:rPr>
+              <a:t>   private</a:t>
+            </a:r>
+            <a:r>
+              <a:rPr lang="da-DK" sz="2400" b="1" smtClean="0">
+                <a:latin typeface="Consolas" panose="020B0609020204030204" pitchFamily="49" charset="0"/>
+              </a:rPr>
+              <a:t> </a:t>
+            </a:r>
+            <a:r>
+              <a:rPr lang="da-DK" sz="2400" b="1" smtClean="0">
+                <a:solidFill>
+                  <a:srgbClr val="0070C0"/>
+                </a:solidFill>
+                <a:latin typeface="Consolas" panose="020B0609020204030204" pitchFamily="49" charset="0"/>
+              </a:rPr>
+              <a:t>bool</a:t>
+            </a:r>
+            <a:r>
+              <a:rPr lang="da-DK" sz="2400" b="1" smtClean="0">
+                <a:solidFill>
+                  <a:schemeClr val="accent6">
+                    <a:lumMod val="75000"/>
+                  </a:schemeClr>
+                </a:solidFill>
+                <a:latin typeface="Consolas" panose="020B0609020204030204" pitchFamily="49" charset="0"/>
+              </a:rPr>
+              <a:t> </a:t>
+            </a:r>
+            <a:r>
+              <a:rPr lang="da-DK" sz="2400" b="1" smtClean="0">
+                <a:latin typeface="Consolas" panose="020B0609020204030204" pitchFamily="49" charset="0"/>
+              </a:rPr>
+              <a:t>_approved;</a:t>
             </a:r>
             <a:endParaRPr lang="da-DK" sz="2400" b="1">
               <a:latin typeface="Consolas" panose="020B0609020204030204" pitchFamily="49" charset="0"/>
@@ -4908,7 +4683,7 @@
               <a:rPr lang="da-DK" sz="2400" b="1" smtClean="0">
                 <a:latin typeface="Consolas" panose="020B0609020204030204" pitchFamily="49" charset="0"/>
               </a:rPr>
-              <a:t>_respondTo;</a:t>
+              <a:t>_signedBy;</a:t>
             </a:r>
           </a:p>
           <a:p>
@@ -4939,7 +4714,7 @@
               <a:rPr lang="da-DK" sz="2400" b="1" smtClean="0">
                 <a:latin typeface="Consolas" panose="020B0609020204030204" pitchFamily="49" charset="0"/>
               </a:rPr>
-              <a:t>Request(</a:t>
+              <a:t>Form(</a:t>
             </a:r>
             <a:r>
               <a:rPr lang="da-DK" sz="2400" b="1" smtClean="0">
@@ -4950,30 +4725,104 @@
                 </a:solidFill>
                 <a:latin typeface="Consolas" panose="020B0609020204030204" pitchFamily="49" charset="0"/>
               </a:rPr>
-              <a:t>Form </a:t>
-            </a:r>
-            <a:r>
-              <a:rPr lang="da-DK" sz="2400" b="1" smtClean="0">
-                <a:latin typeface="Consolas" panose="020B0609020204030204" pitchFamily="49" charset="0"/>
-              </a:rPr>
-              <a:t>form, </a:t>
-            </a:r>
+              <a:t>FormType </a:t>
+            </a:r>
+            <a:r>
+              <a:rPr lang="da-DK" sz="2400" b="1" smtClean="0">
+                <a:latin typeface="Consolas" panose="020B0609020204030204" pitchFamily="49" charset="0"/>
+              </a:rPr>
+              <a:t>formType) </a:t>
+            </a:r>
+          </a:p>
+          <a:p>
             <a:r>
               <a:rPr lang="da-DK" sz="2400" b="1">
+                <a:latin typeface="Consolas" panose="020B0609020204030204" pitchFamily="49" charset="0"/>
+              </a:rPr>
+              <a:t> </a:t>
+            </a:r>
+            <a:r>
+              <a:rPr lang="da-DK" sz="2400" b="1" smtClean="0">
+                <a:latin typeface="Consolas" panose="020B0609020204030204" pitchFamily="49" charset="0"/>
+              </a:rPr>
+              <a:t>  {</a:t>
+            </a:r>
+          </a:p>
+          <a:p>
+            <a:r>
+              <a:rPr lang="da-DK" sz="2400" b="1" smtClean="0">
+                <a:latin typeface="Consolas" panose="020B0609020204030204" pitchFamily="49" charset="0"/>
+              </a:rPr>
+              <a:t>      _</a:t>
+            </a:r>
+            <a:r>
+              <a:rPr lang="da-DK" sz="2400" b="1">
+                <a:latin typeface="Consolas" panose="020B0609020204030204" pitchFamily="49" charset="0"/>
+              </a:rPr>
+              <a:t>formType = formType;</a:t>
+            </a:r>
+          </a:p>
+          <a:p>
+            <a:r>
+              <a:rPr lang="da-DK" sz="2400" b="1" smtClean="0">
+                <a:latin typeface="Consolas" panose="020B0609020204030204" pitchFamily="49" charset="0"/>
+              </a:rPr>
+              <a:t>      _</a:t>
+            </a:r>
+            <a:r>
+              <a:rPr lang="da-DK" sz="2400" b="1">
+                <a:latin typeface="Consolas" panose="020B0609020204030204" pitchFamily="49" charset="0"/>
+              </a:rPr>
+              <a:t>approved = </a:t>
+            </a:r>
+            <a:r>
+              <a:rPr lang="da-DK" sz="2400" b="1">
                 <a:solidFill>
                   <a:srgbClr val="0070C0"/>
                 </a:solidFill>
                 <a:latin typeface="Consolas" panose="020B0609020204030204" pitchFamily="49" charset="0"/>
               </a:rPr>
-              <a:t>string</a:t>
+              <a:t>false</a:t>
             </a:r>
             <a:r>
               <a:rPr lang="da-DK" sz="2400" b="1">
-                <a:solidFill>
-                  <a:schemeClr val="accent6">
-                    <a:lumMod val="75000"/>
-                  </a:schemeClr>
-                </a:solidFill>
+                <a:latin typeface="Consolas" panose="020B0609020204030204" pitchFamily="49" charset="0"/>
+              </a:rPr>
+              <a:t>;</a:t>
+            </a:r>
+          </a:p>
+          <a:p>
+            <a:r>
+              <a:rPr lang="da-DK" sz="2400" b="1" smtClean="0">
+                <a:latin typeface="Consolas" panose="020B0609020204030204" pitchFamily="49" charset="0"/>
+              </a:rPr>
+              <a:t>      _</a:t>
+            </a:r>
+            <a:r>
+              <a:rPr lang="da-DK" sz="2400" b="1">
+                <a:latin typeface="Consolas" panose="020B0609020204030204" pitchFamily="49" charset="0"/>
+              </a:rPr>
+              <a:t>signedBy = </a:t>
+            </a:r>
+            <a:r>
+              <a:rPr lang="da-DK" sz="2400" b="1">
+                <a:solidFill>
+                  <a:srgbClr val="C00000"/>
+                </a:solidFill>
+                <a:latin typeface="Consolas" panose="020B0609020204030204" pitchFamily="49" charset="0"/>
+              </a:rPr>
+              <a:t>"(not signed)"</a:t>
+            </a:r>
+            <a:r>
+              <a:rPr lang="da-DK" sz="2400" b="1">
+                <a:latin typeface="Consolas" panose="020B0609020204030204" pitchFamily="49" charset="0"/>
+              </a:rPr>
+              <a:t>;</a:t>
+            </a:r>
+          </a:p>
+          <a:p>
+            <a:r>
+              <a:rPr lang="da-DK" sz="2400" b="1">
                 <a:latin typeface="Consolas" panose="020B0609020204030204" pitchFamily="49" charset="0"/>
               </a:rPr>
               <a:t> </a:t>
@@ -4982,7 +4831,7 @@
               <a:rPr lang="da-DK" sz="2400" b="1" smtClean="0">
                 <a:latin typeface="Consolas" panose="020B0609020204030204" pitchFamily="49" charset="0"/>
               </a:rPr>
-              <a:t>respondTo) {…}</a:t>
+              <a:t>  }</a:t>
             </a:r>
             <a:endParaRPr lang="da-DK" sz="2400" b="1">
               <a:latin typeface="Consolas" panose="020B0609020204030204" pitchFamily="49" charset="0"/>
@@ -4995,16 +4844,13 @@
               </a:rPr>
               <a:t>}</a:t>
             </a:r>
-            <a:endParaRPr lang="da-DK" sz="2400" b="1" smtClean="0">
-              <a:latin typeface="Consolas" panose="020B0609020204030204" pitchFamily="49" charset="0"/>
-            </a:endParaRPr>
           </a:p>
         </p:txBody>
       </p:sp>
     </p:spTree>
     <p:extLst>
       <p:ext uri="{BB962C8B-B14F-4D97-AF65-F5344CB8AC3E}">
-        <p14:creationId xmlns:p14="http://schemas.microsoft.com/office/powerpoint/2010/main" val="1216130960"/>
+        <p14:creationId xmlns:p14="http://schemas.microsoft.com/office/powerpoint/2010/main" val="70975482"/>
       </p:ext>
     </p:extLst>
   </p:cSld>
@@ -5055,7 +4901,7 @@
         <p:spPr>
           <a:xfrm>
             <a:off x="962526" y="1012925"/>
-            <a:ext cx="10094495" cy="4708981"/>
+            <a:ext cx="10094495" cy="2677656"/>
           </a:xfrm>
           <a:prstGeom prst="rect">
             <a:avLst/>
@@ -5069,25 +4915,16 @@
           <a:lstStyle/>
           <a:p>
             <a:r>
-              <a:rPr lang="da-DK" sz="2000" b="1" smtClean="0">
+              <a:rPr lang="da-DK" sz="2400" b="1" smtClean="0">
                 <a:solidFill>
                   <a:srgbClr val="0070C0"/>
                 </a:solidFill>
                 <a:latin typeface="Consolas" panose="020B0609020204030204" pitchFamily="49" charset="0"/>
               </a:rPr>
-              <a:t>public </a:t>
-            </a:r>
-            <a:r>
-              <a:rPr lang="da-DK" sz="2000" b="1" smtClean="0">
-                <a:solidFill>
-                  <a:srgbClr val="0070C0"/>
-                </a:solidFill>
-                <a:latin typeface="Consolas" panose="020B0609020204030204" pitchFamily="49" charset="0"/>
-              </a:rPr>
-              <a:t>abstract class </a:t>
-            </a:r>
-            <a:r>
-              <a:rPr lang="da-DK" sz="2000" b="1" smtClean="0">
+              <a:t>public class </a:t>
+            </a:r>
+            <a:r>
+              <a:rPr lang="da-DK" sz="2400" b="1" smtClean="0">
                 <a:solidFill>
                   <a:schemeClr val="accent6">
                     <a:lumMod val="75000"/>
@@ -5095,26 +4932,9 @@
                 </a:solidFill>
                 <a:latin typeface="Consolas" panose="020B0609020204030204" pitchFamily="49" charset="0"/>
               </a:rPr>
-              <a:t>Bureaucrat </a:t>
-            </a:r>
-            <a:r>
-              <a:rPr lang="da-DK" sz="2000" b="1" smtClean="0">
-                <a:latin typeface="Consolas" panose="020B0609020204030204" pitchFamily="49" charset="0"/>
-              </a:rPr>
-              <a:t>:</a:t>
-            </a:r>
-            <a:r>
-              <a:rPr lang="da-DK" sz="2000" b="1">
-                <a:solidFill>
-                  <a:schemeClr val="accent6">
-                    <a:lumMod val="75000"/>
-                  </a:schemeClr>
-                </a:solidFill>
-                <a:latin typeface="Consolas" panose="020B0609020204030204" pitchFamily="49" charset="0"/>
-              </a:rPr>
-              <a:t> HandlerBase</a:t>
-            </a:r>
-            <a:endParaRPr lang="da-DK" sz="2000" b="1">
+              <a:t>Request</a:t>
+            </a:r>
+            <a:endParaRPr lang="da-DK" sz="2400" b="1">
               <a:solidFill>
                 <a:schemeClr val="accent6">
                   <a:lumMod val="75000"/>
@@ -5125,7 +4945,7 @@
           </a:p>
           <a:p>
             <a:r>
-              <a:rPr lang="da-DK" sz="2000" b="1" smtClean="0">
+              <a:rPr lang="da-DK" sz="2400" b="1" smtClean="0">
                 <a:latin typeface="Consolas" panose="020B0609020204030204" pitchFamily="49" charset="0"/>
               </a:rPr>
               <a:t>{</a:t>
@@ -5133,19 +4953,19 @@
           </a:p>
           <a:p>
             <a:r>
-              <a:rPr lang="da-DK" sz="2000" b="1">
+              <a:rPr lang="da-DK" sz="2400" b="1">
                 <a:latin typeface="Consolas" panose="020B0609020204030204" pitchFamily="49" charset="0"/>
               </a:rPr>
               <a:t> </a:t>
             </a:r>
             <a:r>
-              <a:rPr lang="da-DK" sz="2000" b="1" smtClean="0">
+              <a:rPr lang="da-DK" sz="2400" b="1" smtClean="0">
                 <a:latin typeface="Consolas" panose="020B0609020204030204" pitchFamily="49" charset="0"/>
               </a:rPr>
               <a:t>  </a:t>
             </a:r>
             <a:r>
-              <a:rPr lang="da-DK" sz="2000" b="1" smtClean="0">
+              <a:rPr lang="da-DK" sz="2400" b="1" smtClean="0">
                 <a:solidFill>
                   <a:srgbClr val="0070C0"/>
                 </a:solidFill>
@@ -5154,22 +4974,13 @@
               <a:t>private</a:t>
             </a:r>
             <a:r>
-              <a:rPr lang="da-DK" sz="2000" b="1" smtClean="0">
+              <a:rPr lang="da-DK" sz="2400" b="1" smtClean="0">
                 <a:latin typeface="Consolas" panose="020B0609020204030204" pitchFamily="49" charset="0"/>
               </a:rPr>
               <a:t> </a:t>
             </a:r>
             <a:r>
-              <a:rPr lang="da-DK" sz="2000" b="1" smtClean="0">
-                <a:solidFill>
-                  <a:srgbClr val="0070C0"/>
-                </a:solidFill>
-                <a:latin typeface="Consolas" panose="020B0609020204030204" pitchFamily="49" charset="0"/>
-              </a:rPr>
-              <a:t>string</a:t>
-            </a:r>
-            <a:r>
-              <a:rPr lang="da-DK" sz="2000" b="1" smtClean="0">
+              <a:rPr lang="da-DK" sz="2400" b="1" smtClean="0">
                 <a:solidFill>
                   <a:schemeClr val="accent6">
                     <a:lumMod val="75000"/>
@@ -5177,33 +4988,33 @@
                 </a:solidFill>
                 <a:latin typeface="Consolas" panose="020B0609020204030204" pitchFamily="49" charset="0"/>
               </a:rPr>
-              <a:t> </a:t>
-            </a:r>
-            <a:r>
-              <a:rPr lang="da-DK" sz="2000" b="1" smtClean="0">
-                <a:latin typeface="Consolas" panose="020B0609020204030204" pitchFamily="49" charset="0"/>
-              </a:rPr>
-              <a:t>_name;</a:t>
-            </a:r>
-            <a:endParaRPr lang="da-DK" sz="2000" b="1">
+              <a:t>Form </a:t>
+            </a:r>
+            <a:r>
+              <a:rPr lang="da-DK" sz="2400" b="1" smtClean="0">
+                <a:latin typeface="Consolas" panose="020B0609020204030204" pitchFamily="49" charset="0"/>
+              </a:rPr>
+              <a:t>_form;</a:t>
+            </a:r>
+            <a:endParaRPr lang="da-DK" sz="2400" b="1">
               <a:latin typeface="Consolas" panose="020B0609020204030204" pitchFamily="49" charset="0"/>
             </a:endParaRPr>
           </a:p>
           <a:p>
             <a:r>
-              <a:rPr lang="da-DK" sz="2000" b="1">
+              <a:rPr lang="da-DK" sz="2400" b="1">
                 <a:latin typeface="Consolas" panose="020B0609020204030204" pitchFamily="49" charset="0"/>
               </a:rPr>
               <a:t> </a:t>
             </a:r>
             <a:r>
-              <a:rPr lang="da-DK" sz="2000" b="1" smtClean="0">
+              <a:rPr lang="da-DK" sz="2400" b="1" smtClean="0">
                 <a:latin typeface="Consolas" panose="020B0609020204030204" pitchFamily="49" charset="0"/>
               </a:rPr>
               <a:t>  </a:t>
             </a:r>
             <a:r>
-              <a:rPr lang="da-DK" sz="2000" b="1" smtClean="0">
+              <a:rPr lang="da-DK" sz="2400" b="1" smtClean="0">
                 <a:solidFill>
                   <a:srgbClr val="0070C0"/>
                 </a:solidFill>
@@ -5212,13 +5023,22 @@
               <a:t>private</a:t>
             </a:r>
             <a:r>
-              <a:rPr lang="da-DK" sz="2000" b="1" smtClean="0">
+              <a:rPr lang="da-DK" sz="2400" b="1" smtClean="0">
                 <a:latin typeface="Consolas" panose="020B0609020204030204" pitchFamily="49" charset="0"/>
               </a:rPr>
               <a:t> </a:t>
             </a:r>
             <a:r>
-              <a:rPr lang="da-DK" sz="2000" b="1" smtClean="0">
+              <a:rPr lang="da-DK" sz="2400" b="1">
+                <a:solidFill>
+                  <a:srgbClr val="0070C0"/>
+                </a:solidFill>
+                <a:latin typeface="Consolas" panose="020B0609020204030204" pitchFamily="49" charset="0"/>
+              </a:rPr>
+              <a:t>string</a:t>
+            </a:r>
+            <a:r>
+              <a:rPr lang="da-DK" sz="2400" b="1">
                 <a:solidFill>
                   <a:schemeClr val="accent6">
                     <a:lumMod val="75000"/>
@@ -5226,16 +5046,47 @@
                 </a:solidFill>
                 <a:latin typeface="Consolas" panose="020B0609020204030204" pitchFamily="49" charset="0"/>
               </a:rPr>
-              <a:t>List</a:t>
-            </a:r>
-            <a:r>
-              <a:rPr lang="da-DK" sz="2000" b="1" smtClean="0">
-                <a:latin typeface="Consolas" panose="020B0609020204030204" pitchFamily="49" charset="0"/>
-              </a:rPr>
-              <a:t>&lt;</a:t>
-            </a:r>
-            <a:r>
-              <a:rPr lang="da-DK" sz="2000" b="1" smtClean="0">
+              <a:t> </a:t>
+            </a:r>
+            <a:r>
+              <a:rPr lang="da-DK" sz="2400" b="1" smtClean="0">
+                <a:latin typeface="Consolas" panose="020B0609020204030204" pitchFamily="49" charset="0"/>
+              </a:rPr>
+              <a:t>_respondTo;</a:t>
+            </a:r>
+          </a:p>
+          <a:p>
+            <a:endParaRPr lang="da-DK" sz="2400" b="1">
+              <a:latin typeface="Consolas" panose="020B0609020204030204" pitchFamily="49" charset="0"/>
+            </a:endParaRPr>
+          </a:p>
+          <a:p>
+            <a:r>
+              <a:rPr lang="da-DK" sz="2400" b="1">
+                <a:solidFill>
+                  <a:srgbClr val="0070C0"/>
+                </a:solidFill>
+                <a:latin typeface="Consolas" panose="020B0609020204030204" pitchFamily="49" charset="0"/>
+              </a:rPr>
+              <a:t> </a:t>
+            </a:r>
+            <a:r>
+              <a:rPr lang="da-DK" sz="2400" b="1" smtClean="0">
+                <a:solidFill>
+                  <a:srgbClr val="0070C0"/>
+                </a:solidFill>
+                <a:latin typeface="Consolas" panose="020B0609020204030204" pitchFamily="49" charset="0"/>
+              </a:rPr>
+              <a:t>  public </a:t>
+            </a:r>
+            <a:r>
+              <a:rPr lang="da-DK" sz="2400" b="1" smtClean="0">
+                <a:latin typeface="Consolas" panose="020B0609020204030204" pitchFamily="49" charset="0"/>
+              </a:rPr>
+              <a:t>Request(</a:t>
+            </a:r>
+            <a:r>
+              <a:rPr lang="da-DK" sz="2400" b="1" smtClean="0">
                 <a:solidFill>
                   <a:schemeClr val="accent6">
                     <a:lumMod val="75000"/>
@@ -5243,16 +5094,25 @@
                 </a:solidFill>
                 <a:latin typeface="Consolas" panose="020B0609020204030204" pitchFamily="49" charset="0"/>
               </a:rPr>
-              <a:t>FormType</a:t>
-            </a:r>
-            <a:r>
-              <a:rPr lang="da-DK" sz="2000" b="1" smtClean="0">
-                <a:latin typeface="Consolas" panose="020B0609020204030204" pitchFamily="49" charset="0"/>
-              </a:rPr>
-              <a:t>&gt;</a:t>
-            </a:r>
-            <a:r>
-              <a:rPr lang="da-DK" sz="2000" b="1" smtClean="0">
+              <a:t>Form </a:t>
+            </a:r>
+            <a:r>
+              <a:rPr lang="da-DK" sz="2400" b="1" smtClean="0">
+                <a:latin typeface="Consolas" panose="020B0609020204030204" pitchFamily="49" charset="0"/>
+              </a:rPr>
+              <a:t>form, </a:t>
+            </a:r>
+            <a:r>
+              <a:rPr lang="da-DK" sz="2400" b="1">
+                <a:solidFill>
+                  <a:srgbClr val="0070C0"/>
+                </a:solidFill>
+                <a:latin typeface="Consolas" panose="020B0609020204030204" pitchFamily="49" charset="0"/>
+              </a:rPr>
+              <a:t>string</a:t>
+            </a:r>
+            <a:r>
+              <a:rPr lang="da-DK" sz="2400" b="1">
                 <a:solidFill>
                   <a:schemeClr val="accent6">
                     <a:lumMod val="75000"/>
@@ -5263,366 +5123,29 @@
               <a:t> </a:t>
             </a:r>
             <a:r>
-              <a:rPr lang="da-DK" sz="2000" b="1" smtClean="0">
-                <a:latin typeface="Consolas" panose="020B0609020204030204" pitchFamily="49" charset="0"/>
-              </a:rPr>
-              <a:t>_formsICanHandle;</a:t>
-            </a:r>
-          </a:p>
-          <a:p>
-            <a:endParaRPr lang="da-DK" sz="2000" b="1">
+              <a:rPr lang="da-DK" sz="2400" b="1" smtClean="0">
+                <a:latin typeface="Consolas" panose="020B0609020204030204" pitchFamily="49" charset="0"/>
+              </a:rPr>
+              <a:t>respondTo) {…}</a:t>
+            </a:r>
+            <a:endParaRPr lang="da-DK" sz="2400" b="1">
               <a:latin typeface="Consolas" panose="020B0609020204030204" pitchFamily="49" charset="0"/>
             </a:endParaRPr>
           </a:p>
           <a:p>
             <a:r>
-              <a:rPr lang="da-DK" sz="2000" b="1">
-                <a:solidFill>
-                  <a:srgbClr val="0070C0"/>
-                </a:solidFill>
-                <a:latin typeface="Consolas" panose="020B0609020204030204" pitchFamily="49" charset="0"/>
-              </a:rPr>
-              <a:t> </a:t>
-            </a:r>
-            <a:r>
-              <a:rPr lang="da-DK" sz="2000" b="1" smtClean="0">
-                <a:solidFill>
-                  <a:srgbClr val="0070C0"/>
-                </a:solidFill>
-                <a:latin typeface="Consolas" panose="020B0609020204030204" pitchFamily="49" charset="0"/>
-              </a:rPr>
-              <a:t>  protected </a:t>
-            </a:r>
-            <a:r>
-              <a:rPr lang="da-DK" sz="2000" b="1" smtClean="0">
-                <a:latin typeface="Consolas" panose="020B0609020204030204" pitchFamily="49" charset="0"/>
-              </a:rPr>
-              <a:t>Bureaucrat(</a:t>
-            </a:r>
-            <a:r>
-              <a:rPr lang="da-DK" sz="2000" b="1">
-                <a:solidFill>
-                  <a:srgbClr val="0070C0"/>
-                </a:solidFill>
-                <a:latin typeface="Consolas" panose="020B0609020204030204" pitchFamily="49" charset="0"/>
-              </a:rPr>
-              <a:t>string</a:t>
-            </a:r>
-            <a:r>
-              <a:rPr lang="da-DK" sz="2000" b="1">
-                <a:solidFill>
-                  <a:schemeClr val="accent6">
-                    <a:lumMod val="75000"/>
-                  </a:schemeClr>
-                </a:solidFill>
-                <a:latin typeface="Consolas" panose="020B0609020204030204" pitchFamily="49" charset="0"/>
-              </a:rPr>
-              <a:t> </a:t>
-            </a:r>
-            <a:r>
-              <a:rPr lang="da-DK" sz="2000" b="1" smtClean="0">
-                <a:latin typeface="Consolas" panose="020B0609020204030204" pitchFamily="49" charset="0"/>
-              </a:rPr>
-              <a:t>name, </a:t>
-            </a:r>
-            <a:r>
-              <a:rPr lang="da-DK" sz="2000" b="1">
-                <a:solidFill>
-                  <a:schemeClr val="accent6">
-                    <a:lumMod val="75000"/>
-                  </a:schemeClr>
-                </a:solidFill>
-                <a:latin typeface="Consolas" panose="020B0609020204030204" pitchFamily="49" charset="0"/>
-              </a:rPr>
-              <a:t>List</a:t>
-            </a:r>
-            <a:r>
-              <a:rPr lang="da-DK" sz="2000" b="1">
-                <a:latin typeface="Consolas" panose="020B0609020204030204" pitchFamily="49" charset="0"/>
-              </a:rPr>
-              <a:t>&lt;</a:t>
-            </a:r>
-            <a:r>
-              <a:rPr lang="da-DK" sz="2000" b="1">
-                <a:solidFill>
-                  <a:schemeClr val="accent6">
-                    <a:lumMod val="75000"/>
-                  </a:schemeClr>
-                </a:solidFill>
-                <a:latin typeface="Consolas" panose="020B0609020204030204" pitchFamily="49" charset="0"/>
-              </a:rPr>
-              <a:t>FormType</a:t>
-            </a:r>
-            <a:r>
-              <a:rPr lang="da-DK" sz="2000" b="1">
-                <a:latin typeface="Consolas" panose="020B0609020204030204" pitchFamily="49" charset="0"/>
-              </a:rPr>
-              <a:t>&gt;</a:t>
-            </a:r>
-            <a:r>
-              <a:rPr lang="da-DK" sz="2000" b="1">
-                <a:solidFill>
-                  <a:schemeClr val="accent6">
-                    <a:lumMod val="75000"/>
-                  </a:schemeClr>
-                </a:solidFill>
-                <a:latin typeface="Consolas" panose="020B0609020204030204" pitchFamily="49" charset="0"/>
-              </a:rPr>
-              <a:t> </a:t>
-            </a:r>
-            <a:r>
-              <a:rPr lang="da-DK" sz="2000" b="1" smtClean="0">
-                <a:latin typeface="Consolas" panose="020B0609020204030204" pitchFamily="49" charset="0"/>
-              </a:rPr>
-              <a:t>formsICanHandle,</a:t>
-            </a:r>
-          </a:p>
-          <a:p>
-            <a:r>
-              <a:rPr lang="da-DK" sz="2000" b="1">
-                <a:latin typeface="Consolas" panose="020B0609020204030204" pitchFamily="49" charset="0"/>
-              </a:rPr>
-              <a:t> </a:t>
-            </a:r>
-            <a:r>
-              <a:rPr lang="da-DK" sz="2000" b="1" smtClean="0">
-                <a:latin typeface="Consolas" panose="020B0609020204030204" pitchFamily="49" charset="0"/>
-              </a:rPr>
-              <a:t>     </a:t>
-            </a:r>
-            <a:r>
-              <a:rPr lang="da-DK" sz="2000" b="1" smtClean="0">
-                <a:solidFill>
-                  <a:schemeClr val="accent6">
-                    <a:lumMod val="75000"/>
-                  </a:schemeClr>
-                </a:solidFill>
-                <a:latin typeface="Consolas" panose="020B0609020204030204" pitchFamily="49" charset="0"/>
-              </a:rPr>
-              <a:t>IHandler </a:t>
-            </a:r>
-            <a:r>
-              <a:rPr lang="da-DK" sz="2000" b="1" smtClean="0">
-                <a:latin typeface="Consolas" panose="020B0609020204030204" pitchFamily="49" charset="0"/>
-              </a:rPr>
-              <a:t>nextHandler) : </a:t>
-            </a:r>
-            <a:r>
-              <a:rPr lang="da-DK" sz="2000" b="1" smtClean="0">
-                <a:solidFill>
-                  <a:srgbClr val="0070C0"/>
-                </a:solidFill>
-                <a:latin typeface="Consolas" panose="020B0609020204030204" pitchFamily="49" charset="0"/>
-              </a:rPr>
-              <a:t>base</a:t>
-            </a:r>
-            <a:r>
-              <a:rPr lang="da-DK" sz="2000" b="1" smtClean="0">
-                <a:latin typeface="Consolas" panose="020B0609020204030204" pitchFamily="49" charset="0"/>
-              </a:rPr>
-              <a:t>(</a:t>
-            </a:r>
-            <a:r>
-              <a:rPr lang="da-DK" sz="2000" b="1">
-                <a:latin typeface="Consolas" panose="020B0609020204030204" pitchFamily="49" charset="0"/>
-              </a:rPr>
-              <a:t>nextHandler</a:t>
-            </a:r>
-            <a:r>
-              <a:rPr lang="da-DK" sz="2000" b="1" smtClean="0">
-                <a:latin typeface="Consolas" panose="020B0609020204030204" pitchFamily="49" charset="0"/>
-              </a:rPr>
-              <a:t>)</a:t>
-            </a:r>
-          </a:p>
-          <a:p>
-            <a:r>
-              <a:rPr lang="da-DK" sz="2000" b="1">
-                <a:latin typeface="Consolas" panose="020B0609020204030204" pitchFamily="49" charset="0"/>
-              </a:rPr>
-              <a:t> </a:t>
-            </a:r>
-            <a:r>
-              <a:rPr lang="da-DK" sz="2000" b="1" smtClean="0">
-                <a:latin typeface="Consolas" panose="020B0609020204030204" pitchFamily="49" charset="0"/>
-              </a:rPr>
-              <a:t>  {</a:t>
-            </a:r>
-          </a:p>
-          <a:p>
-            <a:r>
-              <a:rPr lang="da-DK" sz="2000" b="1" smtClean="0">
-                <a:latin typeface="Consolas" panose="020B0609020204030204" pitchFamily="49" charset="0"/>
-              </a:rPr>
-              <a:t>      _name = name;</a:t>
-            </a:r>
-          </a:p>
-          <a:p>
-            <a:r>
-              <a:rPr lang="da-DK" sz="2000" b="1" smtClean="0">
-                <a:latin typeface="Consolas" panose="020B0609020204030204" pitchFamily="49" charset="0"/>
-              </a:rPr>
-              <a:t>      </a:t>
-            </a:r>
-            <a:r>
-              <a:rPr lang="da-DK" sz="2000" b="1">
-                <a:latin typeface="Consolas" panose="020B0609020204030204" pitchFamily="49" charset="0"/>
-              </a:rPr>
-              <a:t>_</a:t>
-            </a:r>
-            <a:r>
-              <a:rPr lang="da-DK" sz="2000" b="1" smtClean="0">
-                <a:latin typeface="Consolas" panose="020B0609020204030204" pitchFamily="49" charset="0"/>
-              </a:rPr>
-              <a:t>formsICanHandle = formsICanHandle;</a:t>
-            </a:r>
-          </a:p>
-          <a:p>
-            <a:r>
-              <a:rPr lang="da-DK" sz="2000" b="1">
-                <a:latin typeface="Consolas" panose="020B0609020204030204" pitchFamily="49" charset="0"/>
-              </a:rPr>
-              <a:t> </a:t>
-            </a:r>
-            <a:r>
-              <a:rPr lang="da-DK" sz="2000" b="1" smtClean="0">
-                <a:latin typeface="Consolas" panose="020B0609020204030204" pitchFamily="49" charset="0"/>
-              </a:rPr>
-              <a:t>  }</a:t>
-            </a:r>
-          </a:p>
-          <a:p>
-            <a:endParaRPr lang="da-DK" sz="2000" b="1">
-              <a:latin typeface="Consolas" panose="020B0609020204030204" pitchFamily="49" charset="0"/>
-            </a:endParaRPr>
-          </a:p>
-          <a:p>
-            <a:r>
-              <a:rPr lang="da-DK" sz="2000" b="1" smtClean="0">
-                <a:solidFill>
-                  <a:srgbClr val="0070C0"/>
-                </a:solidFill>
-                <a:latin typeface="Consolas" panose="020B0609020204030204" pitchFamily="49" charset="0"/>
-              </a:rPr>
-              <a:t>   public override bool</a:t>
-            </a:r>
-            <a:r>
-              <a:rPr lang="da-DK" sz="2000" b="1" smtClean="0">
-                <a:latin typeface="Consolas" panose="020B0609020204030204" pitchFamily="49" charset="0"/>
-              </a:rPr>
-              <a:t> CanHandle(</a:t>
-            </a:r>
-            <a:r>
-              <a:rPr lang="da-DK" sz="2000" b="1" smtClean="0">
-                <a:solidFill>
-                  <a:schemeClr val="accent6">
-                    <a:lumMod val="75000"/>
-                  </a:schemeClr>
-                </a:solidFill>
-                <a:latin typeface="Consolas" panose="020B0609020204030204" pitchFamily="49" charset="0"/>
-              </a:rPr>
-              <a:t>Request</a:t>
-            </a:r>
-            <a:r>
-              <a:rPr lang="da-DK" sz="2000" b="1" smtClean="0">
-                <a:latin typeface="Consolas" panose="020B0609020204030204" pitchFamily="49" charset="0"/>
-              </a:rPr>
-              <a:t> </a:t>
-            </a:r>
-            <a:r>
-              <a:rPr lang="da-DK" sz="2000" b="1">
-                <a:latin typeface="Consolas" panose="020B0609020204030204" pitchFamily="49" charset="0"/>
-              </a:rPr>
-              <a:t>req</a:t>
-            </a:r>
-            <a:r>
-              <a:rPr lang="da-DK" sz="2000" b="1" smtClean="0">
-                <a:latin typeface="Consolas" panose="020B0609020204030204" pitchFamily="49" charset="0"/>
-              </a:rPr>
-              <a:t>) {…}</a:t>
-            </a:r>
-            <a:endParaRPr lang="da-DK" sz="2000" b="1" smtClean="0">
-              <a:latin typeface="Consolas" panose="020B0609020204030204" pitchFamily="49" charset="0"/>
-            </a:endParaRPr>
-          </a:p>
-          <a:p>
-            <a:r>
-              <a:rPr lang="da-DK" sz="2000" b="1">
-                <a:latin typeface="Consolas" panose="020B0609020204030204" pitchFamily="49" charset="0"/>
-              </a:rPr>
-              <a:t> </a:t>
-            </a:r>
-            <a:r>
-              <a:rPr lang="da-DK" sz="2000" b="1" smtClean="0">
-                <a:latin typeface="Consolas" panose="020B0609020204030204" pitchFamily="49" charset="0"/>
-              </a:rPr>
-              <a:t>  </a:t>
-            </a:r>
-            <a:r>
-              <a:rPr lang="da-DK" sz="2000" b="1" smtClean="0">
-                <a:solidFill>
-                  <a:srgbClr val="0070C0"/>
-                </a:solidFill>
-                <a:latin typeface="Consolas" panose="020B0609020204030204" pitchFamily="49" charset="0"/>
-              </a:rPr>
-              <a:t>protected override void</a:t>
-            </a:r>
-            <a:r>
-              <a:rPr lang="da-DK" sz="2000" b="1" smtClean="0">
-                <a:latin typeface="Consolas" panose="020B0609020204030204" pitchFamily="49" charset="0"/>
-              </a:rPr>
-              <a:t> HandleRequest(</a:t>
-            </a:r>
-            <a:r>
-              <a:rPr lang="da-DK" sz="2000" b="1" smtClean="0">
-                <a:solidFill>
-                  <a:schemeClr val="accent6">
-                    <a:lumMod val="75000"/>
-                  </a:schemeClr>
-                </a:solidFill>
-                <a:latin typeface="Consolas" panose="020B0609020204030204" pitchFamily="49" charset="0"/>
-              </a:rPr>
-              <a:t>Request</a:t>
-            </a:r>
-            <a:r>
-              <a:rPr lang="da-DK" sz="2000" b="1" smtClean="0">
-                <a:latin typeface="Consolas" panose="020B0609020204030204" pitchFamily="49" charset="0"/>
-              </a:rPr>
-              <a:t> </a:t>
-            </a:r>
-            <a:r>
-              <a:rPr lang="da-DK" sz="2000" b="1">
-                <a:latin typeface="Consolas" panose="020B0609020204030204" pitchFamily="49" charset="0"/>
-              </a:rPr>
-              <a:t>req</a:t>
-            </a:r>
-            <a:r>
-              <a:rPr lang="da-DK" sz="2000" b="1" smtClean="0">
-                <a:latin typeface="Consolas" panose="020B0609020204030204" pitchFamily="49" charset="0"/>
-              </a:rPr>
-              <a:t>) {…}</a:t>
-            </a:r>
-            <a:endParaRPr lang="da-DK" sz="2000" b="1">
-              <a:latin typeface="Consolas" panose="020B0609020204030204" pitchFamily="49" charset="0"/>
-            </a:endParaRPr>
-          </a:p>
-          <a:p>
-            <a:r>
-              <a:rPr lang="da-DK" sz="2000" b="1" smtClean="0">
+              <a:rPr lang="da-DK" sz="2400" b="1" smtClean="0">
                 <a:latin typeface="Consolas" panose="020B0609020204030204" pitchFamily="49" charset="0"/>
               </a:rPr>
               <a:t>}</a:t>
             </a:r>
-            <a:endParaRPr lang="da-DK" sz="2000" b="1" smtClean="0">
-              <a:latin typeface="Consolas" panose="020B0609020204030204" pitchFamily="49" charset="0"/>
-            </a:endParaRPr>
           </a:p>
         </p:txBody>
       </p:sp>
     </p:spTree>
     <p:extLst>
       <p:ext uri="{BB962C8B-B14F-4D97-AF65-F5344CB8AC3E}">
-        <p14:creationId xmlns:p14="http://schemas.microsoft.com/office/powerpoint/2010/main" val="2649124090"/>
+        <p14:creationId xmlns:p14="http://schemas.microsoft.com/office/powerpoint/2010/main" val="1216130960"/>
       </p:ext>
     </p:extLst>
   </p:cSld>
@@ -5673,7 +5196,7 @@
         <p:spPr>
           <a:xfrm>
             <a:off x="962526" y="1012925"/>
-            <a:ext cx="10094495" cy="1569660"/>
+            <a:ext cx="10094495" cy="4708981"/>
           </a:xfrm>
           <a:prstGeom prst="rect">
             <a:avLst/>
@@ -5687,22 +5210,16 @@
           <a:lstStyle/>
           <a:p>
             <a:r>
-              <a:rPr lang="da-DK" sz="2400" b="1" smtClean="0">
+              <a:rPr lang="da-DK" sz="2000" b="1" smtClean="0">
                 <a:solidFill>
                   <a:srgbClr val="0070C0"/>
                 </a:solidFill>
                 <a:latin typeface="Consolas" panose="020B0609020204030204" pitchFamily="49" charset="0"/>
               </a:rPr>
-              <a:t>public override bool </a:t>
-            </a:r>
-            <a:r>
-              <a:rPr lang="da-DK" sz="2400" b="1" smtClean="0">
-                <a:latin typeface="Consolas" panose="020B0609020204030204" pitchFamily="49" charset="0"/>
-              </a:rPr>
-              <a:t>CanHandle(</a:t>
-            </a:r>
-            <a:r>
-              <a:rPr lang="da-DK" sz="2400" b="1" smtClean="0">
+              <a:t>public abstract class </a:t>
+            </a:r>
+            <a:r>
+              <a:rPr lang="da-DK" sz="2000" b="1" smtClean="0">
                 <a:solidFill>
                   <a:schemeClr val="accent6">
                     <a:lumMod val="75000"/>
@@ -5710,18 +5227,29 @@
                 </a:solidFill>
                 <a:latin typeface="Consolas" panose="020B0609020204030204" pitchFamily="49" charset="0"/>
               </a:rPr>
-              <a:t>Request </a:t>
-            </a:r>
-            <a:r>
-              <a:rPr lang="da-DK" sz="2400" b="1" smtClean="0">
-                <a:latin typeface="Consolas" panose="020B0609020204030204" pitchFamily="49" charset="0"/>
-              </a:rPr>
-              <a:t>req)</a:t>
-            </a:r>
-          </a:p>
-          <a:p>
-            <a:r>
-              <a:rPr lang="da-DK" sz="2400" b="1" smtClean="0">
+              <a:t>Bureaucrat </a:t>
+            </a:r>
+            <a:r>
+              <a:rPr lang="da-DK" sz="2000" b="1" smtClean="0">
+                <a:latin typeface="Consolas" panose="020B0609020204030204" pitchFamily="49" charset="0"/>
+              </a:rPr>
+              <a:t>:</a:t>
+            </a:r>
+            <a:r>
+              <a:rPr lang="da-DK" sz="2000" b="1">
+                <a:solidFill>
+                  <a:schemeClr val="accent6">
+                    <a:lumMod val="75000"/>
+                  </a:schemeClr>
+                </a:solidFill>
+                <a:latin typeface="Consolas" panose="020B0609020204030204" pitchFamily="49" charset="0"/>
+              </a:rPr>
+              <a:t> HandlerBase</a:t>
+            </a:r>
+          </a:p>
+          <a:p>
+            <a:r>
+              <a:rPr lang="da-DK" sz="2000" b="1" smtClean="0">
                 <a:latin typeface="Consolas" panose="020B0609020204030204" pitchFamily="49" charset="0"/>
               </a:rPr>
               <a:t>{</a:t>
@@ -5729,30 +5257,488 @@
           </a:p>
           <a:p>
             <a:r>
-              <a:rPr lang="da-DK" sz="2400" b="1" smtClean="0">
-                <a:latin typeface="Consolas" panose="020B0609020204030204" pitchFamily="49" charset="0"/>
-              </a:rPr>
-              <a:t>   </a:t>
-            </a:r>
-            <a:r>
-              <a:rPr lang="da-DK" sz="2400" b="1">
+              <a:rPr lang="da-DK" sz="2000" b="1">
+                <a:latin typeface="Consolas" panose="020B0609020204030204" pitchFamily="49" charset="0"/>
+              </a:rPr>
+              <a:t> </a:t>
+            </a:r>
+            <a:r>
+              <a:rPr lang="da-DK" sz="2000" b="1" smtClean="0">
+                <a:latin typeface="Consolas" panose="020B0609020204030204" pitchFamily="49" charset="0"/>
+              </a:rPr>
+              <a:t>  </a:t>
+            </a:r>
+            <a:r>
+              <a:rPr lang="da-DK" sz="2000" b="1" smtClean="0">
                 <a:solidFill>
                   <a:srgbClr val="0070C0"/>
                 </a:solidFill>
                 <a:latin typeface="Consolas" panose="020B0609020204030204" pitchFamily="49" charset="0"/>
               </a:rPr>
-              <a:t>return</a:t>
-            </a:r>
-            <a:r>
-              <a:rPr lang="da-DK" sz="2400" b="1" smtClean="0">
-                <a:latin typeface="Consolas" panose="020B0609020204030204" pitchFamily="49" charset="0"/>
-              </a:rPr>
-              <a:t> _formsICanHandle.Contains(req.TypeOfForm);</a:t>
-            </a:r>
-          </a:p>
-          <a:p>
-            <a:r>
-              <a:rPr lang="da-DK" sz="2400" b="1" smtClean="0">
+              <a:t>private</a:t>
+            </a:r>
+            <a:r>
+              <a:rPr lang="da-DK" sz="2000" b="1" smtClean="0">
+                <a:latin typeface="Consolas" panose="020B0609020204030204" pitchFamily="49" charset="0"/>
+              </a:rPr>
+              <a:t> </a:t>
+            </a:r>
+            <a:r>
+              <a:rPr lang="da-DK" sz="2000" b="1" smtClean="0">
+                <a:solidFill>
+                  <a:srgbClr val="0070C0"/>
+                </a:solidFill>
+                <a:latin typeface="Consolas" panose="020B0609020204030204" pitchFamily="49" charset="0"/>
+              </a:rPr>
+              <a:t>string</a:t>
+            </a:r>
+            <a:r>
+              <a:rPr lang="da-DK" sz="2000" b="1" smtClean="0">
+                <a:solidFill>
+                  <a:schemeClr val="accent6">
+                    <a:lumMod val="75000"/>
+                  </a:schemeClr>
+                </a:solidFill>
+                <a:latin typeface="Consolas" panose="020B0609020204030204" pitchFamily="49" charset="0"/>
+              </a:rPr>
+              <a:t> </a:t>
+            </a:r>
+            <a:r>
+              <a:rPr lang="da-DK" sz="2000" b="1" smtClean="0">
+                <a:latin typeface="Consolas" panose="020B0609020204030204" pitchFamily="49" charset="0"/>
+              </a:rPr>
+              <a:t>_name;</a:t>
+            </a:r>
+            <a:endParaRPr lang="da-DK" sz="2000" b="1">
+              <a:latin typeface="Consolas" panose="020B0609020204030204" pitchFamily="49" charset="0"/>
+            </a:endParaRPr>
+          </a:p>
+          <a:p>
+            <a:r>
+              <a:rPr lang="da-DK" sz="2000" b="1">
+                <a:latin typeface="Consolas" panose="020B0609020204030204" pitchFamily="49" charset="0"/>
+              </a:rPr>
+              <a:t> </a:t>
+            </a:r>
+            <a:r>
+              <a:rPr lang="da-DK" sz="2000" b="1" smtClean="0">
+                <a:latin typeface="Consolas" panose="020B0609020204030204" pitchFamily="49" charset="0"/>
+              </a:rPr>
+              <a:t>  </a:t>
+            </a:r>
+            <a:r>
+              <a:rPr lang="da-DK" sz="2000" b="1" smtClean="0">
+                <a:solidFill>
+                  <a:srgbClr val="0070C0"/>
+                </a:solidFill>
+                <a:latin typeface="Consolas" panose="020B0609020204030204" pitchFamily="49" charset="0"/>
+              </a:rPr>
+              <a:t>private</a:t>
+            </a:r>
+            <a:r>
+              <a:rPr lang="da-DK" sz="2000" b="1" smtClean="0">
+                <a:latin typeface="Consolas" panose="020B0609020204030204" pitchFamily="49" charset="0"/>
+              </a:rPr>
+              <a:t> </a:t>
+            </a:r>
+            <a:r>
+              <a:rPr lang="da-DK" sz="2000" b="1" smtClean="0">
+                <a:solidFill>
+                  <a:schemeClr val="accent6">
+                    <a:lumMod val="75000"/>
+                  </a:schemeClr>
+                </a:solidFill>
+                <a:latin typeface="Consolas" panose="020B0609020204030204" pitchFamily="49" charset="0"/>
+              </a:rPr>
+              <a:t>List</a:t>
+            </a:r>
+            <a:r>
+              <a:rPr lang="da-DK" sz="2000" b="1" smtClean="0">
+                <a:latin typeface="Consolas" panose="020B0609020204030204" pitchFamily="49" charset="0"/>
+              </a:rPr>
+              <a:t>&lt;</a:t>
+            </a:r>
+            <a:r>
+              <a:rPr lang="da-DK" sz="2000" b="1" smtClean="0">
+                <a:solidFill>
+                  <a:schemeClr val="accent6">
+                    <a:lumMod val="75000"/>
+                  </a:schemeClr>
+                </a:solidFill>
+                <a:latin typeface="Consolas" panose="020B0609020204030204" pitchFamily="49" charset="0"/>
+              </a:rPr>
+              <a:t>FormType</a:t>
+            </a:r>
+            <a:r>
+              <a:rPr lang="da-DK" sz="2000" b="1" smtClean="0">
+                <a:latin typeface="Consolas" panose="020B0609020204030204" pitchFamily="49" charset="0"/>
+              </a:rPr>
+              <a:t>&gt;</a:t>
+            </a:r>
+            <a:r>
+              <a:rPr lang="da-DK" sz="2000" b="1" smtClean="0">
+                <a:solidFill>
+                  <a:schemeClr val="accent6">
+                    <a:lumMod val="75000"/>
+                  </a:schemeClr>
+                </a:solidFill>
+                <a:latin typeface="Consolas" panose="020B0609020204030204" pitchFamily="49" charset="0"/>
+              </a:rPr>
+              <a:t> </a:t>
+            </a:r>
+            <a:r>
+              <a:rPr lang="da-DK" sz="2000" b="1" smtClean="0">
+                <a:latin typeface="Consolas" panose="020B0609020204030204" pitchFamily="49" charset="0"/>
+              </a:rPr>
+              <a:t>_formsICanHandle;</a:t>
+            </a:r>
+          </a:p>
+          <a:p>
+            <a:endParaRPr lang="da-DK" sz="2000" b="1">
+              <a:latin typeface="Consolas" panose="020B0609020204030204" pitchFamily="49" charset="0"/>
+            </a:endParaRPr>
+          </a:p>
+          <a:p>
+            <a:r>
+              <a:rPr lang="da-DK" sz="2000" b="1">
+                <a:solidFill>
+                  <a:srgbClr val="0070C0"/>
+                </a:solidFill>
+                <a:latin typeface="Consolas" panose="020B0609020204030204" pitchFamily="49" charset="0"/>
+              </a:rPr>
+              <a:t> </a:t>
+            </a:r>
+            <a:r>
+              <a:rPr lang="da-DK" sz="2000" b="1" smtClean="0">
+                <a:solidFill>
+                  <a:srgbClr val="0070C0"/>
+                </a:solidFill>
+                <a:latin typeface="Consolas" panose="020B0609020204030204" pitchFamily="49" charset="0"/>
+              </a:rPr>
+              <a:t>  protected </a:t>
+            </a:r>
+            <a:r>
+              <a:rPr lang="da-DK" sz="2000" b="1" smtClean="0">
+                <a:latin typeface="Consolas" panose="020B0609020204030204" pitchFamily="49" charset="0"/>
+              </a:rPr>
+              <a:t>Bureaucrat(</a:t>
+            </a:r>
+            <a:r>
+              <a:rPr lang="da-DK" sz="2000" b="1">
+                <a:solidFill>
+                  <a:srgbClr val="0070C0"/>
+                </a:solidFill>
+                <a:latin typeface="Consolas" panose="020B0609020204030204" pitchFamily="49" charset="0"/>
+              </a:rPr>
+              <a:t>string</a:t>
+            </a:r>
+            <a:r>
+              <a:rPr lang="da-DK" sz="2000" b="1">
+                <a:solidFill>
+                  <a:schemeClr val="accent6">
+                    <a:lumMod val="75000"/>
+                  </a:schemeClr>
+                </a:solidFill>
+                <a:latin typeface="Consolas" panose="020B0609020204030204" pitchFamily="49" charset="0"/>
+              </a:rPr>
+              <a:t> </a:t>
+            </a:r>
+            <a:r>
+              <a:rPr lang="da-DK" sz="2000" b="1" smtClean="0">
+                <a:latin typeface="Consolas" panose="020B0609020204030204" pitchFamily="49" charset="0"/>
+              </a:rPr>
+              <a:t>name</a:t>
+            </a:r>
+            <a:r>
+              <a:rPr lang="da-DK" sz="2000" b="1" smtClean="0">
+                <a:latin typeface="Consolas" panose="020B0609020204030204" pitchFamily="49" charset="0"/>
+              </a:rPr>
+              <a:t>, </a:t>
+            </a:r>
+            <a:r>
+              <a:rPr lang="da-DK" sz="2000" b="1">
+                <a:solidFill>
+                  <a:schemeClr val="accent6">
+                    <a:lumMod val="75000"/>
+                  </a:schemeClr>
+                </a:solidFill>
+                <a:latin typeface="Consolas" panose="020B0609020204030204" pitchFamily="49" charset="0"/>
+              </a:rPr>
+              <a:t>IHandler </a:t>
+            </a:r>
+            <a:r>
+              <a:rPr lang="da-DK" sz="2000" b="1" smtClean="0">
+                <a:latin typeface="Consolas" panose="020B0609020204030204" pitchFamily="49" charset="0"/>
+              </a:rPr>
+              <a:t>nextHandler</a:t>
+            </a:r>
+            <a:r>
+              <a:rPr lang="da-DK" sz="2000" b="1" smtClean="0">
+                <a:latin typeface="Consolas" panose="020B0609020204030204" pitchFamily="49" charset="0"/>
+              </a:rPr>
+              <a:t>,</a:t>
+            </a:r>
+            <a:endParaRPr lang="da-DK" sz="2000" b="1" smtClean="0">
+              <a:latin typeface="Consolas" panose="020B0609020204030204" pitchFamily="49" charset="0"/>
+            </a:endParaRPr>
+          </a:p>
+          <a:p>
+            <a:r>
+              <a:rPr lang="da-DK" sz="2000" b="1" smtClean="0">
+                <a:solidFill>
+                  <a:schemeClr val="accent6">
+                    <a:lumMod val="75000"/>
+                  </a:schemeClr>
+                </a:solidFill>
+                <a:latin typeface="Consolas" panose="020B0609020204030204" pitchFamily="49" charset="0"/>
+              </a:rPr>
+              <a:t>      List</a:t>
+            </a:r>
+            <a:r>
+              <a:rPr lang="da-DK" sz="2000" b="1" smtClean="0">
+                <a:latin typeface="Consolas" panose="020B0609020204030204" pitchFamily="49" charset="0"/>
+              </a:rPr>
+              <a:t>&lt;</a:t>
+            </a:r>
+            <a:r>
+              <a:rPr lang="da-DK" sz="2000" b="1" smtClean="0">
+                <a:solidFill>
+                  <a:schemeClr val="accent6">
+                    <a:lumMod val="75000"/>
+                  </a:schemeClr>
+                </a:solidFill>
+                <a:latin typeface="Consolas" panose="020B0609020204030204" pitchFamily="49" charset="0"/>
+              </a:rPr>
+              <a:t>FormType</a:t>
+            </a:r>
+            <a:r>
+              <a:rPr lang="da-DK" sz="2000" b="1">
+                <a:latin typeface="Consolas" panose="020B0609020204030204" pitchFamily="49" charset="0"/>
+              </a:rPr>
+              <a:t>&gt;</a:t>
+            </a:r>
+            <a:r>
+              <a:rPr lang="da-DK" sz="2000" b="1">
+                <a:solidFill>
+                  <a:schemeClr val="accent6">
+                    <a:lumMod val="75000"/>
+                  </a:schemeClr>
+                </a:solidFill>
+                <a:latin typeface="Consolas" panose="020B0609020204030204" pitchFamily="49" charset="0"/>
+              </a:rPr>
+              <a:t> </a:t>
+            </a:r>
+            <a:r>
+              <a:rPr lang="da-DK" sz="2000" b="1">
+                <a:latin typeface="Consolas" panose="020B0609020204030204" pitchFamily="49" charset="0"/>
+              </a:rPr>
+              <a:t>formsICanHandle) </a:t>
+            </a:r>
+            <a:r>
+              <a:rPr lang="da-DK" sz="2000" b="1" smtClean="0">
+                <a:latin typeface="Consolas" panose="020B0609020204030204" pitchFamily="49" charset="0"/>
+              </a:rPr>
+              <a:t>: </a:t>
+            </a:r>
+            <a:r>
+              <a:rPr lang="da-DK" sz="2000" b="1" smtClean="0">
+                <a:solidFill>
+                  <a:srgbClr val="0070C0"/>
+                </a:solidFill>
+                <a:latin typeface="Consolas" panose="020B0609020204030204" pitchFamily="49" charset="0"/>
+              </a:rPr>
+              <a:t>base</a:t>
+            </a:r>
+            <a:r>
+              <a:rPr lang="da-DK" sz="2000" b="1" smtClean="0">
+                <a:latin typeface="Consolas" panose="020B0609020204030204" pitchFamily="49" charset="0"/>
+              </a:rPr>
+              <a:t>(</a:t>
+            </a:r>
+            <a:r>
+              <a:rPr lang="da-DK" sz="2000" b="1">
+                <a:latin typeface="Consolas" panose="020B0609020204030204" pitchFamily="49" charset="0"/>
+              </a:rPr>
+              <a:t>nextHandler</a:t>
+            </a:r>
+            <a:r>
+              <a:rPr lang="da-DK" sz="2000" b="1" smtClean="0">
+                <a:latin typeface="Consolas" panose="020B0609020204030204" pitchFamily="49" charset="0"/>
+              </a:rPr>
+              <a:t>)</a:t>
+            </a:r>
+          </a:p>
+          <a:p>
+            <a:r>
+              <a:rPr lang="da-DK" sz="2000" b="1">
+                <a:latin typeface="Consolas" panose="020B0609020204030204" pitchFamily="49" charset="0"/>
+              </a:rPr>
+              <a:t> </a:t>
+            </a:r>
+            <a:r>
+              <a:rPr lang="da-DK" sz="2000" b="1" smtClean="0">
+                <a:latin typeface="Consolas" panose="020B0609020204030204" pitchFamily="49" charset="0"/>
+              </a:rPr>
+              <a:t>  {</a:t>
+            </a:r>
+          </a:p>
+          <a:p>
+            <a:r>
+              <a:rPr lang="da-DK" sz="2000" b="1" smtClean="0">
+                <a:latin typeface="Consolas" panose="020B0609020204030204" pitchFamily="49" charset="0"/>
+              </a:rPr>
+              <a:t>      _name = name;</a:t>
+            </a:r>
+          </a:p>
+          <a:p>
+            <a:r>
+              <a:rPr lang="da-DK" sz="2000" b="1" smtClean="0">
+                <a:latin typeface="Consolas" panose="020B0609020204030204" pitchFamily="49" charset="0"/>
+              </a:rPr>
+              <a:t>      </a:t>
+            </a:r>
+            <a:r>
+              <a:rPr lang="da-DK" sz="2000" b="1">
+                <a:latin typeface="Consolas" panose="020B0609020204030204" pitchFamily="49" charset="0"/>
+              </a:rPr>
+              <a:t>_</a:t>
+            </a:r>
+            <a:r>
+              <a:rPr lang="da-DK" sz="2000" b="1" smtClean="0">
+                <a:latin typeface="Consolas" panose="020B0609020204030204" pitchFamily="49" charset="0"/>
+              </a:rPr>
+              <a:t>formsICanHandle = formsICanHandle;</a:t>
+            </a:r>
+          </a:p>
+          <a:p>
+            <a:r>
+              <a:rPr lang="da-DK" sz="2000" b="1">
+                <a:latin typeface="Consolas" panose="020B0609020204030204" pitchFamily="49" charset="0"/>
+              </a:rPr>
+              <a:t> </a:t>
+            </a:r>
+            <a:r>
+              <a:rPr lang="da-DK" sz="2000" b="1" smtClean="0">
+                <a:latin typeface="Consolas" panose="020B0609020204030204" pitchFamily="49" charset="0"/>
+              </a:rPr>
+              <a:t>  }</a:t>
+            </a:r>
+          </a:p>
+          <a:p>
+            <a:endParaRPr lang="da-DK" sz="2000" b="1">
+              <a:latin typeface="Consolas" panose="020B0609020204030204" pitchFamily="49" charset="0"/>
+            </a:endParaRPr>
+          </a:p>
+          <a:p>
+            <a:r>
+              <a:rPr lang="da-DK" sz="2000" b="1" smtClean="0">
+                <a:solidFill>
+                  <a:srgbClr val="0070C0"/>
+                </a:solidFill>
+                <a:latin typeface="Consolas" panose="020B0609020204030204" pitchFamily="49" charset="0"/>
+              </a:rPr>
+              <a:t>   public override bool</a:t>
+            </a:r>
+            <a:r>
+              <a:rPr lang="da-DK" sz="2000" b="1" smtClean="0">
+                <a:latin typeface="Consolas" panose="020B0609020204030204" pitchFamily="49" charset="0"/>
+              </a:rPr>
+              <a:t> CanHandle(</a:t>
+            </a:r>
+            <a:r>
+              <a:rPr lang="da-DK" sz="2000" b="1" smtClean="0">
+                <a:solidFill>
+                  <a:schemeClr val="accent6">
+                    <a:lumMod val="75000"/>
+                  </a:schemeClr>
+                </a:solidFill>
+                <a:latin typeface="Consolas" panose="020B0609020204030204" pitchFamily="49" charset="0"/>
+              </a:rPr>
+              <a:t>Request</a:t>
+            </a:r>
+            <a:r>
+              <a:rPr lang="da-DK" sz="2000" b="1" smtClean="0">
+                <a:latin typeface="Consolas" panose="020B0609020204030204" pitchFamily="49" charset="0"/>
+              </a:rPr>
+              <a:t> </a:t>
+            </a:r>
+            <a:r>
+              <a:rPr lang="da-DK" sz="2000" b="1">
+                <a:latin typeface="Consolas" panose="020B0609020204030204" pitchFamily="49" charset="0"/>
+              </a:rPr>
+              <a:t>req</a:t>
+            </a:r>
+            <a:r>
+              <a:rPr lang="da-DK" sz="2000" b="1" smtClean="0">
+                <a:latin typeface="Consolas" panose="020B0609020204030204" pitchFamily="49" charset="0"/>
+              </a:rPr>
+              <a:t>) {…}</a:t>
+            </a:r>
+          </a:p>
+          <a:p>
+            <a:r>
+              <a:rPr lang="da-DK" sz="2000" b="1">
+                <a:latin typeface="Consolas" panose="020B0609020204030204" pitchFamily="49" charset="0"/>
+              </a:rPr>
+              <a:t> </a:t>
+            </a:r>
+            <a:r>
+              <a:rPr lang="da-DK" sz="2000" b="1" smtClean="0">
+                <a:latin typeface="Consolas" panose="020B0609020204030204" pitchFamily="49" charset="0"/>
+              </a:rPr>
+              <a:t>  </a:t>
+            </a:r>
+            <a:r>
+              <a:rPr lang="da-DK" sz="2000" b="1" smtClean="0">
+                <a:solidFill>
+                  <a:srgbClr val="0070C0"/>
+                </a:solidFill>
+                <a:latin typeface="Consolas" panose="020B0609020204030204" pitchFamily="49" charset="0"/>
+              </a:rPr>
+              <a:t>protected override void</a:t>
+            </a:r>
+            <a:r>
+              <a:rPr lang="da-DK" sz="2000" b="1" smtClean="0">
+                <a:latin typeface="Consolas" panose="020B0609020204030204" pitchFamily="49" charset="0"/>
+              </a:rPr>
+              <a:t> HandleRequest(</a:t>
+            </a:r>
+            <a:r>
+              <a:rPr lang="da-DK" sz="2000" b="1" smtClean="0">
+                <a:solidFill>
+                  <a:schemeClr val="accent6">
+                    <a:lumMod val="75000"/>
+                  </a:schemeClr>
+                </a:solidFill>
+                <a:latin typeface="Consolas" panose="020B0609020204030204" pitchFamily="49" charset="0"/>
+              </a:rPr>
+              <a:t>Request</a:t>
+            </a:r>
+            <a:r>
+              <a:rPr lang="da-DK" sz="2000" b="1" smtClean="0">
+                <a:latin typeface="Consolas" panose="020B0609020204030204" pitchFamily="49" charset="0"/>
+              </a:rPr>
+              <a:t> </a:t>
+            </a:r>
+            <a:r>
+              <a:rPr lang="da-DK" sz="2000" b="1">
+                <a:latin typeface="Consolas" panose="020B0609020204030204" pitchFamily="49" charset="0"/>
+              </a:rPr>
+              <a:t>req</a:t>
+            </a:r>
+            <a:r>
+              <a:rPr lang="da-DK" sz="2000" b="1" smtClean="0">
+                <a:latin typeface="Consolas" panose="020B0609020204030204" pitchFamily="49" charset="0"/>
+              </a:rPr>
+              <a:t>) {…}</a:t>
+            </a:r>
+            <a:endParaRPr lang="da-DK" sz="2000" b="1">
+              <a:latin typeface="Consolas" panose="020B0609020204030204" pitchFamily="49" charset="0"/>
+            </a:endParaRPr>
+          </a:p>
+          <a:p>
+            <a:r>
+              <a:rPr lang="da-DK" sz="2000" b="1" smtClean="0">
                 <a:latin typeface="Consolas" panose="020B0609020204030204" pitchFamily="49" charset="0"/>
               </a:rPr>
               <a:t>}</a:t>
@@ -5763,7 +5749,7 @@
     </p:spTree>
     <p:extLst>
       <p:ext uri="{BB962C8B-B14F-4D97-AF65-F5344CB8AC3E}">
-        <p14:creationId xmlns:p14="http://schemas.microsoft.com/office/powerpoint/2010/main" val="4171022460"/>
+        <p14:creationId xmlns:p14="http://schemas.microsoft.com/office/powerpoint/2010/main" val="2649124090"/>
       </p:ext>
     </p:extLst>
   </p:cSld>
@@ -5814,7 +5800,7 @@
         <p:spPr>
           <a:xfrm>
             <a:off x="962526" y="1012925"/>
-            <a:ext cx="10094495" cy="2677656"/>
+            <a:ext cx="10094495" cy="1569660"/>
           </a:xfrm>
           <a:prstGeom prst="rect">
             <a:avLst/>
@@ -5834,13 +5820,13 @@
                 </a:solidFill>
                 <a:latin typeface="Consolas" panose="020B0609020204030204" pitchFamily="49" charset="0"/>
               </a:rPr>
-              <a:t>protected override void </a:t>
-            </a:r>
-            <a:r>
-              <a:rPr lang="da-DK" sz="2400" b="1" smtClean="0">
-                <a:latin typeface="Consolas" panose="020B0609020204030204" pitchFamily="49" charset="0"/>
-              </a:rPr>
-              <a:t>HandleRequest(</a:t>
+              <a:t>public override bool </a:t>
+            </a:r>
+            <a:r>
+              <a:rPr lang="da-DK" sz="2400" b="1" smtClean="0">
+                <a:latin typeface="Consolas" panose="020B0609020204030204" pitchFamily="49" charset="0"/>
+              </a:rPr>
+              <a:t>CanHandle(</a:t>
             </a:r>
             <a:r>
               <a:rPr lang="da-DK" sz="2400" b="1" smtClean="0">
@@ -5878,73 +5864,18 @@
             <a:r>
               <a:rPr lang="da-DK" sz="2400" b="1">
                 <a:solidFill>
-                  <a:schemeClr val="accent6">
-                    <a:lumMod val="75000"/>
-                  </a:schemeClr>
-                </a:solidFill>
-                <a:latin typeface="Consolas" panose="020B0609020204030204" pitchFamily="49" charset="0"/>
-              </a:rPr>
-              <a:t>Form</a:t>
-            </a:r>
-            <a:r>
-              <a:rPr lang="da-DK" sz="2400" b="1" smtClean="0">
-                <a:latin typeface="Consolas" panose="020B0609020204030204" pitchFamily="49" charset="0"/>
-              </a:rPr>
-              <a:t> aForm = req.TheForm;</a:t>
-            </a:r>
-          </a:p>
-          <a:p>
-            <a:r>
-              <a:rPr lang="da-DK" sz="2400" b="1" smtClean="0">
-                <a:latin typeface="Consolas" panose="020B0609020204030204" pitchFamily="49" charset="0"/>
-              </a:rPr>
-              <a:t>   aForm.Approved = </a:t>
-            </a:r>
-            <a:r>
-              <a:rPr lang="da-DK" sz="2400" b="1" smtClean="0">
-                <a:solidFill>
                   <a:srgbClr val="0070C0"/>
                 </a:solidFill>
                 <a:latin typeface="Consolas" panose="020B0609020204030204" pitchFamily="49" charset="0"/>
               </a:rPr>
-              <a:t>true</a:t>
-            </a:r>
-            <a:r>
-              <a:rPr lang="da-DK" sz="2400" b="1" smtClean="0">
-                <a:latin typeface="Consolas" panose="020B0609020204030204" pitchFamily="49" charset="0"/>
-              </a:rPr>
-              <a:t>;</a:t>
-            </a:r>
-            <a:endParaRPr lang="da-DK" sz="2400" b="1" smtClean="0">
-              <a:solidFill>
-                <a:srgbClr val="0070C0"/>
-              </a:solidFill>
-              <a:latin typeface="Consolas" panose="020B0609020204030204" pitchFamily="49" charset="0"/>
-            </a:endParaRPr>
-          </a:p>
-          <a:p>
-            <a:endParaRPr lang="da-DK" sz="2400" b="1">
-              <a:solidFill>
-                <a:srgbClr val="0070C0"/>
-              </a:solidFill>
-              <a:latin typeface="Consolas" panose="020B0609020204030204" pitchFamily="49" charset="0"/>
-            </a:endParaRPr>
-          </a:p>
-          <a:p>
-            <a:r>
-              <a:rPr lang="da-DK" sz="2400" b="1" smtClean="0">
-                <a:solidFill>
-                  <a:schemeClr val="accent6">
-                    <a:lumMod val="75000"/>
-                  </a:schemeClr>
-                </a:solidFill>
-                <a:latin typeface="Consolas" panose="020B0609020204030204" pitchFamily="49" charset="0"/>
-              </a:rPr>
-              <a:t>   // Whatever handling we need a Bureaucrat to do…</a:t>
-            </a:r>
-            <a:endParaRPr lang="da-DK" sz="2400" b="1" smtClean="0">
-              <a:latin typeface="Consolas" panose="020B0609020204030204" pitchFamily="49" charset="0"/>
-            </a:endParaRPr>
+              <a:t>return</a:t>
+            </a:r>
+            <a:r>
+              <a:rPr lang="da-DK" sz="2400" b="1" smtClean="0">
+                <a:latin typeface="Consolas" panose="020B0609020204030204" pitchFamily="49" charset="0"/>
+              </a:rPr>
+              <a:t> _formsICanHandle.Contains(req.TypeOfForm);</a:t>
+            </a:r>
           </a:p>
           <a:p>
             <a:r>
@@ -5959,7 +5890,7 @@
     </p:spTree>
     <p:extLst>
       <p:ext uri="{BB962C8B-B14F-4D97-AF65-F5344CB8AC3E}">
-        <p14:creationId xmlns:p14="http://schemas.microsoft.com/office/powerpoint/2010/main" val="238451699"/>
+        <p14:creationId xmlns:p14="http://schemas.microsoft.com/office/powerpoint/2010/main" val="4171022460"/>
       </p:ext>
     </p:extLst>
   </p:cSld>
@@ -6010,7 +5941,7 @@
         <p:spPr>
           <a:xfrm>
             <a:off x="962526" y="1012925"/>
-            <a:ext cx="10094495" cy="3170099"/>
+            <a:ext cx="10094495" cy="2677656"/>
           </a:xfrm>
           <a:prstGeom prst="rect">
             <a:avLst/>
@@ -6024,25 +5955,22 @@
           <a:lstStyle/>
           <a:p>
             <a:r>
-              <a:rPr lang="da-DK" sz="2000" b="1" smtClean="0">
+              <a:rPr lang="da-DK" sz="2400" b="1" smtClean="0">
                 <a:solidFill>
                   <a:srgbClr val="0070C0"/>
                 </a:solidFill>
                 <a:latin typeface="Consolas" panose="020B0609020204030204" pitchFamily="49" charset="0"/>
               </a:rPr>
-              <a:t>public </a:t>
-            </a:r>
-            <a:r>
-              <a:rPr lang="da-DK" sz="2000" b="1" smtClean="0">
-                <a:solidFill>
-                  <a:srgbClr val="0070C0"/>
-                </a:solidFill>
-                <a:latin typeface="Consolas" panose="020B0609020204030204" pitchFamily="49" charset="0"/>
-              </a:rPr>
-              <a:t>class </a:t>
-            </a:r>
-            <a:r>
-              <a:rPr lang="da-DK" sz="2000" b="1" smtClean="0">
+              <a:t>protected override void </a:t>
+            </a:r>
+            <a:r>
+              <a:rPr lang="da-DK" sz="2400" b="1" smtClean="0">
+                <a:latin typeface="Consolas" panose="020B0609020204030204" pitchFamily="49" charset="0"/>
+              </a:rPr>
+              <a:t>HandleRequest(</a:t>
+            </a:r>
+            <a:r>
+              <a:rPr lang="da-DK" sz="2400" b="1" smtClean="0">
                 <a:solidFill>
                   <a:schemeClr val="accent6">
                     <a:lumMod val="75000"/>
@@ -6050,10 +5978,32 @@
                 </a:solidFill>
                 <a:latin typeface="Consolas" panose="020B0609020204030204" pitchFamily="49" charset="0"/>
               </a:rPr>
-              <a:t>JuniorB</a:t>
-            </a:r>
-            <a:r>
-              <a:rPr lang="da-DK" sz="2000" b="1" smtClean="0">
+              <a:t>Request </a:t>
+            </a:r>
+            <a:r>
+              <a:rPr lang="da-DK" sz="2400" b="1" smtClean="0">
+                <a:latin typeface="Consolas" panose="020B0609020204030204" pitchFamily="49" charset="0"/>
+              </a:rPr>
+              <a:t>req)</a:t>
+            </a:r>
+          </a:p>
+          <a:p>
+            <a:r>
+              <a:rPr lang="da-DK" sz="2400" b="1" smtClean="0">
+                <a:latin typeface="Consolas" panose="020B0609020204030204" pitchFamily="49" charset="0"/>
+              </a:rPr>
+              <a:t>{</a:t>
+            </a:r>
+          </a:p>
+          <a:p>
+            <a:r>
+              <a:rPr lang="da-DK" sz="2400" b="1" smtClean="0">
+                <a:latin typeface="Consolas" panose="020B0609020204030204" pitchFamily="49" charset="0"/>
+              </a:rPr>
+              <a:t>   </a:t>
+            </a:r>
+            <a:r>
+              <a:rPr lang="da-DK" sz="2400" b="1">
                 <a:solidFill>
                   <a:schemeClr val="accent6">
                     <a:lumMod val="75000"/>
@@ -6061,16 +6011,55 @@
                 </a:solidFill>
                 <a:latin typeface="Consolas" panose="020B0609020204030204" pitchFamily="49" charset="0"/>
               </a:rPr>
-              <a:t>ureaucrat </a:t>
-            </a:r>
-            <a:r>
-              <a:rPr lang="da-DK" sz="2000" b="1" smtClean="0">
-                <a:latin typeface="Consolas" panose="020B0609020204030204" pitchFamily="49" charset="0"/>
-              </a:rPr>
-              <a:t>:</a:t>
-            </a:r>
-            <a:r>
-              <a:rPr lang="da-DK" sz="2000" b="1">
+              <a:t>Form</a:t>
+            </a:r>
+            <a:r>
+              <a:rPr lang="da-DK" sz="2400" b="1" smtClean="0">
+                <a:latin typeface="Consolas" panose="020B0609020204030204" pitchFamily="49" charset="0"/>
+              </a:rPr>
+              <a:t> aForm = req.TheForm;</a:t>
+            </a:r>
+          </a:p>
+          <a:p>
+            <a:r>
+              <a:rPr lang="da-DK" sz="2400" b="1" smtClean="0">
+                <a:latin typeface="Consolas" panose="020B0609020204030204" pitchFamily="49" charset="0"/>
+              </a:rPr>
+              <a:t>   aForm.Approved = </a:t>
+            </a:r>
+            <a:r>
+              <a:rPr lang="da-DK" sz="2400" b="1" smtClean="0">
+                <a:solidFill>
+                  <a:srgbClr val="0070C0"/>
+                </a:solidFill>
+                <a:latin typeface="Consolas" panose="020B0609020204030204" pitchFamily="49" charset="0"/>
+              </a:rPr>
+              <a:t>true</a:t>
+            </a:r>
+            <a:r>
+              <a:rPr lang="da-DK" sz="2400" b="1" smtClean="0">
+                <a:latin typeface="Consolas" panose="020B0609020204030204" pitchFamily="49" charset="0"/>
+              </a:rPr>
+              <a:t>;</a:t>
+            </a:r>
+            <a:endParaRPr lang="da-DK" sz="2400" b="1" smtClean="0">
+              <a:solidFill>
+                <a:srgbClr val="0070C0"/>
+              </a:solidFill>
+              <a:latin typeface="Consolas" panose="020B0609020204030204" pitchFamily="49" charset="0"/>
+            </a:endParaRPr>
+          </a:p>
+          <a:p>
+            <a:endParaRPr lang="da-DK" sz="2400" b="1">
+              <a:solidFill>
+                <a:srgbClr val="0070C0"/>
+              </a:solidFill>
+              <a:latin typeface="Consolas" panose="020B0609020204030204" pitchFamily="49" charset="0"/>
+            </a:endParaRPr>
+          </a:p>
+          <a:p>
+            <a:r>
+              <a:rPr lang="da-DK" sz="2400" b="1" smtClean="0">
                 <a:solidFill>
                   <a:schemeClr val="accent6">
                     <a:lumMod val="75000"/>
@@ -6078,328 +6067,26 @@
                 </a:solidFill>
                 <a:latin typeface="Consolas" panose="020B0609020204030204" pitchFamily="49" charset="0"/>
               </a:rPr>
-              <a:t> </a:t>
-            </a:r>
-            <a:r>
-              <a:rPr lang="da-DK" sz="2000" b="1">
-                <a:solidFill>
-                  <a:schemeClr val="accent6">
-                    <a:lumMod val="75000"/>
-                  </a:schemeClr>
-                </a:solidFill>
-                <a:latin typeface="Consolas" panose="020B0609020204030204" pitchFamily="49" charset="0"/>
-              </a:rPr>
-              <a:t>Bureaucrat</a:t>
-            </a:r>
-            <a:endParaRPr lang="da-DK" sz="2000" b="1">
-              <a:solidFill>
-                <a:schemeClr val="accent6">
-                  <a:lumMod val="75000"/>
-                </a:schemeClr>
-              </a:solidFill>
+              <a:t>   // Whatever handling we need a Bureaucrat to do…</a:t>
+            </a:r>
+            <a:endParaRPr lang="da-DK" sz="2400" b="1" smtClean="0">
               <a:latin typeface="Consolas" panose="020B0609020204030204" pitchFamily="49" charset="0"/>
             </a:endParaRPr>
           </a:p>
           <a:p>
             <a:r>
-              <a:rPr lang="da-DK" sz="2000" b="1" smtClean="0">
-                <a:latin typeface="Consolas" panose="020B0609020204030204" pitchFamily="49" charset="0"/>
-              </a:rPr>
-              <a:t>{</a:t>
-            </a:r>
-          </a:p>
-          <a:p>
-            <a:r>
-              <a:rPr lang="da-DK" sz="2000" b="1" smtClean="0">
-                <a:solidFill>
-                  <a:srgbClr val="0070C0"/>
-                </a:solidFill>
-                <a:latin typeface="Consolas" panose="020B0609020204030204" pitchFamily="49" charset="0"/>
-              </a:rPr>
-              <a:t>   public </a:t>
-            </a:r>
-            <a:r>
-              <a:rPr lang="da-DK" sz="2000" b="1" smtClean="0">
-                <a:latin typeface="Consolas" panose="020B0609020204030204" pitchFamily="49" charset="0"/>
-              </a:rPr>
-              <a:t>JuniorBureaucrat(</a:t>
-            </a:r>
-            <a:r>
-              <a:rPr lang="da-DK" sz="2000" b="1" smtClean="0">
-                <a:solidFill>
-                  <a:srgbClr val="0070C0"/>
-                </a:solidFill>
-                <a:latin typeface="Consolas" panose="020B0609020204030204" pitchFamily="49" charset="0"/>
-              </a:rPr>
-              <a:t>string</a:t>
-            </a:r>
-            <a:r>
-              <a:rPr lang="da-DK" sz="2000" b="1" smtClean="0">
-                <a:solidFill>
-                  <a:schemeClr val="accent6">
-                    <a:lumMod val="75000"/>
-                  </a:schemeClr>
-                </a:solidFill>
-                <a:latin typeface="Consolas" panose="020B0609020204030204" pitchFamily="49" charset="0"/>
-              </a:rPr>
-              <a:t> </a:t>
-            </a:r>
-            <a:r>
-              <a:rPr lang="da-DK" sz="2000" b="1" smtClean="0">
-                <a:latin typeface="Consolas" panose="020B0609020204030204" pitchFamily="49" charset="0"/>
-              </a:rPr>
-              <a:t>name, </a:t>
-            </a:r>
-            <a:r>
-              <a:rPr lang="da-DK" sz="2000" b="1" smtClean="0">
-                <a:solidFill>
-                  <a:schemeClr val="accent6">
-                    <a:lumMod val="75000"/>
-                  </a:schemeClr>
-                </a:solidFill>
-                <a:latin typeface="Consolas" panose="020B0609020204030204" pitchFamily="49" charset="0"/>
-              </a:rPr>
-              <a:t>IHandler </a:t>
-            </a:r>
-            <a:r>
-              <a:rPr lang="da-DK" sz="2000" b="1" smtClean="0">
-                <a:latin typeface="Consolas" panose="020B0609020204030204" pitchFamily="49" charset="0"/>
-              </a:rPr>
-              <a:t>nextHandler)</a:t>
-            </a:r>
-          </a:p>
-          <a:p>
-            <a:r>
-              <a:rPr lang="da-DK" sz="2000" b="1">
-                <a:latin typeface="Consolas" panose="020B0609020204030204" pitchFamily="49" charset="0"/>
-              </a:rPr>
-              <a:t> </a:t>
-            </a:r>
-            <a:r>
-              <a:rPr lang="da-DK" sz="2000" b="1" smtClean="0">
-                <a:latin typeface="Consolas" panose="020B0609020204030204" pitchFamily="49" charset="0"/>
-              </a:rPr>
-              <a:t>     : </a:t>
-            </a:r>
-            <a:r>
-              <a:rPr lang="da-DK" sz="2000" b="1">
-                <a:solidFill>
-                  <a:srgbClr val="0070C0"/>
-                </a:solidFill>
-                <a:latin typeface="Consolas" panose="020B0609020204030204" pitchFamily="49" charset="0"/>
-              </a:rPr>
-              <a:t>base</a:t>
-            </a:r>
-            <a:r>
-              <a:rPr lang="da-DK" sz="2000" b="1" smtClean="0">
-                <a:latin typeface="Consolas" panose="020B0609020204030204" pitchFamily="49" charset="0"/>
-              </a:rPr>
-              <a:t>(name, nextHandler, </a:t>
-            </a:r>
-            <a:r>
-              <a:rPr lang="da-DK" sz="2000" b="1">
-                <a:solidFill>
-                  <a:srgbClr val="0070C0"/>
-                </a:solidFill>
-                <a:latin typeface="Consolas" panose="020B0609020204030204" pitchFamily="49" charset="0"/>
-              </a:rPr>
-              <a:t>new</a:t>
-            </a:r>
-            <a:r>
-              <a:rPr lang="da-DK" sz="2000" b="1" smtClean="0">
-                <a:latin typeface="Consolas" panose="020B0609020204030204" pitchFamily="49" charset="0"/>
-              </a:rPr>
-              <a:t> </a:t>
-            </a:r>
-            <a:r>
-              <a:rPr lang="da-DK" sz="2000" b="1">
-                <a:solidFill>
-                  <a:schemeClr val="accent6">
-                    <a:lumMod val="75000"/>
-                  </a:schemeClr>
-                </a:solidFill>
-                <a:latin typeface="Consolas" panose="020B0609020204030204" pitchFamily="49" charset="0"/>
-              </a:rPr>
-              <a:t>List</a:t>
-            </a:r>
-            <a:r>
-              <a:rPr lang="da-DK" sz="2000" b="1" smtClean="0">
-                <a:latin typeface="Consolas" panose="020B0609020204030204" pitchFamily="49" charset="0"/>
-              </a:rPr>
-              <a:t>&lt;</a:t>
-            </a:r>
-            <a:r>
-              <a:rPr lang="da-DK" sz="2000" b="1">
-                <a:solidFill>
-                  <a:schemeClr val="accent6">
-                    <a:lumMod val="75000"/>
-                  </a:schemeClr>
-                </a:solidFill>
-                <a:latin typeface="Consolas" panose="020B0609020204030204" pitchFamily="49" charset="0"/>
-              </a:rPr>
-              <a:t>FormType</a:t>
-            </a:r>
-            <a:r>
-              <a:rPr lang="da-DK" sz="2000" b="1" smtClean="0">
-                <a:latin typeface="Consolas" panose="020B0609020204030204" pitchFamily="49" charset="0"/>
-              </a:rPr>
-              <a:t>&gt;{…})</a:t>
-            </a:r>
-          </a:p>
-          <a:p>
-            <a:r>
-              <a:rPr lang="da-DK" sz="2000" b="1">
-                <a:latin typeface="Consolas" panose="020B0609020204030204" pitchFamily="49" charset="0"/>
-              </a:rPr>
-              <a:t> </a:t>
-            </a:r>
-            <a:r>
-              <a:rPr lang="da-DK" sz="2000" b="1" smtClean="0">
-                <a:latin typeface="Consolas" panose="020B0609020204030204" pitchFamily="49" charset="0"/>
-              </a:rPr>
-              <a:t>  {</a:t>
-            </a:r>
-          </a:p>
-          <a:p>
-            <a:r>
-              <a:rPr lang="da-DK" sz="2000" b="1" smtClean="0">
-                <a:latin typeface="Consolas" panose="020B0609020204030204" pitchFamily="49" charset="0"/>
-              </a:rPr>
-              <a:t>   }</a:t>
-            </a:r>
-          </a:p>
-          <a:p>
-            <a:endParaRPr lang="da-DK" sz="2000" b="1">
-              <a:latin typeface="Consolas" panose="020B0609020204030204" pitchFamily="49" charset="0"/>
-            </a:endParaRPr>
-          </a:p>
-          <a:p>
-            <a:r>
-              <a:rPr lang="da-DK" sz="2000" b="1" smtClean="0">
-                <a:solidFill>
-                  <a:srgbClr val="0070C0"/>
-                </a:solidFill>
-                <a:latin typeface="Consolas" panose="020B0609020204030204" pitchFamily="49" charset="0"/>
-              </a:rPr>
-              <a:t>   public override bool</a:t>
-            </a:r>
-            <a:r>
-              <a:rPr lang="da-DK" sz="2000" b="1" smtClean="0">
-                <a:latin typeface="Consolas" panose="020B0609020204030204" pitchFamily="49" charset="0"/>
-              </a:rPr>
-              <a:t> CanHandle(</a:t>
-            </a:r>
-            <a:r>
-              <a:rPr lang="da-DK" sz="2000" b="1" smtClean="0">
-                <a:solidFill>
-                  <a:schemeClr val="accent6">
-                    <a:lumMod val="75000"/>
-                  </a:schemeClr>
-                </a:solidFill>
-                <a:latin typeface="Consolas" panose="020B0609020204030204" pitchFamily="49" charset="0"/>
-              </a:rPr>
-              <a:t>Request</a:t>
-            </a:r>
-            <a:r>
-              <a:rPr lang="da-DK" sz="2000" b="1" smtClean="0">
-                <a:latin typeface="Consolas" panose="020B0609020204030204" pitchFamily="49" charset="0"/>
-              </a:rPr>
-              <a:t> </a:t>
-            </a:r>
-            <a:r>
-              <a:rPr lang="da-DK" sz="2000" b="1">
-                <a:latin typeface="Consolas" panose="020B0609020204030204" pitchFamily="49" charset="0"/>
-              </a:rPr>
-              <a:t>req</a:t>
-            </a:r>
-            <a:r>
-              <a:rPr lang="da-DK" sz="2000" b="1" smtClean="0">
-                <a:latin typeface="Consolas" panose="020B0609020204030204" pitchFamily="49" charset="0"/>
-              </a:rPr>
-              <a:t>) {…}</a:t>
-            </a:r>
-            <a:endParaRPr lang="da-DK" sz="2000" b="1" smtClean="0">
-              <a:latin typeface="Consolas" panose="020B0609020204030204" pitchFamily="49" charset="0"/>
-            </a:endParaRPr>
-          </a:p>
-          <a:p>
-            <a:r>
-              <a:rPr lang="da-DK" sz="2000" b="1">
-                <a:latin typeface="Consolas" panose="020B0609020204030204" pitchFamily="49" charset="0"/>
-              </a:rPr>
-              <a:t> </a:t>
-            </a:r>
-            <a:r>
-              <a:rPr lang="da-DK" sz="2000" b="1" smtClean="0">
-                <a:latin typeface="Consolas" panose="020B0609020204030204" pitchFamily="49" charset="0"/>
-              </a:rPr>
-              <a:t>  </a:t>
-            </a:r>
-            <a:r>
-              <a:rPr lang="da-DK" sz="2000" b="1" smtClean="0">
-                <a:solidFill>
-                  <a:srgbClr val="0070C0"/>
-                </a:solidFill>
-                <a:latin typeface="Consolas" panose="020B0609020204030204" pitchFamily="49" charset="0"/>
-              </a:rPr>
-              <a:t>protected override void</a:t>
-            </a:r>
-            <a:r>
-              <a:rPr lang="da-DK" sz="2000" b="1" smtClean="0">
-                <a:latin typeface="Consolas" panose="020B0609020204030204" pitchFamily="49" charset="0"/>
-              </a:rPr>
-              <a:t> HandleRequest(</a:t>
-            </a:r>
-            <a:r>
-              <a:rPr lang="da-DK" sz="2000" b="1" smtClean="0">
-                <a:solidFill>
-                  <a:schemeClr val="accent6">
-                    <a:lumMod val="75000"/>
-                  </a:schemeClr>
-                </a:solidFill>
-                <a:latin typeface="Consolas" panose="020B0609020204030204" pitchFamily="49" charset="0"/>
-              </a:rPr>
-              <a:t>Request</a:t>
-            </a:r>
-            <a:r>
-              <a:rPr lang="da-DK" sz="2000" b="1" smtClean="0">
-                <a:latin typeface="Consolas" panose="020B0609020204030204" pitchFamily="49" charset="0"/>
-              </a:rPr>
-              <a:t> </a:t>
-            </a:r>
-            <a:r>
-              <a:rPr lang="da-DK" sz="2000" b="1">
-                <a:latin typeface="Consolas" panose="020B0609020204030204" pitchFamily="49" charset="0"/>
-              </a:rPr>
-              <a:t>req</a:t>
-            </a:r>
-            <a:r>
-              <a:rPr lang="da-DK" sz="2000" b="1" smtClean="0">
-                <a:latin typeface="Consolas" panose="020B0609020204030204" pitchFamily="49" charset="0"/>
-              </a:rPr>
-              <a:t>) {…}</a:t>
-            </a:r>
-            <a:endParaRPr lang="da-DK" sz="2000" b="1">
-              <a:latin typeface="Consolas" panose="020B0609020204030204" pitchFamily="49" charset="0"/>
-            </a:endParaRPr>
-          </a:p>
-          <a:p>
-            <a:r>
-              <a:rPr lang="da-DK" sz="2000" b="1" smtClean="0">
+              <a:rPr lang="da-DK" sz="2400" b="1" smtClean="0">
                 <a:latin typeface="Consolas" panose="020B0609020204030204" pitchFamily="49" charset="0"/>
               </a:rPr>
               <a:t>}</a:t>
             </a:r>
-            <a:endParaRPr lang="da-DK" sz="2000" b="1" smtClean="0">
-              <a:latin typeface="Consolas" panose="020B0609020204030204" pitchFamily="49" charset="0"/>
-            </a:endParaRPr>
           </a:p>
         </p:txBody>
       </p:sp>
     </p:spTree>
     <p:extLst>
       <p:ext uri="{BB962C8B-B14F-4D97-AF65-F5344CB8AC3E}">
-        <p14:creationId xmlns:p14="http://schemas.microsoft.com/office/powerpoint/2010/main" val="2137530054"/>
+        <p14:creationId xmlns:p14="http://schemas.microsoft.com/office/powerpoint/2010/main" val="238451699"/>
       </p:ext>
     </p:extLst>
   </p:cSld>
@@ -6450,7 +6137,7 @@
         <p:spPr>
           <a:xfrm>
             <a:off x="962526" y="1012925"/>
-            <a:ext cx="10094495" cy="5262979"/>
+            <a:ext cx="10094495" cy="2246769"/>
           </a:xfrm>
           <a:prstGeom prst="rect">
             <a:avLst/>
@@ -6464,25 +6151,16 @@
           <a:lstStyle/>
           <a:p>
             <a:r>
-              <a:rPr lang="da-DK" sz="2400" b="1" smtClean="0">
+              <a:rPr lang="da-DK" sz="2000" b="1" smtClean="0">
                 <a:solidFill>
                   <a:srgbClr val="0070C0"/>
                 </a:solidFill>
                 <a:latin typeface="Consolas" panose="020B0609020204030204" pitchFamily="49" charset="0"/>
               </a:rPr>
-              <a:t>public </a:t>
-            </a:r>
-            <a:r>
-              <a:rPr lang="da-DK" sz="2400" b="1">
-                <a:solidFill>
-                  <a:srgbClr val="0070C0"/>
-                </a:solidFill>
-                <a:latin typeface="Consolas" panose="020B0609020204030204" pitchFamily="49" charset="0"/>
-              </a:rPr>
-              <a:t>class </a:t>
-            </a:r>
-            <a:r>
-              <a:rPr lang="da-DK" sz="2400" b="1" smtClean="0">
+              <a:t>public class </a:t>
+            </a:r>
+            <a:r>
+              <a:rPr lang="da-DK" sz="2000" b="1" smtClean="0">
                 <a:solidFill>
                   <a:schemeClr val="accent6">
                     <a:lumMod val="75000"/>
@@ -6490,44 +6168,16 @@
                 </a:solidFill>
                 <a:latin typeface="Consolas" panose="020B0609020204030204" pitchFamily="49" charset="0"/>
               </a:rPr>
-              <a:t>Client</a:t>
-            </a:r>
-            <a:endParaRPr lang="da-DK" sz="2400" b="1">
-              <a:latin typeface="Consolas" panose="020B0609020204030204" pitchFamily="49" charset="0"/>
-            </a:endParaRPr>
-          </a:p>
-          <a:p>
-            <a:r>
-              <a:rPr lang="da-DK" sz="2400" b="1" smtClean="0">
-                <a:latin typeface="Consolas" panose="020B0609020204030204" pitchFamily="49" charset="0"/>
-              </a:rPr>
-              <a:t>{</a:t>
-            </a:r>
-          </a:p>
-          <a:p>
-            <a:r>
-              <a:rPr lang="da-DK" sz="2400" b="1" smtClean="0">
-                <a:latin typeface="Consolas" panose="020B0609020204030204" pitchFamily="49" charset="0"/>
-              </a:rPr>
-              <a:t>   </a:t>
-            </a:r>
-            <a:r>
-              <a:rPr lang="da-DK" sz="2400" b="1">
-                <a:solidFill>
-                  <a:srgbClr val="0070C0"/>
-                </a:solidFill>
-                <a:latin typeface="Consolas" panose="020B0609020204030204" pitchFamily="49" charset="0"/>
-              </a:rPr>
-              <a:t>private</a:t>
-            </a:r>
-            <a:r>
-              <a:rPr lang="da-DK" sz="2400" b="1" smtClean="0">
-                <a:latin typeface="Consolas" panose="020B0609020204030204" pitchFamily="49" charset="0"/>
-              </a:rPr>
-              <a:t> </a:t>
-            </a:r>
-            <a:r>
-              <a:rPr lang="da-DK" sz="2400" b="1" smtClean="0">
+              <a:t>JuniorBureaucrat </a:t>
+            </a:r>
+            <a:r>
+              <a:rPr lang="da-DK" sz="2000" b="1" smtClean="0">
+                <a:latin typeface="Consolas" panose="020B0609020204030204" pitchFamily="49" charset="0"/>
+              </a:rPr>
+              <a:t>:</a:t>
+            </a:r>
+            <a:r>
+              <a:rPr lang="da-DK" sz="2000" b="1">
                 <a:solidFill>
                   <a:schemeClr val="accent6">
                     <a:lumMod val="75000"/>
@@ -6535,53 +6185,44 @@
                 </a:solidFill>
                 <a:latin typeface="Consolas" panose="020B0609020204030204" pitchFamily="49" charset="0"/>
               </a:rPr>
-              <a:t>IHandler</a:t>
-            </a:r>
-            <a:r>
-              <a:rPr lang="da-DK" sz="2400" b="1" smtClean="0">
-                <a:latin typeface="Consolas" panose="020B0609020204030204" pitchFamily="49" charset="0"/>
-              </a:rPr>
-              <a:t> _handler;</a:t>
-            </a:r>
-            <a:endParaRPr lang="da-DK" sz="2400" b="1">
-              <a:latin typeface="Consolas" panose="020B0609020204030204" pitchFamily="49" charset="0"/>
-            </a:endParaRPr>
-          </a:p>
-          <a:p>
-            <a:endParaRPr lang="da-DK" sz="2400" b="1">
-              <a:latin typeface="Consolas" panose="020B0609020204030204" pitchFamily="49" charset="0"/>
-            </a:endParaRPr>
-          </a:p>
-          <a:p>
-            <a:r>
-              <a:rPr lang="da-DK" sz="2400" b="1" smtClean="0">
-                <a:latin typeface="Consolas" panose="020B0609020204030204" pitchFamily="49" charset="0"/>
-              </a:rPr>
-              <a:t>   </a:t>
-            </a:r>
-            <a:r>
-              <a:rPr lang="da-DK" sz="2400" b="1" smtClean="0">
+              <a:t> Bureaucrat</a:t>
+            </a:r>
+          </a:p>
+          <a:p>
+            <a:r>
+              <a:rPr lang="da-DK" sz="2000" b="1" smtClean="0">
+                <a:latin typeface="Consolas" panose="020B0609020204030204" pitchFamily="49" charset="0"/>
+              </a:rPr>
+              <a:t>{</a:t>
+            </a:r>
+          </a:p>
+          <a:p>
+            <a:r>
+              <a:rPr lang="da-DK" sz="2000" b="1" smtClean="0">
                 <a:solidFill>
                   <a:srgbClr val="0070C0"/>
                 </a:solidFill>
                 <a:latin typeface="Consolas" panose="020B0609020204030204" pitchFamily="49" charset="0"/>
               </a:rPr>
-              <a:t>public</a:t>
-            </a:r>
-            <a:r>
-              <a:rPr lang="da-DK" sz="2400" b="1" smtClean="0">
-                <a:latin typeface="Consolas" panose="020B0609020204030204" pitchFamily="49" charset="0"/>
-              </a:rPr>
-              <a:t> </a:t>
-            </a:r>
-            <a:r>
-              <a:rPr lang="da-DK" sz="2400" b="1" smtClean="0">
-                <a:latin typeface="Consolas" panose="020B0609020204030204" pitchFamily="49" charset="0"/>
-              </a:rPr>
-              <a:t>Client(</a:t>
-            </a:r>
-            <a:r>
-              <a:rPr lang="da-DK" sz="2400" b="1">
+              <a:t>   public </a:t>
+            </a:r>
+            <a:r>
+              <a:rPr lang="da-DK" sz="2000" b="1" smtClean="0">
+                <a:latin typeface="Consolas" panose="020B0609020204030204" pitchFamily="49" charset="0"/>
+              </a:rPr>
+              <a:t>JuniorBureaucrat(</a:t>
+            </a:r>
+            <a:r>
+              <a:rPr lang="da-DK" sz="2000" b="1" smtClean="0">
+                <a:solidFill>
+                  <a:srgbClr val="0070C0"/>
+                </a:solidFill>
+                <a:latin typeface="Consolas" panose="020B0609020204030204" pitchFamily="49" charset="0"/>
+              </a:rPr>
+              <a:t>string</a:t>
+            </a:r>
+            <a:r>
+              <a:rPr lang="da-DK" sz="2000" b="1" smtClean="0">
                 <a:solidFill>
                   <a:schemeClr val="accent6">
                     <a:lumMod val="75000"/>
@@ -6589,107 +6230,16 @@
                 </a:solidFill>
                 <a:latin typeface="Consolas" panose="020B0609020204030204" pitchFamily="49" charset="0"/>
               </a:rPr>
-              <a:t>IHandler</a:t>
-            </a:r>
-            <a:r>
-              <a:rPr lang="da-DK" sz="2400" b="1">
-                <a:latin typeface="Consolas" panose="020B0609020204030204" pitchFamily="49" charset="0"/>
-              </a:rPr>
               <a:t> </a:t>
             </a:r>
             <a:r>
-              <a:rPr lang="da-DK" sz="2400" b="1" smtClean="0">
-                <a:latin typeface="Consolas" panose="020B0609020204030204" pitchFamily="49" charset="0"/>
-              </a:rPr>
-              <a:t>handler</a:t>
-            </a:r>
-            <a:r>
-              <a:rPr lang="da-DK" sz="2400" b="1">
-                <a:latin typeface="Consolas" panose="020B0609020204030204" pitchFamily="49" charset="0"/>
-              </a:rPr>
-              <a:t>)</a:t>
-            </a:r>
-            <a:endParaRPr lang="da-DK" sz="2400" b="1">
-              <a:latin typeface="Consolas" panose="020B0609020204030204" pitchFamily="49" charset="0"/>
-            </a:endParaRPr>
-          </a:p>
-          <a:p>
-            <a:r>
-              <a:rPr lang="da-DK" sz="2400" b="1" smtClean="0">
-                <a:latin typeface="Consolas" panose="020B0609020204030204" pitchFamily="49" charset="0"/>
-              </a:rPr>
-              <a:t>   </a:t>
-            </a:r>
-            <a:r>
-              <a:rPr lang="da-DK" sz="2400" b="1" smtClean="0">
-                <a:latin typeface="Consolas" panose="020B0609020204030204" pitchFamily="49" charset="0"/>
-              </a:rPr>
-              <a:t>{</a:t>
-            </a:r>
-          </a:p>
-          <a:p>
-            <a:r>
-              <a:rPr lang="da-DK" sz="2400" b="1" smtClean="0">
-                <a:latin typeface="Consolas" panose="020B0609020204030204" pitchFamily="49" charset="0"/>
-              </a:rPr>
-              <a:t>      _handler = handler;</a:t>
-            </a:r>
-            <a:endParaRPr lang="da-DK" sz="2400" b="1">
-              <a:latin typeface="Consolas" panose="020B0609020204030204" pitchFamily="49" charset="0"/>
-            </a:endParaRPr>
-          </a:p>
-          <a:p>
-            <a:r>
-              <a:rPr lang="da-DK" sz="2400" b="1" smtClean="0">
-                <a:latin typeface="Consolas" panose="020B0609020204030204" pitchFamily="49" charset="0"/>
-              </a:rPr>
-              <a:t>   </a:t>
-            </a:r>
-            <a:r>
-              <a:rPr lang="da-DK" sz="2400" b="1" smtClean="0">
-                <a:latin typeface="Consolas" panose="020B0609020204030204" pitchFamily="49" charset="0"/>
-              </a:rPr>
-              <a:t>}</a:t>
-            </a:r>
-            <a:endParaRPr lang="da-DK" sz="2400" b="1">
-              <a:latin typeface="Consolas" panose="020B0609020204030204" pitchFamily="49" charset="0"/>
-            </a:endParaRPr>
-          </a:p>
-          <a:p>
-            <a:endParaRPr lang="da-DK" sz="2400" b="1" smtClean="0">
-              <a:latin typeface="Consolas" panose="020B0609020204030204" pitchFamily="49" charset="0"/>
-            </a:endParaRPr>
-          </a:p>
-          <a:p>
-            <a:r>
-              <a:rPr lang="da-DK" sz="2400" b="1">
-                <a:latin typeface="Consolas" panose="020B0609020204030204" pitchFamily="49" charset="0"/>
-              </a:rPr>
-              <a:t> </a:t>
-            </a:r>
-            <a:r>
-              <a:rPr lang="da-DK" sz="2400" b="1" smtClean="0">
-                <a:latin typeface="Consolas" panose="020B0609020204030204" pitchFamily="49" charset="0"/>
-              </a:rPr>
-              <a:t>  </a:t>
-            </a:r>
-            <a:r>
-              <a:rPr lang="da-DK" sz="2400" b="1" smtClean="0">
-                <a:solidFill>
-                  <a:srgbClr val="0070C0"/>
-                </a:solidFill>
-                <a:latin typeface="Consolas" panose="020B0609020204030204" pitchFamily="49" charset="0"/>
-              </a:rPr>
-              <a:t>public void</a:t>
-            </a:r>
-            <a:r>
-              <a:rPr lang="da-DK" sz="2400" b="1" smtClean="0">
-                <a:latin typeface="Consolas" panose="020B0609020204030204" pitchFamily="49" charset="0"/>
-              </a:rPr>
-              <a:t> SubmitRequest(</a:t>
-            </a:r>
-            <a:r>
-              <a:rPr lang="da-DK" sz="2400" b="1" smtClean="0">
+              <a:rPr lang="da-DK" sz="2000" b="1" smtClean="0">
+                <a:latin typeface="Consolas" panose="020B0609020204030204" pitchFamily="49" charset="0"/>
+              </a:rPr>
+              <a:t>name, </a:t>
+            </a:r>
+            <a:r>
+              <a:rPr lang="da-DK" sz="2000" b="1" smtClean="0">
                 <a:solidFill>
                   <a:schemeClr val="accent6">
                     <a:lumMod val="75000"/>
@@ -6697,68 +6247,132 @@
                 </a:solidFill>
                 <a:latin typeface="Consolas" panose="020B0609020204030204" pitchFamily="49" charset="0"/>
               </a:rPr>
-              <a:t>Request</a:t>
-            </a:r>
-            <a:r>
-              <a:rPr lang="da-DK" sz="2400" b="1" smtClean="0">
-                <a:latin typeface="Consolas" panose="020B0609020204030204" pitchFamily="49" charset="0"/>
-              </a:rPr>
-              <a:t> req)</a:t>
-            </a:r>
-            <a:endParaRPr lang="da-DK" sz="2400" b="1">
+              <a:t>IHandler </a:t>
+            </a:r>
+            <a:r>
+              <a:rPr lang="da-DK" sz="2000" b="1" smtClean="0">
+                <a:latin typeface="Consolas" panose="020B0609020204030204" pitchFamily="49" charset="0"/>
+              </a:rPr>
+              <a:t>nextHandler)</a:t>
+            </a:r>
+          </a:p>
+          <a:p>
+            <a:r>
+              <a:rPr lang="da-DK" sz="2000" b="1">
+                <a:latin typeface="Consolas" panose="020B0609020204030204" pitchFamily="49" charset="0"/>
+              </a:rPr>
+              <a:t> </a:t>
+            </a:r>
+            <a:r>
+              <a:rPr lang="da-DK" sz="2000" b="1" smtClean="0">
+                <a:latin typeface="Consolas" panose="020B0609020204030204" pitchFamily="49" charset="0"/>
+              </a:rPr>
+              <a:t>     : </a:t>
+            </a:r>
+            <a:r>
+              <a:rPr lang="da-DK" sz="2000" b="1">
+                <a:solidFill>
+                  <a:srgbClr val="0070C0"/>
+                </a:solidFill>
+                <a:latin typeface="Consolas" panose="020B0609020204030204" pitchFamily="49" charset="0"/>
+              </a:rPr>
+              <a:t>base</a:t>
+            </a:r>
+            <a:r>
+              <a:rPr lang="da-DK" sz="2000" b="1" smtClean="0">
+                <a:latin typeface="Consolas" panose="020B0609020204030204" pitchFamily="49" charset="0"/>
+              </a:rPr>
+              <a:t>(name, nextHandler, </a:t>
+            </a:r>
+            <a:r>
+              <a:rPr lang="da-DK" sz="2000" b="1">
+                <a:solidFill>
+                  <a:srgbClr val="0070C0"/>
+                </a:solidFill>
+                <a:latin typeface="Consolas" panose="020B0609020204030204" pitchFamily="49" charset="0"/>
+              </a:rPr>
+              <a:t>new</a:t>
+            </a:r>
+            <a:r>
+              <a:rPr lang="da-DK" sz="2000" b="1" smtClean="0">
+                <a:latin typeface="Consolas" panose="020B0609020204030204" pitchFamily="49" charset="0"/>
+              </a:rPr>
+              <a:t> </a:t>
+            </a:r>
+            <a:r>
+              <a:rPr lang="da-DK" sz="2000" b="1">
+                <a:solidFill>
+                  <a:schemeClr val="accent6">
+                    <a:lumMod val="75000"/>
+                  </a:schemeClr>
+                </a:solidFill>
+                <a:latin typeface="Consolas" panose="020B0609020204030204" pitchFamily="49" charset="0"/>
+              </a:rPr>
+              <a:t>List</a:t>
+            </a:r>
+            <a:r>
+              <a:rPr lang="da-DK" sz="2000" b="1" smtClean="0">
+                <a:latin typeface="Consolas" panose="020B0609020204030204" pitchFamily="49" charset="0"/>
+              </a:rPr>
+              <a:t>&lt;</a:t>
+            </a:r>
+            <a:r>
+              <a:rPr lang="da-DK" sz="2000" b="1">
+                <a:solidFill>
+                  <a:schemeClr val="accent6">
+                    <a:lumMod val="75000"/>
+                  </a:schemeClr>
+                </a:solidFill>
+                <a:latin typeface="Consolas" panose="020B0609020204030204" pitchFamily="49" charset="0"/>
+              </a:rPr>
+              <a:t>FormType</a:t>
+            </a:r>
+            <a:r>
+              <a:rPr lang="da-DK" sz="2000" b="1" smtClean="0">
+                <a:latin typeface="Consolas" panose="020B0609020204030204" pitchFamily="49" charset="0"/>
+              </a:rPr>
+              <a:t>&gt;{…})</a:t>
+            </a:r>
+          </a:p>
+          <a:p>
+            <a:r>
+              <a:rPr lang="da-DK" sz="2000" b="1">
+                <a:latin typeface="Consolas" panose="020B0609020204030204" pitchFamily="49" charset="0"/>
+              </a:rPr>
+              <a:t> </a:t>
+            </a:r>
+            <a:r>
+              <a:rPr lang="da-DK" sz="2000" b="1" smtClean="0">
+                <a:latin typeface="Consolas" panose="020B0609020204030204" pitchFamily="49" charset="0"/>
+              </a:rPr>
+              <a:t>  {</a:t>
+            </a:r>
+          </a:p>
+          <a:p>
+            <a:r>
+              <a:rPr lang="da-DK" sz="2000" b="1" smtClean="0">
+                <a:latin typeface="Consolas" panose="020B0609020204030204" pitchFamily="49" charset="0"/>
+              </a:rPr>
+              <a:t>   </a:t>
+            </a:r>
+            <a:r>
+              <a:rPr lang="da-DK" sz="2000" b="1" smtClean="0">
+                <a:latin typeface="Consolas" panose="020B0609020204030204" pitchFamily="49" charset="0"/>
+              </a:rPr>
+              <a:t>}</a:t>
+            </a:r>
+            <a:endParaRPr lang="da-DK" sz="2000" b="1">
               <a:latin typeface="Consolas" panose="020B0609020204030204" pitchFamily="49" charset="0"/>
             </a:endParaRPr>
           </a:p>
           <a:p>
             <a:r>
-              <a:rPr lang="da-DK" sz="2400" b="1">
-                <a:latin typeface="Consolas" panose="020B0609020204030204" pitchFamily="49" charset="0"/>
-              </a:rPr>
-              <a:t>   {</a:t>
-            </a:r>
-          </a:p>
-          <a:p>
-            <a:r>
-              <a:rPr lang="da-DK" sz="2400" b="1">
-                <a:latin typeface="Consolas" panose="020B0609020204030204" pitchFamily="49" charset="0"/>
-              </a:rPr>
-              <a:t>      </a:t>
-            </a:r>
-            <a:r>
-              <a:rPr lang="da-DK" sz="2400" b="1">
-                <a:latin typeface="Consolas" panose="020B0609020204030204" pitchFamily="49" charset="0"/>
-              </a:rPr>
-              <a:t>_</a:t>
-            </a:r>
-            <a:r>
-              <a:rPr lang="da-DK" sz="2400" b="1" smtClean="0">
-                <a:latin typeface="Consolas" panose="020B0609020204030204" pitchFamily="49" charset="0"/>
-              </a:rPr>
-              <a:t>handler.Handle(req);</a:t>
-            </a:r>
-            <a:endParaRPr lang="da-DK" sz="2400" b="1">
-              <a:latin typeface="Consolas" panose="020B0609020204030204" pitchFamily="49" charset="0"/>
-            </a:endParaRPr>
-          </a:p>
-          <a:p>
-            <a:r>
-              <a:rPr lang="da-DK" sz="2400" b="1">
-                <a:latin typeface="Consolas" panose="020B0609020204030204" pitchFamily="49" charset="0"/>
-              </a:rPr>
-              <a:t>   }</a:t>
-            </a:r>
-            <a:endParaRPr lang="da-DK" sz="2400" b="1">
-              <a:latin typeface="Consolas" panose="020B0609020204030204" pitchFamily="49" charset="0"/>
-            </a:endParaRPr>
-          </a:p>
-          <a:p>
-            <a:r>
-              <a:rPr lang="da-DK" sz="2400" b="1" smtClean="0">
+              <a:rPr lang="da-DK" sz="2000" b="1" smtClean="0">
                 <a:latin typeface="Consolas" panose="020B0609020204030204" pitchFamily="49" charset="0"/>
               </a:rPr>
               <a:t>}</a:t>
             </a:r>
-            <a:endParaRPr lang="da-DK" sz="2400" b="1" smtClean="0">
+            <a:endParaRPr lang="da-DK" sz="2000" b="1" smtClean="0">
               <a:latin typeface="Consolas" panose="020B0609020204030204" pitchFamily="49" charset="0"/>
             </a:endParaRPr>
           </a:p>
@@ -6767,7 +6381,7 @@
     </p:spTree>
     <p:extLst>
       <p:ext uri="{BB962C8B-B14F-4D97-AF65-F5344CB8AC3E}">
-        <p14:creationId xmlns:p14="http://schemas.microsoft.com/office/powerpoint/2010/main" val="4172458716"/>
+        <p14:creationId xmlns:p14="http://schemas.microsoft.com/office/powerpoint/2010/main" val="2137530054"/>
       </p:ext>
     </p:extLst>
   </p:cSld>
@@ -6985,13 +6599,8 @@
           <a:p>
             <a:r>
               <a:rPr lang="da-DK" sz="3200" smtClean="0"/>
-              <a:t>A </a:t>
-            </a:r>
-            <a:r>
-              <a:rPr lang="da-DK" sz="3200" smtClean="0"/>
-              <a:t>request needs to be handled</a:t>
-            </a:r>
-            <a:endParaRPr lang="da-DK" sz="3200" smtClean="0"/>
+              <a:t>A request needs to be handled</a:t>
+            </a:r>
           </a:p>
           <a:p>
             <a:pPr lvl="1"/>
@@ -7102,7 +6711,6 @@
               <a:rPr lang="da-DK" sz="4800" smtClean="0"/>
               <a:t>Handler</a:t>
             </a:r>
-            <a:endParaRPr lang="da-DK" sz="4800" smtClean="0"/>
           </a:p>
         </p:txBody>
       </p:sp>
@@ -7152,7 +6760,7 @@
         <p:spPr>
           <a:xfrm>
             <a:off x="962526" y="1012925"/>
-            <a:ext cx="10094495" cy="2308324"/>
+            <a:ext cx="10094495" cy="5262979"/>
           </a:xfrm>
           <a:prstGeom prst="rect">
             <a:avLst/>
@@ -7192,7 +6800,7 @@
                 </a:solidFill>
                 <a:latin typeface="Consolas" panose="020B0609020204030204" pitchFamily="49" charset="0"/>
               </a:rPr>
-              <a:t>Configurator</a:t>
+              <a:t>Client</a:t>
             </a:r>
             <a:endParaRPr lang="da-DK" sz="2400" b="1">
               <a:latin typeface="Consolas" panose="020B0609020204030204" pitchFamily="49" charset="0"/>
@@ -7209,12 +6817,18 @@
           <a:p>
             <a:r>
               <a:rPr lang="da-DK" sz="2400" b="1" smtClean="0">
+                <a:latin typeface="Consolas" panose="020B0609020204030204" pitchFamily="49" charset="0"/>
+              </a:rPr>
+              <a:t>   </a:t>
+            </a:r>
+            <a:r>
+              <a:rPr lang="da-DK" sz="2400" b="1">
                 <a:solidFill>
                   <a:srgbClr val="0070C0"/>
                 </a:solidFill>
                 <a:latin typeface="Consolas" panose="020B0609020204030204" pitchFamily="49" charset="0"/>
               </a:rPr>
-              <a:t>   public</a:t>
+              <a:t>private</a:t>
             </a:r>
             <a:r>
               <a:rPr lang="da-DK" sz="2400" b="1" smtClean="0">
@@ -7235,96 +6849,15 @@
             </a:r>
             <a:r>
               <a:rPr lang="da-DK" sz="2400" b="1" smtClean="0">
-                <a:solidFill>
-                  <a:srgbClr val="0070C0"/>
-                </a:solidFill>
-                <a:latin typeface="Consolas" panose="020B0609020204030204" pitchFamily="49" charset="0"/>
-              </a:rPr>
-              <a:t> </a:t>
-            </a:r>
-            <a:r>
-              <a:rPr lang="da-DK" sz="2400" b="1" smtClean="0">
-                <a:latin typeface="Consolas" panose="020B0609020204030204" pitchFamily="49" charset="0"/>
-              </a:rPr>
-              <a:t>Setup() </a:t>
-            </a:r>
-            <a:r>
-              <a:rPr lang="da-DK" sz="2400" b="1">
-                <a:latin typeface="Consolas" panose="020B0609020204030204" pitchFamily="49" charset="0"/>
-              </a:rPr>
-              <a:t>{…}</a:t>
+                <a:latin typeface="Consolas" panose="020B0609020204030204" pitchFamily="49" charset="0"/>
+              </a:rPr>
+              <a:t> _handler;</a:t>
             </a:r>
             <a:endParaRPr lang="da-DK" sz="2400" b="1">
               <a:latin typeface="Consolas" panose="020B0609020204030204" pitchFamily="49" charset="0"/>
             </a:endParaRPr>
           </a:p>
           <a:p>
-            <a:r>
-              <a:rPr lang="da-DK" sz="2400" b="1" smtClean="0">
-                <a:latin typeface="Consolas" panose="020B0609020204030204" pitchFamily="49" charset="0"/>
-              </a:rPr>
-              <a:t>   </a:t>
-            </a:r>
-            <a:r>
-              <a:rPr lang="da-DK" sz="2400" b="1" smtClean="0">
-                <a:solidFill>
-                  <a:srgbClr val="0070C0"/>
-                </a:solidFill>
-                <a:latin typeface="Consolas" panose="020B0609020204030204" pitchFamily="49" charset="0"/>
-              </a:rPr>
-              <a:t>public</a:t>
-            </a:r>
-            <a:r>
-              <a:rPr lang="da-DK" sz="2400" b="1" smtClean="0">
-                <a:latin typeface="Consolas" panose="020B0609020204030204" pitchFamily="49" charset="0"/>
-              </a:rPr>
-              <a:t> </a:t>
-            </a:r>
-            <a:r>
-              <a:rPr lang="da-DK" sz="2400" b="1" smtClean="0">
-                <a:solidFill>
-                  <a:srgbClr val="0070C0"/>
-                </a:solidFill>
-                <a:latin typeface="Consolas" panose="020B0609020204030204" pitchFamily="49" charset="0"/>
-              </a:rPr>
-              <a:t>void </a:t>
-            </a:r>
-            <a:r>
-              <a:rPr lang="da-DK" sz="2400" b="1" smtClean="0">
-                <a:latin typeface="Consolas" panose="020B0609020204030204" pitchFamily="49" charset="0"/>
-              </a:rPr>
-              <a:t>Run</a:t>
-            </a:r>
-            <a:r>
-              <a:rPr lang="da-DK" sz="2400" b="1" smtClean="0">
-                <a:latin typeface="Consolas" panose="020B0609020204030204" pitchFamily="49" charset="0"/>
-              </a:rPr>
-              <a:t>()</a:t>
-            </a:r>
-            <a:r>
-              <a:rPr lang="da-DK" sz="2400" b="1">
-                <a:latin typeface="Consolas" panose="020B0609020204030204" pitchFamily="49" charset="0"/>
-              </a:rPr>
-              <a:t> </a:t>
-            </a:r>
-            <a:r>
-              <a:rPr lang="da-DK" sz="2400" b="1" smtClean="0">
-                <a:latin typeface="Consolas" panose="020B0609020204030204" pitchFamily="49" charset="0"/>
-              </a:rPr>
-              <a:t>{</a:t>
-            </a:r>
-            <a:r>
-              <a:rPr lang="da-DK" sz="2400" b="1" smtClean="0">
-                <a:latin typeface="Consolas" panose="020B0609020204030204" pitchFamily="49" charset="0"/>
-              </a:rPr>
-              <a:t>…</a:t>
-            </a:r>
-            <a:r>
-              <a:rPr lang="da-DK" sz="2400" b="1" smtClean="0">
-                <a:latin typeface="Consolas" panose="020B0609020204030204" pitchFamily="49" charset="0"/>
-              </a:rPr>
-              <a:t>}</a:t>
-            </a:r>
             <a:endParaRPr lang="da-DK" sz="2400" b="1">
               <a:latin typeface="Consolas" panose="020B0609020204030204" pitchFamily="49" charset="0"/>
             </a:endParaRPr>
@@ -7334,20 +6867,184 @@
               <a:rPr lang="da-DK" sz="2400" b="1" smtClean="0">
                 <a:latin typeface="Consolas" panose="020B0609020204030204" pitchFamily="49" charset="0"/>
               </a:rPr>
-              <a:t>}</a:t>
-            </a:r>
-          </a:p>
-          <a:p>
+              <a:t>   </a:t>
+            </a:r>
+            <a:r>
+              <a:rPr lang="da-DK" sz="2400" b="1" smtClean="0">
+                <a:solidFill>
+                  <a:srgbClr val="0070C0"/>
+                </a:solidFill>
+                <a:latin typeface="Consolas" panose="020B0609020204030204" pitchFamily="49" charset="0"/>
+              </a:rPr>
+              <a:t>public</a:t>
+            </a:r>
+            <a:r>
+              <a:rPr lang="da-DK" sz="2400" b="1" smtClean="0">
+                <a:latin typeface="Consolas" panose="020B0609020204030204" pitchFamily="49" charset="0"/>
+              </a:rPr>
+              <a:t> Client(</a:t>
+            </a:r>
+            <a:r>
+              <a:rPr lang="da-DK" sz="2400" b="1">
+                <a:solidFill>
+                  <a:schemeClr val="accent6">
+                    <a:lumMod val="75000"/>
+                  </a:schemeClr>
+                </a:solidFill>
+                <a:latin typeface="Consolas" panose="020B0609020204030204" pitchFamily="49" charset="0"/>
+              </a:rPr>
+              <a:t>IHandler</a:t>
+            </a:r>
+            <a:r>
+              <a:rPr lang="da-DK" sz="2400" b="1">
+                <a:latin typeface="Consolas" panose="020B0609020204030204" pitchFamily="49" charset="0"/>
+              </a:rPr>
+              <a:t> </a:t>
+            </a:r>
+            <a:r>
+              <a:rPr lang="da-DK" sz="2400" b="1" smtClean="0">
+                <a:latin typeface="Consolas" panose="020B0609020204030204" pitchFamily="49" charset="0"/>
+              </a:rPr>
+              <a:t>handler</a:t>
+            </a:r>
+            <a:r>
+              <a:rPr lang="da-DK" sz="2400" b="1">
+                <a:latin typeface="Consolas" panose="020B0609020204030204" pitchFamily="49" charset="0"/>
+              </a:rPr>
+              <a:t>)</a:t>
+            </a:r>
+          </a:p>
+          <a:p>
+            <a:r>
+              <a:rPr lang="da-DK" sz="2400" b="1" smtClean="0">
+                <a:latin typeface="Consolas" panose="020B0609020204030204" pitchFamily="49" charset="0"/>
+              </a:rPr>
+              <a:t>   {</a:t>
+            </a:r>
+          </a:p>
+          <a:p>
+            <a:r>
+              <a:rPr lang="da-DK" sz="2400" b="1" smtClean="0">
+                <a:latin typeface="Consolas" panose="020B0609020204030204" pitchFamily="49" charset="0"/>
+              </a:rPr>
+              <a:t>      _handler = handler;</a:t>
+            </a:r>
             <a:endParaRPr lang="da-DK" sz="2400" b="1">
               <a:latin typeface="Consolas" panose="020B0609020204030204" pitchFamily="49" charset="0"/>
             </a:endParaRPr>
           </a:p>
+          <a:p>
+            <a:r>
+              <a:rPr lang="da-DK" sz="2400" b="1" smtClean="0">
+                <a:latin typeface="Consolas" panose="020B0609020204030204" pitchFamily="49" charset="0"/>
+              </a:rPr>
+              <a:t>   }</a:t>
+            </a:r>
+            <a:endParaRPr lang="da-DK" sz="2400" b="1">
+              <a:latin typeface="Consolas" panose="020B0609020204030204" pitchFamily="49" charset="0"/>
+            </a:endParaRPr>
+          </a:p>
+          <a:p>
+            <a:endParaRPr lang="da-DK" sz="2400" b="1" smtClean="0">
+              <a:latin typeface="Consolas" panose="020B0609020204030204" pitchFamily="49" charset="0"/>
+            </a:endParaRPr>
+          </a:p>
+          <a:p>
+            <a:r>
+              <a:rPr lang="da-DK" sz="2400" b="1">
+                <a:latin typeface="Consolas" panose="020B0609020204030204" pitchFamily="49" charset="0"/>
+              </a:rPr>
+              <a:t> </a:t>
+            </a:r>
+            <a:r>
+              <a:rPr lang="da-DK" sz="2400" b="1" smtClean="0">
+                <a:latin typeface="Consolas" panose="020B0609020204030204" pitchFamily="49" charset="0"/>
+              </a:rPr>
+              <a:t>  </a:t>
+            </a:r>
+            <a:r>
+              <a:rPr lang="da-DK" sz="2400" b="1" smtClean="0">
+                <a:solidFill>
+                  <a:srgbClr val="0070C0"/>
+                </a:solidFill>
+                <a:latin typeface="Consolas" panose="020B0609020204030204" pitchFamily="49" charset="0"/>
+              </a:rPr>
+              <a:t>public void</a:t>
+            </a:r>
+            <a:r>
+              <a:rPr lang="da-DK" sz="2400" b="1" smtClean="0">
+                <a:latin typeface="Consolas" panose="020B0609020204030204" pitchFamily="49" charset="0"/>
+              </a:rPr>
+              <a:t> SubmitRequest(</a:t>
+            </a:r>
+            <a:r>
+              <a:rPr lang="da-DK" sz="2400" b="1" smtClean="0">
+                <a:solidFill>
+                  <a:schemeClr val="accent6">
+                    <a:lumMod val="75000"/>
+                  </a:schemeClr>
+                </a:solidFill>
+                <a:latin typeface="Consolas" panose="020B0609020204030204" pitchFamily="49" charset="0"/>
+              </a:rPr>
+              <a:t>Request</a:t>
+            </a:r>
+            <a:r>
+              <a:rPr lang="da-DK" sz="2400" b="1" smtClean="0">
+                <a:latin typeface="Consolas" panose="020B0609020204030204" pitchFamily="49" charset="0"/>
+              </a:rPr>
+              <a:t> req)</a:t>
+            </a:r>
+            <a:endParaRPr lang="da-DK" sz="2400" b="1">
+              <a:latin typeface="Consolas" panose="020B0609020204030204" pitchFamily="49" charset="0"/>
+            </a:endParaRPr>
+          </a:p>
+          <a:p>
+            <a:r>
+              <a:rPr lang="da-DK" sz="2400" b="1">
+                <a:latin typeface="Consolas" panose="020B0609020204030204" pitchFamily="49" charset="0"/>
+              </a:rPr>
+              <a:t>   {</a:t>
+            </a:r>
+          </a:p>
+          <a:p>
+            <a:r>
+              <a:rPr lang="da-DK" sz="2400" b="1">
+                <a:latin typeface="Consolas" panose="020B0609020204030204" pitchFamily="49" charset="0"/>
+              </a:rPr>
+              <a:t>      _</a:t>
+            </a:r>
+            <a:r>
+              <a:rPr lang="da-DK" sz="2400" b="1" smtClean="0">
+                <a:latin typeface="Consolas" panose="020B0609020204030204" pitchFamily="49" charset="0"/>
+              </a:rPr>
+              <a:t>handler.Handle(req);</a:t>
+            </a:r>
+            <a:endParaRPr lang="da-DK" sz="2400" b="1">
+              <a:latin typeface="Consolas" panose="020B0609020204030204" pitchFamily="49" charset="0"/>
+            </a:endParaRPr>
+          </a:p>
+          <a:p>
+            <a:r>
+              <a:rPr lang="da-DK" sz="2400" b="1">
+                <a:latin typeface="Consolas" panose="020B0609020204030204" pitchFamily="49" charset="0"/>
+              </a:rPr>
+              <a:t>   }</a:t>
+            </a:r>
+          </a:p>
+          <a:p>
+            <a:r>
+              <a:rPr lang="da-DK" sz="2400" b="1" smtClean="0">
+                <a:latin typeface="Consolas" panose="020B0609020204030204" pitchFamily="49" charset="0"/>
+              </a:rPr>
+              <a:t>}</a:t>
+            </a:r>
+          </a:p>
         </p:txBody>
       </p:sp>
     </p:spTree>
     <p:extLst>
       <p:ext uri="{BB962C8B-B14F-4D97-AF65-F5344CB8AC3E}">
-        <p14:creationId xmlns:p14="http://schemas.microsoft.com/office/powerpoint/2010/main" val="2029462886"/>
+        <p14:creationId xmlns:p14="http://schemas.microsoft.com/office/powerpoint/2010/main" val="4172458716"/>
       </p:ext>
     </p:extLst>
   </p:cSld>
@@ -7398,7 +7095,7 @@
         <p:spPr>
           <a:xfrm>
             <a:off x="962526" y="1012925"/>
-            <a:ext cx="10578685" cy="3785652"/>
+            <a:ext cx="10094495" cy="2308324"/>
           </a:xfrm>
           <a:prstGeom prst="rect">
             <a:avLst/>
@@ -7412,22 +7109,25 @@
           <a:lstStyle/>
           <a:p>
             <a:r>
+              <a:rPr lang="da-DK" sz="2400" b="1" smtClean="0">
+                <a:solidFill>
+                  <a:srgbClr val="0070C0"/>
+                </a:solidFill>
+                <a:latin typeface="Consolas" panose="020B0609020204030204" pitchFamily="49" charset="0"/>
+              </a:rPr>
+              <a:t>public </a:t>
+            </a:r>
+            <a:r>
               <a:rPr lang="da-DK" sz="2400" b="1">
                 <a:solidFill>
                   <a:srgbClr val="0070C0"/>
                 </a:solidFill>
                 <a:latin typeface="Consolas" panose="020B0609020204030204" pitchFamily="49" charset="0"/>
               </a:rPr>
-              <a:t>public</a:t>
-            </a:r>
-            <a:r>
-              <a:rPr lang="da-DK" sz="2400" b="1">
-                <a:latin typeface="Consolas" panose="020B0609020204030204" pitchFamily="49" charset="0"/>
-              </a:rPr>
-              <a:t> </a:t>
-            </a:r>
-            <a:r>
-              <a:rPr lang="da-DK" sz="2400" b="1">
+              <a:t>class </a:t>
+            </a:r>
+            <a:r>
+              <a:rPr lang="da-DK" sz="2400" b="1" smtClean="0">
                 <a:solidFill>
                   <a:schemeClr val="accent6">
                     <a:lumMod val="75000"/>
@@ -7435,44 +7135,35 @@
                 </a:solidFill>
                 <a:latin typeface="Consolas" panose="020B0609020204030204" pitchFamily="49" charset="0"/>
               </a:rPr>
-              <a:t>IHandler</a:t>
-            </a:r>
-            <a:r>
-              <a:rPr lang="da-DK" sz="2400" b="1">
+              <a:t>Configurator</a:t>
+            </a:r>
+            <a:endParaRPr lang="da-DK" sz="2400" b="1">
+              <a:latin typeface="Consolas" panose="020B0609020204030204" pitchFamily="49" charset="0"/>
+            </a:endParaRPr>
+          </a:p>
+          <a:p>
+            <a:r>
+              <a:rPr lang="da-DK" sz="2400" b="1" smtClean="0">
+                <a:latin typeface="Consolas" panose="020B0609020204030204" pitchFamily="49" charset="0"/>
+              </a:rPr>
+              <a:t>{</a:t>
+            </a:r>
+          </a:p>
+          <a:p>
+            <a:r>
+              <a:rPr lang="da-DK" sz="2400" b="1" smtClean="0">
                 <a:solidFill>
                   <a:srgbClr val="0070C0"/>
                 </a:solidFill>
                 <a:latin typeface="Consolas" panose="020B0609020204030204" pitchFamily="49" charset="0"/>
               </a:rPr>
+              <a:t>   public</a:t>
+            </a:r>
+            <a:r>
+              <a:rPr lang="da-DK" sz="2400" b="1" smtClean="0">
+                <a:latin typeface="Consolas" panose="020B0609020204030204" pitchFamily="49" charset="0"/>
+              </a:rPr>
               <a:t> </a:t>
-            </a:r>
-            <a:r>
-              <a:rPr lang="da-DK" sz="2400" b="1">
-                <a:latin typeface="Consolas" panose="020B0609020204030204" pitchFamily="49" charset="0"/>
-              </a:rPr>
-              <a:t>Setup</a:t>
-            </a:r>
-            <a:r>
-              <a:rPr lang="da-DK" sz="2400" b="1" smtClean="0">
-                <a:latin typeface="Consolas" panose="020B0609020204030204" pitchFamily="49" charset="0"/>
-              </a:rPr>
-              <a:t>()</a:t>
-            </a:r>
-          </a:p>
-          <a:p>
-            <a:r>
-              <a:rPr lang="da-DK" sz="2400" b="1">
-                <a:latin typeface="Consolas" panose="020B0609020204030204" pitchFamily="49" charset="0"/>
-              </a:rPr>
-              <a:t>{</a:t>
-            </a:r>
-          </a:p>
-          <a:p>
-            <a:r>
-              <a:rPr lang="da-DK" sz="2400" b="1" smtClean="0">
-                <a:latin typeface="Consolas" panose="020B0609020204030204" pitchFamily="49" charset="0"/>
-              </a:rPr>
-              <a:t>   </a:t>
             </a:r>
             <a:r>
               <a:rPr lang="da-DK" sz="2400" b="1" smtClean="0">
@@ -7487,324 +7178,75 @@
             </a:r>
             <a:r>
               <a:rPr lang="da-DK" sz="2400" b="1" smtClean="0">
+                <a:solidFill>
+                  <a:srgbClr val="0070C0"/>
+                </a:solidFill>
                 <a:latin typeface="Consolas" panose="020B0609020204030204" pitchFamily="49" charset="0"/>
               </a:rPr>
               <a:t> </a:t>
             </a:r>
             <a:r>
+              <a:rPr lang="da-DK" sz="2400" b="1" smtClean="0">
+                <a:latin typeface="Consolas" panose="020B0609020204030204" pitchFamily="49" charset="0"/>
+              </a:rPr>
+              <a:t>Setup() </a:t>
+            </a:r>
+            <a:r>
               <a:rPr lang="da-DK" sz="2400" b="1">
                 <a:latin typeface="Consolas" panose="020B0609020204030204" pitchFamily="49" charset="0"/>
               </a:rPr>
-              <a:t>handler </a:t>
+              <a:t>{…}</a:t>
+            </a:r>
+          </a:p>
+          <a:p>
+            <a:r>
+              <a:rPr lang="da-DK" sz="2400" b="1" smtClean="0">
+                <a:latin typeface="Consolas" panose="020B0609020204030204" pitchFamily="49" charset="0"/>
+              </a:rPr>
+              <a:t>   </a:t>
+            </a:r>
+            <a:r>
+              <a:rPr lang="da-DK" sz="2400" b="1" smtClean="0">
+                <a:solidFill>
+                  <a:srgbClr val="0070C0"/>
+                </a:solidFill>
+                <a:latin typeface="Consolas" panose="020B0609020204030204" pitchFamily="49" charset="0"/>
+              </a:rPr>
+              <a:t>public</a:t>
+            </a:r>
+            <a:r>
+              <a:rPr lang="da-DK" sz="2400" b="1" smtClean="0">
+                <a:latin typeface="Consolas" panose="020B0609020204030204" pitchFamily="49" charset="0"/>
+              </a:rPr>
+              <a:t> </a:t>
+            </a:r>
+            <a:r>
+              <a:rPr lang="da-DK" sz="2400" b="1" smtClean="0">
+                <a:solidFill>
+                  <a:srgbClr val="0070C0"/>
+                </a:solidFill>
+                <a:latin typeface="Consolas" panose="020B0609020204030204" pitchFamily="49" charset="0"/>
+              </a:rPr>
+              <a:t>void </a:t>
+            </a:r>
+            <a:r>
+              <a:rPr lang="da-DK" sz="2400" b="1" smtClean="0">
+                <a:latin typeface="Consolas" panose="020B0609020204030204" pitchFamily="49" charset="0"/>
+              </a:rPr>
+              <a:t>Run()</a:t>
             </a:r>
             <a:r>
               <a:rPr lang="da-DK" sz="2400" b="1">
                 <a:latin typeface="Consolas" panose="020B0609020204030204" pitchFamily="49" charset="0"/>
               </a:rPr>
-              <a:t>= </a:t>
-            </a:r>
-            <a:r>
-              <a:rPr lang="da-DK" sz="2400" b="1">
-                <a:solidFill>
-                  <a:srgbClr val="0070C0"/>
-                </a:solidFill>
-                <a:latin typeface="Consolas" panose="020B0609020204030204" pitchFamily="49" charset="0"/>
-              </a:rPr>
-              <a:t>new</a:t>
-            </a:r>
-            <a:r>
-              <a:rPr lang="da-DK" sz="2400" b="1" smtClean="0">
-                <a:latin typeface="Consolas" panose="020B0609020204030204" pitchFamily="49" charset="0"/>
-              </a:rPr>
               <a:t> </a:t>
             </a:r>
             <a:r>
               <a:rPr lang="da-DK" sz="2400" b="1" smtClean="0">
-                <a:solidFill>
-                  <a:schemeClr val="accent6">
-                    <a:lumMod val="75000"/>
-                  </a:schemeClr>
-                </a:solidFill>
-                <a:latin typeface="Consolas" panose="020B0609020204030204" pitchFamily="49" charset="0"/>
-              </a:rPr>
-              <a:t>TopBureaucrat</a:t>
-            </a:r>
-            <a:r>
-              <a:rPr lang="da-DK" sz="2400" b="1" smtClean="0">
-                <a:latin typeface="Consolas" panose="020B0609020204030204" pitchFamily="49" charset="0"/>
-              </a:rPr>
-              <a:t>(</a:t>
-            </a:r>
-            <a:r>
-              <a:rPr lang="da-DK" sz="2400" b="1" smtClean="0">
-                <a:solidFill>
-                  <a:srgbClr val="C00000"/>
-                </a:solidFill>
-                <a:latin typeface="Consolas" panose="020B0609020204030204" pitchFamily="49" charset="0"/>
-              </a:rPr>
-              <a:t>"</a:t>
-            </a:r>
-            <a:r>
-              <a:rPr lang="da-DK" sz="2400" b="1">
-                <a:solidFill>
-                  <a:srgbClr val="C00000"/>
-                </a:solidFill>
-                <a:latin typeface="Consolas" panose="020B0609020204030204" pitchFamily="49" charset="0"/>
-              </a:rPr>
-              <a:t>H.R. Giger"</a:t>
-            </a:r>
-            <a:r>
-              <a:rPr lang="da-DK" sz="2400" b="1">
-                <a:latin typeface="Consolas" panose="020B0609020204030204" pitchFamily="49" charset="0"/>
-              </a:rPr>
-              <a:t>);</a:t>
-            </a:r>
-          </a:p>
-          <a:p>
-            <a:r>
-              <a:rPr lang="da-DK" sz="2400" b="1" smtClean="0">
-                <a:latin typeface="Consolas" panose="020B0609020204030204" pitchFamily="49" charset="0"/>
-              </a:rPr>
-              <a:t>   handler </a:t>
-            </a:r>
-            <a:r>
-              <a:rPr lang="da-DK" sz="2400" b="1">
-                <a:latin typeface="Consolas" panose="020B0609020204030204" pitchFamily="49" charset="0"/>
-              </a:rPr>
-              <a:t>= </a:t>
-            </a:r>
-            <a:r>
-              <a:rPr lang="da-DK" sz="2400" b="1">
-                <a:solidFill>
-                  <a:srgbClr val="0070C0"/>
-                </a:solidFill>
-                <a:latin typeface="Consolas" panose="020B0609020204030204" pitchFamily="49" charset="0"/>
-              </a:rPr>
-              <a:t>new</a:t>
-            </a:r>
-            <a:r>
-              <a:rPr lang="da-DK" sz="2400" b="1">
-                <a:latin typeface="Consolas" panose="020B0609020204030204" pitchFamily="49" charset="0"/>
-              </a:rPr>
-              <a:t> </a:t>
-            </a:r>
-            <a:r>
-              <a:rPr lang="da-DK" sz="2400" b="1">
-                <a:solidFill>
-                  <a:schemeClr val="accent6">
-                    <a:lumMod val="75000"/>
-                  </a:schemeClr>
-                </a:solidFill>
-                <a:latin typeface="Consolas" panose="020B0609020204030204" pitchFamily="49" charset="0"/>
-              </a:rPr>
-              <a:t>DirectorBureaucrat</a:t>
-            </a:r>
-            <a:r>
-              <a:rPr lang="da-DK" sz="2400" b="1">
-                <a:latin typeface="Consolas" panose="020B0609020204030204" pitchFamily="49" charset="0"/>
-              </a:rPr>
-              <a:t>(</a:t>
-            </a:r>
-            <a:r>
-              <a:rPr lang="da-DK" sz="2400" b="1">
-                <a:solidFill>
-                  <a:srgbClr val="C00000"/>
-                </a:solidFill>
-                <a:latin typeface="Consolas" panose="020B0609020204030204" pitchFamily="49" charset="0"/>
-              </a:rPr>
-              <a:t>"G. Helger"</a:t>
-            </a:r>
-            <a:r>
-              <a:rPr lang="da-DK" sz="2400" b="1">
-                <a:latin typeface="Consolas" panose="020B0609020204030204" pitchFamily="49" charset="0"/>
-              </a:rPr>
-              <a:t>, handler);</a:t>
-            </a:r>
-          </a:p>
-          <a:p>
-            <a:r>
-              <a:rPr lang="da-DK" sz="2400" b="1" smtClean="0">
-                <a:latin typeface="Consolas" panose="020B0609020204030204" pitchFamily="49" charset="0"/>
-              </a:rPr>
-              <a:t>   handler </a:t>
-            </a:r>
-            <a:r>
-              <a:rPr lang="da-DK" sz="2400" b="1">
-                <a:latin typeface="Consolas" panose="020B0609020204030204" pitchFamily="49" charset="0"/>
-              </a:rPr>
-              <a:t>= </a:t>
-            </a:r>
-            <a:r>
-              <a:rPr lang="da-DK" sz="2400" b="1">
-                <a:solidFill>
-                  <a:srgbClr val="0070C0"/>
-                </a:solidFill>
-                <a:latin typeface="Consolas" panose="020B0609020204030204" pitchFamily="49" charset="0"/>
-              </a:rPr>
-              <a:t>new</a:t>
-            </a:r>
-            <a:r>
-              <a:rPr lang="da-DK" sz="2400" b="1" smtClean="0">
-                <a:latin typeface="Consolas" panose="020B0609020204030204" pitchFamily="49" charset="0"/>
-              </a:rPr>
-              <a:t> </a:t>
-            </a:r>
-            <a:r>
-              <a:rPr lang="da-DK" sz="2400" b="1">
-                <a:solidFill>
-                  <a:schemeClr val="accent6">
-                    <a:lumMod val="75000"/>
-                  </a:schemeClr>
-                </a:solidFill>
-                <a:latin typeface="Consolas" panose="020B0609020204030204" pitchFamily="49" charset="0"/>
-              </a:rPr>
-              <a:t>SeniorBureaucrat</a:t>
-            </a:r>
-            <a:r>
-              <a:rPr lang="da-DK" sz="2400" b="1">
-                <a:latin typeface="Consolas" panose="020B0609020204030204" pitchFamily="49" charset="0"/>
-              </a:rPr>
-              <a:t>(</a:t>
-            </a:r>
-            <a:r>
-              <a:rPr lang="da-DK" sz="2400" b="1">
-                <a:solidFill>
-                  <a:srgbClr val="C00000"/>
-                </a:solidFill>
-                <a:latin typeface="Consolas" panose="020B0609020204030204" pitchFamily="49" charset="0"/>
-              </a:rPr>
-              <a:t>"E. Frieger"</a:t>
-            </a:r>
-            <a:r>
-              <a:rPr lang="da-DK" sz="2400" b="1">
-                <a:latin typeface="Consolas" panose="020B0609020204030204" pitchFamily="49" charset="0"/>
-              </a:rPr>
-              <a:t>, handler);</a:t>
-            </a:r>
-          </a:p>
-          <a:p>
-            <a:r>
-              <a:rPr lang="da-DK" sz="2400" b="1" smtClean="0">
-                <a:latin typeface="Consolas" panose="020B0609020204030204" pitchFamily="49" charset="0"/>
-              </a:rPr>
-              <a:t>   handler </a:t>
-            </a:r>
-            <a:r>
-              <a:rPr lang="da-DK" sz="2400" b="1">
-                <a:latin typeface="Consolas" panose="020B0609020204030204" pitchFamily="49" charset="0"/>
-              </a:rPr>
-              <a:t>= </a:t>
-            </a:r>
-            <a:r>
-              <a:rPr lang="da-DK" sz="2400" b="1">
-                <a:solidFill>
-                  <a:srgbClr val="0070C0"/>
-                </a:solidFill>
-                <a:latin typeface="Consolas" panose="020B0609020204030204" pitchFamily="49" charset="0"/>
-              </a:rPr>
-              <a:t>new</a:t>
-            </a:r>
-            <a:r>
-              <a:rPr lang="da-DK" sz="2400" b="1" smtClean="0">
-                <a:latin typeface="Consolas" panose="020B0609020204030204" pitchFamily="49" charset="0"/>
-              </a:rPr>
-              <a:t> </a:t>
-            </a:r>
-            <a:r>
-              <a:rPr lang="da-DK" sz="2400" b="1">
-                <a:solidFill>
-                  <a:schemeClr val="accent6">
-                    <a:lumMod val="75000"/>
-                  </a:schemeClr>
-                </a:solidFill>
-                <a:latin typeface="Consolas" panose="020B0609020204030204" pitchFamily="49" charset="0"/>
-              </a:rPr>
-              <a:t>MidLevelBureaucrat</a:t>
-            </a:r>
-            <a:r>
-              <a:rPr lang="da-DK" sz="2400" b="1">
-                <a:latin typeface="Consolas" panose="020B0609020204030204" pitchFamily="49" charset="0"/>
-              </a:rPr>
-              <a:t>(</a:t>
-            </a:r>
-            <a:r>
-              <a:rPr lang="da-DK" sz="2400" b="1">
-                <a:solidFill>
-                  <a:srgbClr val="C00000"/>
-                </a:solidFill>
-                <a:latin typeface="Consolas" panose="020B0609020204030204" pitchFamily="49" charset="0"/>
-              </a:rPr>
-              <a:t>"C. Dreger"</a:t>
-            </a:r>
-            <a:r>
-              <a:rPr lang="da-DK" sz="2400" b="1">
-                <a:latin typeface="Consolas" panose="020B0609020204030204" pitchFamily="49" charset="0"/>
-              </a:rPr>
-              <a:t>, handler);</a:t>
-            </a:r>
-          </a:p>
-          <a:p>
-            <a:r>
-              <a:rPr lang="da-DK" sz="2400" b="1" smtClean="0">
-                <a:latin typeface="Consolas" panose="020B0609020204030204" pitchFamily="49" charset="0"/>
-              </a:rPr>
-              <a:t>   handler </a:t>
-            </a:r>
-            <a:r>
-              <a:rPr lang="da-DK" sz="2400" b="1">
-                <a:latin typeface="Consolas" panose="020B0609020204030204" pitchFamily="49" charset="0"/>
-              </a:rPr>
-              <a:t>= </a:t>
-            </a:r>
-            <a:r>
-              <a:rPr lang="da-DK" sz="2400" b="1">
-                <a:solidFill>
-                  <a:srgbClr val="0070C0"/>
-                </a:solidFill>
-                <a:latin typeface="Consolas" panose="020B0609020204030204" pitchFamily="49" charset="0"/>
-              </a:rPr>
-              <a:t>new</a:t>
-            </a:r>
-            <a:r>
-              <a:rPr lang="da-DK" sz="2400" b="1" smtClean="0">
-                <a:latin typeface="Consolas" panose="020B0609020204030204" pitchFamily="49" charset="0"/>
-              </a:rPr>
-              <a:t> </a:t>
-            </a:r>
-            <a:r>
-              <a:rPr lang="da-DK" sz="2400" b="1">
-                <a:solidFill>
-                  <a:schemeClr val="accent6">
-                    <a:lumMod val="75000"/>
-                  </a:schemeClr>
-                </a:solidFill>
-                <a:latin typeface="Consolas" panose="020B0609020204030204" pitchFamily="49" charset="0"/>
-              </a:rPr>
-              <a:t>JuniorBureaucrat</a:t>
-            </a:r>
-            <a:r>
-              <a:rPr lang="da-DK" sz="2400" b="1">
-                <a:latin typeface="Consolas" panose="020B0609020204030204" pitchFamily="49" charset="0"/>
-              </a:rPr>
-              <a:t>(</a:t>
-            </a:r>
-            <a:r>
-              <a:rPr lang="da-DK" sz="2400" b="1">
-                <a:solidFill>
-                  <a:srgbClr val="C00000"/>
-                </a:solidFill>
-                <a:latin typeface="Consolas" panose="020B0609020204030204" pitchFamily="49" charset="0"/>
-              </a:rPr>
-              <a:t>"A. Berger"</a:t>
-            </a:r>
-            <a:r>
-              <a:rPr lang="da-DK" sz="2400" b="1">
-                <a:latin typeface="Consolas" panose="020B0609020204030204" pitchFamily="49" charset="0"/>
-              </a:rPr>
-              <a:t>, handler);</a:t>
-            </a:r>
-          </a:p>
-          <a:p>
+                <a:latin typeface="Consolas" panose="020B0609020204030204" pitchFamily="49" charset="0"/>
+              </a:rPr>
+              <a:t>{…}</a:t>
+            </a:r>
             <a:endParaRPr lang="da-DK" sz="2400" b="1">
               <a:latin typeface="Consolas" panose="020B0609020204030204" pitchFamily="49" charset="0"/>
             </a:endParaRPr>
@@ -7814,50 +7256,20 @@
               <a:rPr lang="da-DK" sz="2400" b="1" smtClean="0">
                 <a:latin typeface="Consolas" panose="020B0609020204030204" pitchFamily="49" charset="0"/>
               </a:rPr>
-              <a:t>   </a:t>
-            </a:r>
-            <a:r>
-              <a:rPr lang="da-DK" sz="2400" b="1">
-                <a:solidFill>
-                  <a:srgbClr val="0070C0"/>
-                </a:solidFill>
-                <a:latin typeface="Consolas" panose="020B0609020204030204" pitchFamily="49" charset="0"/>
-              </a:rPr>
-              <a:t>return</a:t>
-            </a:r>
-            <a:r>
-              <a:rPr lang="da-DK" sz="2400" b="1" smtClean="0">
-                <a:latin typeface="Consolas" panose="020B0609020204030204" pitchFamily="49" charset="0"/>
-              </a:rPr>
-              <a:t> </a:t>
-            </a:r>
-            <a:r>
-              <a:rPr lang="da-DK" sz="2400" b="1">
-                <a:latin typeface="Consolas" panose="020B0609020204030204" pitchFamily="49" charset="0"/>
-              </a:rPr>
-              <a:t>handler;</a:t>
-            </a:r>
+              <a:t>}</a:t>
+            </a:r>
+          </a:p>
+          <a:p>
             <a:endParaRPr lang="da-DK" sz="2400" b="1">
               <a:latin typeface="Consolas" panose="020B0609020204030204" pitchFamily="49" charset="0"/>
             </a:endParaRPr>
           </a:p>
-          <a:p>
-            <a:r>
-              <a:rPr lang="da-DK" sz="2400" b="1" smtClean="0">
-                <a:latin typeface="Consolas" panose="020B0609020204030204" pitchFamily="49" charset="0"/>
-              </a:rPr>
-              <a:t>}</a:t>
-            </a:r>
-            <a:endParaRPr lang="da-DK" sz="2400" b="1">
-              <a:latin typeface="Consolas" panose="020B0609020204030204" pitchFamily="49" charset="0"/>
-            </a:endParaRPr>
-          </a:p>
         </p:txBody>
       </p:sp>
     </p:spTree>
     <p:extLst>
       <p:ext uri="{BB962C8B-B14F-4D97-AF65-F5344CB8AC3E}">
-        <p14:creationId xmlns:p14="http://schemas.microsoft.com/office/powerpoint/2010/main" val="688943693"/>
+        <p14:creationId xmlns:p14="http://schemas.microsoft.com/office/powerpoint/2010/main" val="2029462886"/>
       </p:ext>
     </p:extLst>
   </p:cSld>
@@ -7908,7 +7320,7 @@
         <p:spPr>
           <a:xfrm>
             <a:off x="962526" y="1012925"/>
-            <a:ext cx="10094495" cy="2677656"/>
+            <a:ext cx="10578685" cy="3785652"/>
           </a:xfrm>
           <a:prstGeom prst="rect">
             <a:avLst/>
@@ -7922,7 +7334,7 @@
           <a:lstStyle/>
           <a:p>
             <a:r>
-              <a:rPr lang="da-DK" sz="2400" b="1" smtClean="0">
+              <a:rPr lang="da-DK" sz="2400" b="1">
                 <a:solidFill>
                   <a:srgbClr val="0070C0"/>
                 </a:solidFill>
@@ -7931,26 +7343,384 @@
               <a:t>public</a:t>
             </a:r>
             <a:r>
-              <a:rPr lang="da-DK" sz="2400" b="1" smtClean="0">
+              <a:rPr lang="da-DK" sz="2400" b="1">
                 <a:latin typeface="Consolas" panose="020B0609020204030204" pitchFamily="49" charset="0"/>
               </a:rPr>
               <a:t> </a:t>
             </a:r>
             <a:r>
-              <a:rPr lang="da-DK" sz="2400" b="1" smtClean="0">
+              <a:rPr lang="da-DK" sz="2400" b="1">
+                <a:solidFill>
+                  <a:schemeClr val="accent6">
+                    <a:lumMod val="75000"/>
+                  </a:schemeClr>
+                </a:solidFill>
+                <a:latin typeface="Consolas" panose="020B0609020204030204" pitchFamily="49" charset="0"/>
+              </a:rPr>
+              <a:t>IHandler</a:t>
+            </a:r>
+            <a:r>
+              <a:rPr lang="da-DK" sz="2400" b="1">
                 <a:solidFill>
                   <a:srgbClr val="0070C0"/>
                 </a:solidFill>
                 <a:latin typeface="Consolas" panose="020B0609020204030204" pitchFamily="49" charset="0"/>
               </a:rPr>
-              <a:t>void </a:t>
-            </a:r>
-            <a:r>
-              <a:rPr lang="da-DK" sz="2400" b="1" smtClean="0">
-                <a:latin typeface="Consolas" panose="020B0609020204030204" pitchFamily="49" charset="0"/>
-              </a:rPr>
-              <a:t>Run()</a:t>
-            </a:r>
+              <a:t> </a:t>
+            </a:r>
+            <a:r>
+              <a:rPr lang="da-DK" sz="2400" b="1">
+                <a:latin typeface="Consolas" panose="020B0609020204030204" pitchFamily="49" charset="0"/>
+              </a:rPr>
+              <a:t>Setup</a:t>
+            </a:r>
+            <a:r>
+              <a:rPr lang="da-DK" sz="2400" b="1" smtClean="0">
+                <a:latin typeface="Consolas" panose="020B0609020204030204" pitchFamily="49" charset="0"/>
+              </a:rPr>
+              <a:t>()</a:t>
+            </a:r>
+          </a:p>
+          <a:p>
+            <a:r>
+              <a:rPr lang="da-DK" sz="2400" b="1">
+                <a:latin typeface="Consolas" panose="020B0609020204030204" pitchFamily="49" charset="0"/>
+              </a:rPr>
+              <a:t>{</a:t>
+            </a:r>
+          </a:p>
+          <a:p>
+            <a:r>
+              <a:rPr lang="da-DK" sz="2400" b="1" smtClean="0">
+                <a:latin typeface="Consolas" panose="020B0609020204030204" pitchFamily="49" charset="0"/>
+              </a:rPr>
+              <a:t>   </a:t>
+            </a:r>
+            <a:r>
+              <a:rPr lang="da-DK" sz="2400" b="1" smtClean="0">
+                <a:solidFill>
+                  <a:schemeClr val="accent6">
+                    <a:lumMod val="75000"/>
+                  </a:schemeClr>
+                </a:solidFill>
+                <a:latin typeface="Consolas" panose="020B0609020204030204" pitchFamily="49" charset="0"/>
+              </a:rPr>
+              <a:t>IHandler</a:t>
+            </a:r>
+            <a:r>
+              <a:rPr lang="da-DK" sz="2400" b="1" smtClean="0">
+                <a:latin typeface="Consolas" panose="020B0609020204030204" pitchFamily="49" charset="0"/>
+              </a:rPr>
+              <a:t> </a:t>
+            </a:r>
+            <a:r>
+              <a:rPr lang="da-DK" sz="2400" b="1">
+                <a:latin typeface="Consolas" panose="020B0609020204030204" pitchFamily="49" charset="0"/>
+              </a:rPr>
+              <a:t>handler = </a:t>
+            </a:r>
+            <a:r>
+              <a:rPr lang="da-DK" sz="2400" b="1">
+                <a:solidFill>
+                  <a:srgbClr val="0070C0"/>
+                </a:solidFill>
+                <a:latin typeface="Consolas" panose="020B0609020204030204" pitchFamily="49" charset="0"/>
+              </a:rPr>
+              <a:t>new</a:t>
+            </a:r>
+            <a:r>
+              <a:rPr lang="da-DK" sz="2400" b="1" smtClean="0">
+                <a:latin typeface="Consolas" panose="020B0609020204030204" pitchFamily="49" charset="0"/>
+              </a:rPr>
+              <a:t> </a:t>
+            </a:r>
+            <a:r>
+              <a:rPr lang="da-DK" sz="2400" b="1" smtClean="0">
+                <a:solidFill>
+                  <a:schemeClr val="accent6">
+                    <a:lumMod val="75000"/>
+                  </a:schemeClr>
+                </a:solidFill>
+                <a:latin typeface="Consolas" panose="020B0609020204030204" pitchFamily="49" charset="0"/>
+              </a:rPr>
+              <a:t>TopBureaucrat</a:t>
+            </a:r>
+            <a:r>
+              <a:rPr lang="da-DK" sz="2400" b="1" smtClean="0">
+                <a:latin typeface="Consolas" panose="020B0609020204030204" pitchFamily="49" charset="0"/>
+              </a:rPr>
+              <a:t>(</a:t>
+            </a:r>
+            <a:r>
+              <a:rPr lang="da-DK" sz="2400" b="1" smtClean="0">
+                <a:solidFill>
+                  <a:srgbClr val="C00000"/>
+                </a:solidFill>
+                <a:latin typeface="Consolas" panose="020B0609020204030204" pitchFamily="49" charset="0"/>
+              </a:rPr>
+              <a:t>"</a:t>
+            </a:r>
+            <a:r>
+              <a:rPr lang="da-DK" sz="2400" b="1">
+                <a:solidFill>
+                  <a:srgbClr val="C00000"/>
+                </a:solidFill>
+                <a:latin typeface="Consolas" panose="020B0609020204030204" pitchFamily="49" charset="0"/>
+              </a:rPr>
+              <a:t>H.R. Giger"</a:t>
+            </a:r>
+            <a:r>
+              <a:rPr lang="da-DK" sz="2400" b="1">
+                <a:latin typeface="Consolas" panose="020B0609020204030204" pitchFamily="49" charset="0"/>
+              </a:rPr>
+              <a:t>);</a:t>
+            </a:r>
+          </a:p>
+          <a:p>
+            <a:r>
+              <a:rPr lang="da-DK" sz="2400" b="1" smtClean="0">
+                <a:latin typeface="Consolas" panose="020B0609020204030204" pitchFamily="49" charset="0"/>
+              </a:rPr>
+              <a:t>   handler </a:t>
+            </a:r>
+            <a:r>
+              <a:rPr lang="da-DK" sz="2400" b="1">
+                <a:latin typeface="Consolas" panose="020B0609020204030204" pitchFamily="49" charset="0"/>
+              </a:rPr>
+              <a:t>= </a:t>
+            </a:r>
+            <a:r>
+              <a:rPr lang="da-DK" sz="2400" b="1">
+                <a:solidFill>
+                  <a:srgbClr val="0070C0"/>
+                </a:solidFill>
+                <a:latin typeface="Consolas" panose="020B0609020204030204" pitchFamily="49" charset="0"/>
+              </a:rPr>
+              <a:t>new</a:t>
+            </a:r>
+            <a:r>
+              <a:rPr lang="da-DK" sz="2400" b="1">
+                <a:latin typeface="Consolas" panose="020B0609020204030204" pitchFamily="49" charset="0"/>
+              </a:rPr>
+              <a:t> </a:t>
+            </a:r>
+            <a:r>
+              <a:rPr lang="da-DK" sz="2400" b="1">
+                <a:solidFill>
+                  <a:schemeClr val="accent6">
+                    <a:lumMod val="75000"/>
+                  </a:schemeClr>
+                </a:solidFill>
+                <a:latin typeface="Consolas" panose="020B0609020204030204" pitchFamily="49" charset="0"/>
+              </a:rPr>
+              <a:t>DirectorBureaucrat</a:t>
+            </a:r>
+            <a:r>
+              <a:rPr lang="da-DK" sz="2400" b="1">
+                <a:latin typeface="Consolas" panose="020B0609020204030204" pitchFamily="49" charset="0"/>
+              </a:rPr>
+              <a:t>(</a:t>
+            </a:r>
+            <a:r>
+              <a:rPr lang="da-DK" sz="2400" b="1">
+                <a:solidFill>
+                  <a:srgbClr val="C00000"/>
+                </a:solidFill>
+                <a:latin typeface="Consolas" panose="020B0609020204030204" pitchFamily="49" charset="0"/>
+              </a:rPr>
+              <a:t>"G. Helger"</a:t>
+            </a:r>
+            <a:r>
+              <a:rPr lang="da-DK" sz="2400" b="1">
+                <a:latin typeface="Consolas" panose="020B0609020204030204" pitchFamily="49" charset="0"/>
+              </a:rPr>
+              <a:t>, handler);</a:t>
+            </a:r>
+          </a:p>
+          <a:p>
+            <a:r>
+              <a:rPr lang="da-DK" sz="2400" b="1" smtClean="0">
+                <a:latin typeface="Consolas" panose="020B0609020204030204" pitchFamily="49" charset="0"/>
+              </a:rPr>
+              <a:t>   handler </a:t>
+            </a:r>
+            <a:r>
+              <a:rPr lang="da-DK" sz="2400" b="1">
+                <a:latin typeface="Consolas" panose="020B0609020204030204" pitchFamily="49" charset="0"/>
+              </a:rPr>
+              <a:t>= </a:t>
+            </a:r>
+            <a:r>
+              <a:rPr lang="da-DK" sz="2400" b="1">
+                <a:solidFill>
+                  <a:srgbClr val="0070C0"/>
+                </a:solidFill>
+                <a:latin typeface="Consolas" panose="020B0609020204030204" pitchFamily="49" charset="0"/>
+              </a:rPr>
+              <a:t>new</a:t>
+            </a:r>
+            <a:r>
+              <a:rPr lang="da-DK" sz="2400" b="1" smtClean="0">
+                <a:latin typeface="Consolas" panose="020B0609020204030204" pitchFamily="49" charset="0"/>
+              </a:rPr>
+              <a:t> </a:t>
+            </a:r>
+            <a:r>
+              <a:rPr lang="da-DK" sz="2400" b="1">
+                <a:solidFill>
+                  <a:schemeClr val="accent6">
+                    <a:lumMod val="75000"/>
+                  </a:schemeClr>
+                </a:solidFill>
+                <a:latin typeface="Consolas" panose="020B0609020204030204" pitchFamily="49" charset="0"/>
+              </a:rPr>
+              <a:t>SeniorBureaucrat</a:t>
+            </a:r>
+            <a:r>
+              <a:rPr lang="da-DK" sz="2400" b="1">
+                <a:latin typeface="Consolas" panose="020B0609020204030204" pitchFamily="49" charset="0"/>
+              </a:rPr>
+              <a:t>(</a:t>
+            </a:r>
+            <a:r>
+              <a:rPr lang="da-DK" sz="2400" b="1">
+                <a:solidFill>
+                  <a:srgbClr val="C00000"/>
+                </a:solidFill>
+                <a:latin typeface="Consolas" panose="020B0609020204030204" pitchFamily="49" charset="0"/>
+              </a:rPr>
+              <a:t>"E. Frieger"</a:t>
+            </a:r>
+            <a:r>
+              <a:rPr lang="da-DK" sz="2400" b="1">
+                <a:latin typeface="Consolas" panose="020B0609020204030204" pitchFamily="49" charset="0"/>
+              </a:rPr>
+              <a:t>, handler);</a:t>
+            </a:r>
+          </a:p>
+          <a:p>
+            <a:r>
+              <a:rPr lang="da-DK" sz="2400" b="1" smtClean="0">
+                <a:latin typeface="Consolas" panose="020B0609020204030204" pitchFamily="49" charset="0"/>
+              </a:rPr>
+              <a:t>   handler </a:t>
+            </a:r>
+            <a:r>
+              <a:rPr lang="da-DK" sz="2400" b="1">
+                <a:latin typeface="Consolas" panose="020B0609020204030204" pitchFamily="49" charset="0"/>
+              </a:rPr>
+              <a:t>= </a:t>
+            </a:r>
+            <a:r>
+              <a:rPr lang="da-DK" sz="2400" b="1">
+                <a:solidFill>
+                  <a:srgbClr val="0070C0"/>
+                </a:solidFill>
+                <a:latin typeface="Consolas" panose="020B0609020204030204" pitchFamily="49" charset="0"/>
+              </a:rPr>
+              <a:t>new</a:t>
+            </a:r>
+            <a:r>
+              <a:rPr lang="da-DK" sz="2400" b="1" smtClean="0">
+                <a:latin typeface="Consolas" panose="020B0609020204030204" pitchFamily="49" charset="0"/>
+              </a:rPr>
+              <a:t> </a:t>
+            </a:r>
+            <a:r>
+              <a:rPr lang="da-DK" sz="2400" b="1">
+                <a:solidFill>
+                  <a:schemeClr val="accent6">
+                    <a:lumMod val="75000"/>
+                  </a:schemeClr>
+                </a:solidFill>
+                <a:latin typeface="Consolas" panose="020B0609020204030204" pitchFamily="49" charset="0"/>
+              </a:rPr>
+              <a:t>MidLevelBureaucrat</a:t>
+            </a:r>
+            <a:r>
+              <a:rPr lang="da-DK" sz="2400" b="1">
+                <a:latin typeface="Consolas" panose="020B0609020204030204" pitchFamily="49" charset="0"/>
+              </a:rPr>
+              <a:t>(</a:t>
+            </a:r>
+            <a:r>
+              <a:rPr lang="da-DK" sz="2400" b="1">
+                <a:solidFill>
+                  <a:srgbClr val="C00000"/>
+                </a:solidFill>
+                <a:latin typeface="Consolas" panose="020B0609020204030204" pitchFamily="49" charset="0"/>
+              </a:rPr>
+              <a:t>"C. Dreger"</a:t>
+            </a:r>
+            <a:r>
+              <a:rPr lang="da-DK" sz="2400" b="1">
+                <a:latin typeface="Consolas" panose="020B0609020204030204" pitchFamily="49" charset="0"/>
+              </a:rPr>
+              <a:t>, handler);</a:t>
+            </a:r>
+          </a:p>
+          <a:p>
+            <a:r>
+              <a:rPr lang="da-DK" sz="2400" b="1" smtClean="0">
+                <a:latin typeface="Consolas" panose="020B0609020204030204" pitchFamily="49" charset="0"/>
+              </a:rPr>
+              <a:t>   handler </a:t>
+            </a:r>
+            <a:r>
+              <a:rPr lang="da-DK" sz="2400" b="1">
+                <a:latin typeface="Consolas" panose="020B0609020204030204" pitchFamily="49" charset="0"/>
+              </a:rPr>
+              <a:t>= </a:t>
+            </a:r>
+            <a:r>
+              <a:rPr lang="da-DK" sz="2400" b="1">
+                <a:solidFill>
+                  <a:srgbClr val="0070C0"/>
+                </a:solidFill>
+                <a:latin typeface="Consolas" panose="020B0609020204030204" pitchFamily="49" charset="0"/>
+              </a:rPr>
+              <a:t>new</a:t>
+            </a:r>
+            <a:r>
+              <a:rPr lang="da-DK" sz="2400" b="1" smtClean="0">
+                <a:latin typeface="Consolas" panose="020B0609020204030204" pitchFamily="49" charset="0"/>
+              </a:rPr>
+              <a:t> </a:t>
+            </a:r>
+            <a:r>
+              <a:rPr lang="da-DK" sz="2400" b="1">
+                <a:solidFill>
+                  <a:schemeClr val="accent6">
+                    <a:lumMod val="75000"/>
+                  </a:schemeClr>
+                </a:solidFill>
+                <a:latin typeface="Consolas" panose="020B0609020204030204" pitchFamily="49" charset="0"/>
+              </a:rPr>
+              <a:t>JuniorBureaucrat</a:t>
+            </a:r>
+            <a:r>
+              <a:rPr lang="da-DK" sz="2400" b="1">
+                <a:latin typeface="Consolas" panose="020B0609020204030204" pitchFamily="49" charset="0"/>
+              </a:rPr>
+              <a:t>(</a:t>
+            </a:r>
+            <a:r>
+              <a:rPr lang="da-DK" sz="2400" b="1">
+                <a:solidFill>
+                  <a:srgbClr val="C00000"/>
+                </a:solidFill>
+                <a:latin typeface="Consolas" panose="020B0609020204030204" pitchFamily="49" charset="0"/>
+              </a:rPr>
+              <a:t>"A. Berger"</a:t>
+            </a:r>
+            <a:r>
+              <a:rPr lang="da-DK" sz="2400" b="1">
+                <a:latin typeface="Consolas" panose="020B0609020204030204" pitchFamily="49" charset="0"/>
+              </a:rPr>
+              <a:t>, handler);</a:t>
+            </a:r>
+          </a:p>
+          <a:p>
             <a:endParaRPr lang="da-DK" sz="2400" b="1">
               <a:latin typeface="Consolas" panose="020B0609020204030204" pitchFamily="49" charset="0"/>
             </a:endParaRPr>
@@ -7960,12 +7730,155 @@
               <a:rPr lang="da-DK" sz="2400" b="1" smtClean="0">
                 <a:latin typeface="Consolas" panose="020B0609020204030204" pitchFamily="49" charset="0"/>
               </a:rPr>
-              <a:t>{</a:t>
+              <a:t>   </a:t>
+            </a:r>
+            <a:r>
+              <a:rPr lang="da-DK" sz="2400" b="1">
+                <a:solidFill>
+                  <a:srgbClr val="0070C0"/>
+                </a:solidFill>
+                <a:latin typeface="Consolas" panose="020B0609020204030204" pitchFamily="49" charset="0"/>
+              </a:rPr>
+              <a:t>return</a:t>
+            </a:r>
+            <a:r>
+              <a:rPr lang="da-DK" sz="2400" b="1" smtClean="0">
+                <a:latin typeface="Consolas" panose="020B0609020204030204" pitchFamily="49" charset="0"/>
+              </a:rPr>
+              <a:t> </a:t>
+            </a:r>
+            <a:r>
+              <a:rPr lang="da-DK" sz="2400" b="1">
+                <a:latin typeface="Consolas" panose="020B0609020204030204" pitchFamily="49" charset="0"/>
+              </a:rPr>
+              <a:t>handler;</a:t>
+            </a:r>
+          </a:p>
+          <a:p>
+            <a:r>
+              <a:rPr lang="da-DK" sz="2400" b="1" smtClean="0">
+                <a:latin typeface="Consolas" panose="020B0609020204030204" pitchFamily="49" charset="0"/>
+              </a:rPr>
+              <a:t>}</a:t>
             </a:r>
             <a:endParaRPr lang="da-DK" sz="2400" b="1">
               <a:latin typeface="Consolas" panose="020B0609020204030204" pitchFamily="49" charset="0"/>
             </a:endParaRPr>
           </a:p>
+        </p:txBody>
+      </p:sp>
+    </p:spTree>
+    <p:extLst>
+      <p:ext uri="{BB962C8B-B14F-4D97-AF65-F5344CB8AC3E}">
+        <p14:creationId xmlns:p14="http://schemas.microsoft.com/office/powerpoint/2010/main" val="688943693"/>
+      </p:ext>
+    </p:extLst>
+  </p:cSld>
+  <p:clrMapOvr>
+    <a:masterClrMapping/>
+  </p:clrMapOvr>
+  <mc:AlternateContent xmlns:mc="http://schemas.openxmlformats.org/markup-compatibility/2006" xmlns:p14="http://schemas.microsoft.com/office/powerpoint/2010/main">
+    <mc:Choice Requires="p14">
+      <p:transition p14:dur="0"/>
+    </mc:Choice>
+    <mc:Fallback xmlns="">
+      <p:transition/>
+    </mc:Fallback>
+  </mc:AlternateContent>
+  <p:timing>
+    <p:tnLst>
+      <p:par>
+        <p:cTn id="1" dur="indefinite" restart="never" nodeType="tmRoot"/>
+      </p:par>
+    </p:tnLst>
+  </p:timing>
+</p:sld>
+</file>
+
+<file path=ppt/slides/slide23.xml><?xml version="1.0" encoding="utf-8"?>
+<p:sld xmlns:a="http://schemas.openxmlformats.org/drawingml/2006/main" xmlns:r="http://schemas.openxmlformats.org/officeDocument/2006/relationships" xmlns:p="http://schemas.openxmlformats.org/presentationml/2006/main">
+  <p:cSld>
+    <p:spTree>
+      <p:nvGrpSpPr>
+        <p:cNvPr id="1" name=""/>
+        <p:cNvGrpSpPr/>
+        <p:nvPr/>
+      </p:nvGrpSpPr>
+      <p:grpSpPr>
+        <a:xfrm>
+          <a:off x="0" y="0"/>
+          <a:ext cx="0" cy="0"/>
+          <a:chOff x="0" y="0"/>
+          <a:chExt cx="0" cy="0"/>
+        </a:xfrm>
+      </p:grpSpPr>
+      <p:sp>
+        <p:nvSpPr>
+          <p:cNvPr id="3" name="Tekstfelt 2"/>
+          <p:cNvSpPr txBox="1"/>
+          <p:nvPr/>
+        </p:nvSpPr>
+        <p:spPr>
+          <a:xfrm>
+            <a:off x="962526" y="1012925"/>
+            <a:ext cx="10094495" cy="3046988"/>
+          </a:xfrm>
+          <a:prstGeom prst="rect">
+            <a:avLst/>
+          </a:prstGeom>
+          <a:noFill/>
+        </p:spPr>
+        <p:txBody>
+          <a:bodyPr wrap="square" rtlCol="0">
+            <a:spAutoFit/>
+          </a:bodyPr>
+          <a:lstStyle/>
+          <a:p>
+            <a:r>
+              <a:rPr lang="da-DK" sz="2400" b="1" smtClean="0">
+                <a:solidFill>
+                  <a:srgbClr val="0070C0"/>
+                </a:solidFill>
+                <a:latin typeface="Consolas" panose="020B0609020204030204" pitchFamily="49" charset="0"/>
+              </a:rPr>
+              <a:t>public</a:t>
+            </a:r>
+            <a:r>
+              <a:rPr lang="da-DK" sz="2400" b="1" smtClean="0">
+                <a:latin typeface="Consolas" panose="020B0609020204030204" pitchFamily="49" charset="0"/>
+              </a:rPr>
+              <a:t> </a:t>
+            </a:r>
+            <a:r>
+              <a:rPr lang="da-DK" sz="2400" b="1" smtClean="0">
+                <a:solidFill>
+                  <a:srgbClr val="0070C0"/>
+                </a:solidFill>
+                <a:latin typeface="Consolas" panose="020B0609020204030204" pitchFamily="49" charset="0"/>
+              </a:rPr>
+              <a:t>void </a:t>
+            </a:r>
+            <a:r>
+              <a:rPr lang="da-DK" sz="2400" b="1" smtClean="0">
+                <a:latin typeface="Consolas" panose="020B0609020204030204" pitchFamily="49" charset="0"/>
+              </a:rPr>
+              <a:t>Run()</a:t>
+            </a:r>
+            <a:endParaRPr lang="da-DK" sz="2400" b="1">
+              <a:latin typeface="Consolas" panose="020B0609020204030204" pitchFamily="49" charset="0"/>
+            </a:endParaRPr>
+          </a:p>
+          <a:p>
+            <a:r>
+              <a:rPr lang="da-DK" sz="2400" b="1" smtClean="0">
+                <a:latin typeface="Consolas" panose="020B0609020204030204" pitchFamily="49" charset="0"/>
+              </a:rPr>
+              <a:t>{</a:t>
+            </a:r>
+            <a:endParaRPr lang="da-DK" sz="2400" b="1">
+              <a:latin typeface="Consolas" panose="020B0609020204030204" pitchFamily="49" charset="0"/>
+            </a:endParaRPr>
+          </a:p>
           <a:p>
             <a:r>
               <a:rPr lang="da-DK" sz="2400" b="1" smtClean="0">
@@ -8013,13 +7926,7 @@
               <a:rPr lang="en-US" sz="2400" b="1">
                 <a:latin typeface="Consolas" panose="020B0609020204030204" pitchFamily="49" charset="0"/>
               </a:rPr>
-              <a:t>req </a:t>
-            </a:r>
-            <a:r>
-              <a:rPr lang="en-US" sz="2400" b="1">
-                <a:latin typeface="Consolas" panose="020B0609020204030204" pitchFamily="49" charset="0"/>
-              </a:rPr>
-              <a:t>= </a:t>
+              <a:t>req = </a:t>
             </a:r>
             <a:r>
               <a:rPr lang="da-DK" sz="2400" b="1">
@@ -8077,39 +7984,108 @@
                 </a:solidFill>
                 <a:latin typeface="Consolas" panose="020B0609020204030204" pitchFamily="49" charset="0"/>
               </a:rPr>
+              <a:t>"me@mail.dk</a:t>
+            </a:r>
+            <a:r>
+              <a:rPr lang="en-US" sz="2400" b="1" smtClean="0">
+                <a:solidFill>
+                  <a:srgbClr val="C00000"/>
+                </a:solidFill>
+                <a:latin typeface="Consolas" panose="020B0609020204030204" pitchFamily="49" charset="0"/>
+              </a:rPr>
               <a:t>"</a:t>
             </a:r>
             <a:r>
-              <a:rPr lang="en-US" sz="2400" b="1">
-                <a:solidFill>
-                  <a:srgbClr val="C00000"/>
-                </a:solidFill>
-                <a:latin typeface="Consolas" panose="020B0609020204030204" pitchFamily="49" charset="0"/>
-              </a:rPr>
-              <a:t>me@mail.dk</a:t>
-            </a:r>
-            <a:r>
               <a:rPr lang="en-US" sz="2400" b="1" smtClean="0">
-                <a:solidFill>
-                  <a:srgbClr val="C00000"/>
-                </a:solidFill>
-                <a:latin typeface="Consolas" panose="020B0609020204030204" pitchFamily="49" charset="0"/>
-              </a:rPr>
-              <a:t>"</a:t>
-            </a:r>
+                <a:latin typeface="Consolas" panose="020B0609020204030204" pitchFamily="49" charset="0"/>
+              </a:rPr>
+              <a:t>);</a:t>
+            </a:r>
+          </a:p>
+          <a:p>
             <a:r>
               <a:rPr lang="en-US" sz="2400" b="1" smtClean="0">
                 <a:latin typeface="Consolas" panose="020B0609020204030204" pitchFamily="49" charset="0"/>
               </a:rPr>
+              <a:t>   </a:t>
+            </a:r>
+            <a:r>
+              <a:rPr lang="en-US" sz="2400" b="1" smtClean="0">
+                <a:solidFill>
+                  <a:schemeClr val="accent6">
+                    <a:lumMod val="75000"/>
+                  </a:schemeClr>
+                </a:solidFill>
+                <a:latin typeface="Consolas" panose="020B0609020204030204" pitchFamily="49" charset="0"/>
+              </a:rPr>
+              <a:t>Client</a:t>
+            </a:r>
+            <a:r>
+              <a:rPr lang="en-US" sz="2400" b="1" smtClean="0">
+                <a:latin typeface="Consolas" panose="020B0609020204030204" pitchFamily="49" charset="0"/>
+              </a:rPr>
+              <a:t> c = </a:t>
+            </a:r>
+            <a:r>
+              <a:rPr lang="da-DK" sz="2400" b="1">
+                <a:solidFill>
+                  <a:srgbClr val="0070C0"/>
+                </a:solidFill>
+                <a:latin typeface="Consolas" panose="020B0609020204030204" pitchFamily="49" charset="0"/>
+              </a:rPr>
+              <a:t>new</a:t>
+            </a:r>
+            <a:r>
+              <a:rPr lang="en-US" sz="2400" b="1" smtClean="0">
+                <a:latin typeface="Consolas" panose="020B0609020204030204" pitchFamily="49" charset="0"/>
+              </a:rPr>
+              <a:t> </a:t>
+            </a:r>
+            <a:r>
+              <a:rPr lang="en-US" sz="2400" b="1" smtClean="0">
+                <a:solidFill>
+                  <a:schemeClr val="accent6">
+                    <a:lumMod val="75000"/>
+                  </a:schemeClr>
+                </a:solidFill>
+                <a:latin typeface="Consolas" panose="020B0609020204030204" pitchFamily="49" charset="0"/>
+              </a:rPr>
+              <a:t>Client</a:t>
+            </a:r>
+            <a:r>
+              <a:rPr lang="da-DK" sz="2400" b="1" smtClean="0">
+                <a:latin typeface="Consolas" panose="020B0609020204030204" pitchFamily="49" charset="0"/>
+              </a:rPr>
+              <a:t>(handler</a:t>
+            </a:r>
+            <a:r>
+              <a:rPr lang="en-US" sz="2400" b="1" smtClean="0">
+                <a:latin typeface="Consolas" panose="020B0609020204030204" pitchFamily="49" charset="0"/>
+              </a:rPr>
               <a:t>);</a:t>
             </a:r>
-          </a:p>
-          <a:p>
-            <a:r>
-              <a:rPr lang="da-DK" sz="2400" b="1" smtClean="0">
-                <a:latin typeface="Consolas" panose="020B0609020204030204" pitchFamily="49" charset="0"/>
-              </a:rPr>
-              <a:t>   handler.Handle(req);</a:t>
+            <a:endParaRPr lang="en-US" sz="2400" b="1" smtClean="0">
+              <a:latin typeface="Consolas" panose="020B0609020204030204" pitchFamily="49" charset="0"/>
+            </a:endParaRPr>
+          </a:p>
+          <a:p>
+            <a:r>
+              <a:rPr lang="da-DK" sz="2400" b="1" smtClean="0">
+                <a:latin typeface="Consolas" panose="020B0609020204030204" pitchFamily="49" charset="0"/>
+              </a:rPr>
+              <a:t>   </a:t>
+            </a:r>
+            <a:r>
+              <a:rPr lang="da-DK" sz="2400" b="1" smtClean="0">
+                <a:latin typeface="Consolas" panose="020B0609020204030204" pitchFamily="49" charset="0"/>
+              </a:rPr>
+              <a:t>c.SubmitRequest(req</a:t>
+            </a:r>
+            <a:r>
+              <a:rPr lang="da-DK" sz="2400" b="1" smtClean="0">
+                <a:latin typeface="Consolas" panose="020B0609020204030204" pitchFamily="49" charset="0"/>
+              </a:rPr>
+              <a:t>);</a:t>
             </a:r>
             <a:endParaRPr lang="en-US" sz="2400" b="1">
               <a:latin typeface="Consolas" panose="020B0609020204030204" pitchFamily="49" charset="0"/>
@@ -8122,9 +8098,6 @@
               </a:rPr>
               <a:t>}</a:t>
             </a:r>
-            <a:endParaRPr lang="da-DK" sz="2400" b="1">
-              <a:latin typeface="Consolas" panose="020B0609020204030204" pitchFamily="49" charset="0"/>
-            </a:endParaRPr>
           </a:p>
           <a:p>
             <a:endParaRPr lang="da-DK" sz="2400" b="1">
@@ -8354,13 +8327,8 @@
           <a:p>
             <a:r>
               <a:rPr lang="da-DK" sz="3200" smtClean="0"/>
-              <a:t>A </a:t>
-            </a:r>
-            <a:r>
-              <a:rPr lang="da-DK" sz="3200" smtClean="0"/>
-              <a:t>request needs to be handled</a:t>
-            </a:r>
-            <a:endParaRPr lang="da-DK" sz="3200" smtClean="0"/>
+              <a:t>A request needs to be handled</a:t>
+            </a:r>
           </a:p>
           <a:p>
             <a:pPr lvl="1"/>
@@ -8385,15 +8353,7 @@
                   <a:srgbClr val="FF0000"/>
                 </a:solidFill>
               </a:rPr>
-              <a:t>How </a:t>
-            </a:r>
-            <a:r>
-              <a:rPr lang="da-DK" sz="2800" b="1" i="1">
-                <a:solidFill>
-                  <a:srgbClr val="FF0000"/>
-                </a:solidFill>
-              </a:rPr>
-              <a:t>to </a:t>
+              <a:t>How to </a:t>
             </a:r>
             <a:r>
               <a:rPr lang="da-DK" sz="2800" b="1" i="1" smtClean="0">
@@ -8502,7 +8462,6 @@
               <a:rPr lang="da-DK" sz="4800" smtClean="0"/>
               <a:t>Handler</a:t>
             </a:r>
-            <a:endParaRPr lang="da-DK" sz="4800" smtClean="0"/>
           </a:p>
         </p:txBody>
       </p:sp>
@@ -8555,11 +8514,6 @@
               </a:rPr>
               <a:t>IHandler</a:t>
             </a:r>
-            <a:endParaRPr lang="da-DK" sz="4800" smtClean="0">
-              <a:solidFill>
-                <a:srgbClr val="FFFF00"/>
-              </a:solidFill>
-            </a:endParaRPr>
           </a:p>
         </p:txBody>
       </p:sp>
@@ -8653,91 +8607,24 @@
   <p:clrMapOvr>
     <a:masterClrMapping/>
   </p:clrMapOvr>
+  <mc:AlternateContent xmlns:mc="http://schemas.openxmlformats.org/markup-compatibility/2006">
+    <mc:Choice xmlns:p14="http://schemas.microsoft.com/office/powerpoint/2010/main" Requires="p14">
+      <p:transition spd="med" p14:dur="700">
+        <p:fade/>
+      </p:transition>
+    </mc:Choice>
+    <mc:Fallback>
+      <p:transition spd="med">
+        <p:fade/>
+      </p:transition>
+    </mc:Fallback>
+  </mc:AlternateContent>
   <p:timing>
     <p:tnLst>
       <p:par>
-        <p:cTn id="1" dur="indefinite" restart="never" nodeType="tmRoot">
-          <p:childTnLst>
-            <p:seq concurrent="1" nextAc="seek">
-              <p:cTn id="2" dur="indefinite" nodeType="mainSeq">
-                <p:childTnLst>
-                  <p:par>
-                    <p:cTn id="3" fill="hold">
-                      <p:stCondLst>
-                        <p:cond delay="indefinite"/>
-                      </p:stCondLst>
-                      <p:childTnLst>
-                        <p:par>
-                          <p:cTn id="4" fill="hold">
-                            <p:stCondLst>
-                              <p:cond delay="0"/>
-                            </p:stCondLst>
-                            <p:childTnLst>
-                              <p:par>
-                                <p:cTn id="5" presetID="10" presetClass="entr" presetSubtype="0" fill="hold" grpId="0" nodeType="clickEffect">
-                                  <p:stCondLst>
-                                    <p:cond delay="0"/>
-                                  </p:stCondLst>
-                                  <p:childTnLst>
-                                    <p:set>
-                                      <p:cBhvr>
-                                        <p:cTn id="6" dur="1" fill="hold">
-                                          <p:stCondLst>
-                                            <p:cond delay="0"/>
-                                          </p:stCondLst>
-                                        </p:cTn>
-                                        <p:tgtEl>
-                                          <p:spTgt spid="12"/>
-                                        </p:tgtEl>
-                                        <p:attrNameLst>
-                                          <p:attrName>style.visibility</p:attrName>
-                                        </p:attrNameLst>
-                                      </p:cBhvr>
-                                      <p:to>
-                                        <p:strVal val="visible"/>
-                                      </p:to>
-                                    </p:set>
-                                    <p:animEffect transition="in" filter="fade">
-                                      <p:cBhvr>
-                                        <p:cTn id="7" dur="500"/>
-                                        <p:tgtEl>
-                                          <p:spTgt spid="12"/>
-                                        </p:tgtEl>
-                                      </p:cBhvr>
-                                    </p:animEffect>
-                                  </p:childTnLst>
-                                </p:cTn>
-                              </p:par>
-                            </p:childTnLst>
-                          </p:cTn>
-                        </p:par>
-                      </p:childTnLst>
-                    </p:cTn>
-                  </p:par>
-                </p:childTnLst>
-              </p:cTn>
-              <p:prevCondLst>
-                <p:cond evt="onPrev" delay="0">
-                  <p:tgtEl>
-                    <p:sldTgt/>
-                  </p:tgtEl>
-                </p:cond>
-              </p:prevCondLst>
-              <p:nextCondLst>
-                <p:cond evt="onNext" delay="0">
-                  <p:tgtEl>
-                    <p:sldTgt/>
-                  </p:tgtEl>
-                </p:cond>
-              </p:nextCondLst>
-            </p:seq>
-          </p:childTnLst>
-        </p:cTn>
+        <p:cTn id="1" dur="indefinite" restart="never" nodeType="tmRoot"/>
       </p:par>
     </p:tnLst>
-    <p:bldLst>
-      <p:bldP spid="12" grpId="0" animBg="1"/>
-    </p:bldLst>
   </p:timing>
 </p:sld>
 </file>
@@ -9345,19 +9232,7 @@
               <a:rPr lang="da-DK" sz="2400" b="1" smtClean="0">
                 <a:latin typeface="Consolas" panose="020B0609020204030204" pitchFamily="49" charset="0"/>
               </a:rPr>
-              <a:t> </a:t>
-            </a:r>
-            <a:r>
-              <a:rPr lang="da-DK" sz="2400" b="1" smtClean="0">
-                <a:latin typeface="Consolas" panose="020B0609020204030204" pitchFamily="49" charset="0"/>
-              </a:rPr>
-              <a:t>req</a:t>
-            </a:r>
-            <a:r>
-              <a:rPr lang="da-DK" sz="2400" b="1" smtClean="0">
-                <a:latin typeface="Consolas" panose="020B0609020204030204" pitchFamily="49" charset="0"/>
-              </a:rPr>
-              <a:t>);</a:t>
+              <a:t> req);</a:t>
             </a:r>
           </a:p>
           <a:p>
@@ -9411,9 +9286,6 @@
               </a:rPr>
               <a:t>req);</a:t>
             </a:r>
-            <a:endParaRPr lang="da-DK" sz="2400" b="1">
-              <a:latin typeface="Consolas" panose="020B0609020204030204" pitchFamily="49" charset="0"/>
-            </a:endParaRPr>
           </a:p>
           <a:p>
             <a:r>
@@ -9609,11 +9481,6 @@
               </a:rPr>
               <a:t>IHandler</a:t>
             </a:r>
-            <a:endParaRPr lang="da-DK" sz="4800" smtClean="0">
-              <a:solidFill>
-                <a:srgbClr val="FFFF00"/>
-              </a:solidFill>
-            </a:endParaRPr>
           </a:p>
         </p:txBody>
       </p:sp>
@@ -9638,88 +9505,9 @@
   <p:timing>
     <p:tnLst>
       <p:par>
-        <p:cTn id="1" dur="indefinite" restart="never" nodeType="tmRoot">
-          <p:childTnLst>
-            <p:seq concurrent="1" nextAc="seek">
-              <p:cTn id="2" dur="indefinite" nodeType="mainSeq">
-                <p:childTnLst>
-                  <p:par>
-                    <p:cTn id="3" fill="hold">
-                      <p:stCondLst>
-                        <p:cond delay="indefinite"/>
-                      </p:stCondLst>
-                      <p:childTnLst>
-                        <p:par>
-                          <p:cTn id="4" fill="hold">
-                            <p:stCondLst>
-                              <p:cond delay="0"/>
-                            </p:stCondLst>
-                            <p:childTnLst>
-                              <p:par>
-                                <p:cTn id="5" presetID="10" presetClass="entr" presetSubtype="0" fill="hold" grpId="0" nodeType="clickEffect">
-                                  <p:stCondLst>
-                                    <p:cond delay="0"/>
-                                  </p:stCondLst>
-                                  <p:childTnLst>
-                                    <p:set>
-                                      <p:cBhvr>
-                                        <p:cTn id="6" dur="1" fill="hold">
-                                          <p:stCondLst>
-                                            <p:cond delay="0"/>
-                                          </p:stCondLst>
-                                        </p:cTn>
-                                        <p:tgtEl>
-                                          <p:spTgt spid="5"/>
-                                        </p:tgtEl>
-                                        <p:attrNameLst>
-                                          <p:attrName>style.visibility</p:attrName>
-                                        </p:attrNameLst>
-                                      </p:cBhvr>
-                                      <p:to>
-                                        <p:strVal val="visible"/>
-                                      </p:to>
-                                    </p:set>
-                                    <p:animEffect transition="in" filter="fade">
-                                      <p:cBhvr>
-                                        <p:cTn id="7" dur="500"/>
-                                        <p:tgtEl>
-                                          <p:spTgt spid="5"/>
-                                        </p:tgtEl>
-                                      </p:cBhvr>
-                                    </p:animEffect>
-                                  </p:childTnLst>
-                                </p:cTn>
-                              </p:par>
-                            </p:childTnLst>
-                          </p:cTn>
-                        </p:par>
-                      </p:childTnLst>
-                    </p:cTn>
-                  </p:par>
-                </p:childTnLst>
-              </p:cTn>
-              <p:prevCondLst>
-                <p:cond evt="onPrev" delay="0">
-                  <p:tgtEl>
-                    <p:sldTgt/>
-                  </p:tgtEl>
-                </p:cond>
-              </p:prevCondLst>
-              <p:nextCondLst>
-                <p:cond evt="onNext" delay="0">
-                  <p:tgtEl>
-                    <p:sldTgt/>
-                  </p:tgtEl>
-                </p:cond>
-              </p:nextCondLst>
-            </p:seq>
-          </p:childTnLst>
-        </p:cTn>
+        <p:cTn id="1" dur="indefinite" restart="never" nodeType="tmRoot"/>
       </p:par>
     </p:tnLst>
-    <p:bldLst>
-      <p:bldP spid="5" grpId="0" animBg="1"/>
-    </p:bldLst>
   </p:timing>
 </p:sld>
 </file>
@@ -10004,11 +9792,6 @@
               </a:rPr>
               <a:t>IHandler</a:t>
             </a:r>
-            <a:endParaRPr lang="da-DK" sz="4800" smtClean="0">
-              <a:solidFill>
-                <a:srgbClr val="FFFF00"/>
-              </a:solidFill>
-            </a:endParaRPr>
           </a:p>
         </p:txBody>
       </p:sp>
@@ -10055,7 +9838,6 @@
               <a:rPr lang="da-DK" sz="4800" smtClean="0"/>
               <a:t>Handler</a:t>
             </a:r>
-            <a:endParaRPr lang="da-DK" sz="4800" smtClean="0"/>
           </a:p>
         </p:txBody>
       </p:sp>
@@ -10109,99 +9891,24 @@
   <p:clrMapOvr>
     <a:masterClrMapping/>
   </p:clrMapOvr>
-  <mc:AlternateContent xmlns:mc="http://schemas.openxmlformats.org/markup-compatibility/2006" xmlns:p14="http://schemas.microsoft.com/office/powerpoint/2010/main">
-    <mc:Choice Requires="p14">
-      <p:transition p14:dur="0"/>
+  <mc:AlternateContent xmlns:mc="http://schemas.openxmlformats.org/markup-compatibility/2006">
+    <mc:Choice xmlns:p14="http://schemas.microsoft.com/office/powerpoint/2010/main" Requires="p14">
+      <p:transition spd="med" p14:dur="700">
+        <p:fade/>
+      </p:transition>
     </mc:Choice>
-    <mc:Fallback xmlns="">
-      <p:transition/>
+    <mc:Fallback>
+      <p:transition spd="med">
+        <p:fade/>
+      </p:transition>
     </mc:Fallback>
   </mc:AlternateContent>
   <p:timing>
     <p:tnLst>
       <p:par>
-        <p:cTn id="1" dur="indefinite" restart="never" nodeType="tmRoot">
-          <p:childTnLst>
-            <p:seq concurrent="1" nextAc="seek">
-              <p:cTn id="2" dur="indefinite" nodeType="mainSeq">
-                <p:childTnLst>
-                  <p:par>
-                    <p:cTn id="3" fill="hold">
-                      <p:stCondLst>
-                        <p:cond delay="indefinite"/>
-                      </p:stCondLst>
-                      <p:childTnLst>
-                        <p:par>
-                          <p:cTn id="4" fill="hold">
-                            <p:stCondLst>
-                              <p:cond delay="0"/>
-                            </p:stCondLst>
-                            <p:childTnLst>
-                              <p:par>
-                                <p:cTn id="5" presetID="10" presetClass="entr" presetSubtype="0" fill="hold" grpId="0" nodeType="clickEffect">
-                                  <p:stCondLst>
-                                    <p:cond delay="0"/>
-                                  </p:stCondLst>
-                                  <p:childTnLst>
-                                    <p:set>
-                                      <p:cBhvr>
-                                        <p:cTn id="6" dur="1" fill="hold">
-                                          <p:stCondLst>
-                                            <p:cond delay="0"/>
-                                          </p:stCondLst>
-                                        </p:cTn>
-                                        <p:tgtEl>
-                                          <p:spTgt spid="5"/>
-                                        </p:tgtEl>
-                                        <p:attrNameLst>
-                                          <p:attrName>style.visibility</p:attrName>
-                                        </p:attrNameLst>
-                                      </p:cBhvr>
-                                      <p:to>
-                                        <p:strVal val="visible"/>
-                                      </p:to>
-                                    </p:set>
-                                    <p:animEffect transition="in" filter="fade">
-                                      <p:cBhvr>
-                                        <p:cTn id="7" dur="500"/>
-                                        <p:tgtEl>
-                                          <p:spTgt spid="5"/>
-                                        </p:tgtEl>
-                                      </p:cBhvr>
-                                    </p:animEffect>
-                                  </p:childTnLst>
-                                </p:cTn>
-                              </p:par>
-                            </p:childTnLst>
-                          </p:cTn>
-                        </p:par>
-                      </p:childTnLst>
-                    </p:cTn>
-                  </p:par>
-                </p:childTnLst>
-              </p:cTn>
-              <p:prevCondLst>
-                <p:cond evt="onPrev" delay="0">
-                  <p:tgtEl>
-                    <p:sldTgt/>
-                  </p:tgtEl>
-                </p:cond>
-              </p:prevCondLst>
-              <p:nextCondLst>
-                <p:cond evt="onNext" delay="0">
-                  <p:tgtEl>
-                    <p:sldTgt/>
-                  </p:tgtEl>
-                </p:cond>
-              </p:nextCondLst>
-            </p:seq>
-          </p:childTnLst>
-        </p:cTn>
+        <p:cTn id="1" dur="indefinite" restart="never" nodeType="tmRoot"/>
       </p:par>
     </p:tnLst>
-    <p:bldLst>
-      <p:bldP spid="5" grpId="0" animBg="1"/>
-    </p:bldLst>
   </p:timing>
 </p:sld>
 </file>
@@ -10357,11 +10064,6 @@
               </a:rPr>
               <a:t>IHandler</a:t>
             </a:r>
-            <a:endParaRPr lang="da-DK" sz="4800" smtClean="0">
-              <a:solidFill>
-                <a:srgbClr val="FFFF00"/>
-              </a:solidFill>
-            </a:endParaRPr>
           </a:p>
         </p:txBody>
       </p:sp>
@@ -10408,7 +10110,6 @@
               <a:rPr lang="da-DK" sz="3200" smtClean="0"/>
               <a:t>HandlerA</a:t>
             </a:r>
-            <a:endParaRPr lang="da-DK" sz="3200" smtClean="0"/>
           </a:p>
         </p:txBody>
       </p:sp>
@@ -10495,7 +10196,6 @@
               <a:rPr lang="da-DK" sz="3200" smtClean="0"/>
               <a:t>HandlerB</a:t>
             </a:r>
-            <a:endParaRPr lang="da-DK" sz="3200" smtClean="0"/>
           </a:p>
         </p:txBody>
       </p:sp>
@@ -10542,7 +10242,6 @@
               <a:rPr lang="da-DK" sz="3200" smtClean="0"/>
               <a:t>HandlerC</a:t>
             </a:r>
-            <a:endParaRPr lang="da-DK" sz="3200" smtClean="0"/>
           </a:p>
         </p:txBody>
       </p:sp>
@@ -10589,7 +10288,6 @@
               <a:rPr lang="da-DK" sz="3200" smtClean="0"/>
               <a:t>HandlerD</a:t>
             </a:r>
-            <a:endParaRPr lang="da-DK" sz="3200" smtClean="0"/>
           </a:p>
         </p:txBody>
       </p:sp>
@@ -10841,99 +10539,24 @@
   <p:clrMapOvr>
     <a:masterClrMapping/>
   </p:clrMapOvr>
-  <mc:AlternateContent xmlns:mc="http://schemas.openxmlformats.org/markup-compatibility/2006" xmlns:p14="http://schemas.microsoft.com/office/powerpoint/2010/main">
-    <mc:Choice Requires="p14">
-      <p:transition p14:dur="0"/>
+  <mc:AlternateContent xmlns:mc="http://schemas.openxmlformats.org/markup-compatibility/2006">
+    <mc:Choice xmlns:p14="http://schemas.microsoft.com/office/powerpoint/2010/main" Requires="p14">
+      <p:transition spd="med" p14:dur="700">
+        <p:fade/>
+      </p:transition>
     </mc:Choice>
-    <mc:Fallback xmlns="">
-      <p:transition/>
+    <mc:Fallback>
+      <p:transition spd="med">
+        <p:fade/>
+      </p:transition>
     </mc:Fallback>
   </mc:AlternateContent>
   <p:timing>
     <p:tnLst>
       <p:par>
-        <p:cTn id="1" dur="indefinite" restart="never" nodeType="tmRoot">
-          <p:childTnLst>
-            <p:seq concurrent="1" nextAc="seek">
-              <p:cTn id="2" dur="indefinite" nodeType="mainSeq">
-                <p:childTnLst>
-                  <p:par>
-                    <p:cTn id="3" fill="hold">
-                      <p:stCondLst>
-                        <p:cond delay="indefinite"/>
-                      </p:stCondLst>
-                      <p:childTnLst>
-                        <p:par>
-                          <p:cTn id="4" fill="hold">
-                            <p:stCondLst>
-                              <p:cond delay="0"/>
-                            </p:stCondLst>
-                            <p:childTnLst>
-                              <p:par>
-                                <p:cTn id="5" presetID="10" presetClass="entr" presetSubtype="0" fill="hold" grpId="0" nodeType="clickEffect">
-                                  <p:stCondLst>
-                                    <p:cond delay="0"/>
-                                  </p:stCondLst>
-                                  <p:childTnLst>
-                                    <p:set>
-                                      <p:cBhvr>
-                                        <p:cTn id="6" dur="1" fill="hold">
-                                          <p:stCondLst>
-                                            <p:cond delay="0"/>
-                                          </p:stCondLst>
-                                        </p:cTn>
-                                        <p:tgtEl>
-                                          <p:spTgt spid="5"/>
-                                        </p:tgtEl>
-                                        <p:attrNameLst>
-                                          <p:attrName>style.visibility</p:attrName>
-                                        </p:attrNameLst>
-                                      </p:cBhvr>
-                                      <p:to>
-                                        <p:strVal val="visible"/>
-                                      </p:to>
-                                    </p:set>
-                                    <p:animEffect transition="in" filter="fade">
-                                      <p:cBhvr>
-                                        <p:cTn id="7" dur="500"/>
-                                        <p:tgtEl>
-                                          <p:spTgt spid="5"/>
-                                        </p:tgtEl>
-                                      </p:cBhvr>
-                                    </p:animEffect>
-                                  </p:childTnLst>
-                                </p:cTn>
-                              </p:par>
-                            </p:childTnLst>
-                          </p:cTn>
-                        </p:par>
-                      </p:childTnLst>
-                    </p:cTn>
-                  </p:par>
-                </p:childTnLst>
-              </p:cTn>
-              <p:prevCondLst>
-                <p:cond evt="onPrev" delay="0">
-                  <p:tgtEl>
-                    <p:sldTgt/>
-                  </p:tgtEl>
-                </p:cond>
-              </p:prevCondLst>
-              <p:nextCondLst>
-                <p:cond evt="onNext" delay="0">
-                  <p:tgtEl>
-                    <p:sldTgt/>
-                  </p:tgtEl>
-                </p:cond>
-              </p:nextCondLst>
-            </p:seq>
-          </p:childTnLst>
-        </p:cTn>
+        <p:cTn id="1" dur="indefinite" restart="never" nodeType="tmRoot"/>
       </p:par>
     </p:tnLst>
-    <p:bldLst>
-      <p:bldP spid="5" grpId="0" animBg="1"/>
-    </p:bldLst>
   </p:timing>
 </p:sld>
 </file>
@@ -10984,16 +10607,7 @@
                 </a:solidFill>
                 <a:latin typeface="Consolas" panose="020B0609020204030204" pitchFamily="49" charset="0"/>
               </a:rPr>
-              <a:t>public </a:t>
-            </a:r>
-            <a:r>
-              <a:rPr lang="da-DK" sz="2000" b="1" smtClean="0">
-                <a:solidFill>
-                  <a:srgbClr val="0070C0"/>
-                </a:solidFill>
-                <a:latin typeface="Consolas" panose="020B0609020204030204" pitchFamily="49" charset="0"/>
-              </a:rPr>
-              <a:t>abstract class </a:t>
+              <a:t>public abstract class </a:t>
             </a:r>
             <a:r>
               <a:rPr lang="da-DK" sz="2000" b="1" smtClean="0">
@@ -11255,19 +10869,7 @@
               <a:rPr lang="da-DK" sz="2000" b="1" smtClean="0">
                 <a:latin typeface="Consolas" panose="020B0609020204030204" pitchFamily="49" charset="0"/>
               </a:rPr>
-              <a:t> </a:t>
-            </a:r>
-            <a:r>
-              <a:rPr lang="da-DK" sz="2000" b="1" smtClean="0">
-                <a:latin typeface="Consolas" panose="020B0609020204030204" pitchFamily="49" charset="0"/>
-              </a:rPr>
-              <a:t>req</a:t>
-            </a:r>
-            <a:r>
-              <a:rPr lang="da-DK" sz="2000" b="1" smtClean="0">
-                <a:latin typeface="Consolas" panose="020B0609020204030204" pitchFamily="49" charset="0"/>
-              </a:rPr>
-              <a:t>);</a:t>
+              <a:t> req);</a:t>
             </a:r>
           </a:p>
           <a:p>
@@ -11326,9 +10928,6 @@
               </a:rPr>
               <a:t>req);</a:t>
             </a:r>
-            <a:endParaRPr lang="da-DK" sz="2000" b="1">
-              <a:latin typeface="Consolas" panose="020B0609020204030204" pitchFamily="49" charset="0"/>
-            </a:endParaRPr>
           </a:p>
           <a:p>
             <a:r>

--- a/CSharpProgramming/Presentations/OOProgPartIII/ChainOfResponsibility.pptx
+++ b/CSharpProgramming/Presentations/OOProgPartIII/ChainOfResponsibility.pptx
@@ -265,7 +265,7 @@
           <a:p>
             <a:fld id="{E15B7D8E-2A20-4C0E-991C-872DBB7459A8}" type="datetimeFigureOut">
               <a:rPr lang="da-DK" smtClean="0"/>
-              <a:t>13-04-2018</a:t>
+              <a:t>16-04-2018</a:t>
             </a:fld>
             <a:endParaRPr lang="da-DK"/>
           </a:p>
@@ -435,7 +435,7 @@
           <a:p>
             <a:fld id="{E15B7D8E-2A20-4C0E-991C-872DBB7459A8}" type="datetimeFigureOut">
               <a:rPr lang="da-DK" smtClean="0"/>
-              <a:t>13-04-2018</a:t>
+              <a:t>16-04-2018</a:t>
             </a:fld>
             <a:endParaRPr lang="da-DK"/>
           </a:p>
@@ -615,7 +615,7 @@
           <a:p>
             <a:fld id="{E15B7D8E-2A20-4C0E-991C-872DBB7459A8}" type="datetimeFigureOut">
               <a:rPr lang="da-DK" smtClean="0"/>
-              <a:t>13-04-2018</a:t>
+              <a:t>16-04-2018</a:t>
             </a:fld>
             <a:endParaRPr lang="da-DK"/>
           </a:p>
@@ -785,7 +785,7 @@
           <a:p>
             <a:fld id="{E15B7D8E-2A20-4C0E-991C-872DBB7459A8}" type="datetimeFigureOut">
               <a:rPr lang="da-DK" smtClean="0"/>
-              <a:t>13-04-2018</a:t>
+              <a:t>16-04-2018</a:t>
             </a:fld>
             <a:endParaRPr lang="da-DK"/>
           </a:p>
@@ -1031,7 +1031,7 @@
           <a:p>
             <a:fld id="{E15B7D8E-2A20-4C0E-991C-872DBB7459A8}" type="datetimeFigureOut">
               <a:rPr lang="da-DK" smtClean="0"/>
-              <a:t>13-04-2018</a:t>
+              <a:t>16-04-2018</a:t>
             </a:fld>
             <a:endParaRPr lang="da-DK"/>
           </a:p>
@@ -1263,7 +1263,7 @@
           <a:p>
             <a:fld id="{E15B7D8E-2A20-4C0E-991C-872DBB7459A8}" type="datetimeFigureOut">
               <a:rPr lang="da-DK" smtClean="0"/>
-              <a:t>13-04-2018</a:t>
+              <a:t>16-04-2018</a:t>
             </a:fld>
             <a:endParaRPr lang="da-DK"/>
           </a:p>
@@ -1630,7 +1630,7 @@
           <a:p>
             <a:fld id="{E15B7D8E-2A20-4C0E-991C-872DBB7459A8}" type="datetimeFigureOut">
               <a:rPr lang="da-DK" smtClean="0"/>
-              <a:t>13-04-2018</a:t>
+              <a:t>16-04-2018</a:t>
             </a:fld>
             <a:endParaRPr lang="da-DK"/>
           </a:p>
@@ -1748,7 +1748,7 @@
           <a:p>
             <a:fld id="{E15B7D8E-2A20-4C0E-991C-872DBB7459A8}" type="datetimeFigureOut">
               <a:rPr lang="da-DK" smtClean="0"/>
-              <a:t>13-04-2018</a:t>
+              <a:t>16-04-2018</a:t>
             </a:fld>
             <a:endParaRPr lang="da-DK"/>
           </a:p>
@@ -1843,7 +1843,7 @@
           <a:p>
             <a:fld id="{E15B7D8E-2A20-4C0E-991C-872DBB7459A8}" type="datetimeFigureOut">
               <a:rPr lang="da-DK" smtClean="0"/>
-              <a:t>13-04-2018</a:t>
+              <a:t>16-04-2018</a:t>
             </a:fld>
             <a:endParaRPr lang="da-DK"/>
           </a:p>
@@ -2120,7 +2120,7 @@
           <a:p>
             <a:fld id="{E15B7D8E-2A20-4C0E-991C-872DBB7459A8}" type="datetimeFigureOut">
               <a:rPr lang="da-DK" smtClean="0"/>
-              <a:t>13-04-2018</a:t>
+              <a:t>16-04-2018</a:t>
             </a:fld>
             <a:endParaRPr lang="da-DK"/>
           </a:p>
@@ -2373,7 +2373,7 @@
           <a:p>
             <a:fld id="{E15B7D8E-2A20-4C0E-991C-872DBB7459A8}" type="datetimeFigureOut">
               <a:rPr lang="da-DK" smtClean="0"/>
-              <a:t>13-04-2018</a:t>
+              <a:t>16-04-2018</a:t>
             </a:fld>
             <a:endParaRPr lang="da-DK"/>
           </a:p>
@@ -2586,7 +2586,7 @@
           <a:p>
             <a:fld id="{E15B7D8E-2A20-4C0E-991C-872DBB7459A8}" type="datetimeFigureOut">
               <a:rPr lang="da-DK" smtClean="0"/>
-              <a:t>13-04-2018</a:t>
+              <a:t>16-04-2018</a:t>
             </a:fld>
             <a:endParaRPr lang="da-DK"/>
           </a:p>
@@ -3449,8 +3449,11 @@
           </a:prstGeom>
           <a:ln w="76200">
             <a:solidFill>
-              <a:schemeClr val="tx1"/>
+              <a:schemeClr val="bg1">
+                <a:lumMod val="50000"/>
+              </a:schemeClr>
             </a:solidFill>
+            <a:prstDash val="sysDot"/>
             <a:headEnd w="lg" len="lg"/>
             <a:tailEnd type="arrow" w="lg" len="lg"/>
           </a:ln>
@@ -3620,11 +3623,11 @@
   <p:clrMapOvr>
     <a:masterClrMapping/>
   </p:clrMapOvr>
-  <mc:AlternateContent xmlns:mc="http://schemas.openxmlformats.org/markup-compatibility/2006">
-    <mc:Choice xmlns:p14="http://schemas.microsoft.com/office/powerpoint/2010/main" Requires="p14">
+  <mc:AlternateContent xmlns:mc="http://schemas.openxmlformats.org/markup-compatibility/2006" xmlns:p14="http://schemas.microsoft.com/office/powerpoint/2010/main">
+    <mc:Choice Requires="p14">
       <p:transition p14:dur="10"/>
     </mc:Choice>
-    <mc:Fallback>
+    <mc:Fallback xmlns="">
       <p:transition/>
     </mc:Fallback>
   </mc:AlternateContent>
@@ -3805,8 +3808,11 @@
           </a:prstGeom>
           <a:ln w="76200">
             <a:solidFill>
-              <a:schemeClr val="tx1"/>
+              <a:schemeClr val="bg1">
+                <a:lumMod val="50000"/>
+              </a:schemeClr>
             </a:solidFill>
+            <a:prstDash val="sysDot"/>
             <a:headEnd w="lg" len="lg"/>
             <a:tailEnd type="arrow" w="lg" len="lg"/>
           </a:ln>
@@ -4148,13 +4154,13 @@
   <p:clrMapOvr>
     <a:masterClrMapping/>
   </p:clrMapOvr>
-  <mc:AlternateContent xmlns:mc="http://schemas.openxmlformats.org/markup-compatibility/2006">
-    <mc:Choice xmlns:p14="http://schemas.microsoft.com/office/powerpoint/2010/main" Requires="p14">
+  <mc:AlternateContent xmlns:mc="http://schemas.openxmlformats.org/markup-compatibility/2006" xmlns:p14="http://schemas.microsoft.com/office/powerpoint/2010/main">
+    <mc:Choice Requires="p14">
       <p:transition spd="med" p14:dur="700">
         <p:fade/>
       </p:transition>
     </mc:Choice>
-    <mc:Fallback>
+    <mc:Fallback xmlns="">
       <p:transition spd="med">
         <p:fade/>
       </p:transition>
@@ -5447,13 +5453,7 @@
               <a:rPr lang="da-DK" sz="2000" b="1" smtClean="0">
                 <a:latin typeface="Consolas" panose="020B0609020204030204" pitchFamily="49" charset="0"/>
               </a:rPr>
-              <a:t>name</a:t>
-            </a:r>
-            <a:r>
-              <a:rPr lang="da-DK" sz="2000" b="1" smtClean="0">
-                <a:latin typeface="Consolas" panose="020B0609020204030204" pitchFamily="49" charset="0"/>
-              </a:rPr>
-              <a:t>, </a:t>
+              <a:t>name, </a:t>
             </a:r>
             <a:r>
               <a:rPr lang="da-DK" sz="2000" b="1">
@@ -5470,17 +5470,8 @@
               <a:rPr lang="da-DK" sz="2000" b="1" smtClean="0">
                 <a:latin typeface="Consolas" panose="020B0609020204030204" pitchFamily="49" charset="0"/>
               </a:rPr>
-              <a:t>nextHandler</a:t>
-            </a:r>
-            <a:r>
-              <a:rPr lang="da-DK" sz="2000" b="1" smtClean="0">
-                <a:latin typeface="Consolas" panose="020B0609020204030204" pitchFamily="49" charset="0"/>
-              </a:rPr>
-              <a:t>,</a:t>
-            </a:r>
-            <a:endParaRPr lang="da-DK" sz="2000" b="1" smtClean="0">
-              <a:latin typeface="Consolas" panose="020B0609020204030204" pitchFamily="49" charset="0"/>
-            </a:endParaRPr>
+              <a:t>nextHandler,</a:t>
+            </a:r>
           </a:p>
           <a:p>
             <a:r>
@@ -6353,13 +6344,7 @@
               <a:rPr lang="da-DK" sz="2000" b="1" smtClean="0">
                 <a:latin typeface="Consolas" panose="020B0609020204030204" pitchFamily="49" charset="0"/>
               </a:rPr>
-              <a:t>   </a:t>
-            </a:r>
-            <a:r>
-              <a:rPr lang="da-DK" sz="2000" b="1" smtClean="0">
-                <a:latin typeface="Consolas" panose="020B0609020204030204" pitchFamily="49" charset="0"/>
-              </a:rPr>
-              <a:t>}</a:t>
+              <a:t>   }</a:t>
             </a:r>
             <a:endParaRPr lang="da-DK" sz="2000" b="1">
               <a:latin typeface="Consolas" panose="020B0609020204030204" pitchFamily="49" charset="0"/>
@@ -6372,9 +6357,6 @@
               </a:rPr>
               <a:t>}</a:t>
             </a:r>
-            <a:endParaRPr lang="da-DK" sz="2000" b="1" smtClean="0">
-              <a:latin typeface="Consolas" panose="020B0609020204030204" pitchFamily="49" charset="0"/>
-            </a:endParaRPr>
           </a:p>
         </p:txBody>
       </p:sp>
@@ -8064,28 +8046,13 @@
               </a:rPr>
               <a:t>);</a:t>
             </a:r>
-            <a:endParaRPr lang="en-US" sz="2400" b="1" smtClean="0">
-              <a:latin typeface="Consolas" panose="020B0609020204030204" pitchFamily="49" charset="0"/>
-            </a:endParaRPr>
-          </a:p>
-          <a:p>
-            <a:r>
-              <a:rPr lang="da-DK" sz="2400" b="1" smtClean="0">
-                <a:latin typeface="Consolas" panose="020B0609020204030204" pitchFamily="49" charset="0"/>
-              </a:rPr>
-              <a:t>   </a:t>
-            </a:r>
-            <a:r>
-              <a:rPr lang="da-DK" sz="2400" b="1" smtClean="0">
-                <a:latin typeface="Consolas" panose="020B0609020204030204" pitchFamily="49" charset="0"/>
-              </a:rPr>
-              <a:t>c.SubmitRequest(req</a:t>
-            </a:r>
-            <a:r>
-              <a:rPr lang="da-DK" sz="2400" b="1" smtClean="0">
-                <a:latin typeface="Consolas" panose="020B0609020204030204" pitchFamily="49" charset="0"/>
-              </a:rPr>
-              <a:t>);</a:t>
+          </a:p>
+          <a:p>
+            <a:r>
+              <a:rPr lang="da-DK" sz="2400" b="1" smtClean="0">
+                <a:latin typeface="Consolas" panose="020B0609020204030204" pitchFamily="49" charset="0"/>
+              </a:rPr>
+              <a:t>   c.SubmitRequest(req);</a:t>
             </a:r>
             <a:endParaRPr lang="en-US" sz="2400" b="1">
               <a:latin typeface="Consolas" panose="020B0609020204030204" pitchFamily="49" charset="0"/>
@@ -8576,8 +8543,11 @@
           </a:prstGeom>
           <a:ln w="76200">
             <a:solidFill>
-              <a:schemeClr val="tx1"/>
+              <a:schemeClr val="bg1">
+                <a:lumMod val="50000"/>
+              </a:schemeClr>
             </a:solidFill>
+            <a:prstDash val="sysDot"/>
             <a:headEnd w="lg" len="lg"/>
             <a:tailEnd type="arrow" w="lg" len="lg"/>
           </a:ln>
@@ -8607,13 +8577,13 @@
   <p:clrMapOvr>
     <a:masterClrMapping/>
   </p:clrMapOvr>
-  <mc:AlternateContent xmlns:mc="http://schemas.openxmlformats.org/markup-compatibility/2006">
-    <mc:Choice xmlns:p14="http://schemas.microsoft.com/office/powerpoint/2010/main" Requires="p14">
+  <mc:AlternateContent xmlns:mc="http://schemas.openxmlformats.org/markup-compatibility/2006" xmlns:p14="http://schemas.microsoft.com/office/powerpoint/2010/main">
+    <mc:Choice Requires="p14">
       <p:transition spd="med" p14:dur="700">
         <p:fade/>
       </p:transition>
     </mc:Choice>
-    <mc:Fallback>
+    <mc:Fallback xmlns="">
       <p:transition spd="med">
         <p:fade/>
       </p:transition>
@@ -9411,8 +9381,11 @@
           </a:prstGeom>
           <a:ln w="76200">
             <a:solidFill>
-              <a:schemeClr val="tx1"/>
+              <a:schemeClr val="bg1">
+                <a:lumMod val="50000"/>
+              </a:schemeClr>
             </a:solidFill>
+            <a:prstDash val="sysDot"/>
             <a:headEnd w="lg" len="lg"/>
             <a:tailEnd type="arrow" w="lg" len="lg"/>
           </a:ln>
@@ -9722,8 +9695,11 @@
           </a:prstGeom>
           <a:ln w="76200">
             <a:solidFill>
-              <a:schemeClr val="tx1"/>
+              <a:schemeClr val="bg1">
+                <a:lumMod val="50000"/>
+              </a:schemeClr>
             </a:solidFill>
+            <a:prstDash val="sysDot"/>
             <a:headEnd w="lg" len="lg"/>
             <a:tailEnd type="arrow" w="lg" len="lg"/>
           </a:ln>
@@ -9891,13 +9867,13 @@
   <p:clrMapOvr>
     <a:masterClrMapping/>
   </p:clrMapOvr>
-  <mc:AlternateContent xmlns:mc="http://schemas.openxmlformats.org/markup-compatibility/2006">
-    <mc:Choice xmlns:p14="http://schemas.microsoft.com/office/powerpoint/2010/main" Requires="p14">
+  <mc:AlternateContent xmlns:mc="http://schemas.openxmlformats.org/markup-compatibility/2006" xmlns:p14="http://schemas.microsoft.com/office/powerpoint/2010/main">
+    <mc:Choice Requires="p14">
       <p:transition spd="med" p14:dur="700">
         <p:fade/>
       </p:transition>
     </mc:Choice>
-    <mc:Fallback>
+    <mc:Fallback xmlns="">
       <p:transition spd="med">
         <p:fade/>
       </p:transition>
@@ -9994,8 +9970,11 @@
           </a:prstGeom>
           <a:ln w="76200">
             <a:solidFill>
-              <a:schemeClr val="tx1"/>
+              <a:schemeClr val="bg1">
+                <a:lumMod val="50000"/>
+              </a:schemeClr>
             </a:solidFill>
+            <a:prstDash val="sysDot"/>
             <a:headEnd w="lg" len="lg"/>
             <a:tailEnd type="arrow" w="lg" len="lg"/>
           </a:ln>
@@ -10309,8 +10288,11 @@
           </a:prstGeom>
           <a:ln w="76200">
             <a:solidFill>
-              <a:schemeClr val="tx1"/>
+              <a:schemeClr val="bg1">
+                <a:lumMod val="75000"/>
+              </a:schemeClr>
             </a:solidFill>
+            <a:prstDash val="sysDot"/>
             <a:headEnd w="lg" len="lg"/>
             <a:tailEnd type="arrow" w="lg" len="lg"/>
           </a:ln>
@@ -10349,8 +10331,11 @@
           </a:prstGeom>
           <a:ln w="76200">
             <a:solidFill>
-              <a:schemeClr val="tx1"/>
+              <a:schemeClr val="bg1">
+                <a:lumMod val="75000"/>
+              </a:schemeClr>
             </a:solidFill>
+            <a:prstDash val="sysDot"/>
             <a:headEnd w="lg" len="lg"/>
             <a:tailEnd type="arrow" w="lg" len="lg"/>
           </a:ln>
@@ -10389,8 +10374,11 @@
           </a:prstGeom>
           <a:ln w="76200">
             <a:solidFill>
-              <a:schemeClr val="tx1"/>
+              <a:schemeClr val="bg1">
+                <a:lumMod val="75000"/>
+              </a:schemeClr>
             </a:solidFill>
+            <a:prstDash val="sysDot"/>
             <a:headEnd w="lg" len="lg"/>
             <a:tailEnd type="arrow" w="lg" len="lg"/>
           </a:ln>
@@ -10539,13 +10527,13 @@
   <p:clrMapOvr>
     <a:masterClrMapping/>
   </p:clrMapOvr>
-  <mc:AlternateContent xmlns:mc="http://schemas.openxmlformats.org/markup-compatibility/2006">
-    <mc:Choice xmlns:p14="http://schemas.microsoft.com/office/powerpoint/2010/main" Requires="p14">
+  <mc:AlternateContent xmlns:mc="http://schemas.openxmlformats.org/markup-compatibility/2006" xmlns:p14="http://schemas.microsoft.com/office/powerpoint/2010/main">
+    <mc:Choice Requires="p14">
       <p:transition spd="med" p14:dur="700">
         <p:fade/>
       </p:transition>
     </mc:Choice>
-    <mc:Fallback>
+    <mc:Fallback xmlns="">
       <p:transition spd="med">
         <p:fade/>
       </p:transition>

--- a/CSharpProgramming/Presentations/OOProgPartIII/ChainOfResponsibility.pptx
+++ b/CSharpProgramming/Presentations/OOProgPartIII/ChainOfResponsibility.pptx
@@ -8,7 +8,7 @@
     <p:sldId id="271" r:id="rId2"/>
     <p:sldId id="437" r:id="rId3"/>
     <p:sldId id="479" r:id="rId4"/>
-    <p:sldId id="436" r:id="rId5"/>
+    <p:sldId id="496" r:id="rId5"/>
     <p:sldId id="480" r:id="rId6"/>
     <p:sldId id="444" r:id="rId7"/>
     <p:sldId id="481" r:id="rId8"/>
@@ -24,10 +24,12 @@
     <p:sldId id="490" r:id="rId18"/>
     <p:sldId id="491" r:id="rId19"/>
     <p:sldId id="492" r:id="rId20"/>
-    <p:sldId id="456" r:id="rId21"/>
-    <p:sldId id="457" r:id="rId22"/>
-    <p:sldId id="493" r:id="rId23"/>
-    <p:sldId id="494" r:id="rId24"/>
+    <p:sldId id="497" r:id="rId21"/>
+    <p:sldId id="456" r:id="rId22"/>
+    <p:sldId id="457" r:id="rId23"/>
+    <p:sldId id="493" r:id="rId24"/>
+    <p:sldId id="494" r:id="rId25"/>
+    <p:sldId id="498" r:id="rId26"/>
   </p:sldIdLst>
   <p:sldSz cx="12192000" cy="6858000"/>
   <p:notesSz cx="6858000" cy="9144000"/>
@@ -6735,298 +6737,189 @@
       </p:grpSpPr>
       <p:sp>
         <p:nvSpPr>
-          <p:cNvPr id="3" name="Tekstfelt 2"/>
-          <p:cNvSpPr txBox="1"/>
+          <p:cNvPr id="4" name="Afrundet rektangel 3"/>
+          <p:cNvSpPr/>
           <p:nvPr/>
         </p:nvSpPr>
         <p:spPr>
           <a:xfrm>
-            <a:off x="962526" y="1012925"/>
-            <a:ext cx="10094495" cy="5262979"/>
+            <a:off x="1515924" y="2726949"/>
+            <a:ext cx="2400614" cy="1623012"/>
+          </a:xfrm>
+          <a:prstGeom prst="roundRect">
+            <a:avLst/>
+          </a:prstGeom>
+          <a:solidFill>
+            <a:schemeClr val="accent6">
+              <a:lumMod val="75000"/>
+            </a:schemeClr>
+          </a:solidFill>
+        </p:spPr>
+        <p:style>
+          <a:lnRef idx="2">
+            <a:schemeClr val="accent1">
+              <a:shade val="50000"/>
+            </a:schemeClr>
+          </a:lnRef>
+          <a:fillRef idx="1">
+            <a:schemeClr val="accent1"/>
+          </a:fillRef>
+          <a:effectRef idx="0">
+            <a:schemeClr val="accent1"/>
+          </a:effectRef>
+          <a:fontRef idx="minor">
+            <a:schemeClr val="lt1"/>
+          </a:fontRef>
+        </p:style>
+        <p:txBody>
+          <a:bodyPr rtlCol="0" anchor="t"/>
+          <a:lstStyle/>
+          <a:p>
+            <a:pPr algn="ctr"/>
+            <a:r>
+              <a:rPr lang="da-DK" sz="3600" smtClean="0"/>
+              <a:t>Client</a:t>
+            </a:r>
+          </a:p>
+        </p:txBody>
+      </p:sp>
+      <p:cxnSp>
+        <p:nvCxnSpPr>
+          <p:cNvPr id="16" name="Vinklet forbindelse 2"/>
+          <p:cNvCxnSpPr/>
+          <p:nvPr/>
+        </p:nvCxnSpPr>
+        <p:spPr>
+          <a:xfrm>
+            <a:off x="3916538" y="3538455"/>
+            <a:ext cx="1256985" cy="0"/>
+          </a:xfrm>
+          <a:prstGeom prst="straightConnector1">
+            <a:avLst/>
+          </a:prstGeom>
+          <a:ln w="76200">
+            <a:solidFill>
+              <a:schemeClr val="bg1">
+                <a:lumMod val="50000"/>
+              </a:schemeClr>
+            </a:solidFill>
+            <a:prstDash val="sysDot"/>
+            <a:headEnd w="lg" len="lg"/>
+            <a:tailEnd type="arrow" w="lg" len="lg"/>
+          </a:ln>
+        </p:spPr>
+        <p:style>
+          <a:lnRef idx="1">
+            <a:schemeClr val="accent1"/>
+          </a:lnRef>
+          <a:fillRef idx="0">
+            <a:schemeClr val="accent1"/>
+          </a:fillRef>
+          <a:effectRef idx="0">
+            <a:schemeClr val="accent1"/>
+          </a:effectRef>
+          <a:fontRef idx="minor">
+            <a:schemeClr val="tx1"/>
+          </a:fontRef>
+        </p:style>
+      </p:cxnSp>
+      <p:sp>
+        <p:nvSpPr>
+          <p:cNvPr id="5" name="Afrundet rektangel 4"/>
+          <p:cNvSpPr/>
+          <p:nvPr/>
+        </p:nvSpPr>
+        <p:spPr>
+          <a:xfrm>
+            <a:off x="5173523" y="3079406"/>
+            <a:ext cx="3347074" cy="918098"/>
+          </a:xfrm>
+          <a:prstGeom prst="roundRect">
+            <a:avLst/>
+          </a:prstGeom>
+          <a:solidFill>
+            <a:srgbClr val="0070C0">
+              <a:alpha val="40000"/>
+            </a:srgbClr>
+          </a:solidFill>
+        </p:spPr>
+        <p:style>
+          <a:lnRef idx="2">
+            <a:schemeClr val="accent1">
+              <a:shade val="50000"/>
+            </a:schemeClr>
+          </a:lnRef>
+          <a:fillRef idx="1">
+            <a:schemeClr val="accent1"/>
+          </a:fillRef>
+          <a:effectRef idx="0">
+            <a:schemeClr val="accent1"/>
+          </a:effectRef>
+          <a:fontRef idx="minor">
+            <a:schemeClr val="lt1"/>
+          </a:fontRef>
+        </p:style>
+        <p:txBody>
+          <a:bodyPr rtlCol="0" anchor="t"/>
+          <a:lstStyle/>
+          <a:p>
+            <a:pPr algn="ctr"/>
+            <a:r>
+              <a:rPr lang="da-DK" sz="4800" smtClean="0">
+                <a:solidFill>
+                  <a:srgbClr val="FFFF00"/>
+                </a:solidFill>
+              </a:rPr>
+              <a:t>IHandler</a:t>
+            </a:r>
+          </a:p>
+        </p:txBody>
+      </p:sp>
+      <p:pic>
+        <p:nvPicPr>
+          <p:cNvPr id="6" name="Picture 2" descr="Billedresultat for lab flask icon"/>
+          <p:cNvPicPr>
+            <a:picLocks noChangeAspect="1" noChangeArrowheads="1"/>
+          </p:cNvPicPr>
+          <p:nvPr/>
+        </p:nvPicPr>
+        <p:blipFill>
+          <a:blip r:embed="rId2" cstate="print">
+            <a:extLst>
+              <a:ext uri="{28A0092B-C50C-407E-A947-70E740481C1C}">
+                <a14:useLocalDpi xmlns:a14="http://schemas.microsoft.com/office/drawing/2010/main" val="0"/>
+              </a:ext>
+            </a:extLst>
+          </a:blip>
+          <a:srcRect/>
+          <a:stretch>
+            <a:fillRect/>
+          </a:stretch>
+        </p:blipFill>
+        <p:spPr bwMode="auto">
+          <a:xfrm>
+            <a:off x="9987446" y="2305037"/>
+            <a:ext cx="1800000" cy="1800000"/>
           </a:xfrm>
           <a:prstGeom prst="rect">
             <a:avLst/>
           </a:prstGeom>
           <a:noFill/>
+          <a:extLst>
+            <a:ext uri="{909E8E84-426E-40DD-AFC4-6F175D3DCCD1}">
+              <a14:hiddenFill xmlns:a14="http://schemas.microsoft.com/office/drawing/2010/main">
+                <a:solidFill>
+                  <a:srgbClr val="FFFFFF"/>
+                </a:solidFill>
+              </a14:hiddenFill>
+            </a:ext>
+          </a:extLst>
         </p:spPr>
-        <p:txBody>
-          <a:bodyPr wrap="square" rtlCol="0">
-            <a:spAutoFit/>
-          </a:bodyPr>
-          <a:lstStyle/>
-          <a:p>
-            <a:r>
-              <a:rPr lang="da-DK" sz="2400" b="1" smtClean="0">
-                <a:solidFill>
-                  <a:srgbClr val="0070C0"/>
-                </a:solidFill>
-                <a:latin typeface="Consolas" panose="020B0609020204030204" pitchFamily="49" charset="0"/>
-              </a:rPr>
-              <a:t>public </a:t>
-            </a:r>
-            <a:r>
-              <a:rPr lang="da-DK" sz="2400" b="1">
-                <a:solidFill>
-                  <a:srgbClr val="0070C0"/>
-                </a:solidFill>
-                <a:latin typeface="Consolas" panose="020B0609020204030204" pitchFamily="49" charset="0"/>
-              </a:rPr>
-              <a:t>class </a:t>
-            </a:r>
-            <a:r>
-              <a:rPr lang="da-DK" sz="2400" b="1" smtClean="0">
-                <a:solidFill>
-                  <a:schemeClr val="accent6">
-                    <a:lumMod val="75000"/>
-                  </a:schemeClr>
-                </a:solidFill>
-                <a:latin typeface="Consolas" panose="020B0609020204030204" pitchFamily="49" charset="0"/>
-              </a:rPr>
-              <a:t>Client</a:t>
-            </a:r>
-            <a:endParaRPr lang="da-DK" sz="2400" b="1">
-              <a:latin typeface="Consolas" panose="020B0609020204030204" pitchFamily="49" charset="0"/>
-            </a:endParaRPr>
-          </a:p>
-          <a:p>
-            <a:r>
-              <a:rPr lang="da-DK" sz="2400" b="1" smtClean="0">
-                <a:latin typeface="Consolas" panose="020B0609020204030204" pitchFamily="49" charset="0"/>
-              </a:rPr>
-              <a:t>{</a:t>
-            </a:r>
-          </a:p>
-          <a:p>
-            <a:r>
-              <a:rPr lang="da-DK" sz="2400" b="1" smtClean="0">
-                <a:latin typeface="Consolas" panose="020B0609020204030204" pitchFamily="49" charset="0"/>
-              </a:rPr>
-              <a:t>   </a:t>
-            </a:r>
-            <a:r>
-              <a:rPr lang="da-DK" sz="2400" b="1">
-                <a:solidFill>
-                  <a:srgbClr val="0070C0"/>
-                </a:solidFill>
-                <a:latin typeface="Consolas" panose="020B0609020204030204" pitchFamily="49" charset="0"/>
-              </a:rPr>
-              <a:t>private</a:t>
-            </a:r>
-            <a:r>
-              <a:rPr lang="da-DK" sz="2400" b="1" smtClean="0">
-                <a:latin typeface="Consolas" panose="020B0609020204030204" pitchFamily="49" charset="0"/>
-              </a:rPr>
-              <a:t> </a:t>
-            </a:r>
-            <a:r>
-              <a:rPr lang="da-DK" sz="2400" b="1" smtClean="0">
-                <a:solidFill>
-                  <a:schemeClr val="accent6">
-                    <a:lumMod val="75000"/>
-                  </a:schemeClr>
-                </a:solidFill>
-                <a:latin typeface="Consolas" panose="020B0609020204030204" pitchFamily="49" charset="0"/>
-              </a:rPr>
-              <a:t>IHandler</a:t>
-            </a:r>
-            <a:r>
-              <a:rPr lang="da-DK" sz="2400" b="1" smtClean="0">
-                <a:latin typeface="Consolas" panose="020B0609020204030204" pitchFamily="49" charset="0"/>
-              </a:rPr>
-              <a:t> _handler;</a:t>
-            </a:r>
-            <a:endParaRPr lang="da-DK" sz="2400" b="1">
-              <a:latin typeface="Consolas" panose="020B0609020204030204" pitchFamily="49" charset="0"/>
-            </a:endParaRPr>
-          </a:p>
-          <a:p>
-            <a:endParaRPr lang="da-DK" sz="2400" b="1">
-              <a:latin typeface="Consolas" panose="020B0609020204030204" pitchFamily="49" charset="0"/>
-            </a:endParaRPr>
-          </a:p>
-          <a:p>
-            <a:r>
-              <a:rPr lang="da-DK" sz="2400" b="1" smtClean="0">
-                <a:latin typeface="Consolas" panose="020B0609020204030204" pitchFamily="49" charset="0"/>
-              </a:rPr>
-              <a:t>   </a:t>
-            </a:r>
-            <a:r>
-              <a:rPr lang="da-DK" sz="2400" b="1" smtClean="0">
-                <a:solidFill>
-                  <a:srgbClr val="0070C0"/>
-                </a:solidFill>
-                <a:latin typeface="Consolas" panose="020B0609020204030204" pitchFamily="49" charset="0"/>
-              </a:rPr>
-              <a:t>public</a:t>
-            </a:r>
-            <a:r>
-              <a:rPr lang="da-DK" sz="2400" b="1" smtClean="0">
-                <a:latin typeface="Consolas" panose="020B0609020204030204" pitchFamily="49" charset="0"/>
-              </a:rPr>
-              <a:t> Client(</a:t>
-            </a:r>
-            <a:r>
-              <a:rPr lang="da-DK" sz="2400" b="1">
-                <a:solidFill>
-                  <a:schemeClr val="accent6">
-                    <a:lumMod val="75000"/>
-                  </a:schemeClr>
-                </a:solidFill>
-                <a:latin typeface="Consolas" panose="020B0609020204030204" pitchFamily="49" charset="0"/>
-              </a:rPr>
-              <a:t>IHandler</a:t>
-            </a:r>
-            <a:r>
-              <a:rPr lang="da-DK" sz="2400" b="1">
-                <a:latin typeface="Consolas" panose="020B0609020204030204" pitchFamily="49" charset="0"/>
-              </a:rPr>
-              <a:t> </a:t>
-            </a:r>
-            <a:r>
-              <a:rPr lang="da-DK" sz="2400" b="1" smtClean="0">
-                <a:latin typeface="Consolas" panose="020B0609020204030204" pitchFamily="49" charset="0"/>
-              </a:rPr>
-              <a:t>handler</a:t>
-            </a:r>
-            <a:r>
-              <a:rPr lang="da-DK" sz="2400" b="1">
-                <a:latin typeface="Consolas" panose="020B0609020204030204" pitchFamily="49" charset="0"/>
-              </a:rPr>
-              <a:t>)</a:t>
-            </a:r>
-          </a:p>
-          <a:p>
-            <a:r>
-              <a:rPr lang="da-DK" sz="2400" b="1" smtClean="0">
-                <a:latin typeface="Consolas" panose="020B0609020204030204" pitchFamily="49" charset="0"/>
-              </a:rPr>
-              <a:t>   {</a:t>
-            </a:r>
-          </a:p>
-          <a:p>
-            <a:r>
-              <a:rPr lang="da-DK" sz="2400" b="1" smtClean="0">
-                <a:latin typeface="Consolas" panose="020B0609020204030204" pitchFamily="49" charset="0"/>
-              </a:rPr>
-              <a:t>      _handler = handler;</a:t>
-            </a:r>
-            <a:endParaRPr lang="da-DK" sz="2400" b="1">
-              <a:latin typeface="Consolas" panose="020B0609020204030204" pitchFamily="49" charset="0"/>
-            </a:endParaRPr>
-          </a:p>
-          <a:p>
-            <a:r>
-              <a:rPr lang="da-DK" sz="2400" b="1" smtClean="0">
-                <a:latin typeface="Consolas" panose="020B0609020204030204" pitchFamily="49" charset="0"/>
-              </a:rPr>
-              <a:t>   }</a:t>
-            </a:r>
-            <a:endParaRPr lang="da-DK" sz="2400" b="1">
-              <a:latin typeface="Consolas" panose="020B0609020204030204" pitchFamily="49" charset="0"/>
-            </a:endParaRPr>
-          </a:p>
-          <a:p>
-            <a:endParaRPr lang="da-DK" sz="2400" b="1" smtClean="0">
-              <a:latin typeface="Consolas" panose="020B0609020204030204" pitchFamily="49" charset="0"/>
-            </a:endParaRPr>
-          </a:p>
-          <a:p>
-            <a:r>
-              <a:rPr lang="da-DK" sz="2400" b="1">
-                <a:latin typeface="Consolas" panose="020B0609020204030204" pitchFamily="49" charset="0"/>
-              </a:rPr>
-              <a:t> </a:t>
-            </a:r>
-            <a:r>
-              <a:rPr lang="da-DK" sz="2400" b="1" smtClean="0">
-                <a:latin typeface="Consolas" panose="020B0609020204030204" pitchFamily="49" charset="0"/>
-              </a:rPr>
-              <a:t>  </a:t>
-            </a:r>
-            <a:r>
-              <a:rPr lang="da-DK" sz="2400" b="1" smtClean="0">
-                <a:solidFill>
-                  <a:srgbClr val="0070C0"/>
-                </a:solidFill>
-                <a:latin typeface="Consolas" panose="020B0609020204030204" pitchFamily="49" charset="0"/>
-              </a:rPr>
-              <a:t>public void</a:t>
-            </a:r>
-            <a:r>
-              <a:rPr lang="da-DK" sz="2400" b="1" smtClean="0">
-                <a:latin typeface="Consolas" panose="020B0609020204030204" pitchFamily="49" charset="0"/>
-              </a:rPr>
-              <a:t> SubmitRequest(</a:t>
-            </a:r>
-            <a:r>
-              <a:rPr lang="da-DK" sz="2400" b="1" smtClean="0">
-                <a:solidFill>
-                  <a:schemeClr val="accent6">
-                    <a:lumMod val="75000"/>
-                  </a:schemeClr>
-                </a:solidFill>
-                <a:latin typeface="Consolas" panose="020B0609020204030204" pitchFamily="49" charset="0"/>
-              </a:rPr>
-              <a:t>Request</a:t>
-            </a:r>
-            <a:r>
-              <a:rPr lang="da-DK" sz="2400" b="1" smtClean="0">
-                <a:latin typeface="Consolas" panose="020B0609020204030204" pitchFamily="49" charset="0"/>
-              </a:rPr>
-              <a:t> req)</a:t>
-            </a:r>
-            <a:endParaRPr lang="da-DK" sz="2400" b="1">
-              <a:latin typeface="Consolas" panose="020B0609020204030204" pitchFamily="49" charset="0"/>
-            </a:endParaRPr>
-          </a:p>
-          <a:p>
-            <a:r>
-              <a:rPr lang="da-DK" sz="2400" b="1">
-                <a:latin typeface="Consolas" panose="020B0609020204030204" pitchFamily="49" charset="0"/>
-              </a:rPr>
-              <a:t>   {</a:t>
-            </a:r>
-          </a:p>
-          <a:p>
-            <a:r>
-              <a:rPr lang="da-DK" sz="2400" b="1">
-                <a:latin typeface="Consolas" panose="020B0609020204030204" pitchFamily="49" charset="0"/>
-              </a:rPr>
-              <a:t>      _</a:t>
-            </a:r>
-            <a:r>
-              <a:rPr lang="da-DK" sz="2400" b="1" smtClean="0">
-                <a:latin typeface="Consolas" panose="020B0609020204030204" pitchFamily="49" charset="0"/>
-              </a:rPr>
-              <a:t>handler.Handle(req);</a:t>
-            </a:r>
-            <a:endParaRPr lang="da-DK" sz="2400" b="1">
-              <a:latin typeface="Consolas" panose="020B0609020204030204" pitchFamily="49" charset="0"/>
-            </a:endParaRPr>
-          </a:p>
-          <a:p>
-            <a:r>
-              <a:rPr lang="da-DK" sz="2400" b="1">
-                <a:latin typeface="Consolas" panose="020B0609020204030204" pitchFamily="49" charset="0"/>
-              </a:rPr>
-              <a:t>   }</a:t>
-            </a:r>
-          </a:p>
-          <a:p>
-            <a:r>
-              <a:rPr lang="da-DK" sz="2400" b="1" smtClean="0">
-                <a:latin typeface="Consolas" panose="020B0609020204030204" pitchFamily="49" charset="0"/>
-              </a:rPr>
-              <a:t>}</a:t>
-            </a:r>
-          </a:p>
-        </p:txBody>
-      </p:sp>
+      </p:pic>
     </p:spTree>
     <p:extLst>
       <p:ext uri="{BB962C8B-B14F-4D97-AF65-F5344CB8AC3E}">
-        <p14:creationId xmlns:p14="http://schemas.microsoft.com/office/powerpoint/2010/main" val="4172458716"/>
+        <p14:creationId xmlns:p14="http://schemas.microsoft.com/office/powerpoint/2010/main" val="1920012825"/>
       </p:ext>
     </p:extLst>
   </p:cSld>
@@ -7077,7 +6970,7 @@
         <p:spPr>
           <a:xfrm>
             <a:off x="962526" y="1012925"/>
-            <a:ext cx="10094495" cy="2308324"/>
+            <a:ext cx="10094495" cy="5262979"/>
           </a:xfrm>
           <a:prstGeom prst="rect">
             <a:avLst/>
@@ -7117,7 +7010,7 @@
                 </a:solidFill>
                 <a:latin typeface="Consolas" panose="020B0609020204030204" pitchFamily="49" charset="0"/>
               </a:rPr>
-              <a:t>Configurator</a:t>
+              <a:t>Client</a:t>
             </a:r>
             <a:endParaRPr lang="da-DK" sz="2400" b="1">
               <a:latin typeface="Consolas" panose="020B0609020204030204" pitchFamily="49" charset="0"/>
@@ -7134,12 +7027,18 @@
           <a:p>
             <a:r>
               <a:rPr lang="da-DK" sz="2400" b="1" smtClean="0">
+                <a:latin typeface="Consolas" panose="020B0609020204030204" pitchFamily="49" charset="0"/>
+              </a:rPr>
+              <a:t>   </a:t>
+            </a:r>
+            <a:r>
+              <a:rPr lang="da-DK" sz="2400" b="1">
                 <a:solidFill>
                   <a:srgbClr val="0070C0"/>
                 </a:solidFill>
                 <a:latin typeface="Consolas" panose="020B0609020204030204" pitchFamily="49" charset="0"/>
               </a:rPr>
-              <a:t>   public</a:t>
+              <a:t>private</a:t>
             </a:r>
             <a:r>
               <a:rPr lang="da-DK" sz="2400" b="1" smtClean="0">
@@ -7160,98 +7059,202 @@
             </a:r>
             <a:r>
               <a:rPr lang="da-DK" sz="2400" b="1" smtClean="0">
-                <a:solidFill>
-                  <a:srgbClr val="0070C0"/>
-                </a:solidFill>
-                <a:latin typeface="Consolas" panose="020B0609020204030204" pitchFamily="49" charset="0"/>
-              </a:rPr>
-              <a:t> </a:t>
-            </a:r>
-            <a:r>
-              <a:rPr lang="da-DK" sz="2400" b="1" smtClean="0">
-                <a:latin typeface="Consolas" panose="020B0609020204030204" pitchFamily="49" charset="0"/>
-              </a:rPr>
-              <a:t>Setup() </a:t>
-            </a:r>
-            <a:r>
-              <a:rPr lang="da-DK" sz="2400" b="1">
-                <a:latin typeface="Consolas" panose="020B0609020204030204" pitchFamily="49" charset="0"/>
-              </a:rPr>
-              <a:t>{…}</a:t>
-            </a:r>
-          </a:p>
-          <a:p>
-            <a:r>
-              <a:rPr lang="da-DK" sz="2400" b="1" smtClean="0">
-                <a:latin typeface="Consolas" panose="020B0609020204030204" pitchFamily="49" charset="0"/>
-              </a:rPr>
-              <a:t>   </a:t>
-            </a:r>
-            <a:r>
-              <a:rPr lang="da-DK" sz="2400" b="1" smtClean="0">
-                <a:solidFill>
-                  <a:srgbClr val="0070C0"/>
-                </a:solidFill>
-                <a:latin typeface="Consolas" panose="020B0609020204030204" pitchFamily="49" charset="0"/>
-              </a:rPr>
-              <a:t>public</a:t>
-            </a:r>
-            <a:r>
-              <a:rPr lang="da-DK" sz="2400" b="1" smtClean="0">
-                <a:latin typeface="Consolas" panose="020B0609020204030204" pitchFamily="49" charset="0"/>
-              </a:rPr>
-              <a:t> </a:t>
-            </a:r>
-            <a:r>
-              <a:rPr lang="da-DK" sz="2400" b="1" smtClean="0">
-                <a:solidFill>
-                  <a:srgbClr val="0070C0"/>
-                </a:solidFill>
-                <a:latin typeface="Consolas" panose="020B0609020204030204" pitchFamily="49" charset="0"/>
-              </a:rPr>
-              <a:t>void </a:t>
-            </a:r>
-            <a:r>
-              <a:rPr lang="da-DK" sz="2400" b="1" smtClean="0">
-                <a:latin typeface="Consolas" panose="020B0609020204030204" pitchFamily="49" charset="0"/>
-              </a:rPr>
-              <a:t>Run()</a:t>
-            </a:r>
-            <a:r>
-              <a:rPr lang="da-DK" sz="2400" b="1">
-                <a:latin typeface="Consolas" panose="020B0609020204030204" pitchFamily="49" charset="0"/>
-              </a:rPr>
-              <a:t> </a:t>
-            </a:r>
-            <a:r>
-              <a:rPr lang="da-DK" sz="2400" b="1" smtClean="0">
-                <a:latin typeface="Consolas" panose="020B0609020204030204" pitchFamily="49" charset="0"/>
-              </a:rPr>
-              <a:t>{…}</a:t>
+                <a:latin typeface="Consolas" panose="020B0609020204030204" pitchFamily="49" charset="0"/>
+              </a:rPr>
+              <a:t> _handler;</a:t>
             </a:r>
             <a:endParaRPr lang="da-DK" sz="2400" b="1">
               <a:latin typeface="Consolas" panose="020B0609020204030204" pitchFamily="49" charset="0"/>
             </a:endParaRPr>
           </a:p>
           <a:p>
-            <a:r>
-              <a:rPr lang="da-DK" sz="2400" b="1" smtClean="0">
-                <a:latin typeface="Consolas" panose="020B0609020204030204" pitchFamily="49" charset="0"/>
-              </a:rPr>
-              <a:t>}</a:t>
-            </a:r>
-          </a:p>
-          <a:p>
             <a:endParaRPr lang="da-DK" sz="2400" b="1">
               <a:latin typeface="Consolas" panose="020B0609020204030204" pitchFamily="49" charset="0"/>
             </a:endParaRPr>
           </a:p>
+          <a:p>
+            <a:r>
+              <a:rPr lang="da-DK" sz="2400" b="1" smtClean="0">
+                <a:latin typeface="Consolas" panose="020B0609020204030204" pitchFamily="49" charset="0"/>
+              </a:rPr>
+              <a:t>   </a:t>
+            </a:r>
+            <a:r>
+              <a:rPr lang="da-DK" sz="2400" b="1" smtClean="0">
+                <a:solidFill>
+                  <a:srgbClr val="0070C0"/>
+                </a:solidFill>
+                <a:latin typeface="Consolas" panose="020B0609020204030204" pitchFamily="49" charset="0"/>
+              </a:rPr>
+              <a:t>public</a:t>
+            </a:r>
+            <a:r>
+              <a:rPr lang="da-DK" sz="2400" b="1" smtClean="0">
+                <a:latin typeface="Consolas" panose="020B0609020204030204" pitchFamily="49" charset="0"/>
+              </a:rPr>
+              <a:t> Client(</a:t>
+            </a:r>
+            <a:r>
+              <a:rPr lang="da-DK" sz="2400" b="1">
+                <a:solidFill>
+                  <a:schemeClr val="accent6">
+                    <a:lumMod val="75000"/>
+                  </a:schemeClr>
+                </a:solidFill>
+                <a:latin typeface="Consolas" panose="020B0609020204030204" pitchFamily="49" charset="0"/>
+              </a:rPr>
+              <a:t>IHandler</a:t>
+            </a:r>
+            <a:r>
+              <a:rPr lang="da-DK" sz="2400" b="1">
+                <a:latin typeface="Consolas" panose="020B0609020204030204" pitchFamily="49" charset="0"/>
+              </a:rPr>
+              <a:t> </a:t>
+            </a:r>
+            <a:r>
+              <a:rPr lang="da-DK" sz="2400" b="1" smtClean="0">
+                <a:latin typeface="Consolas" panose="020B0609020204030204" pitchFamily="49" charset="0"/>
+              </a:rPr>
+              <a:t>handler</a:t>
+            </a:r>
+            <a:r>
+              <a:rPr lang="da-DK" sz="2400" b="1">
+                <a:latin typeface="Consolas" panose="020B0609020204030204" pitchFamily="49" charset="0"/>
+              </a:rPr>
+              <a:t>)</a:t>
+            </a:r>
+          </a:p>
+          <a:p>
+            <a:r>
+              <a:rPr lang="da-DK" sz="2400" b="1" smtClean="0">
+                <a:latin typeface="Consolas" panose="020B0609020204030204" pitchFamily="49" charset="0"/>
+              </a:rPr>
+              <a:t>   {</a:t>
+            </a:r>
+          </a:p>
+          <a:p>
+            <a:r>
+              <a:rPr lang="da-DK" sz="2400" b="1" smtClean="0">
+                <a:latin typeface="Consolas" panose="020B0609020204030204" pitchFamily="49" charset="0"/>
+              </a:rPr>
+              <a:t>      _handler = handler;</a:t>
+            </a:r>
+            <a:endParaRPr lang="da-DK" sz="2400" b="1">
+              <a:latin typeface="Consolas" panose="020B0609020204030204" pitchFamily="49" charset="0"/>
+            </a:endParaRPr>
+          </a:p>
+          <a:p>
+            <a:r>
+              <a:rPr lang="da-DK" sz="2400" b="1" smtClean="0">
+                <a:latin typeface="Consolas" panose="020B0609020204030204" pitchFamily="49" charset="0"/>
+              </a:rPr>
+              <a:t>   }</a:t>
+            </a:r>
+            <a:endParaRPr lang="da-DK" sz="2400" b="1">
+              <a:latin typeface="Consolas" panose="020B0609020204030204" pitchFamily="49" charset="0"/>
+            </a:endParaRPr>
+          </a:p>
+          <a:p>
+            <a:endParaRPr lang="da-DK" sz="2400" b="1" smtClean="0">
+              <a:latin typeface="Consolas" panose="020B0609020204030204" pitchFamily="49" charset="0"/>
+            </a:endParaRPr>
+          </a:p>
+          <a:p>
+            <a:r>
+              <a:rPr lang="da-DK" sz="2400" b="1">
+                <a:latin typeface="Consolas" panose="020B0609020204030204" pitchFamily="49" charset="0"/>
+              </a:rPr>
+              <a:t> </a:t>
+            </a:r>
+            <a:r>
+              <a:rPr lang="da-DK" sz="2400" b="1" smtClean="0">
+                <a:latin typeface="Consolas" panose="020B0609020204030204" pitchFamily="49" charset="0"/>
+              </a:rPr>
+              <a:t>  </a:t>
+            </a:r>
+            <a:r>
+              <a:rPr lang="da-DK" sz="2400" b="1" smtClean="0">
+                <a:solidFill>
+                  <a:srgbClr val="0070C0"/>
+                </a:solidFill>
+                <a:latin typeface="Consolas" panose="020B0609020204030204" pitchFamily="49" charset="0"/>
+              </a:rPr>
+              <a:t>public void</a:t>
+            </a:r>
+            <a:r>
+              <a:rPr lang="da-DK" sz="2400" b="1" smtClean="0">
+                <a:latin typeface="Consolas" panose="020B0609020204030204" pitchFamily="49" charset="0"/>
+              </a:rPr>
+              <a:t> SubmitRequest(</a:t>
+            </a:r>
+            <a:r>
+              <a:rPr lang="da-DK" sz="2400" b="1" smtClean="0">
+                <a:solidFill>
+                  <a:schemeClr val="accent6">
+                    <a:lumMod val="75000"/>
+                  </a:schemeClr>
+                </a:solidFill>
+                <a:latin typeface="Consolas" panose="020B0609020204030204" pitchFamily="49" charset="0"/>
+              </a:rPr>
+              <a:t>Request</a:t>
+            </a:r>
+            <a:r>
+              <a:rPr lang="da-DK" sz="2400" b="1" smtClean="0">
+                <a:latin typeface="Consolas" panose="020B0609020204030204" pitchFamily="49" charset="0"/>
+              </a:rPr>
+              <a:t> req)</a:t>
+            </a:r>
+            <a:endParaRPr lang="da-DK" sz="2400" b="1">
+              <a:latin typeface="Consolas" panose="020B0609020204030204" pitchFamily="49" charset="0"/>
+            </a:endParaRPr>
+          </a:p>
+          <a:p>
+            <a:r>
+              <a:rPr lang="da-DK" sz="2400" b="1">
+                <a:latin typeface="Consolas" panose="020B0609020204030204" pitchFamily="49" charset="0"/>
+              </a:rPr>
+              <a:t>   {</a:t>
+            </a:r>
+          </a:p>
+          <a:p>
+            <a:r>
+              <a:rPr lang="da-DK" sz="2400" b="1">
+                <a:latin typeface="Consolas" panose="020B0609020204030204" pitchFamily="49" charset="0"/>
+              </a:rPr>
+              <a:t>      _</a:t>
+            </a:r>
+            <a:r>
+              <a:rPr lang="da-DK" sz="2400" b="1" smtClean="0">
+                <a:latin typeface="Consolas" panose="020B0609020204030204" pitchFamily="49" charset="0"/>
+              </a:rPr>
+              <a:t>handler.Handle(req);</a:t>
+            </a:r>
+            <a:endParaRPr lang="da-DK" sz="2400" b="1">
+              <a:latin typeface="Consolas" panose="020B0609020204030204" pitchFamily="49" charset="0"/>
+            </a:endParaRPr>
+          </a:p>
+          <a:p>
+            <a:r>
+              <a:rPr lang="da-DK" sz="2400" b="1">
+                <a:latin typeface="Consolas" panose="020B0609020204030204" pitchFamily="49" charset="0"/>
+              </a:rPr>
+              <a:t>   }</a:t>
+            </a:r>
+          </a:p>
+          <a:p>
+            <a:r>
+              <a:rPr lang="da-DK" sz="2400" b="1" smtClean="0">
+                <a:latin typeface="Consolas" panose="020B0609020204030204" pitchFamily="49" charset="0"/>
+              </a:rPr>
+              <a:t>}</a:t>
+            </a:r>
+          </a:p>
         </p:txBody>
       </p:sp>
     </p:spTree>
     <p:extLst>
       <p:ext uri="{BB962C8B-B14F-4D97-AF65-F5344CB8AC3E}">
-        <p14:creationId xmlns:p14="http://schemas.microsoft.com/office/powerpoint/2010/main" val="2029462886"/>
+        <p14:creationId xmlns:p14="http://schemas.microsoft.com/office/powerpoint/2010/main" val="4172458716"/>
       </p:ext>
     </p:extLst>
   </p:cSld>
@@ -7302,7 +7305,7 @@
         <p:spPr>
           <a:xfrm>
             <a:off x="962526" y="1012925"/>
-            <a:ext cx="10578685" cy="3785652"/>
+            <a:ext cx="10094495" cy="2308324"/>
           </a:xfrm>
           <a:prstGeom prst="rect">
             <a:avLst/>
@@ -7316,22 +7319,25 @@
           <a:lstStyle/>
           <a:p>
             <a:r>
+              <a:rPr lang="da-DK" sz="2400" b="1" smtClean="0">
+                <a:solidFill>
+                  <a:srgbClr val="0070C0"/>
+                </a:solidFill>
+                <a:latin typeface="Consolas" panose="020B0609020204030204" pitchFamily="49" charset="0"/>
+              </a:rPr>
+              <a:t>public </a:t>
+            </a:r>
+            <a:r>
               <a:rPr lang="da-DK" sz="2400" b="1">
                 <a:solidFill>
                   <a:srgbClr val="0070C0"/>
                 </a:solidFill>
                 <a:latin typeface="Consolas" panose="020B0609020204030204" pitchFamily="49" charset="0"/>
               </a:rPr>
-              <a:t>public</a:t>
-            </a:r>
-            <a:r>
-              <a:rPr lang="da-DK" sz="2400" b="1">
-                <a:latin typeface="Consolas" panose="020B0609020204030204" pitchFamily="49" charset="0"/>
-              </a:rPr>
-              <a:t> </a:t>
-            </a:r>
-            <a:r>
-              <a:rPr lang="da-DK" sz="2400" b="1">
+              <a:t>class </a:t>
+            </a:r>
+            <a:r>
+              <a:rPr lang="da-DK" sz="2400" b="1" smtClean="0">
                 <a:solidFill>
                   <a:schemeClr val="accent6">
                     <a:lumMod val="75000"/>
@@ -7339,44 +7345,35 @@
                 </a:solidFill>
                 <a:latin typeface="Consolas" panose="020B0609020204030204" pitchFamily="49" charset="0"/>
               </a:rPr>
-              <a:t>IHandler</a:t>
-            </a:r>
-            <a:r>
-              <a:rPr lang="da-DK" sz="2400" b="1">
+              <a:t>Configurator</a:t>
+            </a:r>
+            <a:endParaRPr lang="da-DK" sz="2400" b="1">
+              <a:latin typeface="Consolas" panose="020B0609020204030204" pitchFamily="49" charset="0"/>
+            </a:endParaRPr>
+          </a:p>
+          <a:p>
+            <a:r>
+              <a:rPr lang="da-DK" sz="2400" b="1" smtClean="0">
+                <a:latin typeface="Consolas" panose="020B0609020204030204" pitchFamily="49" charset="0"/>
+              </a:rPr>
+              <a:t>{</a:t>
+            </a:r>
+          </a:p>
+          <a:p>
+            <a:r>
+              <a:rPr lang="da-DK" sz="2400" b="1" smtClean="0">
                 <a:solidFill>
                   <a:srgbClr val="0070C0"/>
                 </a:solidFill>
                 <a:latin typeface="Consolas" panose="020B0609020204030204" pitchFamily="49" charset="0"/>
               </a:rPr>
+              <a:t>   public</a:t>
+            </a:r>
+            <a:r>
+              <a:rPr lang="da-DK" sz="2400" b="1" smtClean="0">
+                <a:latin typeface="Consolas" panose="020B0609020204030204" pitchFamily="49" charset="0"/>
+              </a:rPr>
               <a:t> </a:t>
-            </a:r>
-            <a:r>
-              <a:rPr lang="da-DK" sz="2400" b="1">
-                <a:latin typeface="Consolas" panose="020B0609020204030204" pitchFamily="49" charset="0"/>
-              </a:rPr>
-              <a:t>Setup</a:t>
-            </a:r>
-            <a:r>
-              <a:rPr lang="da-DK" sz="2400" b="1" smtClean="0">
-                <a:latin typeface="Consolas" panose="020B0609020204030204" pitchFamily="49" charset="0"/>
-              </a:rPr>
-              <a:t>()</a:t>
-            </a:r>
-          </a:p>
-          <a:p>
-            <a:r>
-              <a:rPr lang="da-DK" sz="2400" b="1">
-                <a:latin typeface="Consolas" panose="020B0609020204030204" pitchFamily="49" charset="0"/>
-              </a:rPr>
-              <a:t>{</a:t>
-            </a:r>
-          </a:p>
-          <a:p>
-            <a:r>
-              <a:rPr lang="da-DK" sz="2400" b="1" smtClean="0">
-                <a:latin typeface="Consolas" panose="020B0609020204030204" pitchFamily="49" charset="0"/>
-              </a:rPr>
-              <a:t>   </a:t>
             </a:r>
             <a:r>
               <a:rPr lang="da-DK" sz="2400" b="1" smtClean="0">
@@ -7391,318 +7388,75 @@
             </a:r>
             <a:r>
               <a:rPr lang="da-DK" sz="2400" b="1" smtClean="0">
+                <a:solidFill>
+                  <a:srgbClr val="0070C0"/>
+                </a:solidFill>
                 <a:latin typeface="Consolas" panose="020B0609020204030204" pitchFamily="49" charset="0"/>
               </a:rPr>
               <a:t> </a:t>
             </a:r>
             <a:r>
+              <a:rPr lang="da-DK" sz="2400" b="1" smtClean="0">
+                <a:latin typeface="Consolas" panose="020B0609020204030204" pitchFamily="49" charset="0"/>
+              </a:rPr>
+              <a:t>Setup() </a:t>
+            </a:r>
+            <a:r>
               <a:rPr lang="da-DK" sz="2400" b="1">
                 <a:latin typeface="Consolas" panose="020B0609020204030204" pitchFamily="49" charset="0"/>
               </a:rPr>
-              <a:t>handler = </a:t>
+              <a:t>{…}</a:t>
+            </a:r>
+          </a:p>
+          <a:p>
+            <a:r>
+              <a:rPr lang="da-DK" sz="2400" b="1" smtClean="0">
+                <a:latin typeface="Consolas" panose="020B0609020204030204" pitchFamily="49" charset="0"/>
+              </a:rPr>
+              <a:t>   </a:t>
+            </a:r>
+            <a:r>
+              <a:rPr lang="da-DK" sz="2400" b="1" smtClean="0">
+                <a:solidFill>
+                  <a:srgbClr val="0070C0"/>
+                </a:solidFill>
+                <a:latin typeface="Consolas" panose="020B0609020204030204" pitchFamily="49" charset="0"/>
+              </a:rPr>
+              <a:t>public</a:t>
+            </a:r>
+            <a:r>
+              <a:rPr lang="da-DK" sz="2400" b="1" smtClean="0">
+                <a:latin typeface="Consolas" panose="020B0609020204030204" pitchFamily="49" charset="0"/>
+              </a:rPr>
+              <a:t> </a:t>
+            </a:r>
+            <a:r>
+              <a:rPr lang="da-DK" sz="2400" b="1" smtClean="0">
+                <a:solidFill>
+                  <a:srgbClr val="0070C0"/>
+                </a:solidFill>
+                <a:latin typeface="Consolas" panose="020B0609020204030204" pitchFamily="49" charset="0"/>
+              </a:rPr>
+              <a:t>void </a:t>
+            </a:r>
+            <a:r>
+              <a:rPr lang="da-DK" sz="2400" b="1" smtClean="0">
+                <a:latin typeface="Consolas" panose="020B0609020204030204" pitchFamily="49" charset="0"/>
+              </a:rPr>
+              <a:t>Run()</a:t>
             </a:r>
             <a:r>
               <a:rPr lang="da-DK" sz="2400" b="1">
-                <a:solidFill>
-                  <a:srgbClr val="0070C0"/>
-                </a:solidFill>
-                <a:latin typeface="Consolas" panose="020B0609020204030204" pitchFamily="49" charset="0"/>
-              </a:rPr>
-              <a:t>new</a:t>
-            </a:r>
-            <a:r>
-              <a:rPr lang="da-DK" sz="2400" b="1" smtClean="0">
                 <a:latin typeface="Consolas" panose="020B0609020204030204" pitchFamily="49" charset="0"/>
               </a:rPr>
               <a:t> </a:t>
             </a:r>
             <a:r>
               <a:rPr lang="da-DK" sz="2400" b="1" smtClean="0">
-                <a:solidFill>
-                  <a:schemeClr val="accent6">
-                    <a:lumMod val="75000"/>
-                  </a:schemeClr>
-                </a:solidFill>
-                <a:latin typeface="Consolas" panose="020B0609020204030204" pitchFamily="49" charset="0"/>
-              </a:rPr>
-              <a:t>TopBureaucrat</a:t>
-            </a:r>
-            <a:r>
-              <a:rPr lang="da-DK" sz="2400" b="1" smtClean="0">
-                <a:latin typeface="Consolas" panose="020B0609020204030204" pitchFamily="49" charset="0"/>
-              </a:rPr>
-              <a:t>(</a:t>
-            </a:r>
-            <a:r>
-              <a:rPr lang="da-DK" sz="2400" b="1" smtClean="0">
-                <a:solidFill>
-                  <a:srgbClr val="C00000"/>
-                </a:solidFill>
-                <a:latin typeface="Consolas" panose="020B0609020204030204" pitchFamily="49" charset="0"/>
-              </a:rPr>
-              <a:t>"</a:t>
-            </a:r>
-            <a:r>
-              <a:rPr lang="da-DK" sz="2400" b="1">
-                <a:solidFill>
-                  <a:srgbClr val="C00000"/>
-                </a:solidFill>
-                <a:latin typeface="Consolas" panose="020B0609020204030204" pitchFamily="49" charset="0"/>
-              </a:rPr>
-              <a:t>H.R. Giger"</a:t>
-            </a:r>
-            <a:r>
-              <a:rPr lang="da-DK" sz="2400" b="1">
-                <a:latin typeface="Consolas" panose="020B0609020204030204" pitchFamily="49" charset="0"/>
-              </a:rPr>
-              <a:t>);</a:t>
-            </a:r>
-          </a:p>
-          <a:p>
-            <a:r>
-              <a:rPr lang="da-DK" sz="2400" b="1" smtClean="0">
-                <a:latin typeface="Consolas" panose="020B0609020204030204" pitchFamily="49" charset="0"/>
-              </a:rPr>
-              <a:t>   handler </a:t>
-            </a:r>
-            <a:r>
-              <a:rPr lang="da-DK" sz="2400" b="1">
-                <a:latin typeface="Consolas" panose="020B0609020204030204" pitchFamily="49" charset="0"/>
-              </a:rPr>
-              <a:t>= </a:t>
-            </a:r>
-            <a:r>
-              <a:rPr lang="da-DK" sz="2400" b="1">
-                <a:solidFill>
-                  <a:srgbClr val="0070C0"/>
-                </a:solidFill>
-                <a:latin typeface="Consolas" panose="020B0609020204030204" pitchFamily="49" charset="0"/>
-              </a:rPr>
-              <a:t>new</a:t>
-            </a:r>
-            <a:r>
-              <a:rPr lang="da-DK" sz="2400" b="1">
-                <a:latin typeface="Consolas" panose="020B0609020204030204" pitchFamily="49" charset="0"/>
-              </a:rPr>
-              <a:t> </a:t>
-            </a:r>
-            <a:r>
-              <a:rPr lang="da-DK" sz="2400" b="1">
-                <a:solidFill>
-                  <a:schemeClr val="accent6">
-                    <a:lumMod val="75000"/>
-                  </a:schemeClr>
-                </a:solidFill>
-                <a:latin typeface="Consolas" panose="020B0609020204030204" pitchFamily="49" charset="0"/>
-              </a:rPr>
-              <a:t>DirectorBureaucrat</a:t>
-            </a:r>
-            <a:r>
-              <a:rPr lang="da-DK" sz="2400" b="1">
-                <a:latin typeface="Consolas" panose="020B0609020204030204" pitchFamily="49" charset="0"/>
-              </a:rPr>
-              <a:t>(</a:t>
-            </a:r>
-            <a:r>
-              <a:rPr lang="da-DK" sz="2400" b="1">
-                <a:solidFill>
-                  <a:srgbClr val="C00000"/>
-                </a:solidFill>
-                <a:latin typeface="Consolas" panose="020B0609020204030204" pitchFamily="49" charset="0"/>
-              </a:rPr>
-              <a:t>"G. Helger"</a:t>
-            </a:r>
-            <a:r>
-              <a:rPr lang="da-DK" sz="2400" b="1">
-                <a:latin typeface="Consolas" panose="020B0609020204030204" pitchFamily="49" charset="0"/>
-              </a:rPr>
-              <a:t>, handler);</a:t>
-            </a:r>
-          </a:p>
-          <a:p>
-            <a:r>
-              <a:rPr lang="da-DK" sz="2400" b="1" smtClean="0">
-                <a:latin typeface="Consolas" panose="020B0609020204030204" pitchFamily="49" charset="0"/>
-              </a:rPr>
-              <a:t>   handler </a:t>
-            </a:r>
-            <a:r>
-              <a:rPr lang="da-DK" sz="2400" b="1">
-                <a:latin typeface="Consolas" panose="020B0609020204030204" pitchFamily="49" charset="0"/>
-              </a:rPr>
-              <a:t>= </a:t>
-            </a:r>
-            <a:r>
-              <a:rPr lang="da-DK" sz="2400" b="1">
-                <a:solidFill>
-                  <a:srgbClr val="0070C0"/>
-                </a:solidFill>
-                <a:latin typeface="Consolas" panose="020B0609020204030204" pitchFamily="49" charset="0"/>
-              </a:rPr>
-              <a:t>new</a:t>
-            </a:r>
-            <a:r>
-              <a:rPr lang="da-DK" sz="2400" b="1" smtClean="0">
-                <a:latin typeface="Consolas" panose="020B0609020204030204" pitchFamily="49" charset="0"/>
-              </a:rPr>
-              <a:t> </a:t>
-            </a:r>
-            <a:r>
-              <a:rPr lang="da-DK" sz="2400" b="1">
-                <a:solidFill>
-                  <a:schemeClr val="accent6">
-                    <a:lumMod val="75000"/>
-                  </a:schemeClr>
-                </a:solidFill>
-                <a:latin typeface="Consolas" panose="020B0609020204030204" pitchFamily="49" charset="0"/>
-              </a:rPr>
-              <a:t>SeniorBureaucrat</a:t>
-            </a:r>
-            <a:r>
-              <a:rPr lang="da-DK" sz="2400" b="1">
-                <a:latin typeface="Consolas" panose="020B0609020204030204" pitchFamily="49" charset="0"/>
-              </a:rPr>
-              <a:t>(</a:t>
-            </a:r>
-            <a:r>
-              <a:rPr lang="da-DK" sz="2400" b="1">
-                <a:solidFill>
-                  <a:srgbClr val="C00000"/>
-                </a:solidFill>
-                <a:latin typeface="Consolas" panose="020B0609020204030204" pitchFamily="49" charset="0"/>
-              </a:rPr>
-              <a:t>"E. Frieger"</a:t>
-            </a:r>
-            <a:r>
-              <a:rPr lang="da-DK" sz="2400" b="1">
-                <a:latin typeface="Consolas" panose="020B0609020204030204" pitchFamily="49" charset="0"/>
-              </a:rPr>
-              <a:t>, handler);</a:t>
-            </a:r>
-          </a:p>
-          <a:p>
-            <a:r>
-              <a:rPr lang="da-DK" sz="2400" b="1" smtClean="0">
-                <a:latin typeface="Consolas" panose="020B0609020204030204" pitchFamily="49" charset="0"/>
-              </a:rPr>
-              <a:t>   handler </a:t>
-            </a:r>
-            <a:r>
-              <a:rPr lang="da-DK" sz="2400" b="1">
-                <a:latin typeface="Consolas" panose="020B0609020204030204" pitchFamily="49" charset="0"/>
-              </a:rPr>
-              <a:t>= </a:t>
-            </a:r>
-            <a:r>
-              <a:rPr lang="da-DK" sz="2400" b="1">
-                <a:solidFill>
-                  <a:srgbClr val="0070C0"/>
-                </a:solidFill>
-                <a:latin typeface="Consolas" panose="020B0609020204030204" pitchFamily="49" charset="0"/>
-              </a:rPr>
-              <a:t>new</a:t>
-            </a:r>
-            <a:r>
-              <a:rPr lang="da-DK" sz="2400" b="1" smtClean="0">
-                <a:latin typeface="Consolas" panose="020B0609020204030204" pitchFamily="49" charset="0"/>
-              </a:rPr>
-              <a:t> </a:t>
-            </a:r>
-            <a:r>
-              <a:rPr lang="da-DK" sz="2400" b="1">
-                <a:solidFill>
-                  <a:schemeClr val="accent6">
-                    <a:lumMod val="75000"/>
-                  </a:schemeClr>
-                </a:solidFill>
-                <a:latin typeface="Consolas" panose="020B0609020204030204" pitchFamily="49" charset="0"/>
-              </a:rPr>
-              <a:t>MidLevelBureaucrat</a:t>
-            </a:r>
-            <a:r>
-              <a:rPr lang="da-DK" sz="2400" b="1">
-                <a:latin typeface="Consolas" panose="020B0609020204030204" pitchFamily="49" charset="0"/>
-              </a:rPr>
-              <a:t>(</a:t>
-            </a:r>
-            <a:r>
-              <a:rPr lang="da-DK" sz="2400" b="1">
-                <a:solidFill>
-                  <a:srgbClr val="C00000"/>
-                </a:solidFill>
-                <a:latin typeface="Consolas" panose="020B0609020204030204" pitchFamily="49" charset="0"/>
-              </a:rPr>
-              <a:t>"C. Dreger"</a:t>
-            </a:r>
-            <a:r>
-              <a:rPr lang="da-DK" sz="2400" b="1">
-                <a:latin typeface="Consolas" panose="020B0609020204030204" pitchFamily="49" charset="0"/>
-              </a:rPr>
-              <a:t>, handler);</a:t>
-            </a:r>
-          </a:p>
-          <a:p>
-            <a:r>
-              <a:rPr lang="da-DK" sz="2400" b="1" smtClean="0">
-                <a:latin typeface="Consolas" panose="020B0609020204030204" pitchFamily="49" charset="0"/>
-              </a:rPr>
-              <a:t>   handler </a:t>
-            </a:r>
-            <a:r>
-              <a:rPr lang="da-DK" sz="2400" b="1">
-                <a:latin typeface="Consolas" panose="020B0609020204030204" pitchFamily="49" charset="0"/>
-              </a:rPr>
-              <a:t>= </a:t>
-            </a:r>
-            <a:r>
-              <a:rPr lang="da-DK" sz="2400" b="1">
-                <a:solidFill>
-                  <a:srgbClr val="0070C0"/>
-                </a:solidFill>
-                <a:latin typeface="Consolas" panose="020B0609020204030204" pitchFamily="49" charset="0"/>
-              </a:rPr>
-              <a:t>new</a:t>
-            </a:r>
-            <a:r>
-              <a:rPr lang="da-DK" sz="2400" b="1" smtClean="0">
-                <a:latin typeface="Consolas" panose="020B0609020204030204" pitchFamily="49" charset="0"/>
-              </a:rPr>
-              <a:t> </a:t>
-            </a:r>
-            <a:r>
-              <a:rPr lang="da-DK" sz="2400" b="1">
-                <a:solidFill>
-                  <a:schemeClr val="accent6">
-                    <a:lumMod val="75000"/>
-                  </a:schemeClr>
-                </a:solidFill>
-                <a:latin typeface="Consolas" panose="020B0609020204030204" pitchFamily="49" charset="0"/>
-              </a:rPr>
-              <a:t>JuniorBureaucrat</a:t>
-            </a:r>
-            <a:r>
-              <a:rPr lang="da-DK" sz="2400" b="1">
-                <a:latin typeface="Consolas" panose="020B0609020204030204" pitchFamily="49" charset="0"/>
-              </a:rPr>
-              <a:t>(</a:t>
-            </a:r>
-            <a:r>
-              <a:rPr lang="da-DK" sz="2400" b="1">
-                <a:solidFill>
-                  <a:srgbClr val="C00000"/>
-                </a:solidFill>
-                <a:latin typeface="Consolas" panose="020B0609020204030204" pitchFamily="49" charset="0"/>
-              </a:rPr>
-              <a:t>"A. Berger"</a:t>
-            </a:r>
-            <a:r>
-              <a:rPr lang="da-DK" sz="2400" b="1">
-                <a:latin typeface="Consolas" panose="020B0609020204030204" pitchFamily="49" charset="0"/>
-              </a:rPr>
-              <a:t>, handler);</a:t>
-            </a:r>
-          </a:p>
-          <a:p>
+                <a:latin typeface="Consolas" panose="020B0609020204030204" pitchFamily="49" charset="0"/>
+              </a:rPr>
+              <a:t>{…}</a:t>
+            </a:r>
             <a:endParaRPr lang="da-DK" sz="2400" b="1">
               <a:latin typeface="Consolas" panose="020B0609020204030204" pitchFamily="49" charset="0"/>
             </a:endParaRPr>
@@ -7712,37 +7466,10 @@
               <a:rPr lang="da-DK" sz="2400" b="1" smtClean="0">
                 <a:latin typeface="Consolas" panose="020B0609020204030204" pitchFamily="49" charset="0"/>
               </a:rPr>
-              <a:t>   </a:t>
-            </a:r>
-            <a:r>
-              <a:rPr lang="da-DK" sz="2400" b="1">
-                <a:solidFill>
-                  <a:srgbClr val="0070C0"/>
-                </a:solidFill>
-                <a:latin typeface="Consolas" panose="020B0609020204030204" pitchFamily="49" charset="0"/>
-              </a:rPr>
-              <a:t>return</a:t>
-            </a:r>
-            <a:r>
-              <a:rPr lang="da-DK" sz="2400" b="1" smtClean="0">
-                <a:latin typeface="Consolas" panose="020B0609020204030204" pitchFamily="49" charset="0"/>
-              </a:rPr>
-              <a:t> </a:t>
-            </a:r>
-            <a:r>
-              <a:rPr lang="da-DK" sz="2400" b="1">
-                <a:latin typeface="Consolas" panose="020B0609020204030204" pitchFamily="49" charset="0"/>
-              </a:rPr>
-              <a:t>handler;</a:t>
-            </a:r>
-          </a:p>
-          <a:p>
-            <a:r>
-              <a:rPr lang="da-DK" sz="2400" b="1" smtClean="0">
-                <a:latin typeface="Consolas" panose="020B0609020204030204" pitchFamily="49" charset="0"/>
-              </a:rPr>
               <a:t>}</a:t>
             </a:r>
+          </a:p>
+          <a:p>
             <a:endParaRPr lang="da-DK" sz="2400" b="1">
               <a:latin typeface="Consolas" panose="020B0609020204030204" pitchFamily="49" charset="0"/>
             </a:endParaRPr>
@@ -7752,7 +7479,7 @@
     </p:spTree>
     <p:extLst>
       <p:ext uri="{BB962C8B-B14F-4D97-AF65-F5344CB8AC3E}">
-        <p14:creationId xmlns:p14="http://schemas.microsoft.com/office/powerpoint/2010/main" val="688943693"/>
+        <p14:creationId xmlns:p14="http://schemas.microsoft.com/office/powerpoint/2010/main" val="2029462886"/>
       </p:ext>
     </p:extLst>
   </p:cSld>
@@ -7803,6 +7530,507 @@
         <p:spPr>
           <a:xfrm>
             <a:off x="962526" y="1012925"/>
+            <a:ext cx="10578685" cy="3785652"/>
+          </a:xfrm>
+          <a:prstGeom prst="rect">
+            <a:avLst/>
+          </a:prstGeom>
+          <a:noFill/>
+        </p:spPr>
+        <p:txBody>
+          <a:bodyPr wrap="square" rtlCol="0">
+            <a:spAutoFit/>
+          </a:bodyPr>
+          <a:lstStyle/>
+          <a:p>
+            <a:r>
+              <a:rPr lang="da-DK" sz="2400" b="1">
+                <a:solidFill>
+                  <a:srgbClr val="0070C0"/>
+                </a:solidFill>
+                <a:latin typeface="Consolas" panose="020B0609020204030204" pitchFamily="49" charset="0"/>
+              </a:rPr>
+              <a:t>public</a:t>
+            </a:r>
+            <a:r>
+              <a:rPr lang="da-DK" sz="2400" b="1">
+                <a:latin typeface="Consolas" panose="020B0609020204030204" pitchFamily="49" charset="0"/>
+              </a:rPr>
+              <a:t> </a:t>
+            </a:r>
+            <a:r>
+              <a:rPr lang="da-DK" sz="2400" b="1">
+                <a:solidFill>
+                  <a:schemeClr val="accent6">
+                    <a:lumMod val="75000"/>
+                  </a:schemeClr>
+                </a:solidFill>
+                <a:latin typeface="Consolas" panose="020B0609020204030204" pitchFamily="49" charset="0"/>
+              </a:rPr>
+              <a:t>IHandler</a:t>
+            </a:r>
+            <a:r>
+              <a:rPr lang="da-DK" sz="2400" b="1">
+                <a:solidFill>
+                  <a:srgbClr val="0070C0"/>
+                </a:solidFill>
+                <a:latin typeface="Consolas" panose="020B0609020204030204" pitchFamily="49" charset="0"/>
+              </a:rPr>
+              <a:t> </a:t>
+            </a:r>
+            <a:r>
+              <a:rPr lang="da-DK" sz="2400" b="1">
+                <a:latin typeface="Consolas" panose="020B0609020204030204" pitchFamily="49" charset="0"/>
+              </a:rPr>
+              <a:t>Setup</a:t>
+            </a:r>
+            <a:r>
+              <a:rPr lang="da-DK" sz="2400" b="1" smtClean="0">
+                <a:latin typeface="Consolas" panose="020B0609020204030204" pitchFamily="49" charset="0"/>
+              </a:rPr>
+              <a:t>()</a:t>
+            </a:r>
+          </a:p>
+          <a:p>
+            <a:r>
+              <a:rPr lang="da-DK" sz="2400" b="1">
+                <a:latin typeface="Consolas" panose="020B0609020204030204" pitchFamily="49" charset="0"/>
+              </a:rPr>
+              <a:t>{</a:t>
+            </a:r>
+          </a:p>
+          <a:p>
+            <a:r>
+              <a:rPr lang="da-DK" sz="2400" b="1" smtClean="0">
+                <a:latin typeface="Consolas" panose="020B0609020204030204" pitchFamily="49" charset="0"/>
+              </a:rPr>
+              <a:t>   </a:t>
+            </a:r>
+            <a:r>
+              <a:rPr lang="da-DK" sz="2400" b="1" smtClean="0">
+                <a:solidFill>
+                  <a:schemeClr val="accent6">
+                    <a:lumMod val="75000"/>
+                  </a:schemeClr>
+                </a:solidFill>
+                <a:latin typeface="Consolas" panose="020B0609020204030204" pitchFamily="49" charset="0"/>
+              </a:rPr>
+              <a:t>IHandler</a:t>
+            </a:r>
+            <a:r>
+              <a:rPr lang="da-DK" sz="2400" b="1" smtClean="0">
+                <a:latin typeface="Consolas" panose="020B0609020204030204" pitchFamily="49" charset="0"/>
+              </a:rPr>
+              <a:t> </a:t>
+            </a:r>
+            <a:r>
+              <a:rPr lang="da-DK" sz="2400" b="1">
+                <a:latin typeface="Consolas" panose="020B0609020204030204" pitchFamily="49" charset="0"/>
+              </a:rPr>
+              <a:t>handler = </a:t>
+            </a:r>
+            <a:r>
+              <a:rPr lang="da-DK" sz="2400" b="1">
+                <a:solidFill>
+                  <a:srgbClr val="0070C0"/>
+                </a:solidFill>
+                <a:latin typeface="Consolas" panose="020B0609020204030204" pitchFamily="49" charset="0"/>
+              </a:rPr>
+              <a:t>new</a:t>
+            </a:r>
+            <a:r>
+              <a:rPr lang="da-DK" sz="2400" b="1" smtClean="0">
+                <a:latin typeface="Consolas" panose="020B0609020204030204" pitchFamily="49" charset="0"/>
+              </a:rPr>
+              <a:t> </a:t>
+            </a:r>
+            <a:r>
+              <a:rPr lang="da-DK" sz="2400" b="1" smtClean="0">
+                <a:solidFill>
+                  <a:schemeClr val="accent6">
+                    <a:lumMod val="75000"/>
+                  </a:schemeClr>
+                </a:solidFill>
+                <a:latin typeface="Consolas" panose="020B0609020204030204" pitchFamily="49" charset="0"/>
+              </a:rPr>
+              <a:t>TopBureaucrat</a:t>
+            </a:r>
+            <a:r>
+              <a:rPr lang="da-DK" sz="2400" b="1" smtClean="0">
+                <a:latin typeface="Consolas" panose="020B0609020204030204" pitchFamily="49" charset="0"/>
+              </a:rPr>
+              <a:t>(</a:t>
+            </a:r>
+            <a:r>
+              <a:rPr lang="da-DK" sz="2400" b="1" smtClean="0">
+                <a:solidFill>
+                  <a:srgbClr val="C00000"/>
+                </a:solidFill>
+                <a:latin typeface="Consolas" panose="020B0609020204030204" pitchFamily="49" charset="0"/>
+              </a:rPr>
+              <a:t>"</a:t>
+            </a:r>
+            <a:r>
+              <a:rPr lang="da-DK" sz="2400" b="1">
+                <a:solidFill>
+                  <a:srgbClr val="C00000"/>
+                </a:solidFill>
+                <a:latin typeface="Consolas" panose="020B0609020204030204" pitchFamily="49" charset="0"/>
+              </a:rPr>
+              <a:t>H.R. Giger"</a:t>
+            </a:r>
+            <a:r>
+              <a:rPr lang="da-DK" sz="2400" b="1">
+                <a:latin typeface="Consolas" panose="020B0609020204030204" pitchFamily="49" charset="0"/>
+              </a:rPr>
+              <a:t>);</a:t>
+            </a:r>
+          </a:p>
+          <a:p>
+            <a:r>
+              <a:rPr lang="da-DK" sz="2400" b="1" smtClean="0">
+                <a:latin typeface="Consolas" panose="020B0609020204030204" pitchFamily="49" charset="0"/>
+              </a:rPr>
+              <a:t>   handler </a:t>
+            </a:r>
+            <a:r>
+              <a:rPr lang="da-DK" sz="2400" b="1">
+                <a:latin typeface="Consolas" panose="020B0609020204030204" pitchFamily="49" charset="0"/>
+              </a:rPr>
+              <a:t>= </a:t>
+            </a:r>
+            <a:r>
+              <a:rPr lang="da-DK" sz="2400" b="1">
+                <a:solidFill>
+                  <a:srgbClr val="0070C0"/>
+                </a:solidFill>
+                <a:latin typeface="Consolas" panose="020B0609020204030204" pitchFamily="49" charset="0"/>
+              </a:rPr>
+              <a:t>new</a:t>
+            </a:r>
+            <a:r>
+              <a:rPr lang="da-DK" sz="2400" b="1">
+                <a:latin typeface="Consolas" panose="020B0609020204030204" pitchFamily="49" charset="0"/>
+              </a:rPr>
+              <a:t> </a:t>
+            </a:r>
+            <a:r>
+              <a:rPr lang="da-DK" sz="2400" b="1">
+                <a:solidFill>
+                  <a:schemeClr val="accent6">
+                    <a:lumMod val="75000"/>
+                  </a:schemeClr>
+                </a:solidFill>
+                <a:latin typeface="Consolas" panose="020B0609020204030204" pitchFamily="49" charset="0"/>
+              </a:rPr>
+              <a:t>DirectorBureaucrat</a:t>
+            </a:r>
+            <a:r>
+              <a:rPr lang="da-DK" sz="2400" b="1">
+                <a:latin typeface="Consolas" panose="020B0609020204030204" pitchFamily="49" charset="0"/>
+              </a:rPr>
+              <a:t>(</a:t>
+            </a:r>
+            <a:r>
+              <a:rPr lang="da-DK" sz="2400" b="1">
+                <a:solidFill>
+                  <a:srgbClr val="C00000"/>
+                </a:solidFill>
+                <a:latin typeface="Consolas" panose="020B0609020204030204" pitchFamily="49" charset="0"/>
+              </a:rPr>
+              <a:t>"G. Helger"</a:t>
+            </a:r>
+            <a:r>
+              <a:rPr lang="da-DK" sz="2400" b="1">
+                <a:latin typeface="Consolas" panose="020B0609020204030204" pitchFamily="49" charset="0"/>
+              </a:rPr>
+              <a:t>, handler);</a:t>
+            </a:r>
+          </a:p>
+          <a:p>
+            <a:r>
+              <a:rPr lang="da-DK" sz="2400" b="1" smtClean="0">
+                <a:latin typeface="Consolas" panose="020B0609020204030204" pitchFamily="49" charset="0"/>
+              </a:rPr>
+              <a:t>   handler </a:t>
+            </a:r>
+            <a:r>
+              <a:rPr lang="da-DK" sz="2400" b="1">
+                <a:latin typeface="Consolas" panose="020B0609020204030204" pitchFamily="49" charset="0"/>
+              </a:rPr>
+              <a:t>= </a:t>
+            </a:r>
+            <a:r>
+              <a:rPr lang="da-DK" sz="2400" b="1">
+                <a:solidFill>
+                  <a:srgbClr val="0070C0"/>
+                </a:solidFill>
+                <a:latin typeface="Consolas" panose="020B0609020204030204" pitchFamily="49" charset="0"/>
+              </a:rPr>
+              <a:t>new</a:t>
+            </a:r>
+            <a:r>
+              <a:rPr lang="da-DK" sz="2400" b="1" smtClean="0">
+                <a:latin typeface="Consolas" panose="020B0609020204030204" pitchFamily="49" charset="0"/>
+              </a:rPr>
+              <a:t> </a:t>
+            </a:r>
+            <a:r>
+              <a:rPr lang="da-DK" sz="2400" b="1">
+                <a:solidFill>
+                  <a:schemeClr val="accent6">
+                    <a:lumMod val="75000"/>
+                  </a:schemeClr>
+                </a:solidFill>
+                <a:latin typeface="Consolas" panose="020B0609020204030204" pitchFamily="49" charset="0"/>
+              </a:rPr>
+              <a:t>SeniorBureaucrat</a:t>
+            </a:r>
+            <a:r>
+              <a:rPr lang="da-DK" sz="2400" b="1">
+                <a:latin typeface="Consolas" panose="020B0609020204030204" pitchFamily="49" charset="0"/>
+              </a:rPr>
+              <a:t>(</a:t>
+            </a:r>
+            <a:r>
+              <a:rPr lang="da-DK" sz="2400" b="1">
+                <a:solidFill>
+                  <a:srgbClr val="C00000"/>
+                </a:solidFill>
+                <a:latin typeface="Consolas" panose="020B0609020204030204" pitchFamily="49" charset="0"/>
+              </a:rPr>
+              <a:t>"E. Frieger"</a:t>
+            </a:r>
+            <a:r>
+              <a:rPr lang="da-DK" sz="2400" b="1">
+                <a:latin typeface="Consolas" panose="020B0609020204030204" pitchFamily="49" charset="0"/>
+              </a:rPr>
+              <a:t>, handler);</a:t>
+            </a:r>
+          </a:p>
+          <a:p>
+            <a:r>
+              <a:rPr lang="da-DK" sz="2400" b="1" smtClean="0">
+                <a:latin typeface="Consolas" panose="020B0609020204030204" pitchFamily="49" charset="0"/>
+              </a:rPr>
+              <a:t>   handler </a:t>
+            </a:r>
+            <a:r>
+              <a:rPr lang="da-DK" sz="2400" b="1">
+                <a:latin typeface="Consolas" panose="020B0609020204030204" pitchFamily="49" charset="0"/>
+              </a:rPr>
+              <a:t>= </a:t>
+            </a:r>
+            <a:r>
+              <a:rPr lang="da-DK" sz="2400" b="1">
+                <a:solidFill>
+                  <a:srgbClr val="0070C0"/>
+                </a:solidFill>
+                <a:latin typeface="Consolas" panose="020B0609020204030204" pitchFamily="49" charset="0"/>
+              </a:rPr>
+              <a:t>new</a:t>
+            </a:r>
+            <a:r>
+              <a:rPr lang="da-DK" sz="2400" b="1" smtClean="0">
+                <a:latin typeface="Consolas" panose="020B0609020204030204" pitchFamily="49" charset="0"/>
+              </a:rPr>
+              <a:t> </a:t>
+            </a:r>
+            <a:r>
+              <a:rPr lang="da-DK" sz="2400" b="1">
+                <a:solidFill>
+                  <a:schemeClr val="accent6">
+                    <a:lumMod val="75000"/>
+                  </a:schemeClr>
+                </a:solidFill>
+                <a:latin typeface="Consolas" panose="020B0609020204030204" pitchFamily="49" charset="0"/>
+              </a:rPr>
+              <a:t>MidLevelBureaucrat</a:t>
+            </a:r>
+            <a:r>
+              <a:rPr lang="da-DK" sz="2400" b="1">
+                <a:latin typeface="Consolas" panose="020B0609020204030204" pitchFamily="49" charset="0"/>
+              </a:rPr>
+              <a:t>(</a:t>
+            </a:r>
+            <a:r>
+              <a:rPr lang="da-DK" sz="2400" b="1">
+                <a:solidFill>
+                  <a:srgbClr val="C00000"/>
+                </a:solidFill>
+                <a:latin typeface="Consolas" panose="020B0609020204030204" pitchFamily="49" charset="0"/>
+              </a:rPr>
+              <a:t>"C. Dreger"</a:t>
+            </a:r>
+            <a:r>
+              <a:rPr lang="da-DK" sz="2400" b="1">
+                <a:latin typeface="Consolas" panose="020B0609020204030204" pitchFamily="49" charset="0"/>
+              </a:rPr>
+              <a:t>, handler);</a:t>
+            </a:r>
+          </a:p>
+          <a:p>
+            <a:r>
+              <a:rPr lang="da-DK" sz="2400" b="1" smtClean="0">
+                <a:latin typeface="Consolas" panose="020B0609020204030204" pitchFamily="49" charset="0"/>
+              </a:rPr>
+              <a:t>   handler </a:t>
+            </a:r>
+            <a:r>
+              <a:rPr lang="da-DK" sz="2400" b="1">
+                <a:latin typeface="Consolas" panose="020B0609020204030204" pitchFamily="49" charset="0"/>
+              </a:rPr>
+              <a:t>= </a:t>
+            </a:r>
+            <a:r>
+              <a:rPr lang="da-DK" sz="2400" b="1">
+                <a:solidFill>
+                  <a:srgbClr val="0070C0"/>
+                </a:solidFill>
+                <a:latin typeface="Consolas" panose="020B0609020204030204" pitchFamily="49" charset="0"/>
+              </a:rPr>
+              <a:t>new</a:t>
+            </a:r>
+            <a:r>
+              <a:rPr lang="da-DK" sz="2400" b="1" smtClean="0">
+                <a:latin typeface="Consolas" panose="020B0609020204030204" pitchFamily="49" charset="0"/>
+              </a:rPr>
+              <a:t> </a:t>
+            </a:r>
+            <a:r>
+              <a:rPr lang="da-DK" sz="2400" b="1">
+                <a:solidFill>
+                  <a:schemeClr val="accent6">
+                    <a:lumMod val="75000"/>
+                  </a:schemeClr>
+                </a:solidFill>
+                <a:latin typeface="Consolas" panose="020B0609020204030204" pitchFamily="49" charset="0"/>
+              </a:rPr>
+              <a:t>JuniorBureaucrat</a:t>
+            </a:r>
+            <a:r>
+              <a:rPr lang="da-DK" sz="2400" b="1">
+                <a:latin typeface="Consolas" panose="020B0609020204030204" pitchFamily="49" charset="0"/>
+              </a:rPr>
+              <a:t>(</a:t>
+            </a:r>
+            <a:r>
+              <a:rPr lang="da-DK" sz="2400" b="1">
+                <a:solidFill>
+                  <a:srgbClr val="C00000"/>
+                </a:solidFill>
+                <a:latin typeface="Consolas" panose="020B0609020204030204" pitchFamily="49" charset="0"/>
+              </a:rPr>
+              <a:t>"A. Berger"</a:t>
+            </a:r>
+            <a:r>
+              <a:rPr lang="da-DK" sz="2400" b="1">
+                <a:latin typeface="Consolas" panose="020B0609020204030204" pitchFamily="49" charset="0"/>
+              </a:rPr>
+              <a:t>, handler);</a:t>
+            </a:r>
+          </a:p>
+          <a:p>
+            <a:endParaRPr lang="da-DK" sz="2400" b="1">
+              <a:latin typeface="Consolas" panose="020B0609020204030204" pitchFamily="49" charset="0"/>
+            </a:endParaRPr>
+          </a:p>
+          <a:p>
+            <a:r>
+              <a:rPr lang="da-DK" sz="2400" b="1" smtClean="0">
+                <a:latin typeface="Consolas" panose="020B0609020204030204" pitchFamily="49" charset="0"/>
+              </a:rPr>
+              <a:t>   </a:t>
+            </a:r>
+            <a:r>
+              <a:rPr lang="da-DK" sz="2400" b="1">
+                <a:solidFill>
+                  <a:srgbClr val="0070C0"/>
+                </a:solidFill>
+                <a:latin typeface="Consolas" panose="020B0609020204030204" pitchFamily="49" charset="0"/>
+              </a:rPr>
+              <a:t>return</a:t>
+            </a:r>
+            <a:r>
+              <a:rPr lang="da-DK" sz="2400" b="1" smtClean="0">
+                <a:latin typeface="Consolas" panose="020B0609020204030204" pitchFamily="49" charset="0"/>
+              </a:rPr>
+              <a:t> </a:t>
+            </a:r>
+            <a:r>
+              <a:rPr lang="da-DK" sz="2400" b="1">
+                <a:latin typeface="Consolas" panose="020B0609020204030204" pitchFamily="49" charset="0"/>
+              </a:rPr>
+              <a:t>handler;</a:t>
+            </a:r>
+          </a:p>
+          <a:p>
+            <a:r>
+              <a:rPr lang="da-DK" sz="2400" b="1" smtClean="0">
+                <a:latin typeface="Consolas" panose="020B0609020204030204" pitchFamily="49" charset="0"/>
+              </a:rPr>
+              <a:t>}</a:t>
+            </a:r>
+            <a:endParaRPr lang="da-DK" sz="2400" b="1">
+              <a:latin typeface="Consolas" panose="020B0609020204030204" pitchFamily="49" charset="0"/>
+            </a:endParaRPr>
+          </a:p>
+        </p:txBody>
+      </p:sp>
+    </p:spTree>
+    <p:extLst>
+      <p:ext uri="{BB962C8B-B14F-4D97-AF65-F5344CB8AC3E}">
+        <p14:creationId xmlns:p14="http://schemas.microsoft.com/office/powerpoint/2010/main" val="688943693"/>
+      </p:ext>
+    </p:extLst>
+  </p:cSld>
+  <p:clrMapOvr>
+    <a:masterClrMapping/>
+  </p:clrMapOvr>
+  <mc:AlternateContent xmlns:mc="http://schemas.openxmlformats.org/markup-compatibility/2006" xmlns:p14="http://schemas.microsoft.com/office/powerpoint/2010/main">
+    <mc:Choice Requires="p14">
+      <p:transition p14:dur="0"/>
+    </mc:Choice>
+    <mc:Fallback xmlns="">
+      <p:transition/>
+    </mc:Fallback>
+  </mc:AlternateContent>
+  <p:timing>
+    <p:tnLst>
+      <p:par>
+        <p:cTn id="1" dur="indefinite" restart="never" nodeType="tmRoot"/>
+      </p:par>
+    </p:tnLst>
+  </p:timing>
+</p:sld>
+</file>
+
+<file path=ppt/slides/slide24.xml><?xml version="1.0" encoding="utf-8"?>
+<p:sld xmlns:a="http://schemas.openxmlformats.org/drawingml/2006/main" xmlns:r="http://schemas.openxmlformats.org/officeDocument/2006/relationships" xmlns:p="http://schemas.openxmlformats.org/presentationml/2006/main">
+  <p:cSld>
+    <p:spTree>
+      <p:nvGrpSpPr>
+        <p:cNvPr id="1" name=""/>
+        <p:cNvGrpSpPr/>
+        <p:nvPr/>
+      </p:nvGrpSpPr>
+      <p:grpSpPr>
+        <a:xfrm>
+          <a:off x="0" y="0"/>
+          <a:ext cx="0" cy="0"/>
+          <a:chOff x="0" y="0"/>
+          <a:chExt cx="0" cy="0"/>
+        </a:xfrm>
+      </p:grpSpPr>
+      <p:sp>
+        <p:nvSpPr>
+          <p:cNvPr id="3" name="Tekstfelt 2"/>
+          <p:cNvSpPr txBox="1"/>
+          <p:nvPr/>
+        </p:nvSpPr>
+        <p:spPr>
+          <a:xfrm>
+            <a:off x="962526" y="1012925"/>
             <a:ext cx="10094495" cy="3046988"/>
           </a:xfrm>
           <a:prstGeom prst="rect">
@@ -8077,6 +8305,422 @@
     <p:extLst>
       <p:ext uri="{BB962C8B-B14F-4D97-AF65-F5344CB8AC3E}">
         <p14:creationId xmlns:p14="http://schemas.microsoft.com/office/powerpoint/2010/main" val="1832183307"/>
+      </p:ext>
+    </p:extLst>
+  </p:cSld>
+  <p:clrMapOvr>
+    <a:masterClrMapping/>
+  </p:clrMapOvr>
+  <mc:AlternateContent xmlns:mc="http://schemas.openxmlformats.org/markup-compatibility/2006" xmlns:p14="http://schemas.microsoft.com/office/powerpoint/2010/main">
+    <mc:Choice Requires="p14">
+      <p:transition p14:dur="0"/>
+    </mc:Choice>
+    <mc:Fallback xmlns="">
+      <p:transition/>
+    </mc:Fallback>
+  </mc:AlternateContent>
+  <p:timing>
+    <p:tnLst>
+      <p:par>
+        <p:cTn id="1" dur="indefinite" restart="never" nodeType="tmRoot"/>
+      </p:par>
+    </p:tnLst>
+  </p:timing>
+</p:sld>
+</file>
+
+<file path=ppt/slides/slide25.xml><?xml version="1.0" encoding="utf-8"?>
+<p:sld xmlns:a="http://schemas.openxmlformats.org/drawingml/2006/main" xmlns:r="http://schemas.openxmlformats.org/officeDocument/2006/relationships" xmlns:p="http://schemas.openxmlformats.org/presentationml/2006/main">
+  <p:cSld>
+    <p:spTree>
+      <p:nvGrpSpPr>
+        <p:cNvPr id="1" name=""/>
+        <p:cNvGrpSpPr/>
+        <p:nvPr/>
+      </p:nvGrpSpPr>
+      <p:grpSpPr>
+        <a:xfrm>
+          <a:off x="0" y="0"/>
+          <a:ext cx="0" cy="0"/>
+          <a:chOff x="0" y="0"/>
+          <a:chExt cx="0" cy="0"/>
+        </a:xfrm>
+      </p:grpSpPr>
+      <p:sp>
+        <p:nvSpPr>
+          <p:cNvPr id="14" name="Afrundet rektangel 13"/>
+          <p:cNvSpPr/>
+          <p:nvPr/>
+        </p:nvSpPr>
+        <p:spPr>
+          <a:xfrm>
+            <a:off x="6081587" y="3574377"/>
+            <a:ext cx="1800460" cy="1424323"/>
+          </a:xfrm>
+          <a:prstGeom prst="roundRect">
+            <a:avLst/>
+          </a:prstGeom>
+          <a:solidFill>
+            <a:srgbClr val="C00000"/>
+          </a:solidFill>
+        </p:spPr>
+        <p:style>
+          <a:lnRef idx="2">
+            <a:schemeClr val="accent1">
+              <a:shade val="50000"/>
+            </a:schemeClr>
+          </a:lnRef>
+          <a:fillRef idx="1">
+            <a:schemeClr val="accent1"/>
+          </a:fillRef>
+          <a:effectRef idx="0">
+            <a:schemeClr val="accent1"/>
+          </a:effectRef>
+          <a:fontRef idx="minor">
+            <a:schemeClr val="lt1"/>
+          </a:fontRef>
+        </p:style>
+        <p:txBody>
+          <a:bodyPr rtlCol="0" anchor="t"/>
+          <a:lstStyle/>
+          <a:p>
+            <a:pPr algn="ctr"/>
+            <a:endParaRPr lang="da-DK" sz="2800" smtClean="0"/>
+          </a:p>
+        </p:txBody>
+      </p:sp>
+      <p:sp>
+        <p:nvSpPr>
+          <p:cNvPr id="4" name="Afrundet rektangel 3"/>
+          <p:cNvSpPr/>
+          <p:nvPr/>
+        </p:nvSpPr>
+        <p:spPr>
+          <a:xfrm>
+            <a:off x="2495819" y="3421977"/>
+            <a:ext cx="1800460" cy="1424323"/>
+          </a:xfrm>
+          <a:prstGeom prst="roundRect">
+            <a:avLst/>
+          </a:prstGeom>
+          <a:solidFill>
+            <a:schemeClr val="accent6">
+              <a:lumMod val="75000"/>
+            </a:schemeClr>
+          </a:solidFill>
+        </p:spPr>
+        <p:style>
+          <a:lnRef idx="2">
+            <a:schemeClr val="accent1">
+              <a:shade val="50000"/>
+            </a:schemeClr>
+          </a:lnRef>
+          <a:fillRef idx="1">
+            <a:schemeClr val="accent1"/>
+          </a:fillRef>
+          <a:effectRef idx="0">
+            <a:schemeClr val="accent1"/>
+          </a:effectRef>
+          <a:fontRef idx="minor">
+            <a:schemeClr val="lt1"/>
+          </a:fontRef>
+        </p:style>
+        <p:txBody>
+          <a:bodyPr rtlCol="0" anchor="t"/>
+          <a:lstStyle/>
+          <a:p>
+            <a:pPr algn="ctr"/>
+            <a:r>
+              <a:rPr lang="da-DK" sz="3600" smtClean="0"/>
+              <a:t>Client</a:t>
+            </a:r>
+          </a:p>
+        </p:txBody>
+      </p:sp>
+      <p:cxnSp>
+        <p:nvCxnSpPr>
+          <p:cNvPr id="26" name="Vinklet forbindelse 2"/>
+          <p:cNvCxnSpPr>
+            <a:stCxn id="19" idx="2"/>
+            <a:endCxn id="4" idx="0"/>
+          </p:cNvCxnSpPr>
+          <p:nvPr/>
+        </p:nvCxnSpPr>
+        <p:spPr>
+          <a:xfrm flipH="1">
+            <a:off x="3396049" y="1909675"/>
+            <a:ext cx="1632908" cy="1512302"/>
+          </a:xfrm>
+          <a:prstGeom prst="straightConnector1">
+            <a:avLst/>
+          </a:prstGeom>
+          <a:ln w="76200">
+            <a:solidFill>
+              <a:schemeClr val="bg1">
+                <a:lumMod val="50000"/>
+              </a:schemeClr>
+            </a:solidFill>
+            <a:prstDash val="sysDot"/>
+            <a:headEnd w="lg" len="lg"/>
+            <a:tailEnd type="arrow" w="lg" len="lg"/>
+          </a:ln>
+        </p:spPr>
+        <p:style>
+          <a:lnRef idx="1">
+            <a:schemeClr val="accent1"/>
+          </a:lnRef>
+          <a:fillRef idx="0">
+            <a:schemeClr val="accent1"/>
+          </a:fillRef>
+          <a:effectRef idx="0">
+            <a:schemeClr val="accent1"/>
+          </a:effectRef>
+          <a:fontRef idx="minor">
+            <a:schemeClr val="tx1"/>
+          </a:fontRef>
+        </p:style>
+      </p:cxnSp>
+      <p:cxnSp>
+        <p:nvCxnSpPr>
+          <p:cNvPr id="27" name="Vinklet forbindelse 2"/>
+          <p:cNvCxnSpPr>
+            <a:stCxn id="19" idx="2"/>
+            <a:endCxn id="11" idx="0"/>
+          </p:cNvCxnSpPr>
+          <p:nvPr/>
+        </p:nvCxnSpPr>
+        <p:spPr>
+          <a:xfrm>
+            <a:off x="5028957" y="1909675"/>
+            <a:ext cx="1800460" cy="1512302"/>
+          </a:xfrm>
+          <a:prstGeom prst="straightConnector1">
+            <a:avLst/>
+          </a:prstGeom>
+          <a:ln w="76200">
+            <a:solidFill>
+              <a:schemeClr val="bg1">
+                <a:lumMod val="50000"/>
+              </a:schemeClr>
+            </a:solidFill>
+            <a:prstDash val="sysDot"/>
+            <a:headEnd w="lg" len="lg"/>
+            <a:tailEnd type="arrow" w="lg" len="lg"/>
+          </a:ln>
+        </p:spPr>
+        <p:style>
+          <a:lnRef idx="1">
+            <a:schemeClr val="accent1"/>
+          </a:lnRef>
+          <a:fillRef idx="0">
+            <a:schemeClr val="accent1"/>
+          </a:fillRef>
+          <a:effectRef idx="0">
+            <a:schemeClr val="accent1"/>
+          </a:effectRef>
+          <a:fontRef idx="minor">
+            <a:schemeClr val="tx1"/>
+          </a:fontRef>
+        </p:style>
+      </p:cxnSp>
+      <p:sp>
+        <p:nvSpPr>
+          <p:cNvPr id="19" name="Afrundet rektangel 18"/>
+          <p:cNvSpPr/>
+          <p:nvPr/>
+        </p:nvSpPr>
+        <p:spPr>
+          <a:xfrm>
+            <a:off x="3669033" y="824162"/>
+            <a:ext cx="2719848" cy="1085513"/>
+          </a:xfrm>
+          <a:prstGeom prst="roundRect">
+            <a:avLst/>
+          </a:prstGeom>
+          <a:solidFill>
+            <a:schemeClr val="accent2">
+              <a:lumMod val="75000"/>
+            </a:schemeClr>
+          </a:solidFill>
+        </p:spPr>
+        <p:style>
+          <a:lnRef idx="2">
+            <a:schemeClr val="accent1">
+              <a:shade val="50000"/>
+            </a:schemeClr>
+          </a:lnRef>
+          <a:fillRef idx="1">
+            <a:schemeClr val="accent1"/>
+          </a:fillRef>
+          <a:effectRef idx="0">
+            <a:schemeClr val="accent1"/>
+          </a:effectRef>
+          <a:fontRef idx="minor">
+            <a:schemeClr val="lt1"/>
+          </a:fontRef>
+        </p:style>
+        <p:txBody>
+          <a:bodyPr rtlCol="0" anchor="t"/>
+          <a:lstStyle/>
+          <a:p>
+            <a:pPr algn="ctr"/>
+            <a:r>
+              <a:rPr lang="da-DK" sz="3600" smtClean="0"/>
+              <a:t>Configurator</a:t>
+            </a:r>
+          </a:p>
+        </p:txBody>
+      </p:sp>
+      <p:sp>
+        <p:nvSpPr>
+          <p:cNvPr id="11" name="Afrundet rektangel 10"/>
+          <p:cNvSpPr/>
+          <p:nvPr/>
+        </p:nvSpPr>
+        <p:spPr>
+          <a:xfrm>
+            <a:off x="5929187" y="3421977"/>
+            <a:ext cx="1800460" cy="1424323"/>
+          </a:xfrm>
+          <a:prstGeom prst="roundRect">
+            <a:avLst/>
+          </a:prstGeom>
+          <a:solidFill>
+            <a:srgbClr val="C00000"/>
+          </a:solidFill>
+        </p:spPr>
+        <p:style>
+          <a:lnRef idx="2">
+            <a:schemeClr val="accent1">
+              <a:shade val="50000"/>
+            </a:schemeClr>
+          </a:lnRef>
+          <a:fillRef idx="1">
+            <a:schemeClr val="accent1"/>
+          </a:fillRef>
+          <a:effectRef idx="0">
+            <a:schemeClr val="accent1"/>
+          </a:effectRef>
+          <a:fontRef idx="minor">
+            <a:schemeClr val="lt1"/>
+          </a:fontRef>
+        </p:style>
+        <p:txBody>
+          <a:bodyPr rtlCol="0" anchor="t"/>
+          <a:lstStyle/>
+          <a:p>
+            <a:pPr algn="ctr"/>
+            <a:r>
+              <a:rPr lang="da-DK" sz="2800" smtClean="0"/>
+              <a:t>Handler</a:t>
+            </a:r>
+          </a:p>
+          <a:p>
+            <a:pPr algn="ctr"/>
+            <a:r>
+              <a:rPr lang="da-DK" sz="2800"/>
+              <a:t>A</a:t>
+            </a:r>
+            <a:endParaRPr lang="da-DK" sz="2800" smtClean="0"/>
+          </a:p>
+        </p:txBody>
+      </p:sp>
+      <p:sp>
+        <p:nvSpPr>
+          <p:cNvPr id="8" name="Afrundet rektangel 7"/>
+          <p:cNvSpPr/>
+          <p:nvPr/>
+        </p:nvSpPr>
+        <p:spPr>
+          <a:xfrm>
+            <a:off x="7121559" y="824162"/>
+            <a:ext cx="2649458" cy="1085513"/>
+          </a:xfrm>
+          <a:prstGeom prst="roundRect">
+            <a:avLst/>
+          </a:prstGeom>
+          <a:solidFill>
+            <a:srgbClr val="0070C0">
+              <a:alpha val="40000"/>
+            </a:srgbClr>
+          </a:solidFill>
+        </p:spPr>
+        <p:style>
+          <a:lnRef idx="2">
+            <a:schemeClr val="accent1">
+              <a:shade val="50000"/>
+            </a:schemeClr>
+          </a:lnRef>
+          <a:fillRef idx="1">
+            <a:schemeClr val="accent1"/>
+          </a:fillRef>
+          <a:effectRef idx="0">
+            <a:schemeClr val="accent1"/>
+          </a:effectRef>
+          <a:fontRef idx="minor">
+            <a:schemeClr val="lt1"/>
+          </a:fontRef>
+        </p:style>
+        <p:txBody>
+          <a:bodyPr rtlCol="0" anchor="t"/>
+          <a:lstStyle/>
+          <a:p>
+            <a:pPr algn="ctr"/>
+            <a:r>
+              <a:rPr lang="da-DK" sz="3600" smtClean="0">
+                <a:solidFill>
+                  <a:srgbClr val="FFFF00"/>
+                </a:solidFill>
+              </a:rPr>
+              <a:t>IHandler</a:t>
+            </a:r>
+          </a:p>
+        </p:txBody>
+      </p:sp>
+      <p:cxnSp>
+        <p:nvCxnSpPr>
+          <p:cNvPr id="9" name="Vinklet forbindelse 2"/>
+          <p:cNvCxnSpPr>
+            <a:stCxn id="11" idx="0"/>
+            <a:endCxn id="8" idx="2"/>
+          </p:cNvCxnSpPr>
+          <p:nvPr/>
+        </p:nvCxnSpPr>
+        <p:spPr>
+          <a:xfrm flipV="1">
+            <a:off x="6829417" y="1909675"/>
+            <a:ext cx="1616871" cy="1512302"/>
+          </a:xfrm>
+          <a:prstGeom prst="straightConnector1">
+            <a:avLst/>
+          </a:prstGeom>
+          <a:ln w="76200">
+            <a:solidFill>
+              <a:schemeClr val="tx1"/>
+            </a:solidFill>
+            <a:headEnd w="lg" len="lg"/>
+            <a:tailEnd type="triangle" w="lg" len="lg"/>
+          </a:ln>
+        </p:spPr>
+        <p:style>
+          <a:lnRef idx="1">
+            <a:schemeClr val="accent1"/>
+          </a:lnRef>
+          <a:fillRef idx="0">
+            <a:schemeClr val="accent1"/>
+          </a:fillRef>
+          <a:effectRef idx="0">
+            <a:schemeClr val="accent1"/>
+          </a:effectRef>
+          <a:fontRef idx="minor">
+            <a:schemeClr val="tx1"/>
+          </a:fontRef>
+        </p:style>
+      </p:cxnSp>
+    </p:spTree>
+    <p:extLst>
+      <p:ext uri="{BB962C8B-B14F-4D97-AF65-F5344CB8AC3E}">
+        <p14:creationId xmlns:p14="http://schemas.microsoft.com/office/powerpoint/2010/main" val="145877006"/>
       </p:ext>
     </p:extLst>
   </p:cSld>
@@ -8718,7 +9362,7 @@
         </p:nvSpPr>
         <p:spPr>
           <a:xfrm>
-            <a:off x="5976910" y="4282195"/>
+            <a:off x="5976910" y="5013715"/>
             <a:ext cx="3347074" cy="918098"/>
           </a:xfrm>
           <a:prstGeom prst="roundRect">
@@ -8764,7 +9408,7 @@
         </p:nvSpPr>
         <p:spPr>
           <a:xfrm>
-            <a:off x="5976910" y="1336979"/>
+            <a:off x="5976910" y="605459"/>
             <a:ext cx="3347074" cy="918098"/>
           </a:xfrm>
           <a:prstGeom prst="roundRect">
@@ -8808,10 +9452,133 @@
           </a:p>
         </p:txBody>
       </p:sp>
+      <p:cxnSp>
+        <p:nvCxnSpPr>
+          <p:cNvPr id="6" name="Vinklet forbindelse 2"/>
+          <p:cNvCxnSpPr>
+            <a:stCxn id="10" idx="0"/>
+            <a:endCxn id="18" idx="2"/>
+          </p:cNvCxnSpPr>
+          <p:nvPr/>
+        </p:nvCxnSpPr>
+        <p:spPr>
+          <a:xfrm flipV="1">
+            <a:off x="7650447" y="1523557"/>
+            <a:ext cx="0" cy="1286030"/>
+          </a:xfrm>
+          <a:prstGeom prst="straightConnector1">
+            <a:avLst/>
+          </a:prstGeom>
+          <a:ln w="76200">
+            <a:solidFill>
+              <a:schemeClr val="tx1"/>
+            </a:solidFill>
+            <a:headEnd w="lg" len="lg"/>
+            <a:tailEnd type="triangle" w="lg" len="lg"/>
+          </a:ln>
+        </p:spPr>
+        <p:style>
+          <a:lnRef idx="1">
+            <a:schemeClr val="accent1"/>
+          </a:lnRef>
+          <a:fillRef idx="0">
+            <a:schemeClr val="accent1"/>
+          </a:fillRef>
+          <a:effectRef idx="0">
+            <a:schemeClr val="accent1"/>
+          </a:effectRef>
+          <a:fontRef idx="minor">
+            <a:schemeClr val="tx1"/>
+          </a:fontRef>
+        </p:style>
+      </p:cxnSp>
+      <p:cxnSp>
+        <p:nvCxnSpPr>
+          <p:cNvPr id="9" name="Vinklet forbindelse 2"/>
+          <p:cNvCxnSpPr>
+            <a:stCxn id="8" idx="0"/>
+            <a:endCxn id="10" idx="2"/>
+          </p:cNvCxnSpPr>
+          <p:nvPr/>
+        </p:nvCxnSpPr>
+        <p:spPr>
+          <a:xfrm flipV="1">
+            <a:off x="7650447" y="3727685"/>
+            <a:ext cx="0" cy="1286030"/>
+          </a:xfrm>
+          <a:prstGeom prst="straightConnector1">
+            <a:avLst/>
+          </a:prstGeom>
+          <a:ln w="76200">
+            <a:solidFill>
+              <a:schemeClr val="tx1"/>
+            </a:solidFill>
+            <a:headEnd w="lg" len="lg"/>
+            <a:tailEnd type="triangle" w="lg" len="lg"/>
+          </a:ln>
+        </p:spPr>
+        <p:style>
+          <a:lnRef idx="1">
+            <a:schemeClr val="accent1"/>
+          </a:lnRef>
+          <a:fillRef idx="0">
+            <a:schemeClr val="accent1"/>
+          </a:fillRef>
+          <a:effectRef idx="0">
+            <a:schemeClr val="accent1"/>
+          </a:effectRef>
+          <a:fontRef idx="minor">
+            <a:schemeClr val="tx1"/>
+          </a:fontRef>
+        </p:style>
+      </p:cxnSp>
+      <p:cxnSp>
+        <p:nvCxnSpPr>
+          <p:cNvPr id="13" name="Vinklet forbindelse 2"/>
+          <p:cNvCxnSpPr>
+            <a:stCxn id="4" idx="3"/>
+            <a:endCxn id="18" idx="1"/>
+          </p:cNvCxnSpPr>
+          <p:nvPr/>
+        </p:nvCxnSpPr>
+        <p:spPr>
+          <a:xfrm flipV="1">
+            <a:off x="3466857" y="1064508"/>
+            <a:ext cx="2510053" cy="2204128"/>
+          </a:xfrm>
+          <a:prstGeom prst="straightConnector1">
+            <a:avLst/>
+          </a:prstGeom>
+          <a:ln w="76200">
+            <a:solidFill>
+              <a:schemeClr val="bg1">
+                <a:lumMod val="50000"/>
+              </a:schemeClr>
+            </a:solidFill>
+            <a:prstDash val="sysDot"/>
+            <a:headEnd w="lg" len="lg"/>
+            <a:tailEnd type="arrow" w="lg" len="lg"/>
+          </a:ln>
+        </p:spPr>
+        <p:style>
+          <a:lnRef idx="1">
+            <a:schemeClr val="accent1"/>
+          </a:lnRef>
+          <a:fillRef idx="0">
+            <a:schemeClr val="accent1"/>
+          </a:fillRef>
+          <a:effectRef idx="0">
+            <a:schemeClr val="accent1"/>
+          </a:effectRef>
+          <a:fontRef idx="minor">
+            <a:schemeClr val="tx1"/>
+          </a:fontRef>
+        </p:style>
+      </p:cxnSp>
     </p:spTree>
     <p:extLst>
       <p:ext uri="{BB962C8B-B14F-4D97-AF65-F5344CB8AC3E}">
-        <p14:creationId xmlns:p14="http://schemas.microsoft.com/office/powerpoint/2010/main" val="1854217682"/>
+        <p14:creationId xmlns:p14="http://schemas.microsoft.com/office/powerpoint/2010/main" val="1206054112"/>
       </p:ext>
     </p:extLst>
   </p:cSld>
@@ -8829,250 +9596,9 @@
   <p:timing>
     <p:tnLst>
       <p:par>
-        <p:cTn id="1" dur="indefinite" restart="never" nodeType="tmRoot">
-          <p:childTnLst>
-            <p:seq concurrent="1" nextAc="seek">
-              <p:cTn id="2" dur="indefinite" nodeType="mainSeq">
-                <p:childTnLst>
-                  <p:par>
-                    <p:cTn id="3" fill="hold">
-                      <p:stCondLst>
-                        <p:cond delay="indefinite"/>
-                      </p:stCondLst>
-                      <p:childTnLst>
-                        <p:par>
-                          <p:cTn id="4" fill="hold">
-                            <p:stCondLst>
-                              <p:cond delay="0"/>
-                            </p:stCondLst>
-                            <p:childTnLst>
-                              <p:par>
-                                <p:cTn id="5" presetID="10" presetClass="entr" presetSubtype="0" fill="hold" grpId="0" nodeType="clickEffect">
-                                  <p:stCondLst>
-                                    <p:cond delay="0"/>
-                                  </p:stCondLst>
-                                  <p:childTnLst>
-                                    <p:set>
-                                      <p:cBhvr>
-                                        <p:cTn id="6" dur="1" fill="hold">
-                                          <p:stCondLst>
-                                            <p:cond delay="0"/>
-                                          </p:stCondLst>
-                                        </p:cTn>
-                                        <p:tgtEl>
-                                          <p:spTgt spid="8"/>
-                                        </p:tgtEl>
-                                        <p:attrNameLst>
-                                          <p:attrName>style.visibility</p:attrName>
-                                        </p:attrNameLst>
-                                      </p:cBhvr>
-                                      <p:to>
-                                        <p:strVal val="visible"/>
-                                      </p:to>
-                                    </p:set>
-                                    <p:animEffect transition="in" filter="fade">
-                                      <p:cBhvr>
-                                        <p:cTn id="7" dur="500"/>
-                                        <p:tgtEl>
-                                          <p:spTgt spid="8"/>
-                                        </p:tgtEl>
-                                      </p:cBhvr>
-                                    </p:animEffect>
-                                  </p:childTnLst>
-                                </p:cTn>
-                              </p:par>
-                            </p:childTnLst>
-                          </p:cTn>
-                        </p:par>
-                      </p:childTnLst>
-                    </p:cTn>
-                  </p:par>
-                  <p:par>
-                    <p:cTn id="8" fill="hold">
-                      <p:stCondLst>
-                        <p:cond delay="indefinite"/>
-                      </p:stCondLst>
-                      <p:childTnLst>
-                        <p:par>
-                          <p:cTn id="9" fill="hold">
-                            <p:stCondLst>
-                              <p:cond delay="0"/>
-                            </p:stCondLst>
-                            <p:childTnLst>
-                              <p:par>
-                                <p:cTn id="10" presetID="10" presetClass="entr" presetSubtype="0" fill="hold" grpId="0" nodeType="clickEffect">
-                                  <p:stCondLst>
-                                    <p:cond delay="0"/>
-                                  </p:stCondLst>
-                                  <p:childTnLst>
-                                    <p:set>
-                                      <p:cBhvr>
-                                        <p:cTn id="11" dur="1" fill="hold">
-                                          <p:stCondLst>
-                                            <p:cond delay="0"/>
-                                          </p:stCondLst>
-                                        </p:cTn>
-                                        <p:tgtEl>
-                                          <p:spTgt spid="10"/>
-                                        </p:tgtEl>
-                                        <p:attrNameLst>
-                                          <p:attrName>style.visibility</p:attrName>
-                                        </p:attrNameLst>
-                                      </p:cBhvr>
-                                      <p:to>
-                                        <p:strVal val="visible"/>
-                                      </p:to>
-                                    </p:set>
-                                    <p:animEffect transition="in" filter="fade">
-                                      <p:cBhvr>
-                                        <p:cTn id="12" dur="500"/>
-                                        <p:tgtEl>
-                                          <p:spTgt spid="10"/>
-                                        </p:tgtEl>
-                                      </p:cBhvr>
-                                    </p:animEffect>
-                                  </p:childTnLst>
-                                </p:cTn>
-                              </p:par>
-                            </p:childTnLst>
-                          </p:cTn>
-                        </p:par>
-                      </p:childTnLst>
-                    </p:cTn>
-                  </p:par>
-                  <p:par>
-                    <p:cTn id="13" fill="hold">
-                      <p:stCondLst>
-                        <p:cond delay="indefinite"/>
-                      </p:stCondLst>
-                      <p:childTnLst>
-                        <p:par>
-                          <p:cTn id="14" fill="hold">
-                            <p:stCondLst>
-                              <p:cond delay="0"/>
-                            </p:stCondLst>
-                            <p:childTnLst>
-                              <p:par>
-                                <p:cTn id="15" presetID="10" presetClass="entr" presetSubtype="0" fill="hold" grpId="0" nodeType="clickEffect">
-                                  <p:stCondLst>
-                                    <p:cond delay="0"/>
-                                  </p:stCondLst>
-                                  <p:childTnLst>
-                                    <p:set>
-                                      <p:cBhvr>
-                                        <p:cTn id="16" dur="1" fill="hold">
-                                          <p:stCondLst>
-                                            <p:cond delay="0"/>
-                                          </p:stCondLst>
-                                        </p:cTn>
-                                        <p:tgtEl>
-                                          <p:spTgt spid="18"/>
-                                        </p:tgtEl>
-                                        <p:attrNameLst>
-                                          <p:attrName>style.visibility</p:attrName>
-                                        </p:attrNameLst>
-                                      </p:cBhvr>
-                                      <p:to>
-                                        <p:strVal val="visible"/>
-                                      </p:to>
-                                    </p:set>
-                                    <p:animEffect transition="in" filter="fade">
-                                      <p:cBhvr>
-                                        <p:cTn id="17" dur="500"/>
-                                        <p:tgtEl>
-                                          <p:spTgt spid="18"/>
-                                        </p:tgtEl>
-                                      </p:cBhvr>
-                                    </p:animEffect>
-                                  </p:childTnLst>
-                                </p:cTn>
-                              </p:par>
-                            </p:childTnLst>
-                          </p:cTn>
-                        </p:par>
-                      </p:childTnLst>
-                    </p:cTn>
-                  </p:par>
-                  <p:par>
-                    <p:cTn id="18" fill="hold">
-                      <p:stCondLst>
-                        <p:cond delay="indefinite"/>
-                      </p:stCondLst>
-                      <p:childTnLst>
-                        <p:par>
-                          <p:cTn id="19" fill="hold">
-                            <p:stCondLst>
-                              <p:cond delay="0"/>
-                            </p:stCondLst>
-                            <p:childTnLst>
-                              <p:par>
-                                <p:cTn id="20" presetID="10" presetClass="entr" presetSubtype="0" fill="hold" grpId="0" nodeType="clickEffect">
-                                  <p:stCondLst>
-                                    <p:cond delay="0"/>
-                                  </p:stCondLst>
-                                  <p:childTnLst>
-                                    <p:set>
-                                      <p:cBhvr>
-                                        <p:cTn id="21" dur="1" fill="hold">
-                                          <p:stCondLst>
-                                            <p:cond delay="0"/>
-                                          </p:stCondLst>
-                                        </p:cTn>
-                                        <p:tgtEl>
-                                          <p:spTgt spid="4"/>
-                                        </p:tgtEl>
-                                        <p:attrNameLst>
-                                          <p:attrName>style.visibility</p:attrName>
-                                        </p:attrNameLst>
-                                      </p:cBhvr>
-                                      <p:to>
-                                        <p:strVal val="visible"/>
-                                      </p:to>
-                                    </p:set>
-                                    <p:animEffect transition="in" filter="fade">
-                                      <p:cBhvr>
-                                        <p:cTn id="22" dur="500"/>
-                                        <p:tgtEl>
-                                          <p:spTgt spid="4"/>
-                                        </p:tgtEl>
-                                      </p:cBhvr>
-                                    </p:animEffect>
-                                  </p:childTnLst>
-                                </p:cTn>
-                              </p:par>
-                            </p:childTnLst>
-                          </p:cTn>
-                        </p:par>
-                      </p:childTnLst>
-                    </p:cTn>
-                  </p:par>
-                </p:childTnLst>
-              </p:cTn>
-              <p:prevCondLst>
-                <p:cond evt="onPrev" delay="0">
-                  <p:tgtEl>
-                    <p:sldTgt/>
-                  </p:tgtEl>
-                </p:cond>
-              </p:prevCondLst>
-              <p:nextCondLst>
-                <p:cond evt="onNext" delay="0">
-                  <p:tgtEl>
-                    <p:sldTgt/>
-                  </p:tgtEl>
-                </p:cond>
-              </p:nextCondLst>
-            </p:seq>
-          </p:childTnLst>
-        </p:cTn>
+        <p:cTn id="1" dur="indefinite" restart="never" nodeType="tmRoot"/>
       </p:par>
     </p:tnLst>
-    <p:bldLst>
-      <p:bldP spid="10" grpId="0" animBg="1"/>
-      <p:bldP spid="4" grpId="0" animBg="1"/>
-      <p:bldP spid="8" grpId="0" animBg="1"/>
-      <p:bldP spid="18" grpId="0" animBg="1"/>
-    </p:bldLst>
   </p:timing>
 </p:sld>
 </file>
